--- a/Лекции/ИТиП лек 4 (лр 4).pptx
+++ b/Лекции/ИТиП лек 4 (лр 4).pptx
@@ -5,7 +5,7 @@
     <p:sldMasterId id="2147483674" r:id="rId1"/>
   </p:sldMasterIdLst>
   <p:notesMasterIdLst>
-    <p:notesMasterId r:id="rId35"/>
+    <p:notesMasterId r:id="rId41"/>
   </p:notesMasterIdLst>
   <p:sldIdLst>
     <p:sldId id="273" r:id="rId2"/>
@@ -36,11 +36,17 @@
     <p:sldId id="1011" r:id="rId27"/>
     <p:sldId id="1012" r:id="rId28"/>
     <p:sldId id="1013" r:id="rId29"/>
-    <p:sldId id="1018" r:id="rId30"/>
-    <p:sldId id="1019" r:id="rId31"/>
-    <p:sldId id="1020" r:id="rId32"/>
-    <p:sldId id="1021" r:id="rId33"/>
-    <p:sldId id="1022" r:id="rId34"/>
+    <p:sldId id="1046" r:id="rId30"/>
+    <p:sldId id="1048" r:id="rId31"/>
+    <p:sldId id="1050" r:id="rId32"/>
+    <p:sldId id="1018" r:id="rId33"/>
+    <p:sldId id="1049" r:id="rId34"/>
+    <p:sldId id="1019" r:id="rId35"/>
+    <p:sldId id="1020" r:id="rId36"/>
+    <p:sldId id="1021" r:id="rId37"/>
+    <p:sldId id="1022" r:id="rId38"/>
+    <p:sldId id="1043" r:id="rId39"/>
+    <p:sldId id="1044" r:id="rId40"/>
   </p:sldIdLst>
   <p:sldSz cx="12192000" cy="6858000"/>
   <p:notesSz cx="6858000" cy="9144000"/>
@@ -241,7 +247,7 @@
             <a:fld id="{AA2F9473-F066-431E-A6E8-1D478C995A6B}" type="datetimeFigureOut">
               <a:rPr lang="en-US" smtClean="0"/>
               <a:pPr/>
-              <a:t>3/22/2024</a:t>
+              <a:t>11/14/2024</a:t>
             </a:fld>
             <a:endParaRPr lang="en-US"/>
           </a:p>
@@ -2480,7 +2486,7 @@
     </p:spTree>
     <p:extLst>
       <p:ext uri="{BB962C8B-B14F-4D97-AF65-F5344CB8AC3E}">
-        <p14:creationId xmlns:p14="http://schemas.microsoft.com/office/powerpoint/2010/main" val="4188058122"/>
+        <p14:creationId xmlns:p14="http://schemas.microsoft.com/office/powerpoint/2010/main" val="929306344"/>
       </p:ext>
     </p:extLst>
   </p:cSld>
@@ -2629,7 +2635,47 @@
           <a:bodyPr/>
           <a:lstStyle/>
           <a:p>
-            <a:endParaRPr lang="ru-RU"/>
+            <a:pPr marL="0" marR="0" indent="0" algn="l" defTabSz="914400" rtl="0" eaLnBrk="1" fontAlgn="auto" latinLnBrk="0" hangingPunct="1">
+              <a:lnSpc>
+                <a:spcPct val="100000"/>
+              </a:lnSpc>
+              <a:spcBef>
+                <a:spcPts val="0"/>
+              </a:spcBef>
+              <a:spcAft>
+                <a:spcPts val="0"/>
+              </a:spcAft>
+              <a:buClrTx/>
+              <a:buSzTx/>
+              <a:buFontTx/>
+              <a:buNone/>
+              <a:tabLst/>
+              <a:defRPr/>
+            </a:pPr>
+            <a:r>
+              <a:rPr lang="ru-RU" dirty="0" smtClean="0"/>
+              <a:t>Описание </a:t>
+            </a:r>
+            <a:r>
+              <a:rPr lang="ru-RU" baseline="0" dirty="0" smtClean="0"/>
+              <a:t>с сайта </a:t>
+            </a:r>
+            <a:r>
+              <a:rPr lang="ru-RU" baseline="0" dirty="0" err="1" smtClean="0"/>
+              <a:t>майкрософт</a:t>
+            </a:r>
+            <a:r>
+              <a:rPr lang="ru-RU" baseline="0" dirty="0" smtClean="0"/>
+              <a:t> на почитать и подумать, ссылка: </a:t>
+            </a:r>
+            <a:r>
+              <a:rPr lang="en-US" baseline="0" dirty="0" smtClean="0"/>
+              <a:t>https://learn.microsoft.com/ru-ru/dotnet/standard/garbage-collection/</a:t>
+            </a:r>
+            <a:endParaRPr lang="ru-RU" dirty="0" smtClean="0"/>
+          </a:p>
+          <a:p>
+            <a:endParaRPr lang="ru-RU" dirty="0"/>
           </a:p>
         </p:txBody>
       </p:sp>
@@ -2660,7 +2706,7 @@
     </p:spTree>
     <p:extLst>
       <p:ext uri="{BB962C8B-B14F-4D97-AF65-F5344CB8AC3E}">
-        <p14:creationId xmlns:p14="http://schemas.microsoft.com/office/powerpoint/2010/main" val="3319256205"/>
+        <p14:creationId xmlns:p14="http://schemas.microsoft.com/office/powerpoint/2010/main" val="1905878017"/>
       </p:ext>
     </p:extLst>
   </p:cSld>
@@ -2719,7 +2765,7 @@
           <a:bodyPr/>
           <a:lstStyle/>
           <a:p>
-            <a:endParaRPr lang="ru-RU"/>
+            <a:endParaRPr lang="ru-RU" dirty="0"/>
           </a:p>
         </p:txBody>
       </p:sp>
@@ -2750,7 +2796,7 @@
     </p:spTree>
     <p:extLst>
       <p:ext uri="{BB962C8B-B14F-4D97-AF65-F5344CB8AC3E}">
-        <p14:creationId xmlns:p14="http://schemas.microsoft.com/office/powerpoint/2010/main" val="2869291089"/>
+        <p14:creationId xmlns:p14="http://schemas.microsoft.com/office/powerpoint/2010/main" val="1721341372"/>
       </p:ext>
     </p:extLst>
   </p:cSld>
@@ -2840,7 +2886,7 @@
     </p:spTree>
     <p:extLst>
       <p:ext uri="{BB962C8B-B14F-4D97-AF65-F5344CB8AC3E}">
-        <p14:creationId xmlns:p14="http://schemas.microsoft.com/office/powerpoint/2010/main" val="1691805684"/>
+        <p14:creationId xmlns:p14="http://schemas.microsoft.com/office/powerpoint/2010/main" val="4188058122"/>
       </p:ext>
     </p:extLst>
   </p:cSld>
@@ -2930,7 +2976,547 @@
     </p:spTree>
     <p:extLst>
       <p:ext uri="{BB962C8B-B14F-4D97-AF65-F5344CB8AC3E}">
+        <p14:creationId xmlns:p14="http://schemas.microsoft.com/office/powerpoint/2010/main" val="4069302834"/>
+      </p:ext>
+    </p:extLst>
+  </p:cSld>
+  <p:clrMapOvr>
+    <a:masterClrMapping/>
+  </p:clrMapOvr>
+</p:notes>
+</file>
+
+<file path=ppt/notesSlides/notesSlide34.xml><?xml version="1.0" encoding="utf-8"?>
+<p:notes xmlns:a="http://schemas.openxmlformats.org/drawingml/2006/main" xmlns:r="http://schemas.openxmlformats.org/officeDocument/2006/relationships" xmlns:p="http://schemas.openxmlformats.org/presentationml/2006/main">
+  <p:cSld>
+    <p:spTree>
+      <p:nvGrpSpPr>
+        <p:cNvPr id="1" name=""/>
+        <p:cNvGrpSpPr/>
+        <p:nvPr/>
+      </p:nvGrpSpPr>
+      <p:grpSpPr>
+        <a:xfrm>
+          <a:off x="0" y="0"/>
+          <a:ext cx="0" cy="0"/>
+          <a:chOff x="0" y="0"/>
+          <a:chExt cx="0" cy="0"/>
+        </a:xfrm>
+      </p:grpSpPr>
+      <p:sp>
+        <p:nvSpPr>
+          <p:cNvPr id="2" name="Образ слайда 1"/>
+          <p:cNvSpPr>
+            <a:spLocks noGrp="1" noRot="1" noChangeAspect="1"/>
+          </p:cNvSpPr>
+          <p:nvPr>
+            <p:ph type="sldImg"/>
+          </p:nvPr>
+        </p:nvSpPr>
+        <p:spPr>
+          <a:xfrm>
+            <a:off x="685800" y="1143000"/>
+            <a:ext cx="5486400" cy="3086100"/>
+          </a:xfrm>
+        </p:spPr>
+      </p:sp>
+      <p:sp>
+        <p:nvSpPr>
+          <p:cNvPr id="3" name="Заметки 2"/>
+          <p:cNvSpPr>
+            <a:spLocks noGrp="1"/>
+          </p:cNvSpPr>
+          <p:nvPr>
+            <p:ph type="body" idx="1"/>
+          </p:nvPr>
+        </p:nvSpPr>
+        <p:spPr/>
+        <p:txBody>
+          <a:bodyPr/>
+          <a:lstStyle/>
+          <a:p>
+            <a:endParaRPr lang="ru-RU"/>
+          </a:p>
+        </p:txBody>
+      </p:sp>
+      <p:sp>
+        <p:nvSpPr>
+          <p:cNvPr id="4" name="Номер слайда 3"/>
+          <p:cNvSpPr>
+            <a:spLocks noGrp="1"/>
+          </p:cNvSpPr>
+          <p:nvPr>
+            <p:ph type="sldNum" sz="quarter" idx="10"/>
+          </p:nvPr>
+        </p:nvSpPr>
+        <p:spPr/>
+        <p:txBody>
+          <a:bodyPr/>
+          <a:lstStyle/>
+          <a:p>
+            <a:fld id="{F0F4E2F1-1521-4C3A-A563-2F7D19AB6E0B}" type="slidenum">
+              <a:rPr lang="en-US" smtClean="0"/>
+              <a:pPr/>
+              <a:t>34</a:t>
+            </a:fld>
+            <a:endParaRPr lang="en-US"/>
+          </a:p>
+        </p:txBody>
+      </p:sp>
+    </p:spTree>
+    <p:extLst>
+      <p:ext uri="{BB962C8B-B14F-4D97-AF65-F5344CB8AC3E}">
+        <p14:creationId xmlns:p14="http://schemas.microsoft.com/office/powerpoint/2010/main" val="3319256205"/>
+      </p:ext>
+    </p:extLst>
+  </p:cSld>
+  <p:clrMapOvr>
+    <a:masterClrMapping/>
+  </p:clrMapOvr>
+</p:notes>
+</file>
+
+<file path=ppt/notesSlides/notesSlide35.xml><?xml version="1.0" encoding="utf-8"?>
+<p:notes xmlns:a="http://schemas.openxmlformats.org/drawingml/2006/main" xmlns:r="http://schemas.openxmlformats.org/officeDocument/2006/relationships" xmlns:p="http://schemas.openxmlformats.org/presentationml/2006/main">
+  <p:cSld>
+    <p:spTree>
+      <p:nvGrpSpPr>
+        <p:cNvPr id="1" name=""/>
+        <p:cNvGrpSpPr/>
+        <p:nvPr/>
+      </p:nvGrpSpPr>
+      <p:grpSpPr>
+        <a:xfrm>
+          <a:off x="0" y="0"/>
+          <a:ext cx="0" cy="0"/>
+          <a:chOff x="0" y="0"/>
+          <a:chExt cx="0" cy="0"/>
+        </a:xfrm>
+      </p:grpSpPr>
+      <p:sp>
+        <p:nvSpPr>
+          <p:cNvPr id="2" name="Образ слайда 1"/>
+          <p:cNvSpPr>
+            <a:spLocks noGrp="1" noRot="1" noChangeAspect="1"/>
+          </p:cNvSpPr>
+          <p:nvPr>
+            <p:ph type="sldImg"/>
+          </p:nvPr>
+        </p:nvSpPr>
+        <p:spPr>
+          <a:xfrm>
+            <a:off x="685800" y="1143000"/>
+            <a:ext cx="5486400" cy="3086100"/>
+          </a:xfrm>
+        </p:spPr>
+      </p:sp>
+      <p:sp>
+        <p:nvSpPr>
+          <p:cNvPr id="3" name="Заметки 2"/>
+          <p:cNvSpPr>
+            <a:spLocks noGrp="1"/>
+          </p:cNvSpPr>
+          <p:nvPr>
+            <p:ph type="body" idx="1"/>
+          </p:nvPr>
+        </p:nvSpPr>
+        <p:spPr/>
+        <p:txBody>
+          <a:bodyPr/>
+          <a:lstStyle/>
+          <a:p>
+            <a:endParaRPr lang="ru-RU"/>
+          </a:p>
+        </p:txBody>
+      </p:sp>
+      <p:sp>
+        <p:nvSpPr>
+          <p:cNvPr id="4" name="Номер слайда 3"/>
+          <p:cNvSpPr>
+            <a:spLocks noGrp="1"/>
+          </p:cNvSpPr>
+          <p:nvPr>
+            <p:ph type="sldNum" sz="quarter" idx="10"/>
+          </p:nvPr>
+        </p:nvSpPr>
+        <p:spPr/>
+        <p:txBody>
+          <a:bodyPr/>
+          <a:lstStyle/>
+          <a:p>
+            <a:fld id="{F0F4E2F1-1521-4C3A-A563-2F7D19AB6E0B}" type="slidenum">
+              <a:rPr lang="en-US" smtClean="0"/>
+              <a:pPr/>
+              <a:t>35</a:t>
+            </a:fld>
+            <a:endParaRPr lang="en-US"/>
+          </a:p>
+        </p:txBody>
+      </p:sp>
+    </p:spTree>
+    <p:extLst>
+      <p:ext uri="{BB962C8B-B14F-4D97-AF65-F5344CB8AC3E}">
+        <p14:creationId xmlns:p14="http://schemas.microsoft.com/office/powerpoint/2010/main" val="2869291089"/>
+      </p:ext>
+    </p:extLst>
+  </p:cSld>
+  <p:clrMapOvr>
+    <a:masterClrMapping/>
+  </p:clrMapOvr>
+</p:notes>
+</file>
+
+<file path=ppt/notesSlides/notesSlide36.xml><?xml version="1.0" encoding="utf-8"?>
+<p:notes xmlns:a="http://schemas.openxmlformats.org/drawingml/2006/main" xmlns:r="http://schemas.openxmlformats.org/officeDocument/2006/relationships" xmlns:p="http://schemas.openxmlformats.org/presentationml/2006/main">
+  <p:cSld>
+    <p:spTree>
+      <p:nvGrpSpPr>
+        <p:cNvPr id="1" name=""/>
+        <p:cNvGrpSpPr/>
+        <p:nvPr/>
+      </p:nvGrpSpPr>
+      <p:grpSpPr>
+        <a:xfrm>
+          <a:off x="0" y="0"/>
+          <a:ext cx="0" cy="0"/>
+          <a:chOff x="0" y="0"/>
+          <a:chExt cx="0" cy="0"/>
+        </a:xfrm>
+      </p:grpSpPr>
+      <p:sp>
+        <p:nvSpPr>
+          <p:cNvPr id="2" name="Образ слайда 1"/>
+          <p:cNvSpPr>
+            <a:spLocks noGrp="1" noRot="1" noChangeAspect="1"/>
+          </p:cNvSpPr>
+          <p:nvPr>
+            <p:ph type="sldImg"/>
+          </p:nvPr>
+        </p:nvSpPr>
+        <p:spPr>
+          <a:xfrm>
+            <a:off x="685800" y="1143000"/>
+            <a:ext cx="5486400" cy="3086100"/>
+          </a:xfrm>
+        </p:spPr>
+      </p:sp>
+      <p:sp>
+        <p:nvSpPr>
+          <p:cNvPr id="3" name="Заметки 2"/>
+          <p:cNvSpPr>
+            <a:spLocks noGrp="1"/>
+          </p:cNvSpPr>
+          <p:nvPr>
+            <p:ph type="body" idx="1"/>
+          </p:nvPr>
+        </p:nvSpPr>
+        <p:spPr/>
+        <p:txBody>
+          <a:bodyPr/>
+          <a:lstStyle/>
+          <a:p>
+            <a:endParaRPr lang="ru-RU"/>
+          </a:p>
+        </p:txBody>
+      </p:sp>
+      <p:sp>
+        <p:nvSpPr>
+          <p:cNvPr id="4" name="Номер слайда 3"/>
+          <p:cNvSpPr>
+            <a:spLocks noGrp="1"/>
+          </p:cNvSpPr>
+          <p:nvPr>
+            <p:ph type="sldNum" sz="quarter" idx="10"/>
+          </p:nvPr>
+        </p:nvSpPr>
+        <p:spPr/>
+        <p:txBody>
+          <a:bodyPr/>
+          <a:lstStyle/>
+          <a:p>
+            <a:fld id="{F0F4E2F1-1521-4C3A-A563-2F7D19AB6E0B}" type="slidenum">
+              <a:rPr lang="en-US" smtClean="0"/>
+              <a:pPr/>
+              <a:t>36</a:t>
+            </a:fld>
+            <a:endParaRPr lang="en-US"/>
+          </a:p>
+        </p:txBody>
+      </p:sp>
+    </p:spTree>
+    <p:extLst>
+      <p:ext uri="{BB962C8B-B14F-4D97-AF65-F5344CB8AC3E}">
+        <p14:creationId xmlns:p14="http://schemas.microsoft.com/office/powerpoint/2010/main" val="1691805684"/>
+      </p:ext>
+    </p:extLst>
+  </p:cSld>
+  <p:clrMapOvr>
+    <a:masterClrMapping/>
+  </p:clrMapOvr>
+</p:notes>
+</file>
+
+<file path=ppt/notesSlides/notesSlide37.xml><?xml version="1.0" encoding="utf-8"?>
+<p:notes xmlns:a="http://schemas.openxmlformats.org/drawingml/2006/main" xmlns:r="http://schemas.openxmlformats.org/officeDocument/2006/relationships" xmlns:p="http://schemas.openxmlformats.org/presentationml/2006/main">
+  <p:cSld>
+    <p:spTree>
+      <p:nvGrpSpPr>
+        <p:cNvPr id="1" name=""/>
+        <p:cNvGrpSpPr/>
+        <p:nvPr/>
+      </p:nvGrpSpPr>
+      <p:grpSpPr>
+        <a:xfrm>
+          <a:off x="0" y="0"/>
+          <a:ext cx="0" cy="0"/>
+          <a:chOff x="0" y="0"/>
+          <a:chExt cx="0" cy="0"/>
+        </a:xfrm>
+      </p:grpSpPr>
+      <p:sp>
+        <p:nvSpPr>
+          <p:cNvPr id="2" name="Образ слайда 1"/>
+          <p:cNvSpPr>
+            <a:spLocks noGrp="1" noRot="1" noChangeAspect="1"/>
+          </p:cNvSpPr>
+          <p:nvPr>
+            <p:ph type="sldImg"/>
+          </p:nvPr>
+        </p:nvSpPr>
+        <p:spPr>
+          <a:xfrm>
+            <a:off x="685800" y="1143000"/>
+            <a:ext cx="5486400" cy="3086100"/>
+          </a:xfrm>
+        </p:spPr>
+      </p:sp>
+      <p:sp>
+        <p:nvSpPr>
+          <p:cNvPr id="3" name="Заметки 2"/>
+          <p:cNvSpPr>
+            <a:spLocks noGrp="1"/>
+          </p:cNvSpPr>
+          <p:nvPr>
+            <p:ph type="body" idx="1"/>
+          </p:nvPr>
+        </p:nvSpPr>
+        <p:spPr/>
+        <p:txBody>
+          <a:bodyPr/>
+          <a:lstStyle/>
+          <a:p>
+            <a:endParaRPr lang="ru-RU"/>
+          </a:p>
+        </p:txBody>
+      </p:sp>
+      <p:sp>
+        <p:nvSpPr>
+          <p:cNvPr id="4" name="Номер слайда 3"/>
+          <p:cNvSpPr>
+            <a:spLocks noGrp="1"/>
+          </p:cNvSpPr>
+          <p:nvPr>
+            <p:ph type="sldNum" sz="quarter" idx="10"/>
+          </p:nvPr>
+        </p:nvSpPr>
+        <p:spPr/>
+        <p:txBody>
+          <a:bodyPr/>
+          <a:lstStyle/>
+          <a:p>
+            <a:fld id="{F0F4E2F1-1521-4C3A-A563-2F7D19AB6E0B}" type="slidenum">
+              <a:rPr lang="en-US" smtClean="0"/>
+              <a:pPr/>
+              <a:t>37</a:t>
+            </a:fld>
+            <a:endParaRPr lang="en-US"/>
+          </a:p>
+        </p:txBody>
+      </p:sp>
+    </p:spTree>
+    <p:extLst>
+      <p:ext uri="{BB962C8B-B14F-4D97-AF65-F5344CB8AC3E}">
         <p14:creationId xmlns:p14="http://schemas.microsoft.com/office/powerpoint/2010/main" val="1288458654"/>
+      </p:ext>
+    </p:extLst>
+  </p:cSld>
+  <p:clrMapOvr>
+    <a:masterClrMapping/>
+  </p:clrMapOvr>
+</p:notes>
+</file>
+
+<file path=ppt/notesSlides/notesSlide38.xml><?xml version="1.0" encoding="utf-8"?>
+<p:notes xmlns:a="http://schemas.openxmlformats.org/drawingml/2006/main" xmlns:r="http://schemas.openxmlformats.org/officeDocument/2006/relationships" xmlns:p="http://schemas.openxmlformats.org/presentationml/2006/main">
+  <p:cSld>
+    <p:spTree>
+      <p:nvGrpSpPr>
+        <p:cNvPr id="1" name=""/>
+        <p:cNvGrpSpPr/>
+        <p:nvPr/>
+      </p:nvGrpSpPr>
+      <p:grpSpPr>
+        <a:xfrm>
+          <a:off x="0" y="0"/>
+          <a:ext cx="0" cy="0"/>
+          <a:chOff x="0" y="0"/>
+          <a:chExt cx="0" cy="0"/>
+        </a:xfrm>
+      </p:grpSpPr>
+      <p:sp>
+        <p:nvSpPr>
+          <p:cNvPr id="2" name="Образ слайда 1"/>
+          <p:cNvSpPr>
+            <a:spLocks noGrp="1" noRot="1" noChangeAspect="1"/>
+          </p:cNvSpPr>
+          <p:nvPr>
+            <p:ph type="sldImg"/>
+          </p:nvPr>
+        </p:nvSpPr>
+        <p:spPr>
+          <a:xfrm>
+            <a:off x="685800" y="1143000"/>
+            <a:ext cx="5486400" cy="3086100"/>
+          </a:xfrm>
+        </p:spPr>
+      </p:sp>
+      <p:sp>
+        <p:nvSpPr>
+          <p:cNvPr id="3" name="Заметки 2"/>
+          <p:cNvSpPr>
+            <a:spLocks noGrp="1"/>
+          </p:cNvSpPr>
+          <p:nvPr>
+            <p:ph type="body" idx="1"/>
+          </p:nvPr>
+        </p:nvSpPr>
+        <p:spPr/>
+        <p:txBody>
+          <a:bodyPr/>
+          <a:lstStyle/>
+          <a:p>
+            <a:endParaRPr lang="ru-RU"/>
+          </a:p>
+        </p:txBody>
+      </p:sp>
+      <p:sp>
+        <p:nvSpPr>
+          <p:cNvPr id="4" name="Номер слайда 3"/>
+          <p:cNvSpPr>
+            <a:spLocks noGrp="1"/>
+          </p:cNvSpPr>
+          <p:nvPr>
+            <p:ph type="sldNum" sz="quarter" idx="10"/>
+          </p:nvPr>
+        </p:nvSpPr>
+        <p:spPr/>
+        <p:txBody>
+          <a:bodyPr/>
+          <a:lstStyle/>
+          <a:p>
+            <a:fld id="{F0F4E2F1-1521-4C3A-A563-2F7D19AB6E0B}" type="slidenum">
+              <a:rPr lang="en-US" smtClean="0"/>
+              <a:pPr/>
+              <a:t>38</a:t>
+            </a:fld>
+            <a:endParaRPr lang="en-US"/>
+          </a:p>
+        </p:txBody>
+      </p:sp>
+    </p:spTree>
+    <p:extLst>
+      <p:ext uri="{BB962C8B-B14F-4D97-AF65-F5344CB8AC3E}">
+        <p14:creationId xmlns:p14="http://schemas.microsoft.com/office/powerpoint/2010/main" val="4266722974"/>
+      </p:ext>
+    </p:extLst>
+  </p:cSld>
+  <p:clrMapOvr>
+    <a:masterClrMapping/>
+  </p:clrMapOvr>
+</p:notes>
+</file>
+
+<file path=ppt/notesSlides/notesSlide39.xml><?xml version="1.0" encoding="utf-8"?>
+<p:notes xmlns:a="http://schemas.openxmlformats.org/drawingml/2006/main" xmlns:r="http://schemas.openxmlformats.org/officeDocument/2006/relationships" xmlns:p="http://schemas.openxmlformats.org/presentationml/2006/main">
+  <p:cSld>
+    <p:spTree>
+      <p:nvGrpSpPr>
+        <p:cNvPr id="1" name=""/>
+        <p:cNvGrpSpPr/>
+        <p:nvPr/>
+      </p:nvGrpSpPr>
+      <p:grpSpPr>
+        <a:xfrm>
+          <a:off x="0" y="0"/>
+          <a:ext cx="0" cy="0"/>
+          <a:chOff x="0" y="0"/>
+          <a:chExt cx="0" cy="0"/>
+        </a:xfrm>
+      </p:grpSpPr>
+      <p:sp>
+        <p:nvSpPr>
+          <p:cNvPr id="2" name="Образ слайда 1"/>
+          <p:cNvSpPr>
+            <a:spLocks noGrp="1" noRot="1" noChangeAspect="1"/>
+          </p:cNvSpPr>
+          <p:nvPr>
+            <p:ph type="sldImg"/>
+          </p:nvPr>
+        </p:nvSpPr>
+        <p:spPr>
+          <a:xfrm>
+            <a:off x="685800" y="1143000"/>
+            <a:ext cx="5486400" cy="3086100"/>
+          </a:xfrm>
+        </p:spPr>
+      </p:sp>
+      <p:sp>
+        <p:nvSpPr>
+          <p:cNvPr id="3" name="Заметки 2"/>
+          <p:cNvSpPr>
+            <a:spLocks noGrp="1"/>
+          </p:cNvSpPr>
+          <p:nvPr>
+            <p:ph type="body" idx="1"/>
+          </p:nvPr>
+        </p:nvSpPr>
+        <p:spPr/>
+        <p:txBody>
+          <a:bodyPr/>
+          <a:lstStyle/>
+          <a:p>
+            <a:endParaRPr lang="ru-RU"/>
+          </a:p>
+        </p:txBody>
+      </p:sp>
+      <p:sp>
+        <p:nvSpPr>
+          <p:cNvPr id="4" name="Номер слайда 3"/>
+          <p:cNvSpPr>
+            <a:spLocks noGrp="1"/>
+          </p:cNvSpPr>
+          <p:nvPr>
+            <p:ph type="sldNum" sz="quarter" idx="10"/>
+          </p:nvPr>
+        </p:nvSpPr>
+        <p:spPr/>
+        <p:txBody>
+          <a:bodyPr/>
+          <a:lstStyle/>
+          <a:p>
+            <a:fld id="{F0F4E2F1-1521-4C3A-A563-2F7D19AB6E0B}" type="slidenum">
+              <a:rPr lang="en-US" smtClean="0"/>
+              <a:pPr/>
+              <a:t>39</a:t>
+            </a:fld>
+            <a:endParaRPr lang="en-US"/>
+          </a:p>
+        </p:txBody>
+      </p:sp>
+    </p:spTree>
+    <p:extLst>
+      <p:ext uri="{BB962C8B-B14F-4D97-AF65-F5344CB8AC3E}">
+        <p14:creationId xmlns:p14="http://schemas.microsoft.com/office/powerpoint/2010/main" val="1482684777"/>
       </p:ext>
     </p:extLst>
   </p:cSld>
@@ -14299,7 +14885,7 @@
           <a:p>
             <a:pPr algn="ctr"/>
             <a:r>
-              <a:rPr lang="ru-RU" sz="2800" b="1" dirty="0">
+              <a:rPr lang="ru-RU" sz="2800" b="1" dirty="0" smtClean="0">
                 <a:solidFill>
                   <a:schemeClr val="tx2">
                     <a:lumMod val="50000"/>
@@ -14308,8 +14894,17 @@
                 <a:latin typeface="Bookman Old Style" panose="02050604050505020204" pitchFamily="18" charset="0"/>
                 <a:cs typeface="Times New Roman" panose="02020603050405020304" pitchFamily="18" charset="0"/>
               </a:rPr>
-              <a:t>Работа с файлами и папками</a:t>
-            </a:r>
+              <a:t>Сборщик мусора. Управляемая и неуправляемая память</a:t>
+            </a:r>
+            <a:endParaRPr lang="ru-RU" sz="2800" b="1" dirty="0">
+              <a:solidFill>
+                <a:schemeClr val="tx2">
+                  <a:lumMod val="50000"/>
+                </a:schemeClr>
+              </a:solidFill>
+              <a:latin typeface="Bookman Old Style" panose="02050604050505020204" pitchFamily="18" charset="0"/>
+              <a:cs typeface="Times New Roman" panose="02020603050405020304" pitchFamily="18" charset="0"/>
+            </a:endParaRPr>
           </a:p>
         </p:txBody>
       </p:sp>
@@ -14328,7 +14923,7 @@
         <p:spPr>
           <a:xfrm>
             <a:off x="248859" y="757215"/>
-            <a:ext cx="11943141" cy="6058325"/>
+            <a:ext cx="11943141" cy="5078313"/>
           </a:xfrm>
           <a:prstGeom prst="rect">
             <a:avLst/>
@@ -14341,571 +14936,105 @@
           </a:bodyPr>
           <a:lstStyle/>
           <a:p>
-            <a:pPr>
+            <a:pPr algn="just">
               <a:lnSpc>
-                <a:spcPct val="125000"/>
+                <a:spcPct val="150000"/>
               </a:lnSpc>
             </a:pPr>
             <a:r>
-              <a:rPr lang="ru-RU" sz="2400" b="1" i="0" dirty="0">
-                <a:effectLst/>
-                <a:latin typeface="Bookman Old Style" panose="02050604050505020204" pitchFamily="18" charset="0"/>
-              </a:rPr>
-              <a:t>Создание </a:t>
-            </a:r>
-            <a:r>
-              <a:rPr lang="ru-RU" sz="2400" b="1" i="0" dirty="0" smtClean="0">
-                <a:effectLst/>
-                <a:latin typeface="Bookman Old Style" panose="02050604050505020204" pitchFamily="18" charset="0"/>
-              </a:rPr>
-              <a:t>файла</a:t>
-            </a:r>
-            <a:r>
-              <a:rPr lang="ru-RU" sz="2400" i="0" dirty="0" smtClean="0">
-                <a:effectLst/>
-                <a:latin typeface="Bookman Old Style" panose="02050604050505020204" pitchFamily="18" charset="0"/>
-              </a:rPr>
-              <a:t>:</a:t>
-            </a:r>
-            <a:r>
-              <a:rPr lang="en-US" sz="2400" i="0" dirty="0" smtClean="0">
-                <a:effectLst/>
-                <a:latin typeface="Bookman Old Style" panose="02050604050505020204" pitchFamily="18" charset="0"/>
-              </a:rPr>
-              <a:t> 		</a:t>
-            </a:r>
-            <a:r>
-              <a:rPr lang="en-US" sz="2400" dirty="0" err="1" smtClean="0">
-                <a:solidFill>
-                  <a:srgbClr val="000000"/>
-                </a:solidFill>
-                <a:latin typeface="Cascadia Mono" panose="020B0609020000020004" pitchFamily="49" charset="0"/>
-              </a:rPr>
-              <a:t>File.Create</a:t>
-            </a:r>
-            <a:r>
-              <a:rPr lang="en-US" sz="2400" dirty="0">
-                <a:solidFill>
-                  <a:srgbClr val="000000"/>
-                </a:solidFill>
-                <a:latin typeface="Cascadia Mono" panose="020B0609020000020004" pitchFamily="49" charset="0"/>
-              </a:rPr>
-              <a:t>(</a:t>
-            </a:r>
-            <a:r>
-              <a:rPr lang="en-US" sz="2400" dirty="0">
-                <a:solidFill>
-                  <a:srgbClr val="A31515"/>
-                </a:solidFill>
-                <a:latin typeface="Cascadia Mono" panose="020B0609020000020004" pitchFamily="49" charset="0"/>
-              </a:rPr>
-              <a:t>"</a:t>
-            </a:r>
-            <a:r>
               <a:rPr lang="ru-RU" sz="2400" dirty="0">
-                <a:solidFill>
-                  <a:srgbClr val="A31515"/>
-                </a:solidFill>
-                <a:latin typeface="Cascadia Mono" panose="020B0609020000020004" pitchFamily="49" charset="0"/>
-              </a:rPr>
-              <a:t>мой файл.</a:t>
-            </a:r>
-            <a:r>
-              <a:rPr lang="en-US" sz="2400" dirty="0">
-                <a:solidFill>
-                  <a:srgbClr val="A31515"/>
-                </a:solidFill>
-                <a:latin typeface="Cascadia Mono" panose="020B0609020000020004" pitchFamily="49" charset="0"/>
-              </a:rPr>
-              <a:t>txt</a:t>
-            </a:r>
-            <a:r>
-              <a:rPr lang="en-US" sz="2400" dirty="0" smtClean="0">
-                <a:solidFill>
-                  <a:srgbClr val="A31515"/>
-                </a:solidFill>
-                <a:latin typeface="Cascadia Mono" panose="020B0609020000020004" pitchFamily="49" charset="0"/>
-              </a:rPr>
-              <a:t>"</a:t>
-            </a:r>
-            <a:r>
-              <a:rPr lang="en-US" sz="2400" dirty="0" smtClean="0">
-                <a:solidFill>
-                  <a:srgbClr val="000000"/>
-                </a:solidFill>
-                <a:latin typeface="Cascadia Mono" panose="020B0609020000020004" pitchFamily="49" charset="0"/>
-              </a:rPr>
-              <a:t>);</a:t>
-            </a:r>
-            <a:endParaRPr lang="ru-RU" sz="2400" i="0" dirty="0">
-              <a:effectLst/>
+                <a:latin typeface="Bookman Old Style" panose="02050604050505020204" pitchFamily="18" charset="0"/>
+              </a:rPr>
+              <a:t>Сборщик мусора (</a:t>
+            </a:r>
+            <a:r>
+              <a:rPr lang="ru-RU" sz="2400" dirty="0" err="1">
+                <a:latin typeface="Bookman Old Style" panose="02050604050505020204" pitchFamily="18" charset="0"/>
+              </a:rPr>
+              <a:t>Garbage</a:t>
+            </a:r>
+            <a:r>
+              <a:rPr lang="ru-RU" sz="2400" dirty="0">
+                <a:latin typeface="Bookman Old Style" panose="02050604050505020204" pitchFamily="18" charset="0"/>
+              </a:rPr>
+              <a:t> </a:t>
+            </a:r>
+            <a:r>
+              <a:rPr lang="ru-RU" sz="2400" dirty="0" err="1">
+                <a:latin typeface="Bookman Old Style" panose="02050604050505020204" pitchFamily="18" charset="0"/>
+              </a:rPr>
+              <a:t>Collector</a:t>
+            </a:r>
+            <a:r>
+              <a:rPr lang="ru-RU" sz="2400" dirty="0">
+                <a:latin typeface="Bookman Old Style" panose="02050604050505020204" pitchFamily="18" charset="0"/>
+              </a:rPr>
+              <a:t>, GC) — это </a:t>
+            </a:r>
+            <a:r>
+              <a:rPr lang="ru-RU" sz="2400" dirty="0" smtClean="0">
+                <a:latin typeface="Bookman Old Style" panose="02050604050505020204" pitchFamily="18" charset="0"/>
+              </a:rPr>
+              <a:t>компонент </a:t>
+            </a:r>
+            <a:r>
+              <a:rPr lang="ru-RU" sz="2400" dirty="0">
+                <a:latin typeface="Bookman Old Style" panose="02050604050505020204" pitchFamily="18" charset="0"/>
+              </a:rPr>
+              <a:t>среды выполнения .NET, отвечающий за автоматическое управление памятью в приложениях на C#. </a:t>
+            </a:r>
+            <a:endParaRPr lang="ru-RU" sz="2400" dirty="0" smtClean="0">
               <a:latin typeface="Bookman Old Style" panose="02050604050505020204" pitchFamily="18" charset="0"/>
             </a:endParaRPr>
           </a:p>
           <a:p>
-            <a:pPr>
+            <a:pPr algn="just">
               <a:lnSpc>
-                <a:spcPct val="125000"/>
+                <a:spcPct val="150000"/>
               </a:lnSpc>
             </a:pPr>
             <a:r>
-              <a:rPr lang="ru-RU" sz="2400" i="0" dirty="0">
-                <a:effectLst/>
-                <a:latin typeface="Bookman Old Style" panose="02050604050505020204" pitchFamily="18" charset="0"/>
-              </a:rPr>
-              <a:t>При указании имени файла</a:t>
+              <a:rPr lang="ru-RU" sz="2400" dirty="0" smtClean="0">
+                <a:latin typeface="Bookman Old Style" panose="02050604050505020204" pitchFamily="18" charset="0"/>
+              </a:rPr>
+              <a:t>В </a:t>
             </a:r>
             <a:r>
               <a:rPr lang="ru-RU" sz="2400" dirty="0">
                 <a:latin typeface="Bookman Old Style" panose="02050604050505020204" pitchFamily="18" charset="0"/>
               </a:rPr>
-              <a:t>, файл создается там, откуда запущено приложение.</a:t>
-            </a:r>
-          </a:p>
-          <a:p>
-            <a:pPr>
+              <a:t>отличие от языков программирования, которые требуют от разработчика явного управления памятью (например, C или C++), C# использует </a:t>
+            </a:r>
+            <a:r>
+              <a:rPr lang="ru-RU" sz="2400" b="1" dirty="0">
+                <a:latin typeface="Bookman Old Style" panose="02050604050505020204" pitchFamily="18" charset="0"/>
+              </a:rPr>
+              <a:t>автоматическое управление памятью</a:t>
+            </a:r>
+            <a:r>
+              <a:rPr lang="ru-RU" sz="2400" dirty="0">
+                <a:latin typeface="Bookman Old Style" panose="02050604050505020204" pitchFamily="18" charset="0"/>
+              </a:rPr>
+              <a:t>. Это означает, что разработчики не обязаны вручную освобождать память, которая больше не </a:t>
+            </a:r>
+            <a:r>
+              <a:rPr lang="ru-RU" sz="2400" dirty="0" smtClean="0">
+                <a:latin typeface="Bookman Old Style" panose="02050604050505020204" pitchFamily="18" charset="0"/>
+              </a:rPr>
+              <a:t>используется.</a:t>
+            </a:r>
+          </a:p>
+          <a:p>
+            <a:pPr algn="just">
               <a:lnSpc>
-                <a:spcPct val="125000"/>
+                <a:spcPct val="150000"/>
               </a:lnSpc>
             </a:pPr>
             <a:r>
-              <a:rPr lang="ru-RU" sz="2400" b="1" dirty="0">
-                <a:latin typeface="Bookman Old Style" panose="02050604050505020204" pitchFamily="18" charset="0"/>
-              </a:rPr>
-              <a:t>Создание файла </a:t>
-            </a:r>
-            <a:r>
-              <a:rPr lang="ru-RU" sz="2400" dirty="0">
-                <a:latin typeface="Bookman Old Style" panose="02050604050505020204" pitchFamily="18" charset="0"/>
-              </a:rPr>
-              <a:t>по конкретному пути:</a:t>
-            </a:r>
-            <a:endParaRPr lang="en-US" sz="2400" dirty="0">
-              <a:latin typeface="Bookman Old Style" panose="02050604050505020204" pitchFamily="18" charset="0"/>
-            </a:endParaRPr>
-          </a:p>
-          <a:p>
-            <a:pPr algn="ctr">
-              <a:lnSpc>
-                <a:spcPct val="125000"/>
-              </a:lnSpc>
-            </a:pPr>
-            <a:r>
-              <a:rPr lang="ru-RU" sz="2400" dirty="0" err="1">
-                <a:solidFill>
-                  <a:srgbClr val="00B0F0"/>
-                </a:solidFill>
-                <a:latin typeface="Cascadia Mono" panose="020B0609020000020004" pitchFamily="49" charset="0"/>
-              </a:rPr>
-              <a:t>File</a:t>
-            </a:r>
-            <a:r>
-              <a:rPr lang="ru-RU" sz="2400" dirty="0" err="1">
-                <a:solidFill>
-                  <a:srgbClr val="000000"/>
-                </a:solidFill>
-                <a:latin typeface="Cascadia Mono" panose="020B0609020000020004" pitchFamily="49" charset="0"/>
-              </a:rPr>
-              <a:t>.Create</a:t>
-            </a:r>
-            <a:r>
-              <a:rPr lang="ru-RU" sz="2400" dirty="0">
-                <a:solidFill>
-                  <a:srgbClr val="000000"/>
-                </a:solidFill>
-                <a:latin typeface="Cascadia Mono" panose="020B0609020000020004" pitchFamily="49" charset="0"/>
-              </a:rPr>
-              <a:t>(</a:t>
-            </a:r>
-            <a:r>
-              <a:rPr lang="ru-RU" sz="2400" dirty="0">
-                <a:solidFill>
-                  <a:srgbClr val="A31515"/>
-                </a:solidFill>
-                <a:latin typeface="Cascadia Mono" panose="020B0609020000020004" pitchFamily="49" charset="0"/>
-              </a:rPr>
-              <a:t>"D:</a:t>
-            </a:r>
-            <a:r>
-              <a:rPr lang="ru-RU" sz="2400" dirty="0">
-                <a:solidFill>
-                  <a:srgbClr val="FF007F"/>
-                </a:solidFill>
-                <a:latin typeface="Cascadia Mono" panose="020B0609020000020004" pitchFamily="49" charset="0"/>
-              </a:rPr>
-              <a:t>\\</a:t>
-            </a:r>
-            <a:r>
-              <a:rPr lang="ru-RU" sz="2400" dirty="0">
-                <a:solidFill>
-                  <a:srgbClr val="A31515"/>
-                </a:solidFill>
-                <a:latin typeface="Cascadia Mono" panose="020B0609020000020004" pitchFamily="49" charset="0"/>
-              </a:rPr>
-              <a:t>папка</a:t>
-            </a:r>
-            <a:r>
-              <a:rPr lang="en-US" sz="2400" dirty="0">
-                <a:solidFill>
-                  <a:srgbClr val="FF007F"/>
-                </a:solidFill>
-                <a:latin typeface="Cascadia Mono" panose="020B0609020000020004" pitchFamily="49" charset="0"/>
-              </a:rPr>
-              <a:t>\\</a:t>
-            </a:r>
-            <a:r>
-              <a:rPr lang="ru-RU" sz="2400" dirty="0">
-                <a:solidFill>
-                  <a:srgbClr val="A31515"/>
-                </a:solidFill>
-                <a:latin typeface="Cascadia Mono" panose="020B0609020000020004" pitchFamily="49" charset="0"/>
-              </a:rPr>
-              <a:t>мой файл на диске </a:t>
-            </a:r>
-            <a:r>
-              <a:rPr lang="en-US" sz="2400" dirty="0">
-                <a:solidFill>
-                  <a:srgbClr val="A31515"/>
-                </a:solidFill>
-                <a:latin typeface="Cascadia Mono" panose="020B0609020000020004" pitchFamily="49" charset="0"/>
-              </a:rPr>
-              <a:t>D</a:t>
-            </a:r>
-            <a:r>
-              <a:rPr lang="ru-RU" sz="2400" dirty="0">
-                <a:solidFill>
-                  <a:srgbClr val="A31515"/>
-                </a:solidFill>
-                <a:latin typeface="Cascadia Mono" panose="020B0609020000020004" pitchFamily="49" charset="0"/>
-              </a:rPr>
-              <a:t>.</a:t>
-            </a:r>
-            <a:r>
-              <a:rPr lang="ru-RU" sz="2400" dirty="0" err="1">
-                <a:solidFill>
-                  <a:srgbClr val="A31515"/>
-                </a:solidFill>
-                <a:latin typeface="Cascadia Mono" panose="020B0609020000020004" pitchFamily="49" charset="0"/>
-              </a:rPr>
-              <a:t>txt</a:t>
-            </a:r>
-            <a:r>
               <a:rPr lang="ru-RU" sz="2400" dirty="0" smtClean="0">
-                <a:solidFill>
-                  <a:srgbClr val="A31515"/>
-                </a:solidFill>
-                <a:latin typeface="Cascadia Mono" panose="020B0609020000020004" pitchFamily="49" charset="0"/>
-              </a:rPr>
-              <a:t>"</a:t>
-            </a:r>
-            <a:r>
-              <a:rPr lang="ru-RU" sz="2400" dirty="0" smtClean="0">
-                <a:solidFill>
-                  <a:srgbClr val="000000"/>
-                </a:solidFill>
-                <a:latin typeface="Cascadia Mono" panose="020B0609020000020004" pitchFamily="49" charset="0"/>
-              </a:rPr>
-              <a:t>);</a:t>
-            </a:r>
-            <a:endParaRPr lang="en-US" sz="2400" dirty="0">
-              <a:latin typeface="Bookman Old Style" panose="02050604050505020204" pitchFamily="18" charset="0"/>
-            </a:endParaRPr>
-          </a:p>
-          <a:p>
-            <a:pPr>
-              <a:lnSpc>
-                <a:spcPct val="125000"/>
-              </a:lnSpc>
-            </a:pPr>
-            <a:r>
-              <a:rPr lang="ru-RU" sz="2400" b="1" dirty="0">
-                <a:latin typeface="Bookman Old Style" panose="02050604050505020204" pitchFamily="18" charset="0"/>
-              </a:rPr>
-              <a:t>Чтобы использовать спец. символы в тексте необходимо их экранировать</a:t>
-            </a:r>
-            <a:r>
-              <a:rPr lang="ru-RU" sz="2400" dirty="0">
-                <a:latin typeface="Bookman Old Style" panose="02050604050505020204" pitchFamily="18" charset="0"/>
-              </a:rPr>
-              <a:t>. Например, если мы хотим вывести на экран символ кавычек.</a:t>
-            </a:r>
-          </a:p>
-          <a:p>
-            <a:pPr algn="ctr">
-              <a:lnSpc>
-                <a:spcPct val="125000"/>
-              </a:lnSpc>
-            </a:pPr>
-            <a:r>
-              <a:rPr lang="en-US" sz="2400" dirty="0" err="1">
-                <a:solidFill>
-                  <a:srgbClr val="00B0F0"/>
-                </a:solidFill>
-                <a:latin typeface="Cascadia Mono" panose="020B0609020000020004" pitchFamily="49" charset="0"/>
-              </a:rPr>
-              <a:t>Console</a:t>
-            </a:r>
-            <a:r>
-              <a:rPr lang="en-US" sz="2400" dirty="0" err="1">
-                <a:solidFill>
-                  <a:srgbClr val="000000"/>
-                </a:solidFill>
-                <a:latin typeface="Cascadia Mono" panose="020B0609020000020004" pitchFamily="49" charset="0"/>
-              </a:rPr>
-              <a:t>.WriteLine</a:t>
-            </a:r>
-            <a:r>
-              <a:rPr lang="en-US" sz="2400" dirty="0" smtClean="0">
-                <a:solidFill>
-                  <a:srgbClr val="000000"/>
-                </a:solidFill>
-                <a:latin typeface="Cascadia Mono" panose="020B0609020000020004" pitchFamily="49" charset="0"/>
-              </a:rPr>
-              <a:t>(</a:t>
-            </a:r>
-            <a:r>
-              <a:rPr lang="en-US" sz="2400" dirty="0" smtClean="0">
-                <a:solidFill>
-                  <a:srgbClr val="A31515"/>
-                </a:solidFill>
-                <a:latin typeface="Cascadia Mono" panose="020B0609020000020004" pitchFamily="49" charset="0"/>
-              </a:rPr>
-              <a:t>"</a:t>
-            </a:r>
-            <a:r>
-              <a:rPr lang="en-US" sz="2400" dirty="0" smtClean="0">
-                <a:solidFill>
-                  <a:srgbClr val="FF007F"/>
-                </a:solidFill>
-                <a:latin typeface="Cascadia Mono" panose="020B0609020000020004" pitchFamily="49" charset="0"/>
-              </a:rPr>
-              <a:t>\"</a:t>
-            </a:r>
-            <a:r>
-              <a:rPr lang="en-US" sz="2400" dirty="0" smtClean="0">
-                <a:solidFill>
-                  <a:srgbClr val="A31515"/>
-                </a:solidFill>
-                <a:latin typeface="Cascadia Mono" panose="020B0609020000020004" pitchFamily="49" charset="0"/>
-              </a:rPr>
-              <a:t>"</a:t>
-            </a:r>
-            <a:r>
-              <a:rPr lang="en-US" sz="2400" dirty="0" smtClean="0">
-                <a:solidFill>
-                  <a:srgbClr val="000000"/>
-                </a:solidFill>
-                <a:latin typeface="Cascadia Mono" panose="020B0609020000020004" pitchFamily="49" charset="0"/>
-              </a:rPr>
-              <a:t>);</a:t>
-            </a:r>
-            <a:endParaRPr lang="ru-RU" sz="2400" dirty="0">
-              <a:latin typeface="Bookman Old Style" panose="02050604050505020204" pitchFamily="18" charset="0"/>
-            </a:endParaRPr>
-          </a:p>
-          <a:p>
-            <a:pPr>
-              <a:lnSpc>
-                <a:spcPct val="125000"/>
-              </a:lnSpc>
-            </a:pPr>
-            <a:r>
-              <a:rPr lang="ru-RU" sz="2400" dirty="0">
-                <a:latin typeface="Bookman Old Style" panose="02050604050505020204" pitchFamily="18" charset="0"/>
-              </a:rPr>
-              <a:t>Также можно экранировать обратный </a:t>
-            </a:r>
-            <a:r>
-              <a:rPr lang="ru-RU" sz="2400" dirty="0" err="1">
-                <a:latin typeface="Bookman Old Style" panose="02050604050505020204" pitchFamily="18" charset="0"/>
-              </a:rPr>
-              <a:t>слэш</a:t>
-            </a:r>
-            <a:r>
-              <a:rPr lang="ru-RU" sz="2400" dirty="0">
-                <a:latin typeface="Bookman Old Style" panose="02050604050505020204" pitchFamily="18" charset="0"/>
-              </a:rPr>
-              <a:t>.</a:t>
-            </a:r>
-          </a:p>
-          <a:p>
-            <a:pPr algn="ctr">
-              <a:lnSpc>
-                <a:spcPct val="125000"/>
-              </a:lnSpc>
-            </a:pPr>
-            <a:r>
-              <a:rPr lang="en-US" sz="2400" dirty="0" err="1">
-                <a:solidFill>
-                  <a:srgbClr val="00B0F0"/>
-                </a:solidFill>
-                <a:latin typeface="Cascadia Mono" panose="020B0609020000020004" pitchFamily="49" charset="0"/>
-              </a:rPr>
-              <a:t>Console</a:t>
-            </a:r>
-            <a:r>
-              <a:rPr lang="en-US" sz="2400" dirty="0" err="1">
-                <a:solidFill>
-                  <a:srgbClr val="000000"/>
-                </a:solidFill>
-                <a:latin typeface="Cascadia Mono" panose="020B0609020000020004" pitchFamily="49" charset="0"/>
-              </a:rPr>
-              <a:t>.WriteLine</a:t>
-            </a:r>
-            <a:r>
-              <a:rPr lang="en-US" sz="2400" dirty="0">
-                <a:solidFill>
-                  <a:srgbClr val="000000"/>
-                </a:solidFill>
-                <a:latin typeface="Cascadia Mono" panose="020B0609020000020004" pitchFamily="49" charset="0"/>
-              </a:rPr>
-              <a:t>(</a:t>
-            </a:r>
-            <a:r>
-              <a:rPr lang="en-US" sz="2400" dirty="0">
-                <a:solidFill>
-                  <a:srgbClr val="A31515"/>
-                </a:solidFill>
-                <a:latin typeface="Cascadia Mono" panose="020B0609020000020004" pitchFamily="49" charset="0"/>
-              </a:rPr>
-              <a:t>"</a:t>
-            </a:r>
-            <a:r>
-              <a:rPr lang="en-US" sz="2400" dirty="0">
-                <a:solidFill>
-                  <a:srgbClr val="FF007F"/>
-                </a:solidFill>
-                <a:latin typeface="Cascadia Mono" panose="020B0609020000020004" pitchFamily="49" charset="0"/>
-              </a:rPr>
-              <a:t>\</a:t>
-            </a:r>
-            <a:r>
-              <a:rPr lang="ru-RU" sz="2400" dirty="0">
-                <a:solidFill>
-                  <a:srgbClr val="FF007F"/>
-                </a:solidFill>
-                <a:latin typeface="Cascadia Mono" panose="020B0609020000020004" pitchFamily="49" charset="0"/>
-              </a:rPr>
-              <a:t>\</a:t>
-            </a:r>
-            <a:r>
-              <a:rPr lang="en-US" sz="2400" dirty="0" smtClean="0">
-                <a:solidFill>
-                  <a:srgbClr val="A31515"/>
-                </a:solidFill>
-                <a:latin typeface="Cascadia Mono" panose="020B0609020000020004" pitchFamily="49" charset="0"/>
-              </a:rPr>
-              <a:t>"</a:t>
-            </a:r>
-            <a:r>
-              <a:rPr lang="en-US" sz="2400" dirty="0" smtClean="0">
-                <a:solidFill>
-                  <a:srgbClr val="000000"/>
-                </a:solidFill>
-                <a:latin typeface="Cascadia Mono" panose="020B0609020000020004" pitchFamily="49" charset="0"/>
-              </a:rPr>
-              <a:t>);</a:t>
-            </a:r>
-            <a:endParaRPr lang="en-US" sz="2400" dirty="0">
-              <a:latin typeface="Bookman Old Style" panose="02050604050505020204" pitchFamily="18" charset="0"/>
-            </a:endParaRPr>
-          </a:p>
-          <a:p>
-            <a:pPr>
-              <a:lnSpc>
-                <a:spcPct val="125000"/>
-              </a:lnSpc>
-            </a:pPr>
-            <a:r>
-              <a:rPr lang="ru-RU" sz="2400" b="1" dirty="0">
-                <a:latin typeface="Bookman Old Style" panose="02050604050505020204" pitchFamily="18" charset="0"/>
-              </a:rPr>
-              <a:t>Оператор «</a:t>
-            </a:r>
-            <a:r>
-              <a:rPr lang="en-US" sz="2400" b="1" dirty="0">
-                <a:latin typeface="Bookman Old Style" panose="02050604050505020204" pitchFamily="18" charset="0"/>
-              </a:rPr>
-              <a:t>@</a:t>
-            </a:r>
-            <a:r>
-              <a:rPr lang="ru-RU" sz="2400" b="1" dirty="0">
-                <a:latin typeface="Bookman Old Style" panose="02050604050505020204" pitchFamily="18" charset="0"/>
-              </a:rPr>
-              <a:t>»</a:t>
-            </a:r>
-            <a:r>
-              <a:rPr lang="en-US" sz="2400" dirty="0">
-                <a:latin typeface="Bookman Old Style" panose="02050604050505020204" pitchFamily="18" charset="0"/>
-              </a:rPr>
-              <a:t> </a:t>
-            </a:r>
-            <a:r>
-              <a:rPr lang="ru-RU" sz="2400" dirty="0">
-                <a:latin typeface="Bookman Old Style" panose="02050604050505020204" pitchFamily="18" charset="0"/>
-              </a:rPr>
-              <a:t>в начале строки означает экранирование всей строки</a:t>
-            </a:r>
-            <a:r>
-              <a:rPr lang="ru-RU" sz="2400" dirty="0" smtClean="0">
-                <a:latin typeface="Bookman Old Style" panose="02050604050505020204" pitchFamily="18" charset="0"/>
-              </a:rPr>
-              <a:t>.</a:t>
-            </a:r>
-            <a:endParaRPr lang="en-US" sz="2400" dirty="0" smtClean="0">
-              <a:latin typeface="Bookman Old Style" panose="02050604050505020204" pitchFamily="18" charset="0"/>
-            </a:endParaRPr>
-          </a:p>
-          <a:p>
-            <a:pPr algn="ctr">
-              <a:lnSpc>
-                <a:spcPct val="125000"/>
-              </a:lnSpc>
-            </a:pPr>
-            <a:r>
-              <a:rPr lang="en-US" sz="2400" dirty="0" err="1">
-                <a:solidFill>
-                  <a:srgbClr val="00B0F0"/>
-                </a:solidFill>
-                <a:latin typeface="Cascadia Mono" panose="020B0609020000020004" pitchFamily="49" charset="0"/>
-              </a:rPr>
-              <a:t>Console</a:t>
-            </a:r>
-            <a:r>
-              <a:rPr lang="en-US" sz="2400" dirty="0" err="1">
-                <a:solidFill>
-                  <a:srgbClr val="000000"/>
-                </a:solidFill>
-                <a:latin typeface="Cascadia Mono" panose="020B0609020000020004" pitchFamily="49" charset="0"/>
-              </a:rPr>
-              <a:t>.WriteLine</a:t>
-            </a:r>
-            <a:r>
-              <a:rPr lang="en-US" sz="2400" dirty="0" smtClean="0">
-                <a:solidFill>
-                  <a:srgbClr val="000000"/>
-                </a:solidFill>
-                <a:latin typeface="Cascadia Mono" panose="020B0609020000020004" pitchFamily="49" charset="0"/>
-              </a:rPr>
-              <a:t>(</a:t>
-            </a:r>
-            <a:r>
-              <a:rPr lang="en-US" sz="2400" dirty="0" smtClean="0">
-                <a:solidFill>
-                  <a:srgbClr val="800000"/>
-                </a:solidFill>
-                <a:latin typeface="Cascadia Mono" panose="020B0609020000020004" pitchFamily="49" charset="0"/>
-              </a:rPr>
-              <a:t>@"\"</a:t>
-            </a:r>
-            <a:r>
-              <a:rPr lang="en-US" sz="2400" dirty="0" smtClean="0">
-                <a:solidFill>
-                  <a:srgbClr val="000000"/>
-                </a:solidFill>
-                <a:latin typeface="Cascadia Mono" panose="020B0609020000020004" pitchFamily="49" charset="0"/>
-              </a:rPr>
-              <a:t>);</a:t>
+                <a:latin typeface="Bookman Old Style" panose="02050604050505020204" pitchFamily="18" charset="0"/>
+              </a:rPr>
+              <a:t>Но…</a:t>
             </a:r>
             <a:endParaRPr lang="ru-RU" sz="2400" dirty="0"/>
           </a:p>
@@ -14914,7 +15043,7 @@
     </p:spTree>
     <p:extLst>
       <p:ext uri="{BB962C8B-B14F-4D97-AF65-F5344CB8AC3E}">
-        <p14:creationId xmlns:p14="http://schemas.microsoft.com/office/powerpoint/2010/main" val="1561375471"/>
+        <p14:creationId xmlns:p14="http://schemas.microsoft.com/office/powerpoint/2010/main" val="566146019"/>
       </p:ext>
     </p:extLst>
   </p:cSld>
@@ -15374,7 +15503,7 @@
         <p:spPr>
           <a:xfrm>
             <a:off x="0" y="0"/>
-            <a:ext cx="12192000" cy="6127575"/>
+            <a:ext cx="12191999" cy="6740307"/>
           </a:xfrm>
           <a:prstGeom prst="rect">
             <a:avLst/>
@@ -15387,62 +15516,24 @@
           </a:bodyPr>
           <a:lstStyle/>
           <a:p>
-            <a:pPr>
+            <a:pPr algn="ctr">
               <a:lnSpc>
                 <a:spcPct val="150000"/>
               </a:lnSpc>
             </a:pPr>
             <a:r>
-              <a:rPr lang="ru-RU" sz="2400" b="1" i="0" dirty="0">
-                <a:effectLst/>
-                <a:latin typeface="Bookman Old Style" panose="02050604050505020204" pitchFamily="18" charset="0"/>
-              </a:rPr>
-              <a:t>Создание </a:t>
-            </a:r>
-            <a:r>
-              <a:rPr lang="ru-RU" sz="2400" i="0" dirty="0">
-                <a:effectLst/>
-                <a:latin typeface="Bookman Old Style" panose="02050604050505020204" pitchFamily="18" charset="0"/>
-              </a:rPr>
-              <a:t>текстового</a:t>
-            </a:r>
-            <a:r>
-              <a:rPr lang="ru-RU" sz="2400" b="1" i="0" dirty="0">
-                <a:effectLst/>
-                <a:latin typeface="Bookman Old Style" panose="02050604050505020204" pitchFamily="18" charset="0"/>
-              </a:rPr>
-              <a:t> </a:t>
-            </a:r>
-            <a:r>
-              <a:rPr lang="ru-RU" sz="2400" i="0" dirty="0">
-                <a:effectLst/>
-                <a:latin typeface="Bookman Old Style" panose="02050604050505020204" pitchFamily="18" charset="0"/>
-              </a:rPr>
-              <a:t>файла и </a:t>
-            </a:r>
-            <a:r>
-              <a:rPr lang="ru-RU" sz="2400" b="1" i="0" dirty="0">
-                <a:effectLst/>
-                <a:latin typeface="Bookman Old Style" panose="02050604050505020204" pitchFamily="18" charset="0"/>
-              </a:rPr>
-              <a:t>запись </a:t>
-            </a:r>
-            <a:r>
-              <a:rPr lang="ru-RU" sz="2400" i="0" dirty="0">
-                <a:effectLst/>
-                <a:latin typeface="Bookman Old Style" panose="02050604050505020204" pitchFamily="18" charset="0"/>
-              </a:rPr>
-              <a:t>данных</a:t>
-            </a:r>
-            <a:r>
-              <a:rPr lang="ru-RU" sz="2400" i="0" dirty="0" smtClean="0">
-                <a:effectLst/>
-                <a:latin typeface="Bookman Old Style" panose="02050604050505020204" pitchFamily="18" charset="0"/>
-              </a:rPr>
-              <a:t>:</a:t>
-            </a:r>
-            <a:endParaRPr lang="en-US" sz="2400" i="0" dirty="0" smtClean="0">
-              <a:effectLst/>
+              <a:rPr lang="ru-RU" sz="2400" b="1" dirty="0">
+                <a:latin typeface="Bookman Old Style" panose="02050604050505020204" pitchFamily="18" charset="0"/>
+              </a:rPr>
+              <a:t>Управляемая и неуправляемая </a:t>
+            </a:r>
+            <a:r>
+              <a:rPr lang="ru-RU" sz="2400" b="1" dirty="0" smtClean="0">
+                <a:latin typeface="Bookman Old Style" panose="02050604050505020204" pitchFamily="18" charset="0"/>
+              </a:rPr>
+              <a:t>память</a:t>
+            </a:r>
+            <a:endParaRPr lang="ru-RU" sz="2400" b="1" dirty="0">
               <a:latin typeface="Bookman Old Style" panose="02050604050505020204" pitchFamily="18" charset="0"/>
             </a:endParaRPr>
           </a:p>
@@ -15453,68 +15544,44 @@
               </a:lnSpc>
             </a:pPr>
             <a:r>
-              <a:rPr lang="ru-RU" sz="2400" dirty="0" err="1">
-                <a:solidFill>
-                  <a:srgbClr val="00B0F0"/>
-                </a:solidFill>
-                <a:latin typeface="Cascadia Mono" panose="020B0609020000020004" pitchFamily="49" charset="0"/>
-              </a:rPr>
-              <a:t>File</a:t>
-            </a:r>
-            <a:r>
-              <a:rPr lang="ru-RU" sz="2400" dirty="0" err="1">
-                <a:solidFill>
-                  <a:srgbClr val="000000"/>
-                </a:solidFill>
-                <a:latin typeface="Cascadia Mono" panose="020B0609020000020004" pitchFamily="49" charset="0"/>
-              </a:rPr>
-              <a:t>.WriteAllText</a:t>
+              <a:rPr lang="ru-RU" sz="2400" dirty="0" smtClean="0">
+                <a:latin typeface="Bookman Old Style" panose="02050604050505020204" pitchFamily="18" charset="0"/>
+              </a:rPr>
+              <a:t>Управляемая память </a:t>
             </a:r>
             <a:r>
               <a:rPr lang="ru-RU" sz="2400" dirty="0">
-                <a:solidFill>
-                  <a:srgbClr val="000000"/>
-                </a:solidFill>
-                <a:latin typeface="Cascadia Mono" panose="020B0609020000020004" pitchFamily="49" charset="0"/>
-              </a:rPr>
-              <a:t>(</a:t>
+                <a:latin typeface="Bookman Old Style" panose="02050604050505020204" pitchFamily="18" charset="0"/>
+              </a:rPr>
+              <a:t>—</a:t>
+            </a:r>
+            <a:r>
+              <a:rPr lang="ru-RU" sz="2400" dirty="0" smtClean="0">
+                <a:latin typeface="Bookman Old Style" panose="02050604050505020204" pitchFamily="18" charset="0"/>
+              </a:rPr>
+              <a:t> память</a:t>
             </a:r>
             <a:r>
               <a:rPr lang="ru-RU" sz="2400" dirty="0">
-                <a:solidFill>
-                  <a:srgbClr val="A31515"/>
-                </a:solidFill>
-                <a:latin typeface="Cascadia Mono" panose="020B0609020000020004" pitchFamily="49" charset="0"/>
-              </a:rPr>
-              <a:t>"мой файл2.txt"</a:t>
+                <a:latin typeface="Bookman Old Style" panose="02050604050505020204" pitchFamily="18" charset="0"/>
+              </a:rPr>
+              <a:t>, выделяемая с помощью `</a:t>
+            </a:r>
+            <a:r>
+              <a:rPr lang="ru-RU" sz="2400" b="1" dirty="0" err="1">
+                <a:latin typeface="Bookman Old Style" panose="02050604050505020204" pitchFamily="18" charset="0"/>
+              </a:rPr>
+              <a:t>new</a:t>
             </a:r>
             <a:r>
               <a:rPr lang="ru-RU" sz="2400" dirty="0">
-                <a:solidFill>
-                  <a:srgbClr val="000000"/>
-                </a:solidFill>
-                <a:latin typeface="Cascadia Mono" panose="020B0609020000020004" pitchFamily="49" charset="0"/>
-              </a:rPr>
-              <a:t>, </a:t>
-            </a:r>
-            <a:r>
-              <a:rPr lang="ru-RU" sz="2400" dirty="0">
-                <a:solidFill>
-                  <a:srgbClr val="A31515"/>
-                </a:solidFill>
-                <a:latin typeface="Cascadia Mono" panose="020B0609020000020004" pitchFamily="49" charset="0"/>
-              </a:rPr>
-              <a:t>"что то написали"</a:t>
-            </a:r>
-            <a:r>
-              <a:rPr lang="ru-RU" sz="2400" dirty="0">
-                <a:solidFill>
-                  <a:srgbClr val="000000"/>
-                </a:solidFill>
-                <a:latin typeface="Cascadia Mono" panose="020B0609020000020004" pitchFamily="49" charset="0"/>
-              </a:rPr>
-              <a:t>);</a:t>
-            </a:r>
+                <a:latin typeface="Bookman Old Style" panose="02050604050505020204" pitchFamily="18" charset="0"/>
+              </a:rPr>
+              <a:t>` в C#, считается управляемой памятью. Объекты в управляемой памяти находятся под контролем сборщика мусора. </a:t>
+            </a:r>
+            <a:endParaRPr lang="ru-RU" sz="2400" dirty="0" smtClean="0">
+              <a:latin typeface="Bookman Old Style" panose="02050604050505020204" pitchFamily="18" charset="0"/>
+            </a:endParaRPr>
           </a:p>
           <a:p>
             <a:pPr algn="just">
@@ -15522,179 +15589,9 @@
                 <a:spcPct val="150000"/>
               </a:lnSpc>
             </a:pPr>
-            <a:r>
-              <a:rPr lang="en-US" sz="2400" dirty="0" err="1">
-                <a:solidFill>
-                  <a:srgbClr val="00B0F0"/>
-                </a:solidFill>
-                <a:latin typeface="Cascadia Mono" panose="020B0609020000020004" pitchFamily="49" charset="0"/>
-              </a:rPr>
-              <a:t>File</a:t>
-            </a:r>
-            <a:r>
-              <a:rPr lang="en-US" sz="2400" dirty="0" err="1">
-                <a:solidFill>
-                  <a:srgbClr val="000000"/>
-                </a:solidFill>
-                <a:latin typeface="Cascadia Mono" panose="020B0609020000020004" pitchFamily="49" charset="0"/>
-              </a:rPr>
-              <a:t>.WriteAllLines</a:t>
-            </a:r>
-            <a:r>
-              <a:rPr lang="en-US" sz="2400" dirty="0">
-                <a:solidFill>
-                  <a:srgbClr val="000000"/>
-                </a:solidFill>
-                <a:latin typeface="Cascadia Mono" panose="020B0609020000020004" pitchFamily="49" charset="0"/>
-              </a:rPr>
-              <a:t>(</a:t>
-            </a:r>
-            <a:r>
-              <a:rPr lang="en-US" sz="2400" dirty="0">
-                <a:solidFill>
-                  <a:srgbClr val="A31515"/>
-                </a:solidFill>
-                <a:latin typeface="Cascadia Mono" panose="020B0609020000020004" pitchFamily="49" charset="0"/>
-              </a:rPr>
-              <a:t>"</a:t>
-            </a:r>
-            <a:r>
-              <a:rPr lang="ru-RU" sz="2400" dirty="0">
-                <a:solidFill>
-                  <a:srgbClr val="A31515"/>
-                </a:solidFill>
-                <a:latin typeface="Cascadia Mono" panose="020B0609020000020004" pitchFamily="49" charset="0"/>
-              </a:rPr>
-              <a:t>мой файл2.</a:t>
-            </a:r>
-            <a:r>
-              <a:rPr lang="en-US" sz="2400" dirty="0">
-                <a:solidFill>
-                  <a:srgbClr val="A31515"/>
-                </a:solidFill>
-                <a:latin typeface="Cascadia Mono" panose="020B0609020000020004" pitchFamily="49" charset="0"/>
-              </a:rPr>
-              <a:t>txt"</a:t>
-            </a:r>
-            <a:r>
-              <a:rPr lang="en-US" sz="2400" dirty="0">
-                <a:solidFill>
-                  <a:srgbClr val="000000"/>
-                </a:solidFill>
-                <a:latin typeface="Cascadia Mono" panose="020B0609020000020004" pitchFamily="49" charset="0"/>
-              </a:rPr>
-              <a:t>, </a:t>
-            </a:r>
-            <a:r>
-              <a:rPr lang="en-US" sz="2400" dirty="0">
-                <a:solidFill>
-                  <a:srgbClr val="0000FF"/>
-                </a:solidFill>
-                <a:latin typeface="Cascadia Mono" panose="020B0609020000020004" pitchFamily="49" charset="0"/>
-              </a:rPr>
-              <a:t>new</a:t>
-            </a:r>
-            <a:r>
-              <a:rPr lang="en-US" sz="2400" dirty="0" smtClean="0">
-                <a:solidFill>
-                  <a:srgbClr val="000000"/>
-                </a:solidFill>
-                <a:latin typeface="Cascadia Mono" panose="020B0609020000020004" pitchFamily="49" charset="0"/>
-              </a:rPr>
-              <a:t>[]{</a:t>
-            </a:r>
-            <a:r>
-              <a:rPr lang="en-US" sz="2400" dirty="0" smtClean="0">
-                <a:solidFill>
-                  <a:srgbClr val="A31515"/>
-                </a:solidFill>
-                <a:latin typeface="Cascadia Mono" panose="020B0609020000020004" pitchFamily="49" charset="0"/>
-              </a:rPr>
-              <a:t>"</a:t>
-            </a:r>
-            <a:r>
-              <a:rPr lang="ru-RU" sz="2400" dirty="0">
-                <a:solidFill>
-                  <a:srgbClr val="A31515"/>
-                </a:solidFill>
-                <a:latin typeface="Cascadia Mono" panose="020B0609020000020004" pitchFamily="49" charset="0"/>
-              </a:rPr>
-              <a:t>строка 1</a:t>
-            </a:r>
-            <a:r>
-              <a:rPr lang="ru-RU" sz="2400" dirty="0" smtClean="0">
-                <a:solidFill>
-                  <a:srgbClr val="A31515"/>
-                </a:solidFill>
-                <a:latin typeface="Cascadia Mono" panose="020B0609020000020004" pitchFamily="49" charset="0"/>
-              </a:rPr>
-              <a:t>"</a:t>
-            </a:r>
-            <a:r>
-              <a:rPr lang="ru-RU" sz="2400" dirty="0" smtClean="0">
-                <a:solidFill>
-                  <a:srgbClr val="000000"/>
-                </a:solidFill>
-                <a:latin typeface="Cascadia Mono" panose="020B0609020000020004" pitchFamily="49" charset="0"/>
-              </a:rPr>
-              <a:t>,</a:t>
-            </a:r>
-            <a:r>
-              <a:rPr lang="ru-RU" sz="2400" dirty="0" smtClean="0">
-                <a:solidFill>
-                  <a:srgbClr val="A31515"/>
-                </a:solidFill>
-                <a:latin typeface="Cascadia Mono" panose="020B0609020000020004" pitchFamily="49" charset="0"/>
-              </a:rPr>
-              <a:t>"</a:t>
-            </a:r>
-            <a:r>
-              <a:rPr lang="ru-RU" sz="2400" dirty="0">
-                <a:solidFill>
-                  <a:srgbClr val="A31515"/>
-                </a:solidFill>
-                <a:latin typeface="Cascadia Mono" panose="020B0609020000020004" pitchFamily="49" charset="0"/>
-              </a:rPr>
-              <a:t>строка 2</a:t>
-            </a:r>
-            <a:r>
-              <a:rPr lang="ru-RU" sz="2400" dirty="0" smtClean="0">
-                <a:solidFill>
-                  <a:srgbClr val="A31515"/>
-                </a:solidFill>
-                <a:latin typeface="Cascadia Mono" panose="020B0609020000020004" pitchFamily="49" charset="0"/>
-              </a:rPr>
-              <a:t>"</a:t>
-            </a:r>
-            <a:r>
-              <a:rPr lang="ru-RU" sz="2400" dirty="0" smtClean="0">
-                <a:solidFill>
-                  <a:srgbClr val="000000"/>
-                </a:solidFill>
-                <a:latin typeface="Cascadia Mono" panose="020B0609020000020004" pitchFamily="49" charset="0"/>
-              </a:rPr>
-              <a:t>});</a:t>
-            </a:r>
-            <a:endParaRPr lang="ru-RU" sz="2400" dirty="0"/>
-          </a:p>
-          <a:p>
-            <a:pPr>
-              <a:lnSpc>
-                <a:spcPct val="150000"/>
-              </a:lnSpc>
-            </a:pPr>
-            <a:r>
-              <a:rPr lang="ru-RU" sz="2400" b="1" dirty="0">
-                <a:latin typeface="Bookman Old Style" panose="02050604050505020204" pitchFamily="18" charset="0"/>
-              </a:rPr>
-              <a:t>Запись </a:t>
-            </a:r>
-            <a:r>
-              <a:rPr lang="ru-RU" sz="2400" dirty="0">
-                <a:latin typeface="Bookman Old Style" panose="02050604050505020204" pitchFamily="18" charset="0"/>
-              </a:rPr>
-              <a:t>данных в существующий файл:</a:t>
-            </a:r>
+            <a:endParaRPr lang="ru-RU" sz="2400" dirty="0">
+              <a:latin typeface="Bookman Old Style" panose="02050604050505020204" pitchFamily="18" charset="0"/>
+            </a:endParaRPr>
           </a:p>
           <a:p>
             <a:pPr algn="just">
@@ -15703,558 +15600,90 @@
               </a:lnSpc>
             </a:pPr>
             <a:r>
-              <a:rPr lang="ru-RU" sz="2400" dirty="0" err="1">
-                <a:solidFill>
-                  <a:srgbClr val="00B0F0"/>
-                </a:solidFill>
-                <a:latin typeface="Cascadia Mono" panose="020B0609020000020004" pitchFamily="49" charset="0"/>
-              </a:rPr>
-              <a:t>File</a:t>
-            </a:r>
-            <a:r>
-              <a:rPr lang="ru-RU" sz="2400" dirty="0" err="1">
-                <a:solidFill>
-                  <a:srgbClr val="000000"/>
-                </a:solidFill>
-                <a:latin typeface="Cascadia Mono" panose="020B0609020000020004" pitchFamily="49" charset="0"/>
-              </a:rPr>
-              <a:t>.AppendAllText</a:t>
-            </a:r>
-            <a:r>
               <a:rPr lang="ru-RU" sz="2400" dirty="0">
-                <a:solidFill>
-                  <a:srgbClr val="000000"/>
-                </a:solidFill>
-                <a:latin typeface="Cascadia Mono" panose="020B0609020000020004" pitchFamily="49" charset="0"/>
-              </a:rPr>
-              <a:t>(</a:t>
+                <a:latin typeface="Bookman Old Style" panose="02050604050505020204" pitchFamily="18" charset="0"/>
+              </a:rPr>
+              <a:t>Неуправляемая память — это память, за которую отвечают разработчики. В отличие от управляемой, она </a:t>
+            </a:r>
+            <a:r>
+              <a:rPr lang="ru-RU" sz="2400" b="1" dirty="0">
+                <a:latin typeface="Bookman Old Style" panose="02050604050505020204" pitchFamily="18" charset="0"/>
+              </a:rPr>
+              <a:t>не контролируется сборщиком мусора</a:t>
             </a:r>
             <a:r>
               <a:rPr lang="ru-RU" sz="2400" dirty="0">
-                <a:solidFill>
-                  <a:srgbClr val="A31515"/>
-                </a:solidFill>
-                <a:latin typeface="Cascadia Mono" panose="020B0609020000020004" pitchFamily="49" charset="0"/>
-              </a:rPr>
-              <a:t>"мой файл2.txt"</a:t>
+                <a:latin typeface="Bookman Old Style" panose="02050604050505020204" pitchFamily="18" charset="0"/>
+              </a:rPr>
+              <a:t>. </a:t>
+            </a:r>
+            <a:r>
+              <a:rPr lang="ru-RU" sz="2400" dirty="0" smtClean="0">
+                <a:latin typeface="Bookman Old Style" panose="02050604050505020204" pitchFamily="18" charset="0"/>
+              </a:rPr>
+              <a:t>При </a:t>
             </a:r>
             <a:r>
               <a:rPr lang="ru-RU" sz="2400" dirty="0">
-                <a:solidFill>
-                  <a:srgbClr val="000000"/>
-                </a:solidFill>
-                <a:latin typeface="Cascadia Mono" panose="020B0609020000020004" pitchFamily="49" charset="0"/>
+                <a:latin typeface="Bookman Old Style" panose="02050604050505020204" pitchFamily="18" charset="0"/>
+              </a:rPr>
+              <a:t>создании объектов, включающих неуправляемые ресурсы, необходимо явно освободить эти ресурсы после их завершения. Основным типом неуправляемых ресурсов являются объекты, заключающие ресурсы операционной системы, такие как </a:t>
+            </a:r>
+            <a:r>
+              <a:rPr lang="ru-RU" sz="2400" b="1" dirty="0">
+                <a:latin typeface="Bookman Old Style" panose="02050604050505020204" pitchFamily="18" charset="0"/>
+              </a:rPr>
+              <a:t>файлы</a:t>
+            </a:r>
+            <a:r>
+              <a:rPr lang="ru-RU" sz="2400" dirty="0">
+                <a:latin typeface="Bookman Old Style" panose="02050604050505020204" pitchFamily="18" charset="0"/>
               </a:rPr>
               <a:t>, </a:t>
             </a:r>
             <a:r>
+              <a:rPr lang="ru-RU" sz="2400" b="1" dirty="0">
+                <a:latin typeface="Bookman Old Style" panose="02050604050505020204" pitchFamily="18" charset="0"/>
+              </a:rPr>
+              <a:t>окна</a:t>
+            </a:r>
+            <a:r>
               <a:rPr lang="ru-RU" sz="2400" dirty="0">
-                <a:solidFill>
-                  <a:srgbClr val="A31515"/>
-                </a:solidFill>
-                <a:latin typeface="Cascadia Mono" panose="020B0609020000020004" pitchFamily="49" charset="0"/>
-              </a:rPr>
-              <a:t>“что то добавили"</a:t>
+                <a:latin typeface="Bookman Old Style" panose="02050604050505020204" pitchFamily="18" charset="0"/>
+              </a:rPr>
+              <a:t>, </a:t>
+            </a:r>
+            <a:r>
+              <a:rPr lang="ru-RU" sz="2400" b="1" dirty="0">
+                <a:latin typeface="Bookman Old Style" panose="02050604050505020204" pitchFamily="18" charset="0"/>
+              </a:rPr>
+              <a:t>сетевые подключения</a:t>
             </a:r>
             <a:r>
               <a:rPr lang="ru-RU" sz="2400" dirty="0">
-                <a:solidFill>
-                  <a:srgbClr val="000000"/>
-                </a:solidFill>
-                <a:latin typeface="Cascadia Mono" panose="020B0609020000020004" pitchFamily="49" charset="0"/>
-              </a:rPr>
-              <a:t>);</a:t>
-            </a:r>
-          </a:p>
-          <a:p>
-            <a:pPr algn="just">
-              <a:lnSpc>
-                <a:spcPct val="150000"/>
-              </a:lnSpc>
-            </a:pPr>
-            <a:r>
-              <a:rPr lang="en-US" sz="2400" dirty="0" err="1">
-                <a:solidFill>
-                  <a:srgbClr val="00B0F0"/>
-                </a:solidFill>
-                <a:latin typeface="Cascadia Mono" panose="020B0609020000020004" pitchFamily="49" charset="0"/>
-              </a:rPr>
-              <a:t>File</a:t>
-            </a:r>
-            <a:r>
-              <a:rPr lang="en-US" sz="2400" dirty="0" err="1">
-                <a:solidFill>
-                  <a:srgbClr val="000000"/>
-                </a:solidFill>
-                <a:latin typeface="Cascadia Mono" panose="020B0609020000020004" pitchFamily="49" charset="0"/>
-              </a:rPr>
-              <a:t>.AppendAllLines</a:t>
-            </a:r>
-            <a:r>
-              <a:rPr lang="en-US" sz="2400" dirty="0">
-                <a:solidFill>
-                  <a:srgbClr val="000000"/>
-                </a:solidFill>
-                <a:latin typeface="Cascadia Mono" panose="020B0609020000020004" pitchFamily="49" charset="0"/>
-              </a:rPr>
-              <a:t>(</a:t>
-            </a:r>
-            <a:r>
-              <a:rPr lang="en-US" sz="2400" dirty="0">
-                <a:solidFill>
-                  <a:srgbClr val="A31515"/>
-                </a:solidFill>
-                <a:latin typeface="Cascadia Mono" panose="020B0609020000020004" pitchFamily="49" charset="0"/>
-              </a:rPr>
-              <a:t>"</a:t>
+                <a:latin typeface="Bookman Old Style" panose="02050604050505020204" pitchFamily="18" charset="0"/>
+              </a:rPr>
+              <a:t> и </a:t>
+            </a:r>
+            <a:r>
+              <a:rPr lang="ru-RU" sz="2400" b="1" dirty="0">
+                <a:latin typeface="Bookman Old Style" panose="02050604050505020204" pitchFamily="18" charset="0"/>
+              </a:rPr>
+              <a:t>подключения к базам данным</a:t>
             </a:r>
             <a:r>
               <a:rPr lang="ru-RU" sz="2400" dirty="0">
-                <a:solidFill>
-                  <a:srgbClr val="A31515"/>
-                </a:solidFill>
-                <a:latin typeface="Cascadia Mono" panose="020B0609020000020004" pitchFamily="49" charset="0"/>
-              </a:rPr>
-              <a:t>мой файл2.</a:t>
-            </a:r>
-            <a:r>
-              <a:rPr lang="en-US" sz="2400" dirty="0" err="1">
-                <a:solidFill>
-                  <a:srgbClr val="A31515"/>
-                </a:solidFill>
-                <a:latin typeface="Cascadia Mono" panose="020B0609020000020004" pitchFamily="49" charset="0"/>
-              </a:rPr>
-              <a:t>txt</a:t>
-            </a:r>
-            <a:r>
-              <a:rPr lang="en-US" sz="2400" dirty="0" err="1" smtClean="0">
-                <a:solidFill>
-                  <a:srgbClr val="A31515"/>
-                </a:solidFill>
-                <a:latin typeface="Cascadia Mono" panose="020B0609020000020004" pitchFamily="49" charset="0"/>
-              </a:rPr>
-              <a:t>"</a:t>
-            </a:r>
-            <a:r>
-              <a:rPr lang="en-US" sz="2400" dirty="0" err="1" smtClean="0">
-                <a:solidFill>
-                  <a:srgbClr val="000000"/>
-                </a:solidFill>
-                <a:latin typeface="Cascadia Mono" panose="020B0609020000020004" pitchFamily="49" charset="0"/>
-              </a:rPr>
-              <a:t>,</a:t>
-            </a:r>
-            <a:r>
-              <a:rPr lang="en-US" sz="2400" dirty="0" err="1" smtClean="0">
-                <a:solidFill>
-                  <a:srgbClr val="0000FF"/>
-                </a:solidFill>
-                <a:latin typeface="Cascadia Mono" panose="020B0609020000020004" pitchFamily="49" charset="0"/>
-              </a:rPr>
-              <a:t>new</a:t>
-            </a:r>
-            <a:r>
-              <a:rPr lang="en-US" sz="2400" dirty="0" smtClean="0">
-                <a:solidFill>
-                  <a:srgbClr val="000000"/>
-                </a:solidFill>
-                <a:latin typeface="Cascadia Mono" panose="020B0609020000020004" pitchFamily="49" charset="0"/>
-              </a:rPr>
-              <a:t>[]{</a:t>
-            </a:r>
-            <a:r>
-              <a:rPr lang="en-US" sz="2400" dirty="0" smtClean="0">
-                <a:solidFill>
-                  <a:srgbClr val="A31515"/>
-                </a:solidFill>
-                <a:latin typeface="Cascadia Mono" panose="020B0609020000020004" pitchFamily="49" charset="0"/>
-              </a:rPr>
-              <a:t>"</a:t>
-            </a:r>
-            <a:r>
-              <a:rPr lang="ru-RU" sz="2400" dirty="0">
-                <a:solidFill>
-                  <a:srgbClr val="A31515"/>
-                </a:solidFill>
-                <a:latin typeface="Cascadia Mono" panose="020B0609020000020004" pitchFamily="49" charset="0"/>
-              </a:rPr>
-              <a:t>строка 3</a:t>
-            </a:r>
-            <a:r>
-              <a:rPr lang="ru-RU" sz="2400" dirty="0" smtClean="0">
-                <a:solidFill>
-                  <a:srgbClr val="A31515"/>
-                </a:solidFill>
-                <a:latin typeface="Cascadia Mono" panose="020B0609020000020004" pitchFamily="49" charset="0"/>
-              </a:rPr>
-              <a:t>"</a:t>
-            </a:r>
-            <a:r>
-              <a:rPr lang="ru-RU" sz="2400" dirty="0" smtClean="0">
-                <a:solidFill>
-                  <a:srgbClr val="000000"/>
-                </a:solidFill>
-                <a:latin typeface="Cascadia Mono" panose="020B0609020000020004" pitchFamily="49" charset="0"/>
-              </a:rPr>
-              <a:t>,</a:t>
-            </a:r>
-            <a:r>
-              <a:rPr lang="ru-RU" sz="2400" dirty="0" smtClean="0">
-                <a:solidFill>
-                  <a:srgbClr val="A31515"/>
-                </a:solidFill>
-                <a:latin typeface="Cascadia Mono" panose="020B0609020000020004" pitchFamily="49" charset="0"/>
-              </a:rPr>
-              <a:t>"</a:t>
-            </a:r>
-            <a:r>
-              <a:rPr lang="ru-RU" sz="2400" dirty="0">
-                <a:solidFill>
-                  <a:srgbClr val="A31515"/>
-                </a:solidFill>
-                <a:latin typeface="Cascadia Mono" panose="020B0609020000020004" pitchFamily="49" charset="0"/>
-              </a:rPr>
-              <a:t>строка 4</a:t>
-            </a:r>
-            <a:r>
-              <a:rPr lang="ru-RU" sz="2400" dirty="0" smtClean="0">
-                <a:solidFill>
-                  <a:srgbClr val="A31515"/>
-                </a:solidFill>
-                <a:latin typeface="Cascadia Mono" panose="020B0609020000020004" pitchFamily="49" charset="0"/>
-              </a:rPr>
-              <a:t>"</a:t>
-            </a:r>
-            <a:r>
-              <a:rPr lang="ru-RU" sz="2400" dirty="0" smtClean="0">
-                <a:solidFill>
-                  <a:srgbClr val="000000"/>
-                </a:solidFill>
-                <a:latin typeface="Cascadia Mono" panose="020B0609020000020004" pitchFamily="49" charset="0"/>
-              </a:rPr>
-              <a:t>});</a:t>
-            </a:r>
-            <a:endParaRPr lang="ru-RU" sz="2400" dirty="0"/>
-          </a:p>
-          <a:p>
-            <a:pPr>
-              <a:lnSpc>
-                <a:spcPct val="150000"/>
-              </a:lnSpc>
-            </a:pPr>
-            <a:r>
-              <a:rPr lang="ru-RU" sz="2400" b="1" dirty="0">
-                <a:latin typeface="Bookman Old Style" panose="02050604050505020204" pitchFamily="18" charset="0"/>
-              </a:rPr>
-              <a:t>Чтение </a:t>
-            </a:r>
-            <a:r>
-              <a:rPr lang="ru-RU" sz="2400" dirty="0">
-                <a:latin typeface="Bookman Old Style" panose="02050604050505020204" pitchFamily="18" charset="0"/>
-              </a:rPr>
-              <a:t>данных из файла:</a:t>
-            </a:r>
-          </a:p>
-          <a:p>
-            <a:pPr algn="just">
-              <a:lnSpc>
-                <a:spcPct val="150000"/>
-              </a:lnSpc>
-            </a:pPr>
-            <a:r>
-              <a:rPr lang="en-US" sz="2400" dirty="0">
-                <a:solidFill>
-                  <a:srgbClr val="0000FF"/>
-                </a:solidFill>
-                <a:latin typeface="Cascadia Mono" panose="020B0609020000020004" pitchFamily="49" charset="0"/>
-              </a:rPr>
-              <a:t>string</a:t>
-            </a:r>
-            <a:r>
-              <a:rPr lang="en-US" sz="2400" dirty="0">
-                <a:solidFill>
-                  <a:srgbClr val="000000"/>
-                </a:solidFill>
-                <a:latin typeface="Cascadia Mono" panose="020B0609020000020004" pitchFamily="49" charset="0"/>
-              </a:rPr>
-              <a:t> text = </a:t>
-            </a:r>
-            <a:r>
-              <a:rPr lang="en-US" sz="2400" dirty="0" err="1">
-                <a:solidFill>
-                  <a:srgbClr val="00B0F0"/>
-                </a:solidFill>
-                <a:latin typeface="Cascadia Mono" panose="020B0609020000020004" pitchFamily="49" charset="0"/>
-              </a:rPr>
-              <a:t>File</a:t>
-            </a:r>
-            <a:r>
-              <a:rPr lang="en-US" sz="2400" dirty="0" err="1">
-                <a:solidFill>
-                  <a:srgbClr val="000000"/>
-                </a:solidFill>
-                <a:latin typeface="Cascadia Mono" panose="020B0609020000020004" pitchFamily="49" charset="0"/>
-              </a:rPr>
-              <a:t>.ReadAllText</a:t>
-            </a:r>
-            <a:r>
-              <a:rPr lang="en-US" sz="2400" dirty="0">
-                <a:solidFill>
-                  <a:srgbClr val="000000"/>
-                </a:solidFill>
-                <a:latin typeface="Cascadia Mono" panose="020B0609020000020004" pitchFamily="49" charset="0"/>
-              </a:rPr>
-              <a:t>(</a:t>
-            </a:r>
-            <a:r>
-              <a:rPr lang="en-US" sz="2400" dirty="0">
-                <a:solidFill>
-                  <a:srgbClr val="A31515"/>
-                </a:solidFill>
-                <a:latin typeface="Cascadia Mono" panose="020B0609020000020004" pitchFamily="49" charset="0"/>
-              </a:rPr>
-              <a:t>"</a:t>
-            </a:r>
-            <a:r>
-              <a:rPr lang="ru-RU" sz="2400" dirty="0">
-                <a:solidFill>
-                  <a:srgbClr val="A31515"/>
-                </a:solidFill>
-                <a:latin typeface="Cascadia Mono" panose="020B0609020000020004" pitchFamily="49" charset="0"/>
-              </a:rPr>
-              <a:t>мой файл2.</a:t>
-            </a:r>
-            <a:r>
-              <a:rPr lang="en-US" sz="2400" dirty="0">
-                <a:solidFill>
-                  <a:srgbClr val="A31515"/>
-                </a:solidFill>
-                <a:latin typeface="Cascadia Mono" panose="020B0609020000020004" pitchFamily="49" charset="0"/>
-              </a:rPr>
-              <a:t>txt"</a:t>
-            </a:r>
-            <a:r>
-              <a:rPr lang="en-US" sz="2400" dirty="0">
-                <a:solidFill>
-                  <a:srgbClr val="000000"/>
-                </a:solidFill>
-                <a:latin typeface="Cascadia Mono" panose="020B0609020000020004" pitchFamily="49" charset="0"/>
-              </a:rPr>
-              <a:t>);</a:t>
-            </a:r>
-          </a:p>
-          <a:p>
-            <a:pPr algn="just">
-              <a:lnSpc>
-                <a:spcPct val="150000"/>
-              </a:lnSpc>
-            </a:pPr>
-            <a:r>
-              <a:rPr lang="en-US" sz="2400" dirty="0">
-                <a:solidFill>
-                  <a:srgbClr val="0000FF"/>
-                </a:solidFill>
-                <a:latin typeface="Cascadia Mono" panose="020B0609020000020004" pitchFamily="49" charset="0"/>
-              </a:rPr>
-              <a:t>string</a:t>
-            </a:r>
-            <a:r>
-              <a:rPr lang="en-US" sz="2400" dirty="0">
-                <a:solidFill>
-                  <a:srgbClr val="000000"/>
-                </a:solidFill>
-                <a:latin typeface="Cascadia Mono" panose="020B0609020000020004" pitchFamily="49" charset="0"/>
-              </a:rPr>
-              <a:t>[] </a:t>
-            </a:r>
-            <a:r>
-              <a:rPr lang="en-US" sz="2400" dirty="0" err="1">
-                <a:solidFill>
-                  <a:srgbClr val="000000"/>
-                </a:solidFill>
-                <a:latin typeface="Cascadia Mono" panose="020B0609020000020004" pitchFamily="49" charset="0"/>
-              </a:rPr>
-              <a:t>textLines</a:t>
-            </a:r>
-            <a:r>
-              <a:rPr lang="en-US" sz="2400" dirty="0">
-                <a:solidFill>
-                  <a:srgbClr val="000000"/>
-                </a:solidFill>
-                <a:latin typeface="Cascadia Mono" panose="020B0609020000020004" pitchFamily="49" charset="0"/>
-              </a:rPr>
-              <a:t> = </a:t>
-            </a:r>
-            <a:r>
-              <a:rPr lang="en-US" sz="2400" dirty="0" err="1">
-                <a:solidFill>
-                  <a:srgbClr val="00B0F0"/>
-                </a:solidFill>
-                <a:latin typeface="Cascadia Mono" panose="020B0609020000020004" pitchFamily="49" charset="0"/>
-              </a:rPr>
-              <a:t>File</a:t>
-            </a:r>
-            <a:r>
-              <a:rPr lang="en-US" sz="2400" dirty="0" err="1">
-                <a:solidFill>
-                  <a:srgbClr val="000000"/>
-                </a:solidFill>
-                <a:latin typeface="Cascadia Mono" panose="020B0609020000020004" pitchFamily="49" charset="0"/>
-              </a:rPr>
-              <a:t>.ReadAllLines</a:t>
-            </a:r>
-            <a:r>
-              <a:rPr lang="en-US" sz="2400" dirty="0">
-                <a:solidFill>
-                  <a:srgbClr val="000000"/>
-                </a:solidFill>
-                <a:latin typeface="Cascadia Mono" panose="020B0609020000020004" pitchFamily="49" charset="0"/>
-              </a:rPr>
-              <a:t>(</a:t>
-            </a:r>
-            <a:r>
-              <a:rPr lang="en-US" sz="2400" dirty="0">
-                <a:solidFill>
-                  <a:srgbClr val="A31515"/>
-                </a:solidFill>
-                <a:latin typeface="Cascadia Mono" panose="020B0609020000020004" pitchFamily="49" charset="0"/>
-              </a:rPr>
-              <a:t>"</a:t>
-            </a:r>
-            <a:r>
-              <a:rPr lang="ru-RU" sz="2400" dirty="0">
-                <a:solidFill>
-                  <a:srgbClr val="A31515"/>
-                </a:solidFill>
-                <a:latin typeface="Cascadia Mono" panose="020B0609020000020004" pitchFamily="49" charset="0"/>
-              </a:rPr>
-              <a:t>мой файл2.</a:t>
-            </a:r>
-            <a:r>
-              <a:rPr lang="en-US" sz="2400" dirty="0">
-                <a:solidFill>
-                  <a:srgbClr val="A31515"/>
-                </a:solidFill>
-                <a:latin typeface="Cascadia Mono" panose="020B0609020000020004" pitchFamily="49" charset="0"/>
-              </a:rPr>
-              <a:t>txt"</a:t>
-            </a:r>
-            <a:r>
-              <a:rPr lang="en-US" sz="2400" dirty="0">
-                <a:solidFill>
-                  <a:srgbClr val="000000"/>
-                </a:solidFill>
-                <a:latin typeface="Cascadia Mono" panose="020B0609020000020004" pitchFamily="49" charset="0"/>
-              </a:rPr>
-              <a:t>);</a:t>
-            </a:r>
-            <a:endParaRPr lang="ru-RU" sz="2400" dirty="0"/>
-          </a:p>
-          <a:p>
-            <a:pPr>
-              <a:lnSpc>
-                <a:spcPct val="150000"/>
-              </a:lnSpc>
-            </a:pPr>
-            <a:r>
-              <a:rPr lang="ru-RU" sz="2400" b="1" dirty="0">
-                <a:latin typeface="Bookman Old Style" panose="02050604050505020204" pitchFamily="18" charset="0"/>
-              </a:rPr>
-              <a:t>Удаление </a:t>
-            </a:r>
-            <a:r>
-              <a:rPr lang="ru-RU" sz="2400" dirty="0">
-                <a:latin typeface="Bookman Old Style" panose="02050604050505020204" pitchFamily="18" charset="0"/>
-              </a:rPr>
-              <a:t>файла:</a:t>
-            </a:r>
-          </a:p>
-          <a:p>
-            <a:pPr algn="just">
-              <a:lnSpc>
-                <a:spcPct val="150000"/>
-              </a:lnSpc>
-            </a:pPr>
-            <a:r>
-              <a:rPr lang="en-US" sz="2400" dirty="0" err="1">
-                <a:solidFill>
-                  <a:srgbClr val="00B0F0"/>
-                </a:solidFill>
-                <a:latin typeface="Cascadia Mono" panose="020B0609020000020004" pitchFamily="49" charset="0"/>
-              </a:rPr>
-              <a:t>File</a:t>
-            </a:r>
-            <a:r>
-              <a:rPr lang="en-US" sz="2400" dirty="0" err="1">
-                <a:solidFill>
-                  <a:srgbClr val="000000"/>
-                </a:solidFill>
-                <a:latin typeface="Cascadia Mono" panose="020B0609020000020004" pitchFamily="49" charset="0"/>
-              </a:rPr>
-              <a:t>.Delete</a:t>
-            </a:r>
-            <a:r>
-              <a:rPr lang="en-US" sz="2400" dirty="0">
-                <a:solidFill>
-                  <a:srgbClr val="000000"/>
-                </a:solidFill>
-                <a:latin typeface="Cascadia Mono" panose="020B0609020000020004" pitchFamily="49" charset="0"/>
-              </a:rPr>
-              <a:t>(</a:t>
-            </a:r>
-            <a:r>
-              <a:rPr lang="en-US" sz="2400" dirty="0">
-                <a:solidFill>
-                  <a:srgbClr val="A31515"/>
-                </a:solidFill>
-                <a:latin typeface="Cascadia Mono" panose="020B0609020000020004" pitchFamily="49" charset="0"/>
-              </a:rPr>
-              <a:t>"</a:t>
-            </a:r>
-            <a:r>
-              <a:rPr lang="ru-RU" sz="2400" dirty="0">
-                <a:solidFill>
-                  <a:srgbClr val="A31515"/>
-                </a:solidFill>
-                <a:latin typeface="Cascadia Mono" panose="020B0609020000020004" pitchFamily="49" charset="0"/>
-              </a:rPr>
-              <a:t>мой файл2.</a:t>
-            </a:r>
-            <a:r>
-              <a:rPr lang="en-US" sz="2400" dirty="0">
-                <a:solidFill>
-                  <a:srgbClr val="A31515"/>
-                </a:solidFill>
-                <a:latin typeface="Cascadia Mono" panose="020B0609020000020004" pitchFamily="49" charset="0"/>
-              </a:rPr>
-              <a:t>txt</a:t>
-            </a:r>
-            <a:r>
-              <a:rPr lang="en-US" sz="2400" dirty="0" smtClean="0">
-                <a:solidFill>
-                  <a:srgbClr val="A31515"/>
-                </a:solidFill>
-                <a:latin typeface="Cascadia Mono" panose="020B0609020000020004" pitchFamily="49" charset="0"/>
-              </a:rPr>
-              <a:t>"</a:t>
-            </a:r>
-            <a:r>
-              <a:rPr lang="en-US" sz="2400" dirty="0" smtClean="0">
-                <a:solidFill>
-                  <a:srgbClr val="000000"/>
-                </a:solidFill>
-                <a:latin typeface="Cascadia Mono" panose="020B0609020000020004" pitchFamily="49" charset="0"/>
-              </a:rPr>
-              <a:t>);</a:t>
-            </a:r>
-            <a:endParaRPr lang="ru-RU" sz="2400" dirty="0"/>
+                <a:latin typeface="Bookman Old Style" panose="02050604050505020204" pitchFamily="18" charset="0"/>
+              </a:rPr>
+              <a:t>.</a:t>
+            </a:r>
           </a:p>
         </p:txBody>
       </p:sp>
     </p:spTree>
     <p:extLst>
       <p:ext uri="{BB962C8B-B14F-4D97-AF65-F5344CB8AC3E}">
-        <p14:creationId xmlns:p14="http://schemas.microsoft.com/office/powerpoint/2010/main" val="2124139069"/>
+        <p14:creationId xmlns:p14="http://schemas.microsoft.com/office/powerpoint/2010/main" val="2459881153"/>
       </p:ext>
     </p:extLst>
   </p:cSld>
@@ -16366,7 +15795,7 @@
         <p:spPr>
           <a:xfrm>
             <a:off x="0" y="0"/>
-            <a:ext cx="12192000" cy="3907673"/>
+            <a:ext cx="12191999" cy="2308324"/>
           </a:xfrm>
           <a:prstGeom prst="rect">
             <a:avLst/>
@@ -16379,29 +15808,2886 @@
           </a:bodyPr>
           <a:lstStyle/>
           <a:p>
+            <a:pPr algn="ctr">
+              <a:lnSpc>
+                <a:spcPct val="150000"/>
+              </a:lnSpc>
+            </a:pPr>
+            <a:r>
+              <a:rPr lang="ru-RU" sz="2400" b="1" dirty="0" smtClean="0">
+                <a:latin typeface="Bookman Old Style" panose="02050604050505020204" pitchFamily="18" charset="0"/>
+              </a:rPr>
+              <a:t>Работа сборщика мусора</a:t>
+            </a:r>
+          </a:p>
+          <a:p>
+            <a:pPr algn="just">
+              <a:lnSpc>
+                <a:spcPct val="150000"/>
+              </a:lnSpc>
+            </a:pPr>
+            <a:r>
+              <a:rPr lang="ru-RU" sz="2400" dirty="0" smtClean="0">
+                <a:latin typeface="Bookman Old Style" panose="02050604050505020204" pitchFamily="18" charset="0"/>
+              </a:rPr>
+              <a:t>Этапы сборки мусора:</a:t>
+            </a:r>
+          </a:p>
+          <a:p>
+            <a:pPr>
+              <a:buFont typeface="+mj-lt"/>
+              <a:buAutoNum type="arabicPeriod"/>
+            </a:pPr>
+            <a:r>
+              <a:rPr lang="ru-RU" sz="2400" dirty="0">
+                <a:latin typeface="Bookman Old Style" panose="02050604050505020204" pitchFamily="18" charset="0"/>
+              </a:rPr>
+              <a:t>Маркировка (</a:t>
+            </a:r>
+            <a:r>
+              <a:rPr lang="en-US" sz="2400" dirty="0">
+                <a:latin typeface="Bookman Old Style" panose="02050604050505020204" pitchFamily="18" charset="0"/>
+              </a:rPr>
+              <a:t>mark phase).</a:t>
+            </a:r>
+          </a:p>
+          <a:p>
+            <a:pPr>
+              <a:buFont typeface="+mj-lt"/>
+              <a:buAutoNum type="arabicPeriod"/>
+            </a:pPr>
+            <a:r>
+              <a:rPr lang="ru-RU" sz="2400" dirty="0">
+                <a:latin typeface="Bookman Old Style" panose="02050604050505020204" pitchFamily="18" charset="0"/>
+              </a:rPr>
+              <a:t>Чистка (</a:t>
+            </a:r>
+            <a:r>
+              <a:rPr lang="en-US" sz="2400" dirty="0">
+                <a:latin typeface="Bookman Old Style" panose="02050604050505020204" pitchFamily="18" charset="0"/>
+              </a:rPr>
+              <a:t>sweep phase).</a:t>
+            </a:r>
+          </a:p>
+          <a:p>
+            <a:pPr>
+              <a:buFont typeface="+mj-lt"/>
+              <a:buAutoNum type="arabicPeriod"/>
+            </a:pPr>
+            <a:r>
+              <a:rPr lang="ru-RU" sz="2400" dirty="0">
+                <a:latin typeface="Bookman Old Style" panose="02050604050505020204" pitchFamily="18" charset="0"/>
+              </a:rPr>
+              <a:t>Сжатие (</a:t>
+            </a:r>
+            <a:r>
+              <a:rPr lang="en-US" sz="2400" dirty="0">
+                <a:latin typeface="Bookman Old Style" panose="02050604050505020204" pitchFamily="18" charset="0"/>
+              </a:rPr>
+              <a:t>compact phase</a:t>
+            </a:r>
+            <a:r>
+              <a:rPr lang="en-US" sz="2400" dirty="0" smtClean="0">
+                <a:latin typeface="Bookman Old Style" panose="02050604050505020204" pitchFamily="18" charset="0"/>
+              </a:rPr>
+              <a:t>).</a:t>
+            </a:r>
+            <a:endParaRPr lang="en-US" sz="2400" dirty="0">
+              <a:latin typeface="Bookman Old Style" panose="02050604050505020204" pitchFamily="18" charset="0"/>
+            </a:endParaRPr>
+          </a:p>
+        </p:txBody>
+      </p:sp>
+      <p:sp>
+        <p:nvSpPr>
+          <p:cNvPr id="2" name="Прямоугольник 1"/>
+          <p:cNvSpPr/>
+          <p:nvPr/>
+        </p:nvSpPr>
+        <p:spPr>
+          <a:xfrm>
+            <a:off x="691116" y="2753833"/>
+            <a:ext cx="3189768" cy="3646967"/>
+          </a:xfrm>
+          <a:prstGeom prst="rect">
+            <a:avLst/>
+          </a:prstGeom>
+          <a:solidFill>
+            <a:schemeClr val="bg1"/>
+          </a:solidFill>
+          <a:ln w="28575"/>
+        </p:spPr>
+        <p:style>
+          <a:lnRef idx="2">
+            <a:schemeClr val="accent1">
+              <a:shade val="50000"/>
+            </a:schemeClr>
+          </a:lnRef>
+          <a:fillRef idx="1">
+            <a:schemeClr val="accent1"/>
+          </a:fillRef>
+          <a:effectRef idx="0">
+            <a:schemeClr val="accent1"/>
+          </a:effectRef>
+          <a:fontRef idx="minor">
+            <a:schemeClr val="lt1"/>
+          </a:fontRef>
+        </p:style>
+        <p:txBody>
+          <a:bodyPr rtlCol="0" anchor="t" anchorCtr="0"/>
+          <a:lstStyle/>
+          <a:p>
+            <a:pPr algn="ctr"/>
+            <a:r>
+              <a:rPr lang="ru-RU" sz="2400" dirty="0" smtClean="0">
+                <a:solidFill>
+                  <a:schemeClr val="tx1"/>
+                </a:solidFill>
+                <a:latin typeface="Bookman Old Style" panose="02050604050505020204" pitchFamily="18" charset="0"/>
+              </a:rPr>
+              <a:t>Стек</a:t>
+            </a:r>
+            <a:endParaRPr lang="ru-RU" sz="2400" dirty="0">
+              <a:solidFill>
+                <a:schemeClr val="tx1"/>
+              </a:solidFill>
+              <a:latin typeface="Bookman Old Style" panose="02050604050505020204" pitchFamily="18" charset="0"/>
+            </a:endParaRPr>
+          </a:p>
+        </p:txBody>
+      </p:sp>
+      <p:sp>
+        <p:nvSpPr>
+          <p:cNvPr id="5" name="Прямоугольник 4"/>
+          <p:cNvSpPr/>
+          <p:nvPr/>
+        </p:nvSpPr>
+        <p:spPr>
+          <a:xfrm>
+            <a:off x="4748955" y="2753832"/>
+            <a:ext cx="7053942" cy="3646967"/>
+          </a:xfrm>
+          <a:prstGeom prst="rect">
+            <a:avLst/>
+          </a:prstGeom>
+          <a:solidFill>
+            <a:schemeClr val="bg1"/>
+          </a:solidFill>
+          <a:ln w="28575"/>
+        </p:spPr>
+        <p:style>
+          <a:lnRef idx="2">
+            <a:schemeClr val="accent1">
+              <a:shade val="50000"/>
+            </a:schemeClr>
+          </a:lnRef>
+          <a:fillRef idx="1">
+            <a:schemeClr val="accent1"/>
+          </a:fillRef>
+          <a:effectRef idx="0">
+            <a:schemeClr val="accent1"/>
+          </a:effectRef>
+          <a:fontRef idx="minor">
+            <a:schemeClr val="lt1"/>
+          </a:fontRef>
+        </p:style>
+        <p:txBody>
+          <a:bodyPr rtlCol="0" anchor="t" anchorCtr="0"/>
+          <a:lstStyle/>
+          <a:p>
+            <a:pPr algn="ctr"/>
+            <a:r>
+              <a:rPr lang="ru-RU" sz="2400" dirty="0" smtClean="0">
+                <a:solidFill>
+                  <a:schemeClr val="tx1"/>
+                </a:solidFill>
+                <a:latin typeface="Bookman Old Style" panose="02050604050505020204" pitchFamily="18" charset="0"/>
+              </a:rPr>
+              <a:t>Куча</a:t>
+            </a:r>
+            <a:endParaRPr lang="ru-RU" sz="2400" dirty="0">
+              <a:solidFill>
+                <a:schemeClr val="tx1"/>
+              </a:solidFill>
+              <a:latin typeface="Bookman Old Style" panose="02050604050505020204" pitchFamily="18" charset="0"/>
+            </a:endParaRPr>
+          </a:p>
+        </p:txBody>
+      </p:sp>
+      <p:sp>
+        <p:nvSpPr>
+          <p:cNvPr id="3" name="Прямоугольник 2"/>
+          <p:cNvSpPr/>
+          <p:nvPr/>
+        </p:nvSpPr>
+        <p:spPr>
+          <a:xfrm>
+            <a:off x="691116" y="3341914"/>
+            <a:ext cx="3189768" cy="710029"/>
+          </a:xfrm>
+          <a:prstGeom prst="rect">
+            <a:avLst/>
+          </a:prstGeom>
+        </p:spPr>
+        <p:style>
+          <a:lnRef idx="2">
+            <a:schemeClr val="accent1">
+              <a:shade val="50000"/>
+            </a:schemeClr>
+          </a:lnRef>
+          <a:fillRef idx="1">
+            <a:schemeClr val="accent1"/>
+          </a:fillRef>
+          <a:effectRef idx="0">
+            <a:schemeClr val="accent1"/>
+          </a:effectRef>
+          <a:fontRef idx="minor">
+            <a:schemeClr val="lt1"/>
+          </a:fontRef>
+        </p:style>
+        <p:txBody>
+          <a:bodyPr rtlCol="0" anchor="ctr"/>
+          <a:lstStyle/>
+          <a:p>
+            <a:pPr algn="ctr"/>
+            <a:r>
+              <a:rPr lang="en-US" sz="2400" dirty="0" smtClean="0">
+                <a:latin typeface="Bookman Old Style" panose="02050604050505020204" pitchFamily="18" charset="0"/>
+              </a:rPr>
+              <a:t>STR1</a:t>
+            </a:r>
+            <a:endParaRPr lang="ru-RU" sz="2400" dirty="0">
+              <a:latin typeface="Bookman Old Style" panose="02050604050505020204" pitchFamily="18" charset="0"/>
+            </a:endParaRPr>
+          </a:p>
+        </p:txBody>
+      </p:sp>
+      <p:sp>
+        <p:nvSpPr>
+          <p:cNvPr id="7" name="Прямоугольник 6"/>
+          <p:cNvSpPr/>
+          <p:nvPr/>
+        </p:nvSpPr>
+        <p:spPr>
+          <a:xfrm>
+            <a:off x="691116" y="4161328"/>
+            <a:ext cx="3189768" cy="710029"/>
+          </a:xfrm>
+          <a:prstGeom prst="rect">
+            <a:avLst/>
+          </a:prstGeom>
+        </p:spPr>
+        <p:style>
+          <a:lnRef idx="2">
+            <a:schemeClr val="accent1">
+              <a:shade val="50000"/>
+            </a:schemeClr>
+          </a:lnRef>
+          <a:fillRef idx="1">
+            <a:schemeClr val="accent1"/>
+          </a:fillRef>
+          <a:effectRef idx="0">
+            <a:schemeClr val="accent1"/>
+          </a:effectRef>
+          <a:fontRef idx="minor">
+            <a:schemeClr val="lt1"/>
+          </a:fontRef>
+        </p:style>
+        <p:txBody>
+          <a:bodyPr rtlCol="0" anchor="ctr"/>
+          <a:lstStyle/>
+          <a:p>
+            <a:pPr algn="ctr"/>
+            <a:r>
+              <a:rPr lang="en-US" sz="2400" dirty="0" smtClean="0">
+                <a:latin typeface="Bookman Old Style" panose="02050604050505020204" pitchFamily="18" charset="0"/>
+              </a:rPr>
+              <a:t>ARR1</a:t>
+            </a:r>
+            <a:endParaRPr lang="ru-RU" sz="2400" dirty="0">
+              <a:latin typeface="Bookman Old Style" panose="02050604050505020204" pitchFamily="18" charset="0"/>
+            </a:endParaRPr>
+          </a:p>
+        </p:txBody>
+      </p:sp>
+      <p:sp>
+        <p:nvSpPr>
+          <p:cNvPr id="8" name="Прямоугольник 7"/>
+          <p:cNvSpPr/>
+          <p:nvPr/>
+        </p:nvSpPr>
+        <p:spPr>
+          <a:xfrm>
+            <a:off x="6841544" y="3529406"/>
+            <a:ext cx="3554313" cy="541428"/>
+          </a:xfrm>
+          <a:prstGeom prst="rect">
+            <a:avLst/>
+          </a:prstGeom>
+        </p:spPr>
+        <p:style>
+          <a:lnRef idx="2">
+            <a:schemeClr val="accent1">
+              <a:shade val="50000"/>
+            </a:schemeClr>
+          </a:lnRef>
+          <a:fillRef idx="1">
+            <a:schemeClr val="accent1"/>
+          </a:fillRef>
+          <a:effectRef idx="0">
+            <a:schemeClr val="accent1"/>
+          </a:effectRef>
+          <a:fontRef idx="minor">
+            <a:schemeClr val="lt1"/>
+          </a:fontRef>
+        </p:style>
+        <p:txBody>
+          <a:bodyPr rtlCol="0" anchor="ctr"/>
+          <a:lstStyle/>
+          <a:p>
+            <a:pPr algn="ctr"/>
+            <a:r>
+              <a:rPr lang="en-US" sz="2400" dirty="0" smtClean="0">
+                <a:latin typeface="Bookman Old Style" panose="02050604050505020204" pitchFamily="18" charset="0"/>
+              </a:rPr>
+              <a:t>“</a:t>
+            </a:r>
+            <a:r>
+              <a:rPr lang="ru-RU" sz="2400" dirty="0" smtClean="0">
+                <a:latin typeface="Bookman Old Style" panose="02050604050505020204" pitchFamily="18" charset="0"/>
+              </a:rPr>
+              <a:t>Моя старая строка</a:t>
+            </a:r>
+            <a:r>
+              <a:rPr lang="en-US" sz="2400" dirty="0" smtClean="0">
+                <a:latin typeface="Bookman Old Style" panose="02050604050505020204" pitchFamily="18" charset="0"/>
+              </a:rPr>
+              <a:t>”</a:t>
+            </a:r>
+            <a:endParaRPr lang="ru-RU" sz="2400" dirty="0">
+              <a:latin typeface="Bookman Old Style" panose="02050604050505020204" pitchFamily="18" charset="0"/>
+            </a:endParaRPr>
+          </a:p>
+        </p:txBody>
+      </p:sp>
+      <p:sp>
+        <p:nvSpPr>
+          <p:cNvPr id="9" name="Прямоугольник 8"/>
+          <p:cNvSpPr/>
+          <p:nvPr/>
+        </p:nvSpPr>
+        <p:spPr>
+          <a:xfrm>
+            <a:off x="8817428" y="4516342"/>
+            <a:ext cx="2623456" cy="541428"/>
+          </a:xfrm>
+          <a:prstGeom prst="rect">
+            <a:avLst/>
+          </a:prstGeom>
+        </p:spPr>
+        <p:style>
+          <a:lnRef idx="2">
+            <a:schemeClr val="accent1">
+              <a:shade val="50000"/>
+            </a:schemeClr>
+          </a:lnRef>
+          <a:fillRef idx="1">
+            <a:schemeClr val="accent1"/>
+          </a:fillRef>
+          <a:effectRef idx="0">
+            <a:schemeClr val="accent1"/>
+          </a:effectRef>
+          <a:fontRef idx="minor">
+            <a:schemeClr val="lt1"/>
+          </a:fontRef>
+        </p:style>
+        <p:txBody>
+          <a:bodyPr rtlCol="0" anchor="ctr"/>
+          <a:lstStyle/>
+          <a:p>
+            <a:pPr algn="ctr"/>
+            <a:r>
+              <a:rPr lang="en-US" sz="2400" dirty="0" smtClean="0">
+                <a:latin typeface="Bookman Old Style" panose="02050604050505020204" pitchFamily="18" charset="0"/>
+              </a:rPr>
+              <a:t>“</a:t>
+            </a:r>
+            <a:r>
+              <a:rPr lang="ru-RU" sz="2400" dirty="0" smtClean="0">
+                <a:latin typeface="Bookman Old Style" panose="02050604050505020204" pitchFamily="18" charset="0"/>
+              </a:rPr>
+              <a:t>Моя строка</a:t>
+            </a:r>
+            <a:r>
+              <a:rPr lang="en-US" sz="2400" dirty="0" smtClean="0">
+                <a:latin typeface="Bookman Old Style" panose="02050604050505020204" pitchFamily="18" charset="0"/>
+              </a:rPr>
+              <a:t>”</a:t>
+            </a:r>
+            <a:endParaRPr lang="ru-RU" sz="2400" dirty="0">
+              <a:latin typeface="Bookman Old Style" panose="02050604050505020204" pitchFamily="18" charset="0"/>
+            </a:endParaRPr>
+          </a:p>
+        </p:txBody>
+      </p:sp>
+      <p:sp>
+        <p:nvSpPr>
+          <p:cNvPr id="10" name="Прямоугольник 9"/>
+          <p:cNvSpPr/>
+          <p:nvPr/>
+        </p:nvSpPr>
+        <p:spPr>
+          <a:xfrm>
+            <a:off x="5350453" y="5158794"/>
+            <a:ext cx="2634343" cy="541428"/>
+          </a:xfrm>
+          <a:prstGeom prst="rect">
+            <a:avLst/>
+          </a:prstGeom>
+        </p:spPr>
+        <p:style>
+          <a:lnRef idx="2">
+            <a:schemeClr val="accent1">
+              <a:shade val="50000"/>
+            </a:schemeClr>
+          </a:lnRef>
+          <a:fillRef idx="1">
+            <a:schemeClr val="accent1"/>
+          </a:fillRef>
+          <a:effectRef idx="0">
+            <a:schemeClr val="accent1"/>
+          </a:effectRef>
+          <a:fontRef idx="minor">
+            <a:schemeClr val="lt1"/>
+          </a:fontRef>
+        </p:style>
+        <p:txBody>
+          <a:bodyPr rtlCol="0" anchor="ctr"/>
+          <a:lstStyle/>
+          <a:p>
+            <a:pPr algn="ctr"/>
+            <a:r>
+              <a:rPr lang="en-US" sz="2400" dirty="0" smtClean="0">
+                <a:latin typeface="Bookman Old Style" panose="02050604050505020204" pitchFamily="18" charset="0"/>
+              </a:rPr>
+              <a:t>[0, 1, 5, 10, 25]</a:t>
+            </a:r>
+            <a:endParaRPr lang="ru-RU" sz="2400" dirty="0">
+              <a:latin typeface="Bookman Old Style" panose="02050604050505020204" pitchFamily="18" charset="0"/>
+            </a:endParaRPr>
+          </a:p>
+        </p:txBody>
+      </p:sp>
+      <p:cxnSp>
+        <p:nvCxnSpPr>
+          <p:cNvPr id="6" name="Прямая со стрелкой 5"/>
+          <p:cNvCxnSpPr>
+            <a:stCxn id="3" idx="3"/>
+            <a:endCxn id="9" idx="1"/>
+          </p:cNvCxnSpPr>
+          <p:nvPr/>
+        </p:nvCxnSpPr>
+        <p:spPr>
+          <a:xfrm>
+            <a:off x="3880884" y="3696929"/>
+            <a:ext cx="4936544" cy="1090127"/>
+          </a:xfrm>
+          <a:prstGeom prst="straightConnector1">
+            <a:avLst/>
+          </a:prstGeom>
+          <a:ln w="31750">
+            <a:tailEnd type="triangle"/>
+          </a:ln>
+        </p:spPr>
+        <p:style>
+          <a:lnRef idx="1">
+            <a:schemeClr val="accent1"/>
+          </a:lnRef>
+          <a:fillRef idx="0">
+            <a:schemeClr val="accent1"/>
+          </a:fillRef>
+          <a:effectRef idx="0">
+            <a:schemeClr val="accent1"/>
+          </a:effectRef>
+          <a:fontRef idx="minor">
+            <a:schemeClr val="tx1"/>
+          </a:fontRef>
+        </p:style>
+      </p:cxnSp>
+      <p:cxnSp>
+        <p:nvCxnSpPr>
+          <p:cNvPr id="13" name="Прямая со стрелкой 12"/>
+          <p:cNvCxnSpPr>
+            <a:stCxn id="7" idx="3"/>
+            <a:endCxn id="10" idx="1"/>
+          </p:cNvCxnSpPr>
+          <p:nvPr/>
+        </p:nvCxnSpPr>
+        <p:spPr>
+          <a:xfrm>
+            <a:off x="3880884" y="4516343"/>
+            <a:ext cx="1469569" cy="913165"/>
+          </a:xfrm>
+          <a:prstGeom prst="straightConnector1">
+            <a:avLst/>
+          </a:prstGeom>
+          <a:ln w="31750">
+            <a:tailEnd type="triangle"/>
+          </a:ln>
+        </p:spPr>
+        <p:style>
+          <a:lnRef idx="1">
+            <a:schemeClr val="accent1"/>
+          </a:lnRef>
+          <a:fillRef idx="0">
+            <a:schemeClr val="accent1"/>
+          </a:fillRef>
+          <a:effectRef idx="0">
+            <a:schemeClr val="accent1"/>
+          </a:effectRef>
+          <a:fontRef idx="minor">
+            <a:schemeClr val="tx1"/>
+          </a:fontRef>
+        </p:style>
+      </p:cxnSp>
+      <p:sp>
+        <p:nvSpPr>
+          <p:cNvPr id="14" name="Умножение 13"/>
+          <p:cNvSpPr/>
+          <p:nvPr/>
+        </p:nvSpPr>
+        <p:spPr>
+          <a:xfrm>
+            <a:off x="10107385" y="3217934"/>
+            <a:ext cx="576943" cy="622943"/>
+          </a:xfrm>
+          <a:prstGeom prst="mathMultiply">
+            <a:avLst/>
+          </a:prstGeom>
+          <a:solidFill>
+            <a:srgbClr val="C00000"/>
+          </a:solidFill>
+          <a:ln>
+            <a:solidFill>
+              <a:schemeClr val="tx1"/>
+            </a:solidFill>
+          </a:ln>
+        </p:spPr>
+        <p:style>
+          <a:lnRef idx="2">
+            <a:schemeClr val="accent1">
+              <a:shade val="50000"/>
+            </a:schemeClr>
+          </a:lnRef>
+          <a:fillRef idx="1">
+            <a:schemeClr val="accent1"/>
+          </a:fillRef>
+          <a:effectRef idx="0">
+            <a:schemeClr val="accent1"/>
+          </a:effectRef>
+          <a:fontRef idx="minor">
+            <a:schemeClr val="lt1"/>
+          </a:fontRef>
+        </p:style>
+        <p:txBody>
+          <a:bodyPr rtlCol="0" anchor="ctr"/>
+          <a:lstStyle/>
+          <a:p>
+            <a:pPr algn="ctr"/>
+            <a:endParaRPr lang="ru-RU"/>
+          </a:p>
+        </p:txBody>
+      </p:sp>
+      <p:sp>
+        <p:nvSpPr>
+          <p:cNvPr id="17" name="Умножение 16"/>
+          <p:cNvSpPr/>
+          <p:nvPr/>
+        </p:nvSpPr>
+        <p:spPr>
+          <a:xfrm>
+            <a:off x="11152412" y="4229052"/>
+            <a:ext cx="576943" cy="622943"/>
+          </a:xfrm>
+          <a:prstGeom prst="mathMultiply">
+            <a:avLst/>
+          </a:prstGeom>
+          <a:solidFill>
+            <a:srgbClr val="C00000"/>
+          </a:solidFill>
+          <a:ln>
+            <a:solidFill>
+              <a:schemeClr val="tx1"/>
+            </a:solidFill>
+          </a:ln>
+        </p:spPr>
+        <p:style>
+          <a:lnRef idx="2">
+            <a:schemeClr val="accent1">
+              <a:shade val="50000"/>
+            </a:schemeClr>
+          </a:lnRef>
+          <a:fillRef idx="1">
+            <a:schemeClr val="accent1"/>
+          </a:fillRef>
+          <a:effectRef idx="0">
+            <a:schemeClr val="accent1"/>
+          </a:effectRef>
+          <a:fontRef idx="minor">
+            <a:schemeClr val="lt1"/>
+          </a:fontRef>
+        </p:style>
+        <p:txBody>
+          <a:bodyPr rtlCol="0" anchor="ctr"/>
+          <a:lstStyle/>
+          <a:p>
+            <a:pPr algn="ctr"/>
+            <a:endParaRPr lang="ru-RU"/>
+          </a:p>
+        </p:txBody>
+      </p:sp>
+      <p:sp>
+        <p:nvSpPr>
+          <p:cNvPr id="18" name="Умножение 17"/>
+          <p:cNvSpPr/>
+          <p:nvPr/>
+        </p:nvSpPr>
+        <p:spPr>
+          <a:xfrm>
+            <a:off x="7698983" y="4830599"/>
+            <a:ext cx="576943" cy="622943"/>
+          </a:xfrm>
+          <a:prstGeom prst="mathMultiply">
+            <a:avLst/>
+          </a:prstGeom>
+          <a:solidFill>
+            <a:srgbClr val="C00000"/>
+          </a:solidFill>
+          <a:ln>
+            <a:solidFill>
+              <a:schemeClr val="tx1"/>
+            </a:solidFill>
+          </a:ln>
+        </p:spPr>
+        <p:style>
+          <a:lnRef idx="2">
+            <a:schemeClr val="accent1">
+              <a:shade val="50000"/>
+            </a:schemeClr>
+          </a:lnRef>
+          <a:fillRef idx="1">
+            <a:schemeClr val="accent1"/>
+          </a:fillRef>
+          <a:effectRef idx="0">
+            <a:schemeClr val="accent1"/>
+          </a:effectRef>
+          <a:fontRef idx="minor">
+            <a:schemeClr val="lt1"/>
+          </a:fontRef>
+        </p:style>
+        <p:txBody>
+          <a:bodyPr rtlCol="0" anchor="ctr"/>
+          <a:lstStyle/>
+          <a:p>
+            <a:pPr algn="ctr"/>
+            <a:endParaRPr lang="ru-RU"/>
+          </a:p>
+        </p:txBody>
+      </p:sp>
+    </p:spTree>
+    <p:extLst>
+      <p:ext uri="{BB962C8B-B14F-4D97-AF65-F5344CB8AC3E}">
+        <p14:creationId xmlns:p14="http://schemas.microsoft.com/office/powerpoint/2010/main" val="3995428206"/>
+      </p:ext>
+    </p:extLst>
+  </p:cSld>
+  <p:clrMapOvr>
+    <a:masterClrMapping/>
+  </p:clrMapOvr>
+  <p:timing>
+    <p:tnLst>
+      <p:par>
+        <p:cTn id="1" dur="indefinite" restart="never" nodeType="tmRoot">
+          <p:childTnLst>
+            <p:seq concurrent="1" nextAc="seek">
+              <p:cTn id="2" dur="indefinite" nodeType="mainSeq">
+                <p:childTnLst>
+                  <p:par>
+                    <p:cTn id="3" fill="hold">
+                      <p:stCondLst>
+                        <p:cond delay="indefinite"/>
+                      </p:stCondLst>
+                      <p:childTnLst>
+                        <p:par>
+                          <p:cTn id="4" fill="hold">
+                            <p:stCondLst>
+                              <p:cond delay="0"/>
+                            </p:stCondLst>
+                            <p:childTnLst>
+                              <p:par>
+                                <p:cTn id="5" presetID="1" presetClass="entr" presetSubtype="0" fill="hold" grpId="0" nodeType="clickEffect">
+                                  <p:stCondLst>
+                                    <p:cond delay="0"/>
+                                  </p:stCondLst>
+                                  <p:childTnLst>
+                                    <p:set>
+                                      <p:cBhvr>
+                                        <p:cTn id="6" dur="1" fill="hold">
+                                          <p:stCondLst>
+                                            <p:cond delay="0"/>
+                                          </p:stCondLst>
+                                        </p:cTn>
+                                        <p:tgtEl>
+                                          <p:spTgt spid="18"/>
+                                        </p:tgtEl>
+                                        <p:attrNameLst>
+                                          <p:attrName>style.visibility</p:attrName>
+                                        </p:attrNameLst>
+                                      </p:cBhvr>
+                                      <p:to>
+                                        <p:strVal val="visible"/>
+                                      </p:to>
+                                    </p:set>
+                                  </p:childTnLst>
+                                </p:cTn>
+                              </p:par>
+                              <p:par>
+                                <p:cTn id="7" presetID="1" presetClass="entr" presetSubtype="0" fill="hold" grpId="0" nodeType="withEffect">
+                                  <p:stCondLst>
+                                    <p:cond delay="0"/>
+                                  </p:stCondLst>
+                                  <p:childTnLst>
+                                    <p:set>
+                                      <p:cBhvr>
+                                        <p:cTn id="8" dur="1" fill="hold">
+                                          <p:stCondLst>
+                                            <p:cond delay="0"/>
+                                          </p:stCondLst>
+                                        </p:cTn>
+                                        <p:tgtEl>
+                                          <p:spTgt spid="17"/>
+                                        </p:tgtEl>
+                                        <p:attrNameLst>
+                                          <p:attrName>style.visibility</p:attrName>
+                                        </p:attrNameLst>
+                                      </p:cBhvr>
+                                      <p:to>
+                                        <p:strVal val="visible"/>
+                                      </p:to>
+                                    </p:set>
+                                  </p:childTnLst>
+                                </p:cTn>
+                              </p:par>
+                              <p:par>
+                                <p:cTn id="9" presetID="1" presetClass="entr" presetSubtype="0" fill="hold" grpId="0" nodeType="withEffect">
+                                  <p:stCondLst>
+                                    <p:cond delay="0"/>
+                                  </p:stCondLst>
+                                  <p:childTnLst>
+                                    <p:set>
+                                      <p:cBhvr>
+                                        <p:cTn id="10" dur="1" fill="hold">
+                                          <p:stCondLst>
+                                            <p:cond delay="0"/>
+                                          </p:stCondLst>
+                                        </p:cTn>
+                                        <p:tgtEl>
+                                          <p:spTgt spid="14"/>
+                                        </p:tgtEl>
+                                        <p:attrNameLst>
+                                          <p:attrName>style.visibility</p:attrName>
+                                        </p:attrNameLst>
+                                      </p:cBhvr>
+                                      <p:to>
+                                        <p:strVal val="visible"/>
+                                      </p:to>
+                                    </p:set>
+                                  </p:childTnLst>
+                                </p:cTn>
+                              </p:par>
+                            </p:childTnLst>
+                          </p:cTn>
+                        </p:par>
+                      </p:childTnLst>
+                    </p:cTn>
+                  </p:par>
+                  <p:par>
+                    <p:cTn id="11" fill="hold">
+                      <p:stCondLst>
+                        <p:cond delay="indefinite"/>
+                      </p:stCondLst>
+                      <p:childTnLst>
+                        <p:par>
+                          <p:cTn id="12" fill="hold">
+                            <p:stCondLst>
+                              <p:cond delay="0"/>
+                            </p:stCondLst>
+                            <p:childTnLst>
+                              <p:par>
+                                <p:cTn id="13" presetID="2" presetClass="exit" presetSubtype="4" fill="hold" grpId="1" nodeType="clickEffect">
+                                  <p:stCondLst>
+                                    <p:cond delay="0"/>
+                                  </p:stCondLst>
+                                  <p:childTnLst>
+                                    <p:anim calcmode="lin" valueType="num">
+                                      <p:cBhvr additive="base">
+                                        <p:cTn id="14" dur="500"/>
+                                        <p:tgtEl>
+                                          <p:spTgt spid="18"/>
+                                        </p:tgtEl>
+                                        <p:attrNameLst>
+                                          <p:attrName>ppt_x</p:attrName>
+                                        </p:attrNameLst>
+                                      </p:cBhvr>
+                                      <p:tavLst>
+                                        <p:tav tm="0">
+                                          <p:val>
+                                            <p:strVal val="ppt_x"/>
+                                          </p:val>
+                                        </p:tav>
+                                        <p:tav tm="100000">
+                                          <p:val>
+                                            <p:strVal val="ppt_x"/>
+                                          </p:val>
+                                        </p:tav>
+                                      </p:tavLst>
+                                    </p:anim>
+                                    <p:anim calcmode="lin" valueType="num">
+                                      <p:cBhvr additive="base">
+                                        <p:cTn id="15" dur="500"/>
+                                        <p:tgtEl>
+                                          <p:spTgt spid="18"/>
+                                        </p:tgtEl>
+                                        <p:attrNameLst>
+                                          <p:attrName>ppt_y</p:attrName>
+                                        </p:attrNameLst>
+                                      </p:cBhvr>
+                                      <p:tavLst>
+                                        <p:tav tm="0">
+                                          <p:val>
+                                            <p:strVal val="ppt_y"/>
+                                          </p:val>
+                                        </p:tav>
+                                        <p:tav tm="100000">
+                                          <p:val>
+                                            <p:strVal val="1+ppt_h/2"/>
+                                          </p:val>
+                                        </p:tav>
+                                      </p:tavLst>
+                                    </p:anim>
+                                    <p:set>
+                                      <p:cBhvr>
+                                        <p:cTn id="16" dur="1" fill="hold">
+                                          <p:stCondLst>
+                                            <p:cond delay="499"/>
+                                          </p:stCondLst>
+                                        </p:cTn>
+                                        <p:tgtEl>
+                                          <p:spTgt spid="18"/>
+                                        </p:tgtEl>
+                                        <p:attrNameLst>
+                                          <p:attrName>style.visibility</p:attrName>
+                                        </p:attrNameLst>
+                                      </p:cBhvr>
+                                      <p:to>
+                                        <p:strVal val="hidden"/>
+                                      </p:to>
+                                    </p:set>
+                                  </p:childTnLst>
+                                </p:cTn>
+                              </p:par>
+                              <p:par>
+                                <p:cTn id="17" presetID="2" presetClass="exit" presetSubtype="4" fill="hold" grpId="1" nodeType="withEffect">
+                                  <p:stCondLst>
+                                    <p:cond delay="0"/>
+                                  </p:stCondLst>
+                                  <p:childTnLst>
+                                    <p:anim calcmode="lin" valueType="num">
+                                      <p:cBhvr additive="base">
+                                        <p:cTn id="18" dur="500"/>
+                                        <p:tgtEl>
+                                          <p:spTgt spid="17"/>
+                                        </p:tgtEl>
+                                        <p:attrNameLst>
+                                          <p:attrName>ppt_x</p:attrName>
+                                        </p:attrNameLst>
+                                      </p:cBhvr>
+                                      <p:tavLst>
+                                        <p:tav tm="0">
+                                          <p:val>
+                                            <p:strVal val="ppt_x"/>
+                                          </p:val>
+                                        </p:tav>
+                                        <p:tav tm="100000">
+                                          <p:val>
+                                            <p:strVal val="ppt_x"/>
+                                          </p:val>
+                                        </p:tav>
+                                      </p:tavLst>
+                                    </p:anim>
+                                    <p:anim calcmode="lin" valueType="num">
+                                      <p:cBhvr additive="base">
+                                        <p:cTn id="19" dur="500"/>
+                                        <p:tgtEl>
+                                          <p:spTgt spid="17"/>
+                                        </p:tgtEl>
+                                        <p:attrNameLst>
+                                          <p:attrName>ppt_y</p:attrName>
+                                        </p:attrNameLst>
+                                      </p:cBhvr>
+                                      <p:tavLst>
+                                        <p:tav tm="0">
+                                          <p:val>
+                                            <p:strVal val="ppt_y"/>
+                                          </p:val>
+                                        </p:tav>
+                                        <p:tav tm="100000">
+                                          <p:val>
+                                            <p:strVal val="1+ppt_h/2"/>
+                                          </p:val>
+                                        </p:tav>
+                                      </p:tavLst>
+                                    </p:anim>
+                                    <p:set>
+                                      <p:cBhvr>
+                                        <p:cTn id="20" dur="1" fill="hold">
+                                          <p:stCondLst>
+                                            <p:cond delay="499"/>
+                                          </p:stCondLst>
+                                        </p:cTn>
+                                        <p:tgtEl>
+                                          <p:spTgt spid="17"/>
+                                        </p:tgtEl>
+                                        <p:attrNameLst>
+                                          <p:attrName>style.visibility</p:attrName>
+                                        </p:attrNameLst>
+                                      </p:cBhvr>
+                                      <p:to>
+                                        <p:strVal val="hidden"/>
+                                      </p:to>
+                                    </p:set>
+                                  </p:childTnLst>
+                                </p:cTn>
+                              </p:par>
+                              <p:par>
+                                <p:cTn id="21" presetID="2" presetClass="exit" presetSubtype="4" fill="hold" grpId="1" nodeType="withEffect">
+                                  <p:stCondLst>
+                                    <p:cond delay="0"/>
+                                  </p:stCondLst>
+                                  <p:childTnLst>
+                                    <p:anim calcmode="lin" valueType="num">
+                                      <p:cBhvr additive="base">
+                                        <p:cTn id="22" dur="500"/>
+                                        <p:tgtEl>
+                                          <p:spTgt spid="14"/>
+                                        </p:tgtEl>
+                                        <p:attrNameLst>
+                                          <p:attrName>ppt_x</p:attrName>
+                                        </p:attrNameLst>
+                                      </p:cBhvr>
+                                      <p:tavLst>
+                                        <p:tav tm="0">
+                                          <p:val>
+                                            <p:strVal val="ppt_x"/>
+                                          </p:val>
+                                        </p:tav>
+                                        <p:tav tm="100000">
+                                          <p:val>
+                                            <p:strVal val="ppt_x"/>
+                                          </p:val>
+                                        </p:tav>
+                                      </p:tavLst>
+                                    </p:anim>
+                                    <p:anim calcmode="lin" valueType="num">
+                                      <p:cBhvr additive="base">
+                                        <p:cTn id="23" dur="500"/>
+                                        <p:tgtEl>
+                                          <p:spTgt spid="14"/>
+                                        </p:tgtEl>
+                                        <p:attrNameLst>
+                                          <p:attrName>ppt_y</p:attrName>
+                                        </p:attrNameLst>
+                                      </p:cBhvr>
+                                      <p:tavLst>
+                                        <p:tav tm="0">
+                                          <p:val>
+                                            <p:strVal val="ppt_y"/>
+                                          </p:val>
+                                        </p:tav>
+                                        <p:tav tm="100000">
+                                          <p:val>
+                                            <p:strVal val="1+ppt_h/2"/>
+                                          </p:val>
+                                        </p:tav>
+                                      </p:tavLst>
+                                    </p:anim>
+                                    <p:set>
+                                      <p:cBhvr>
+                                        <p:cTn id="24" dur="1" fill="hold">
+                                          <p:stCondLst>
+                                            <p:cond delay="499"/>
+                                          </p:stCondLst>
+                                        </p:cTn>
+                                        <p:tgtEl>
+                                          <p:spTgt spid="14"/>
+                                        </p:tgtEl>
+                                        <p:attrNameLst>
+                                          <p:attrName>style.visibility</p:attrName>
+                                        </p:attrNameLst>
+                                      </p:cBhvr>
+                                      <p:to>
+                                        <p:strVal val="hidden"/>
+                                      </p:to>
+                                    </p:set>
+                                  </p:childTnLst>
+                                </p:cTn>
+                              </p:par>
+                              <p:par>
+                                <p:cTn id="25" presetID="2" presetClass="exit" presetSubtype="4" fill="hold" grpId="0" nodeType="withEffect">
+                                  <p:stCondLst>
+                                    <p:cond delay="0"/>
+                                  </p:stCondLst>
+                                  <p:childTnLst>
+                                    <p:anim calcmode="lin" valueType="num">
+                                      <p:cBhvr additive="base">
+                                        <p:cTn id="26" dur="500"/>
+                                        <p:tgtEl>
+                                          <p:spTgt spid="8"/>
+                                        </p:tgtEl>
+                                        <p:attrNameLst>
+                                          <p:attrName>ppt_x</p:attrName>
+                                        </p:attrNameLst>
+                                      </p:cBhvr>
+                                      <p:tavLst>
+                                        <p:tav tm="0">
+                                          <p:val>
+                                            <p:strVal val="ppt_x"/>
+                                          </p:val>
+                                        </p:tav>
+                                        <p:tav tm="100000">
+                                          <p:val>
+                                            <p:strVal val="ppt_x"/>
+                                          </p:val>
+                                        </p:tav>
+                                      </p:tavLst>
+                                    </p:anim>
+                                    <p:anim calcmode="lin" valueType="num">
+                                      <p:cBhvr additive="base">
+                                        <p:cTn id="27" dur="500"/>
+                                        <p:tgtEl>
+                                          <p:spTgt spid="8"/>
+                                        </p:tgtEl>
+                                        <p:attrNameLst>
+                                          <p:attrName>ppt_y</p:attrName>
+                                        </p:attrNameLst>
+                                      </p:cBhvr>
+                                      <p:tavLst>
+                                        <p:tav tm="0">
+                                          <p:val>
+                                            <p:strVal val="ppt_y"/>
+                                          </p:val>
+                                        </p:tav>
+                                        <p:tav tm="100000">
+                                          <p:val>
+                                            <p:strVal val="1+ppt_h/2"/>
+                                          </p:val>
+                                        </p:tav>
+                                      </p:tavLst>
+                                    </p:anim>
+                                    <p:set>
+                                      <p:cBhvr>
+                                        <p:cTn id="28" dur="1" fill="hold">
+                                          <p:stCondLst>
+                                            <p:cond delay="499"/>
+                                          </p:stCondLst>
+                                        </p:cTn>
+                                        <p:tgtEl>
+                                          <p:spTgt spid="8"/>
+                                        </p:tgtEl>
+                                        <p:attrNameLst>
+                                          <p:attrName>style.visibility</p:attrName>
+                                        </p:attrNameLst>
+                                      </p:cBhvr>
+                                      <p:to>
+                                        <p:strVal val="hidden"/>
+                                      </p:to>
+                                    </p:set>
+                                  </p:childTnLst>
+                                </p:cTn>
+                              </p:par>
+                            </p:childTnLst>
+                          </p:cTn>
+                        </p:par>
+                      </p:childTnLst>
+                    </p:cTn>
+                  </p:par>
+                </p:childTnLst>
+              </p:cTn>
+              <p:prevCondLst>
+                <p:cond evt="onPrev" delay="0">
+                  <p:tgtEl>
+                    <p:sldTgt/>
+                  </p:tgtEl>
+                </p:cond>
+              </p:prevCondLst>
+              <p:nextCondLst>
+                <p:cond evt="onNext" delay="0">
+                  <p:tgtEl>
+                    <p:sldTgt/>
+                  </p:tgtEl>
+                </p:cond>
+              </p:nextCondLst>
+            </p:seq>
+          </p:childTnLst>
+        </p:cTn>
+      </p:par>
+    </p:tnLst>
+    <p:bldLst>
+      <p:bldP spid="8" grpId="0" animBg="1"/>
+      <p:bldP spid="14" grpId="0" animBg="1"/>
+      <p:bldP spid="14" grpId="1" animBg="1"/>
+      <p:bldP spid="17" grpId="0" animBg="1"/>
+      <p:bldP spid="17" grpId="1" animBg="1"/>
+      <p:bldP spid="18" grpId="0" animBg="1"/>
+      <p:bldP spid="18" grpId="1" animBg="1"/>
+    </p:bldLst>
+  </p:timing>
+</p:sld>
+</file>
+
+<file path=ppt/slides/slide32.xml><?xml version="1.0" encoding="utf-8"?>
+<p:sld xmlns:a="http://schemas.openxmlformats.org/drawingml/2006/main" xmlns:r="http://schemas.openxmlformats.org/officeDocument/2006/relationships" xmlns:p="http://schemas.openxmlformats.org/presentationml/2006/main">
+  <p:cSld>
+    <p:spTree>
+      <p:nvGrpSpPr>
+        <p:cNvPr id="1" name=""/>
+        <p:cNvGrpSpPr/>
+        <p:nvPr/>
+      </p:nvGrpSpPr>
+      <p:grpSpPr>
+        <a:xfrm>
+          <a:off x="0" y="0"/>
+          <a:ext cx="0" cy="0"/>
+          <a:chOff x="0" y="0"/>
+          <a:chExt cx="0" cy="0"/>
+        </a:xfrm>
+      </p:grpSpPr>
+      <p:sp>
+        <p:nvSpPr>
+          <p:cNvPr id="47" name="Rectangle 26"/>
+          <p:cNvSpPr>
+            <a:spLocks noChangeArrowheads="1"/>
+          </p:cNvSpPr>
+          <p:nvPr/>
+        </p:nvSpPr>
+        <p:spPr bwMode="auto">
+          <a:xfrm>
+            <a:off x="6147240" y="1887472"/>
+            <a:ext cx="138564" cy="276999"/>
+          </a:xfrm>
+          <a:prstGeom prst="rect">
+            <a:avLst/>
+          </a:prstGeom>
+          <a:noFill/>
+          <a:ln>
+            <a:noFill/>
+          </a:ln>
+          <a:effectLst/>
+          <a:extLst>
+            <a:ext uri="{909E8E84-426E-40DD-AFC4-6F175D3DCCD1}">
+              <a14:hiddenFill xmlns:a14="http://schemas.microsoft.com/office/drawing/2010/main">
+                <a:solidFill>
+                  <a:schemeClr val="accent1"/>
+                </a:solidFill>
+              </a14:hiddenFill>
+            </a:ext>
+            <a:ext uri="{91240B29-F687-4F45-9708-019B960494DF}">
+              <a14:hiddenLine xmlns:a14="http://schemas.microsoft.com/office/drawing/2010/main" w="9525">
+                <a:solidFill>
+                  <a:schemeClr val="tx1"/>
+                </a:solidFill>
+                <a:miter lim="800000"/>
+                <a:headEnd/>
+                <a:tailEnd/>
+              </a14:hiddenLine>
+            </a:ext>
+            <a:ext uri="{AF507438-7753-43E0-B8FC-AC1667EBCBE1}">
+              <a14:hiddenEffects xmlns:a14="http://schemas.microsoft.com/office/drawing/2010/main">
+                <a:effectLst>
+                  <a:outerShdw dist="35921" dir="2700000" algn="ctr" rotWithShape="0">
+                    <a:schemeClr val="bg2"/>
+                  </a:outerShdw>
+                </a:effectLst>
+              </a14:hiddenEffects>
+            </a:ext>
+          </a:extLst>
+        </p:spPr>
+        <p:txBody>
+          <a:bodyPr vert="horz" wrap="none" lIns="68580" tIns="34290" rIns="68580" bIns="34290" numCol="1" anchor="ctr" anchorCtr="0" compatLnSpc="1">
+            <a:prstTxWarp prst="textNoShape">
+              <a:avLst/>
+            </a:prstTxWarp>
+            <a:spAutoFit/>
+          </a:bodyPr>
+          <a:lstStyle/>
+          <a:p>
+            <a:endParaRPr lang="en-US" sz="1350"/>
+          </a:p>
+        </p:txBody>
+      </p:sp>
+      <p:sp>
+        <p:nvSpPr>
+          <p:cNvPr id="22" name="Rectangle 28" descr="Светлый диагональный 2">
+            <a:extLst>
+              <a:ext uri="{FF2B5EF4-FFF2-40B4-BE49-F238E27FC236}">
+                <a16:creationId xmlns:a16="http://schemas.microsoft.com/office/drawing/2014/main" id="{2A0E99F7-A4CC-4E8F-8C74-D6A03276576B}"/>
+              </a:ext>
+            </a:extLst>
+          </p:cNvPr>
+          <p:cNvSpPr>
+            <a:spLocks noChangeArrowheads="1"/>
+          </p:cNvSpPr>
+          <p:nvPr/>
+        </p:nvSpPr>
+        <p:spPr bwMode="auto">
+          <a:xfrm>
+            <a:off x="0" y="-1"/>
+            <a:ext cx="12192000" cy="654357"/>
+          </a:xfrm>
+          <a:prstGeom prst="rect">
+            <a:avLst/>
+          </a:prstGeom>
+          <a:pattFill prst="ltUpDiag">
+            <a:fgClr>
+              <a:schemeClr val="accent1">
+                <a:lumMod val="40000"/>
+                <a:lumOff val="60000"/>
+              </a:schemeClr>
+            </a:fgClr>
+            <a:bgClr>
+              <a:srgbClr val="FFFFFF"/>
+            </a:bgClr>
+          </a:pattFill>
+          <a:ln w="15875" algn="ctr">
+            <a:solidFill>
+              <a:schemeClr val="accent5">
+                <a:lumMod val="50000"/>
+              </a:schemeClr>
+            </a:solidFill>
+            <a:miter lim="800000"/>
+            <a:headEnd/>
+            <a:tailEnd/>
+          </a:ln>
+          <a:effectLst/>
+        </p:spPr>
+        <p:txBody>
+          <a:bodyPr vert="horz" wrap="square" lIns="18000" tIns="18000" rIns="18000" bIns="18000" numCol="1" anchor="ctr" anchorCtr="0" compatLnSpc="1">
+            <a:prstTxWarp prst="textNoShape">
+              <a:avLst/>
+            </a:prstTxWarp>
+          </a:bodyPr>
+          <a:lstStyle/>
+          <a:p>
+            <a:pPr algn="ctr"/>
+            <a:r>
+              <a:rPr lang="ru-RU" sz="2800" b="1" dirty="0">
+                <a:solidFill>
+                  <a:schemeClr val="tx2">
+                    <a:lumMod val="50000"/>
+                  </a:schemeClr>
+                </a:solidFill>
+                <a:latin typeface="Bookman Old Style" panose="02050604050505020204" pitchFamily="18" charset="0"/>
+                <a:cs typeface="Times New Roman" panose="02020603050405020304" pitchFamily="18" charset="0"/>
+              </a:rPr>
+              <a:t>Работа с файлами и папками</a:t>
+            </a:r>
+          </a:p>
+        </p:txBody>
+      </p:sp>
+      <p:sp>
+        <p:nvSpPr>
+          <p:cNvPr id="23" name="TextBox 22">
+            <a:extLst>
+              <a:ext uri="{FF2B5EF4-FFF2-40B4-BE49-F238E27FC236}">
+                <a16:creationId xmlns:a16="http://schemas.microsoft.com/office/drawing/2014/main" id="{99DF0FE0-DB9D-4180-8370-CD26FB46DF57}"/>
+              </a:ext>
+            </a:extLst>
+          </p:cNvPr>
+          <p:cNvSpPr txBox="1"/>
+          <p:nvPr/>
+        </p:nvSpPr>
+        <p:spPr>
+          <a:xfrm>
+            <a:off x="1" y="757215"/>
+            <a:ext cx="12192000" cy="5170646"/>
+          </a:xfrm>
+          <a:prstGeom prst="rect">
+            <a:avLst/>
+          </a:prstGeom>
+          <a:noFill/>
+        </p:spPr>
+        <p:txBody>
+          <a:bodyPr wrap="square">
+            <a:spAutoFit/>
+          </a:bodyPr>
+          <a:lstStyle/>
+          <a:p>
+            <a:pPr>
+              <a:lnSpc>
+                <a:spcPct val="125000"/>
+              </a:lnSpc>
+            </a:pPr>
+            <a:r>
+              <a:rPr lang="ru-RU" sz="2400" b="1" i="0" dirty="0">
+                <a:effectLst/>
+                <a:latin typeface="Bookman Old Style" panose="02050604050505020204" pitchFamily="18" charset="0"/>
+              </a:rPr>
+              <a:t>Создание </a:t>
+            </a:r>
+            <a:r>
+              <a:rPr lang="ru-RU" sz="2400" b="1" i="0" dirty="0" smtClean="0">
+                <a:effectLst/>
+                <a:latin typeface="Bookman Old Style" panose="02050604050505020204" pitchFamily="18" charset="0"/>
+              </a:rPr>
+              <a:t>файла</a:t>
+            </a:r>
+            <a:r>
+              <a:rPr lang="ru-RU" sz="2400" i="0" dirty="0" smtClean="0">
+                <a:effectLst/>
+                <a:latin typeface="Bookman Old Style" panose="02050604050505020204" pitchFamily="18" charset="0"/>
+              </a:rPr>
+              <a:t>:</a:t>
+            </a:r>
+            <a:r>
+              <a:rPr lang="en-US" sz="2400" i="0" dirty="0" smtClean="0">
+                <a:effectLst/>
+                <a:latin typeface="Bookman Old Style" panose="02050604050505020204" pitchFamily="18" charset="0"/>
+              </a:rPr>
+              <a:t> 		</a:t>
+            </a:r>
+            <a:endParaRPr lang="ru-RU" sz="2400" i="0" dirty="0" smtClean="0">
+              <a:effectLst/>
+              <a:latin typeface="Bookman Old Style" panose="02050604050505020204" pitchFamily="18" charset="0"/>
+            </a:endParaRPr>
+          </a:p>
+          <a:p>
+            <a:pPr algn="ctr">
+              <a:lnSpc>
+                <a:spcPct val="125000"/>
+              </a:lnSpc>
+            </a:pPr>
+            <a:r>
+              <a:rPr lang="en-US" sz="2400" dirty="0">
+                <a:solidFill>
+                  <a:srgbClr val="0000FF"/>
+                </a:solidFill>
+                <a:latin typeface="Cascadia Mono" panose="020B0609020000020004" pitchFamily="49" charset="0"/>
+              </a:rPr>
+              <a:t>using</a:t>
+            </a:r>
+            <a:r>
+              <a:rPr lang="en-US" sz="2400" dirty="0">
+                <a:solidFill>
+                  <a:srgbClr val="00B0F0"/>
+                </a:solidFill>
+                <a:latin typeface="Cascadia Mono" panose="020B0609020000020004" pitchFamily="49" charset="0"/>
+              </a:rPr>
+              <a:t> </a:t>
+            </a:r>
+            <a:r>
+              <a:rPr lang="en-US" sz="2400" dirty="0" err="1">
+                <a:solidFill>
+                  <a:srgbClr val="0000FF"/>
+                </a:solidFill>
+                <a:latin typeface="Cascadia Mono" panose="020B0609020000020004" pitchFamily="49" charset="0"/>
+              </a:rPr>
+              <a:t>var</a:t>
+            </a:r>
+            <a:r>
+              <a:rPr lang="en-US" sz="2400" dirty="0" smtClean="0">
+                <a:solidFill>
+                  <a:srgbClr val="00B0F0"/>
+                </a:solidFill>
+                <a:latin typeface="Cascadia Mono" panose="020B0609020000020004" pitchFamily="49" charset="0"/>
+              </a:rPr>
+              <a:t> </a:t>
+            </a:r>
+            <a:r>
+              <a:rPr lang="en-US" sz="2400" dirty="0" err="1" smtClean="0">
+                <a:latin typeface="Cascadia Mono" panose="020B0609020000020004" pitchFamily="49" charset="0"/>
+              </a:rPr>
+              <a:t>fileStream</a:t>
+            </a:r>
+            <a:r>
+              <a:rPr lang="en-US" sz="2400" dirty="0" smtClean="0">
+                <a:latin typeface="Cascadia Mono" panose="020B0609020000020004" pitchFamily="49" charset="0"/>
+              </a:rPr>
+              <a:t> = </a:t>
+            </a:r>
+            <a:r>
+              <a:rPr lang="en-US" sz="2400" dirty="0" err="1" smtClean="0">
+                <a:solidFill>
+                  <a:srgbClr val="000000"/>
+                </a:solidFill>
+                <a:latin typeface="Cascadia Mono" panose="020B0609020000020004" pitchFamily="49" charset="0"/>
+              </a:rPr>
+              <a:t>File.Create</a:t>
+            </a:r>
+            <a:r>
+              <a:rPr lang="en-US" sz="2400" dirty="0">
+                <a:solidFill>
+                  <a:srgbClr val="000000"/>
+                </a:solidFill>
+                <a:latin typeface="Cascadia Mono" panose="020B0609020000020004" pitchFamily="49" charset="0"/>
+              </a:rPr>
+              <a:t>(</a:t>
+            </a:r>
+            <a:r>
+              <a:rPr lang="en-US" sz="2400" dirty="0">
+                <a:solidFill>
+                  <a:srgbClr val="A31515"/>
+                </a:solidFill>
+                <a:latin typeface="Cascadia Mono" panose="020B0609020000020004" pitchFamily="49" charset="0"/>
+              </a:rPr>
+              <a:t>"</a:t>
+            </a:r>
+            <a:r>
+              <a:rPr lang="ru-RU" sz="2400" dirty="0">
+                <a:solidFill>
+                  <a:srgbClr val="A31515"/>
+                </a:solidFill>
+                <a:latin typeface="Cascadia Mono" panose="020B0609020000020004" pitchFamily="49" charset="0"/>
+              </a:rPr>
+              <a:t>мой файл.</a:t>
+            </a:r>
+            <a:r>
+              <a:rPr lang="en-US" sz="2400" dirty="0">
+                <a:solidFill>
+                  <a:srgbClr val="A31515"/>
+                </a:solidFill>
+                <a:latin typeface="Cascadia Mono" panose="020B0609020000020004" pitchFamily="49" charset="0"/>
+              </a:rPr>
+              <a:t>txt</a:t>
+            </a:r>
+            <a:r>
+              <a:rPr lang="en-US" sz="2400" dirty="0" smtClean="0">
+                <a:solidFill>
+                  <a:srgbClr val="A31515"/>
+                </a:solidFill>
+                <a:latin typeface="Cascadia Mono" panose="020B0609020000020004" pitchFamily="49" charset="0"/>
+              </a:rPr>
+              <a:t>"</a:t>
+            </a:r>
+            <a:r>
+              <a:rPr lang="en-US" sz="2400" dirty="0" smtClean="0">
+                <a:solidFill>
+                  <a:srgbClr val="000000"/>
+                </a:solidFill>
+                <a:latin typeface="Cascadia Mono" panose="020B0609020000020004" pitchFamily="49" charset="0"/>
+              </a:rPr>
+              <a:t>);</a:t>
+            </a:r>
+            <a:endParaRPr lang="ru-RU" sz="2400" i="0" dirty="0">
+              <a:effectLst/>
+              <a:latin typeface="Bookman Old Style" panose="02050604050505020204" pitchFamily="18" charset="0"/>
+            </a:endParaRPr>
+          </a:p>
+          <a:p>
+            <a:pPr>
+              <a:lnSpc>
+                <a:spcPct val="125000"/>
+              </a:lnSpc>
+            </a:pPr>
+            <a:r>
+              <a:rPr lang="ru-RU" sz="2400" i="0" dirty="0">
+                <a:effectLst/>
+                <a:latin typeface="Bookman Old Style" panose="02050604050505020204" pitchFamily="18" charset="0"/>
+              </a:rPr>
+              <a:t>При указании имени файла</a:t>
+            </a:r>
+            <a:r>
+              <a:rPr lang="ru-RU" sz="2400" dirty="0">
+                <a:latin typeface="Bookman Old Style" panose="02050604050505020204" pitchFamily="18" charset="0"/>
+              </a:rPr>
+              <a:t>, файл создается там, откуда запущено приложение.</a:t>
+            </a:r>
+          </a:p>
+          <a:p>
+            <a:pPr>
+              <a:lnSpc>
+                <a:spcPct val="125000"/>
+              </a:lnSpc>
+            </a:pPr>
+            <a:r>
+              <a:rPr lang="ru-RU" sz="2400" b="1" dirty="0">
+                <a:latin typeface="Bookman Old Style" panose="02050604050505020204" pitchFamily="18" charset="0"/>
+              </a:rPr>
+              <a:t>Создание файла </a:t>
+            </a:r>
+            <a:r>
+              <a:rPr lang="ru-RU" sz="2400" dirty="0">
+                <a:latin typeface="Bookman Old Style" panose="02050604050505020204" pitchFamily="18" charset="0"/>
+              </a:rPr>
+              <a:t>по конкретному пути:</a:t>
+            </a:r>
+            <a:endParaRPr lang="en-US" sz="2400" dirty="0">
+              <a:latin typeface="Bookman Old Style" panose="02050604050505020204" pitchFamily="18" charset="0"/>
+            </a:endParaRPr>
+          </a:p>
+          <a:p>
+            <a:pPr algn="ctr">
+              <a:lnSpc>
+                <a:spcPct val="125000"/>
+              </a:lnSpc>
+            </a:pPr>
+            <a:r>
+              <a:rPr lang="en-US" sz="2400" dirty="0">
+                <a:solidFill>
+                  <a:srgbClr val="0000FF"/>
+                </a:solidFill>
+                <a:latin typeface="Cascadia Mono" panose="020B0609020000020004" pitchFamily="49" charset="0"/>
+              </a:rPr>
+              <a:t>using</a:t>
+            </a:r>
+            <a:r>
+              <a:rPr lang="en-US" sz="2400" dirty="0" smtClean="0">
+                <a:solidFill>
+                  <a:srgbClr val="00B0F0"/>
+                </a:solidFill>
+                <a:latin typeface="Cascadia Mono" panose="020B0609020000020004" pitchFamily="49" charset="0"/>
+              </a:rPr>
+              <a:t> </a:t>
+            </a:r>
+            <a:r>
+              <a:rPr lang="en-US" sz="2400" dirty="0" err="1">
+                <a:solidFill>
+                  <a:srgbClr val="0000FF"/>
+                </a:solidFill>
+                <a:latin typeface="Cascadia Mono" panose="020B0609020000020004" pitchFamily="49" charset="0"/>
+              </a:rPr>
+              <a:t>var</a:t>
+            </a:r>
+            <a:r>
+              <a:rPr lang="en-US" sz="2400" dirty="0" smtClean="0">
+                <a:solidFill>
+                  <a:srgbClr val="00B0F0"/>
+                </a:solidFill>
+                <a:latin typeface="Cascadia Mono" panose="020B0609020000020004" pitchFamily="49" charset="0"/>
+              </a:rPr>
+              <a:t> </a:t>
+            </a:r>
+            <a:r>
+              <a:rPr lang="en-US" sz="2400" dirty="0" err="1" smtClean="0">
+                <a:latin typeface="Cascadia Mono" panose="020B0609020000020004" pitchFamily="49" charset="0"/>
+              </a:rPr>
+              <a:t>fileStream</a:t>
+            </a:r>
+            <a:r>
+              <a:rPr lang="en-US" sz="2400" dirty="0" smtClean="0">
+                <a:latin typeface="Cascadia Mono" panose="020B0609020000020004" pitchFamily="49" charset="0"/>
+              </a:rPr>
+              <a:t> </a:t>
+            </a:r>
+            <a:r>
+              <a:rPr lang="en-US" sz="2400" dirty="0">
+                <a:latin typeface="Cascadia Mono" panose="020B0609020000020004" pitchFamily="49" charset="0"/>
+              </a:rPr>
+              <a:t>= </a:t>
+            </a:r>
+            <a:r>
+              <a:rPr lang="ru-RU" sz="2400" dirty="0" err="1" smtClean="0">
+                <a:solidFill>
+                  <a:srgbClr val="00B0F0"/>
+                </a:solidFill>
+                <a:latin typeface="Cascadia Mono" panose="020B0609020000020004" pitchFamily="49" charset="0"/>
+              </a:rPr>
+              <a:t>File</a:t>
+            </a:r>
+            <a:r>
+              <a:rPr lang="ru-RU" sz="2400" dirty="0" err="1" smtClean="0">
+                <a:solidFill>
+                  <a:srgbClr val="000000"/>
+                </a:solidFill>
+                <a:latin typeface="Cascadia Mono" panose="020B0609020000020004" pitchFamily="49" charset="0"/>
+              </a:rPr>
+              <a:t>.Create</a:t>
+            </a:r>
+            <a:r>
+              <a:rPr lang="ru-RU" sz="2400" dirty="0">
+                <a:solidFill>
+                  <a:srgbClr val="000000"/>
+                </a:solidFill>
+                <a:latin typeface="Cascadia Mono" panose="020B0609020000020004" pitchFamily="49" charset="0"/>
+              </a:rPr>
+              <a:t>(</a:t>
+            </a:r>
+            <a:r>
+              <a:rPr lang="ru-RU" sz="2400" dirty="0">
+                <a:solidFill>
+                  <a:srgbClr val="A31515"/>
+                </a:solidFill>
+                <a:latin typeface="Cascadia Mono" panose="020B0609020000020004" pitchFamily="49" charset="0"/>
+              </a:rPr>
+              <a:t>"D:</a:t>
+            </a:r>
+            <a:r>
+              <a:rPr lang="ru-RU" sz="2400" dirty="0">
+                <a:solidFill>
+                  <a:srgbClr val="FF007F"/>
+                </a:solidFill>
+                <a:latin typeface="Cascadia Mono" panose="020B0609020000020004" pitchFamily="49" charset="0"/>
+              </a:rPr>
+              <a:t>\\</a:t>
+            </a:r>
+            <a:r>
+              <a:rPr lang="ru-RU" sz="2400" dirty="0">
+                <a:solidFill>
+                  <a:srgbClr val="A31515"/>
+                </a:solidFill>
+                <a:latin typeface="Cascadia Mono" panose="020B0609020000020004" pitchFamily="49" charset="0"/>
+              </a:rPr>
+              <a:t>папка</a:t>
+            </a:r>
+            <a:r>
+              <a:rPr lang="en-US" sz="2400" dirty="0">
+                <a:solidFill>
+                  <a:srgbClr val="FF007F"/>
+                </a:solidFill>
+                <a:latin typeface="Cascadia Mono" panose="020B0609020000020004" pitchFamily="49" charset="0"/>
+              </a:rPr>
+              <a:t>\\</a:t>
+            </a:r>
+            <a:r>
+              <a:rPr lang="ru-RU" sz="2400" dirty="0">
+                <a:solidFill>
+                  <a:srgbClr val="A31515"/>
+                </a:solidFill>
+                <a:latin typeface="Cascadia Mono" panose="020B0609020000020004" pitchFamily="49" charset="0"/>
+              </a:rPr>
+              <a:t>мой файл на диске </a:t>
+            </a:r>
+            <a:r>
+              <a:rPr lang="en-US" sz="2400" dirty="0" smtClean="0">
+                <a:solidFill>
+                  <a:srgbClr val="A31515"/>
+                </a:solidFill>
+                <a:latin typeface="Cascadia Mono" panose="020B0609020000020004" pitchFamily="49" charset="0"/>
+              </a:rPr>
+              <a:t>D</a:t>
+            </a:r>
+            <a:r>
+              <a:rPr lang="ru-RU" sz="2400" dirty="0">
+                <a:solidFill>
+                  <a:srgbClr val="A31515"/>
+                </a:solidFill>
+                <a:latin typeface="Cascadia Mono" panose="020B0609020000020004" pitchFamily="49" charset="0"/>
+              </a:rPr>
+              <a:t>.</a:t>
+            </a:r>
+            <a:r>
+              <a:rPr lang="ru-RU" sz="2400" dirty="0" err="1">
+                <a:solidFill>
+                  <a:srgbClr val="A31515"/>
+                </a:solidFill>
+                <a:latin typeface="Cascadia Mono" panose="020B0609020000020004" pitchFamily="49" charset="0"/>
+              </a:rPr>
+              <a:t>txt</a:t>
+            </a:r>
+            <a:r>
+              <a:rPr lang="ru-RU" sz="2400" dirty="0" smtClean="0">
+                <a:solidFill>
+                  <a:srgbClr val="A31515"/>
+                </a:solidFill>
+                <a:latin typeface="Cascadia Mono" panose="020B0609020000020004" pitchFamily="49" charset="0"/>
+              </a:rPr>
+              <a:t>"</a:t>
+            </a:r>
+            <a:r>
+              <a:rPr lang="ru-RU" sz="2400" dirty="0" smtClean="0">
+                <a:solidFill>
+                  <a:srgbClr val="000000"/>
+                </a:solidFill>
+                <a:latin typeface="Cascadia Mono" panose="020B0609020000020004" pitchFamily="49" charset="0"/>
+              </a:rPr>
+              <a:t>);</a:t>
+            </a:r>
+            <a:endParaRPr lang="ru-RU" sz="2400" dirty="0">
+              <a:solidFill>
+                <a:srgbClr val="000000"/>
+              </a:solidFill>
+              <a:latin typeface="Cascadia Mono" panose="020B0609020000020004" pitchFamily="49" charset="0"/>
+            </a:endParaRPr>
+          </a:p>
+          <a:p>
+            <a:pPr algn="just">
+              <a:lnSpc>
+                <a:spcPct val="125000"/>
+              </a:lnSpc>
+            </a:pPr>
+            <a:endParaRPr lang="ru-RU" sz="2400" b="1" dirty="0" smtClean="0">
+              <a:latin typeface="Bookman Old Style" panose="02050604050505020204" pitchFamily="18" charset="0"/>
+            </a:endParaRPr>
+          </a:p>
+          <a:p>
+            <a:pPr algn="just">
+              <a:lnSpc>
+                <a:spcPct val="125000"/>
+              </a:lnSpc>
+            </a:pPr>
+            <a:r>
+              <a:rPr lang="en-US" sz="2400" b="1" dirty="0" smtClean="0">
+                <a:latin typeface="Bookman Old Style" panose="02050604050505020204" pitchFamily="18" charset="0"/>
+              </a:rPr>
+              <a:t>using </a:t>
+            </a:r>
+            <a:r>
+              <a:rPr lang="en-US" sz="2400" dirty="0">
+                <a:latin typeface="Bookman Old Style" panose="02050604050505020204" pitchFamily="18" charset="0"/>
+              </a:rPr>
+              <a:t>– </a:t>
+            </a:r>
+            <a:r>
+              <a:rPr lang="ru-RU" sz="2400" dirty="0">
+                <a:latin typeface="Bookman Old Style" panose="02050604050505020204" pitchFamily="18" charset="0"/>
+              </a:rPr>
+              <a:t>спец. слово </a:t>
+            </a:r>
+            <a:r>
+              <a:rPr lang="ru-RU" sz="2400" dirty="0" smtClean="0">
+                <a:latin typeface="Bookman Old Style" panose="02050604050505020204" pitchFamily="18" charset="0"/>
+              </a:rPr>
+              <a:t>для автоматического</a:t>
+            </a:r>
+            <a:r>
+              <a:rPr lang="en-US" sz="2400" dirty="0" smtClean="0">
+                <a:latin typeface="Bookman Old Style" panose="02050604050505020204" pitchFamily="18" charset="0"/>
+              </a:rPr>
+              <a:t> </a:t>
+            </a:r>
+            <a:r>
+              <a:rPr lang="ru-RU" sz="2400" dirty="0" smtClean="0">
+                <a:latin typeface="Bookman Old Style" panose="02050604050505020204" pitchFamily="18" charset="0"/>
+              </a:rPr>
+              <a:t>вызова методов, необходимых для </a:t>
+            </a:r>
+            <a:r>
+              <a:rPr lang="ru-RU" sz="2400" dirty="0">
+                <a:latin typeface="Bookman Old Style" panose="02050604050505020204" pitchFamily="18" charset="0"/>
+              </a:rPr>
+              <a:t>освобождения неуправляемых ресурсов</a:t>
+            </a:r>
+            <a:r>
+              <a:rPr lang="en-US" sz="2400" dirty="0">
+                <a:latin typeface="Bookman Old Style" panose="02050604050505020204" pitchFamily="18" charset="0"/>
+              </a:rPr>
+              <a:t> </a:t>
+            </a:r>
+            <a:r>
+              <a:rPr lang="ru-RU" sz="2400" dirty="0">
+                <a:latin typeface="Bookman Old Style" panose="02050604050505020204" pitchFamily="18" charset="0"/>
+              </a:rPr>
+              <a:t>после выполнения блока инструкций</a:t>
+            </a:r>
+            <a:r>
+              <a:rPr lang="ru-RU" sz="2400" dirty="0" smtClean="0">
+                <a:latin typeface="Bookman Old Style" panose="02050604050505020204" pitchFamily="18" charset="0"/>
+              </a:rPr>
+              <a:t>.</a:t>
+            </a:r>
+            <a:endParaRPr lang="ru-RU" sz="2400" dirty="0">
+              <a:latin typeface="Bookman Old Style" panose="02050604050505020204" pitchFamily="18" charset="0"/>
+            </a:endParaRPr>
+          </a:p>
+        </p:txBody>
+      </p:sp>
+    </p:spTree>
+    <p:extLst>
+      <p:ext uri="{BB962C8B-B14F-4D97-AF65-F5344CB8AC3E}">
+        <p14:creationId xmlns:p14="http://schemas.microsoft.com/office/powerpoint/2010/main" val="1561375471"/>
+      </p:ext>
+    </p:extLst>
+  </p:cSld>
+  <p:clrMapOvr>
+    <a:masterClrMapping/>
+  </p:clrMapOvr>
+  <p:timing>
+    <p:tnLst>
+      <p:par>
+        <p:cTn id="1" dur="indefinite" restart="never" nodeType="tmRoot"/>
+      </p:par>
+    </p:tnLst>
+  </p:timing>
+</p:sld>
+</file>
+
+<file path=ppt/slides/slide33.xml><?xml version="1.0" encoding="utf-8"?>
+<p:sld xmlns:a="http://schemas.openxmlformats.org/drawingml/2006/main" xmlns:r="http://schemas.openxmlformats.org/officeDocument/2006/relationships" xmlns:p="http://schemas.openxmlformats.org/presentationml/2006/main">
+  <p:cSld>
+    <p:spTree>
+      <p:nvGrpSpPr>
+        <p:cNvPr id="1" name=""/>
+        <p:cNvGrpSpPr/>
+        <p:nvPr/>
+      </p:nvGrpSpPr>
+      <p:grpSpPr>
+        <a:xfrm>
+          <a:off x="0" y="0"/>
+          <a:ext cx="0" cy="0"/>
+          <a:chOff x="0" y="0"/>
+          <a:chExt cx="0" cy="0"/>
+        </a:xfrm>
+      </p:grpSpPr>
+      <p:sp>
+        <p:nvSpPr>
+          <p:cNvPr id="47" name="Rectangle 26"/>
+          <p:cNvSpPr>
+            <a:spLocks noChangeArrowheads="1"/>
+          </p:cNvSpPr>
+          <p:nvPr/>
+        </p:nvSpPr>
+        <p:spPr bwMode="auto">
+          <a:xfrm>
+            <a:off x="6147240" y="1887472"/>
+            <a:ext cx="138564" cy="276999"/>
+          </a:xfrm>
+          <a:prstGeom prst="rect">
+            <a:avLst/>
+          </a:prstGeom>
+          <a:noFill/>
+          <a:ln>
+            <a:noFill/>
+          </a:ln>
+          <a:effectLst/>
+          <a:extLst>
+            <a:ext uri="{909E8E84-426E-40DD-AFC4-6F175D3DCCD1}">
+              <a14:hiddenFill xmlns:a14="http://schemas.microsoft.com/office/drawing/2010/main">
+                <a:solidFill>
+                  <a:schemeClr val="accent1"/>
+                </a:solidFill>
+              </a14:hiddenFill>
+            </a:ext>
+            <a:ext uri="{91240B29-F687-4F45-9708-019B960494DF}">
+              <a14:hiddenLine xmlns:a14="http://schemas.microsoft.com/office/drawing/2010/main" w="9525">
+                <a:solidFill>
+                  <a:schemeClr val="tx1"/>
+                </a:solidFill>
+                <a:miter lim="800000"/>
+                <a:headEnd/>
+                <a:tailEnd/>
+              </a14:hiddenLine>
+            </a:ext>
+            <a:ext uri="{AF507438-7753-43E0-B8FC-AC1667EBCBE1}">
+              <a14:hiddenEffects xmlns:a14="http://schemas.microsoft.com/office/drawing/2010/main">
+                <a:effectLst>
+                  <a:outerShdw dist="35921" dir="2700000" algn="ctr" rotWithShape="0">
+                    <a:schemeClr val="bg2"/>
+                  </a:outerShdw>
+                </a:effectLst>
+              </a14:hiddenEffects>
+            </a:ext>
+          </a:extLst>
+        </p:spPr>
+        <p:txBody>
+          <a:bodyPr vert="horz" wrap="none" lIns="68580" tIns="34290" rIns="68580" bIns="34290" numCol="1" anchor="ctr" anchorCtr="0" compatLnSpc="1">
+            <a:prstTxWarp prst="textNoShape">
+              <a:avLst/>
+            </a:prstTxWarp>
+            <a:spAutoFit/>
+          </a:bodyPr>
+          <a:lstStyle/>
+          <a:p>
+            <a:endParaRPr lang="en-US" sz="1350"/>
+          </a:p>
+        </p:txBody>
+      </p:sp>
+      <p:sp>
+        <p:nvSpPr>
+          <p:cNvPr id="23" name="TextBox 22">
+            <a:extLst>
+              <a:ext uri="{FF2B5EF4-FFF2-40B4-BE49-F238E27FC236}">
+                <a16:creationId xmlns:a16="http://schemas.microsoft.com/office/drawing/2014/main" id="{99DF0FE0-DB9D-4180-8370-CD26FB46DF57}"/>
+              </a:ext>
+            </a:extLst>
+          </p:cNvPr>
+          <p:cNvSpPr txBox="1"/>
+          <p:nvPr/>
+        </p:nvSpPr>
+        <p:spPr>
+          <a:xfrm>
+            <a:off x="248859" y="757215"/>
+            <a:ext cx="11943141" cy="5632311"/>
+          </a:xfrm>
+          <a:prstGeom prst="rect">
+            <a:avLst/>
+          </a:prstGeom>
+          <a:noFill/>
+        </p:spPr>
+        <p:txBody>
+          <a:bodyPr wrap="square">
+            <a:spAutoFit/>
+          </a:bodyPr>
+          <a:lstStyle/>
+          <a:p>
+            <a:pPr>
+              <a:lnSpc>
+                <a:spcPct val="125000"/>
+              </a:lnSpc>
+            </a:pPr>
+            <a:r>
+              <a:rPr lang="ru-RU" sz="2400" b="1" dirty="0" smtClean="0">
+                <a:latin typeface="Bookman Old Style" panose="02050604050505020204" pitchFamily="18" charset="0"/>
+              </a:rPr>
+              <a:t>Чтобы </a:t>
+            </a:r>
+            <a:r>
+              <a:rPr lang="ru-RU" sz="2400" b="1" dirty="0">
+                <a:latin typeface="Bookman Old Style" panose="02050604050505020204" pitchFamily="18" charset="0"/>
+              </a:rPr>
+              <a:t>использовать спец. символы в тексте необходимо их экранировать</a:t>
+            </a:r>
+            <a:r>
+              <a:rPr lang="ru-RU" sz="2400" dirty="0">
+                <a:latin typeface="Bookman Old Style" panose="02050604050505020204" pitchFamily="18" charset="0"/>
+              </a:rPr>
+              <a:t>. </a:t>
+            </a:r>
+            <a:endParaRPr lang="ru-RU" sz="2400" dirty="0" smtClean="0">
+              <a:latin typeface="Bookman Old Style" panose="02050604050505020204" pitchFamily="18" charset="0"/>
+            </a:endParaRPr>
+          </a:p>
+          <a:p>
+            <a:pPr>
+              <a:lnSpc>
+                <a:spcPct val="125000"/>
+              </a:lnSpc>
+            </a:pPr>
+            <a:endParaRPr lang="ru-RU" sz="2400" dirty="0">
+              <a:latin typeface="Bookman Old Style" panose="02050604050505020204" pitchFamily="18" charset="0"/>
+            </a:endParaRPr>
+          </a:p>
+          <a:p>
+            <a:pPr>
+              <a:lnSpc>
+                <a:spcPct val="125000"/>
+              </a:lnSpc>
+            </a:pPr>
+            <a:r>
+              <a:rPr lang="ru-RU" sz="2400" dirty="0" smtClean="0">
+                <a:latin typeface="Bookman Old Style" panose="02050604050505020204" pitchFamily="18" charset="0"/>
+              </a:rPr>
+              <a:t>Например</a:t>
+            </a:r>
+            <a:r>
+              <a:rPr lang="ru-RU" sz="2400" dirty="0">
+                <a:latin typeface="Bookman Old Style" panose="02050604050505020204" pitchFamily="18" charset="0"/>
+              </a:rPr>
+              <a:t>, если мы хотим вывести на экран символ кавычек.</a:t>
+            </a:r>
+          </a:p>
+          <a:p>
+            <a:pPr algn="ctr">
+              <a:lnSpc>
+                <a:spcPct val="125000"/>
+              </a:lnSpc>
+            </a:pPr>
+            <a:r>
+              <a:rPr lang="en-US" sz="2400" dirty="0" err="1">
+                <a:solidFill>
+                  <a:srgbClr val="00B0F0"/>
+                </a:solidFill>
+                <a:latin typeface="Cascadia Mono" panose="020B0609020000020004" pitchFamily="49" charset="0"/>
+              </a:rPr>
+              <a:t>Console</a:t>
+            </a:r>
+            <a:r>
+              <a:rPr lang="en-US" sz="2400" dirty="0" err="1">
+                <a:solidFill>
+                  <a:srgbClr val="000000"/>
+                </a:solidFill>
+                <a:latin typeface="Cascadia Mono" panose="020B0609020000020004" pitchFamily="49" charset="0"/>
+              </a:rPr>
+              <a:t>.WriteLine</a:t>
+            </a:r>
+            <a:r>
+              <a:rPr lang="en-US" sz="2400" dirty="0" smtClean="0">
+                <a:solidFill>
+                  <a:srgbClr val="000000"/>
+                </a:solidFill>
+                <a:latin typeface="Cascadia Mono" panose="020B0609020000020004" pitchFamily="49" charset="0"/>
+              </a:rPr>
+              <a:t>(</a:t>
+            </a:r>
+            <a:r>
+              <a:rPr lang="en-US" sz="2400" dirty="0" smtClean="0">
+                <a:solidFill>
+                  <a:srgbClr val="A31515"/>
+                </a:solidFill>
+                <a:latin typeface="Cascadia Mono" panose="020B0609020000020004" pitchFamily="49" charset="0"/>
+              </a:rPr>
+              <a:t>"</a:t>
+            </a:r>
+            <a:r>
+              <a:rPr lang="en-US" sz="2400" dirty="0" smtClean="0">
+                <a:solidFill>
+                  <a:srgbClr val="FF007F"/>
+                </a:solidFill>
+                <a:latin typeface="Cascadia Mono" panose="020B0609020000020004" pitchFamily="49" charset="0"/>
+              </a:rPr>
+              <a:t>\"</a:t>
+            </a:r>
+            <a:r>
+              <a:rPr lang="en-US" sz="2400" dirty="0" smtClean="0">
+                <a:solidFill>
+                  <a:srgbClr val="A31515"/>
+                </a:solidFill>
+                <a:latin typeface="Cascadia Mono" panose="020B0609020000020004" pitchFamily="49" charset="0"/>
+              </a:rPr>
+              <a:t>"</a:t>
+            </a:r>
+            <a:r>
+              <a:rPr lang="en-US" sz="2400" dirty="0" smtClean="0">
+                <a:solidFill>
+                  <a:srgbClr val="000000"/>
+                </a:solidFill>
+                <a:latin typeface="Cascadia Mono" panose="020B0609020000020004" pitchFamily="49" charset="0"/>
+              </a:rPr>
+              <a:t>);</a:t>
+            </a:r>
+            <a:endParaRPr lang="ru-RU" sz="2400" dirty="0" smtClean="0">
+              <a:solidFill>
+                <a:srgbClr val="000000"/>
+              </a:solidFill>
+              <a:latin typeface="Cascadia Mono" panose="020B0609020000020004" pitchFamily="49" charset="0"/>
+            </a:endParaRPr>
+          </a:p>
+          <a:p>
+            <a:pPr algn="ctr">
+              <a:lnSpc>
+                <a:spcPct val="125000"/>
+              </a:lnSpc>
+            </a:pPr>
+            <a:endParaRPr lang="ru-RU" sz="2400" dirty="0">
+              <a:latin typeface="Bookman Old Style" panose="02050604050505020204" pitchFamily="18" charset="0"/>
+            </a:endParaRPr>
+          </a:p>
+          <a:p>
+            <a:pPr>
+              <a:lnSpc>
+                <a:spcPct val="125000"/>
+              </a:lnSpc>
+            </a:pPr>
+            <a:r>
+              <a:rPr lang="ru-RU" sz="2400" dirty="0">
+                <a:latin typeface="Bookman Old Style" panose="02050604050505020204" pitchFamily="18" charset="0"/>
+              </a:rPr>
+              <a:t>Также можно экранировать обратный </a:t>
+            </a:r>
+            <a:r>
+              <a:rPr lang="ru-RU" sz="2400" dirty="0" err="1">
+                <a:latin typeface="Bookman Old Style" panose="02050604050505020204" pitchFamily="18" charset="0"/>
+              </a:rPr>
+              <a:t>слэш</a:t>
+            </a:r>
+            <a:r>
+              <a:rPr lang="ru-RU" sz="2400" dirty="0">
+                <a:latin typeface="Bookman Old Style" panose="02050604050505020204" pitchFamily="18" charset="0"/>
+              </a:rPr>
+              <a:t>.</a:t>
+            </a:r>
+          </a:p>
+          <a:p>
+            <a:pPr algn="ctr">
+              <a:lnSpc>
+                <a:spcPct val="125000"/>
+              </a:lnSpc>
+            </a:pPr>
+            <a:r>
+              <a:rPr lang="en-US" sz="2400" dirty="0" err="1">
+                <a:solidFill>
+                  <a:srgbClr val="00B0F0"/>
+                </a:solidFill>
+                <a:latin typeface="Cascadia Mono" panose="020B0609020000020004" pitchFamily="49" charset="0"/>
+              </a:rPr>
+              <a:t>Console</a:t>
+            </a:r>
+            <a:r>
+              <a:rPr lang="en-US" sz="2400" dirty="0" err="1">
+                <a:solidFill>
+                  <a:srgbClr val="000000"/>
+                </a:solidFill>
+                <a:latin typeface="Cascadia Mono" panose="020B0609020000020004" pitchFamily="49" charset="0"/>
+              </a:rPr>
+              <a:t>.WriteLine</a:t>
+            </a:r>
+            <a:r>
+              <a:rPr lang="en-US" sz="2400" dirty="0">
+                <a:solidFill>
+                  <a:srgbClr val="000000"/>
+                </a:solidFill>
+                <a:latin typeface="Cascadia Mono" panose="020B0609020000020004" pitchFamily="49" charset="0"/>
+              </a:rPr>
+              <a:t>(</a:t>
+            </a:r>
+            <a:r>
+              <a:rPr lang="en-US" sz="2400" dirty="0">
+                <a:solidFill>
+                  <a:srgbClr val="A31515"/>
+                </a:solidFill>
+                <a:latin typeface="Cascadia Mono" panose="020B0609020000020004" pitchFamily="49" charset="0"/>
+              </a:rPr>
+              <a:t>"</a:t>
+            </a:r>
+            <a:r>
+              <a:rPr lang="en-US" sz="2400" dirty="0">
+                <a:solidFill>
+                  <a:srgbClr val="FF007F"/>
+                </a:solidFill>
+                <a:latin typeface="Cascadia Mono" panose="020B0609020000020004" pitchFamily="49" charset="0"/>
+              </a:rPr>
+              <a:t>\</a:t>
+            </a:r>
+            <a:r>
+              <a:rPr lang="ru-RU" sz="2400" dirty="0">
+                <a:solidFill>
+                  <a:srgbClr val="FF007F"/>
+                </a:solidFill>
+                <a:latin typeface="Cascadia Mono" panose="020B0609020000020004" pitchFamily="49" charset="0"/>
+              </a:rPr>
+              <a:t>\</a:t>
+            </a:r>
+            <a:r>
+              <a:rPr lang="en-US" sz="2400" dirty="0" smtClean="0">
+                <a:solidFill>
+                  <a:srgbClr val="A31515"/>
+                </a:solidFill>
+                <a:latin typeface="Cascadia Mono" panose="020B0609020000020004" pitchFamily="49" charset="0"/>
+              </a:rPr>
+              <a:t>"</a:t>
+            </a:r>
+            <a:r>
+              <a:rPr lang="en-US" sz="2400" dirty="0" smtClean="0">
+                <a:solidFill>
+                  <a:srgbClr val="000000"/>
+                </a:solidFill>
+                <a:latin typeface="Cascadia Mono" panose="020B0609020000020004" pitchFamily="49" charset="0"/>
+              </a:rPr>
+              <a:t>);</a:t>
+            </a:r>
+            <a:endParaRPr lang="en-US" sz="2400" dirty="0">
+              <a:latin typeface="Bookman Old Style" panose="02050604050505020204" pitchFamily="18" charset="0"/>
+            </a:endParaRPr>
+          </a:p>
+          <a:p>
+            <a:pPr>
+              <a:lnSpc>
+                <a:spcPct val="125000"/>
+              </a:lnSpc>
+            </a:pPr>
+            <a:r>
+              <a:rPr lang="ru-RU" sz="2400" b="1" dirty="0">
+                <a:latin typeface="Bookman Old Style" panose="02050604050505020204" pitchFamily="18" charset="0"/>
+              </a:rPr>
+              <a:t>Оператор «</a:t>
+            </a:r>
+            <a:r>
+              <a:rPr lang="en-US" sz="2400" b="1" dirty="0">
+                <a:latin typeface="Bookman Old Style" panose="02050604050505020204" pitchFamily="18" charset="0"/>
+              </a:rPr>
+              <a:t>@</a:t>
+            </a:r>
+            <a:r>
+              <a:rPr lang="ru-RU" sz="2400" b="1" dirty="0">
+                <a:latin typeface="Bookman Old Style" panose="02050604050505020204" pitchFamily="18" charset="0"/>
+              </a:rPr>
+              <a:t>»</a:t>
+            </a:r>
+            <a:r>
+              <a:rPr lang="en-US" sz="2400" dirty="0">
+                <a:latin typeface="Bookman Old Style" panose="02050604050505020204" pitchFamily="18" charset="0"/>
+              </a:rPr>
+              <a:t> </a:t>
+            </a:r>
+            <a:r>
+              <a:rPr lang="ru-RU" sz="2400" dirty="0">
+                <a:latin typeface="Bookman Old Style" panose="02050604050505020204" pitchFamily="18" charset="0"/>
+              </a:rPr>
+              <a:t>в начале строки означает экранирование всей строки</a:t>
+            </a:r>
+            <a:r>
+              <a:rPr lang="ru-RU" sz="2400" dirty="0" smtClean="0">
+                <a:latin typeface="Bookman Old Style" panose="02050604050505020204" pitchFamily="18" charset="0"/>
+              </a:rPr>
+              <a:t>.</a:t>
+            </a:r>
+            <a:endParaRPr lang="en-US" sz="2400" dirty="0" smtClean="0">
+              <a:latin typeface="Bookman Old Style" panose="02050604050505020204" pitchFamily="18" charset="0"/>
+            </a:endParaRPr>
+          </a:p>
+          <a:p>
+            <a:pPr algn="ctr">
+              <a:lnSpc>
+                <a:spcPct val="125000"/>
+              </a:lnSpc>
+            </a:pPr>
+            <a:r>
+              <a:rPr lang="en-US" sz="2400" dirty="0" err="1">
+                <a:solidFill>
+                  <a:srgbClr val="00B0F0"/>
+                </a:solidFill>
+                <a:latin typeface="Cascadia Mono" panose="020B0609020000020004" pitchFamily="49" charset="0"/>
+              </a:rPr>
+              <a:t>Console</a:t>
+            </a:r>
+            <a:r>
+              <a:rPr lang="en-US" sz="2400" dirty="0" err="1">
+                <a:solidFill>
+                  <a:srgbClr val="000000"/>
+                </a:solidFill>
+                <a:latin typeface="Cascadia Mono" panose="020B0609020000020004" pitchFamily="49" charset="0"/>
+              </a:rPr>
+              <a:t>.WriteLine</a:t>
+            </a:r>
+            <a:r>
+              <a:rPr lang="en-US" sz="2400" dirty="0" smtClean="0">
+                <a:solidFill>
+                  <a:srgbClr val="000000"/>
+                </a:solidFill>
+                <a:latin typeface="Cascadia Mono" panose="020B0609020000020004" pitchFamily="49" charset="0"/>
+              </a:rPr>
+              <a:t>(</a:t>
+            </a:r>
+            <a:r>
+              <a:rPr lang="en-US" sz="2400" dirty="0" smtClean="0">
+                <a:solidFill>
+                  <a:srgbClr val="800000"/>
+                </a:solidFill>
+                <a:latin typeface="Cascadia Mono" panose="020B0609020000020004" pitchFamily="49" charset="0"/>
+              </a:rPr>
+              <a:t>@"\"</a:t>
+            </a:r>
+            <a:r>
+              <a:rPr lang="en-US" sz="2400" dirty="0" smtClean="0">
+                <a:solidFill>
+                  <a:srgbClr val="000000"/>
+                </a:solidFill>
+                <a:latin typeface="Cascadia Mono" panose="020B0609020000020004" pitchFamily="49" charset="0"/>
+              </a:rPr>
+              <a:t>);</a:t>
+            </a:r>
+            <a:endParaRPr lang="ru-RU" sz="2400" dirty="0">
+              <a:solidFill>
+                <a:srgbClr val="000000"/>
+              </a:solidFill>
+              <a:latin typeface="Cascadia Mono" panose="020B0609020000020004" pitchFamily="49" charset="0"/>
+            </a:endParaRPr>
+          </a:p>
+          <a:p>
+            <a:pPr algn="just">
+              <a:lnSpc>
+                <a:spcPct val="125000"/>
+              </a:lnSpc>
+            </a:pPr>
+            <a:endParaRPr lang="ru-RU" sz="2400" dirty="0">
+              <a:solidFill>
+                <a:srgbClr val="000000"/>
+              </a:solidFill>
+              <a:latin typeface="Cascadia Mono" panose="020B0609020000020004" pitchFamily="49" charset="0"/>
+            </a:endParaRPr>
+          </a:p>
+          <a:p>
+            <a:pPr algn="ctr">
+              <a:lnSpc>
+                <a:spcPct val="125000"/>
+              </a:lnSpc>
+            </a:pPr>
+            <a:r>
+              <a:rPr lang="en-US" sz="2400" dirty="0">
+                <a:solidFill>
+                  <a:srgbClr val="0000FF"/>
+                </a:solidFill>
+                <a:latin typeface="Cascadia Mono" panose="020B0609020000020004" pitchFamily="49" charset="0"/>
+              </a:rPr>
+              <a:t>using</a:t>
+            </a:r>
+            <a:r>
+              <a:rPr lang="en-US" sz="2400" dirty="0">
+                <a:solidFill>
+                  <a:srgbClr val="00B0F0"/>
+                </a:solidFill>
+                <a:latin typeface="Cascadia Mono" panose="020B0609020000020004" pitchFamily="49" charset="0"/>
+              </a:rPr>
+              <a:t> </a:t>
+            </a:r>
+            <a:r>
+              <a:rPr lang="ru-RU" sz="2400" dirty="0" err="1">
+                <a:solidFill>
+                  <a:srgbClr val="00B0F0"/>
+                </a:solidFill>
+                <a:latin typeface="Cascadia Mono" panose="020B0609020000020004" pitchFamily="49" charset="0"/>
+              </a:rPr>
+              <a:t>File</a:t>
+            </a:r>
+            <a:r>
+              <a:rPr lang="ru-RU" sz="2400" dirty="0" err="1">
+                <a:solidFill>
+                  <a:srgbClr val="000000"/>
+                </a:solidFill>
+                <a:latin typeface="Cascadia Mono" panose="020B0609020000020004" pitchFamily="49" charset="0"/>
+              </a:rPr>
+              <a:t>.Create</a:t>
+            </a:r>
+            <a:r>
+              <a:rPr lang="ru-RU" sz="2400" dirty="0" smtClean="0">
+                <a:solidFill>
+                  <a:srgbClr val="000000"/>
+                </a:solidFill>
+                <a:latin typeface="Cascadia Mono" panose="020B0609020000020004" pitchFamily="49" charset="0"/>
+              </a:rPr>
+              <a:t>(</a:t>
+            </a:r>
+            <a:r>
+              <a:rPr lang="en-US" sz="2400" dirty="0">
+                <a:solidFill>
+                  <a:srgbClr val="800000"/>
+                </a:solidFill>
+                <a:latin typeface="Cascadia Mono" panose="020B0609020000020004" pitchFamily="49" charset="0"/>
+              </a:rPr>
+              <a:t>@</a:t>
+            </a:r>
+            <a:r>
+              <a:rPr lang="ru-RU" sz="2400" dirty="0" smtClean="0">
+                <a:solidFill>
+                  <a:srgbClr val="A31515"/>
+                </a:solidFill>
+                <a:latin typeface="Cascadia Mono" panose="020B0609020000020004" pitchFamily="49" charset="0"/>
+              </a:rPr>
+              <a:t>"</a:t>
+            </a:r>
+            <a:r>
+              <a:rPr lang="ru-RU" sz="2400" dirty="0">
+                <a:solidFill>
+                  <a:srgbClr val="A31515"/>
+                </a:solidFill>
+                <a:latin typeface="Cascadia Mono" panose="020B0609020000020004" pitchFamily="49" charset="0"/>
+              </a:rPr>
+              <a:t>D</a:t>
+            </a:r>
+            <a:r>
+              <a:rPr lang="ru-RU" sz="2400" dirty="0" smtClean="0">
+                <a:solidFill>
+                  <a:srgbClr val="A31515"/>
+                </a:solidFill>
+                <a:latin typeface="Cascadia Mono" panose="020B0609020000020004" pitchFamily="49" charset="0"/>
+              </a:rPr>
+              <a:t>:</a:t>
+            </a:r>
+            <a:r>
+              <a:rPr lang="ru-RU" sz="2400" dirty="0" smtClean="0">
+                <a:solidFill>
+                  <a:srgbClr val="FF007F"/>
+                </a:solidFill>
+                <a:latin typeface="Cascadia Mono" panose="020B0609020000020004" pitchFamily="49" charset="0"/>
+              </a:rPr>
+              <a:t>\</a:t>
+            </a:r>
+            <a:r>
+              <a:rPr lang="ru-RU" sz="2400" dirty="0" smtClean="0">
+                <a:solidFill>
+                  <a:srgbClr val="A31515"/>
+                </a:solidFill>
+                <a:latin typeface="Cascadia Mono" panose="020B0609020000020004" pitchFamily="49" charset="0"/>
+              </a:rPr>
+              <a:t>папка</a:t>
+            </a:r>
+            <a:r>
+              <a:rPr lang="en-US" sz="2400" dirty="0" smtClean="0">
+                <a:solidFill>
+                  <a:srgbClr val="FF007F"/>
+                </a:solidFill>
+                <a:latin typeface="Cascadia Mono" panose="020B0609020000020004" pitchFamily="49" charset="0"/>
+              </a:rPr>
+              <a:t>\</a:t>
+            </a:r>
+            <a:r>
+              <a:rPr lang="ru-RU" sz="2400" dirty="0">
+                <a:solidFill>
+                  <a:srgbClr val="A31515"/>
+                </a:solidFill>
+                <a:latin typeface="Cascadia Mono" panose="020B0609020000020004" pitchFamily="49" charset="0"/>
+              </a:rPr>
+              <a:t>мой файл на диске </a:t>
+            </a:r>
+            <a:r>
+              <a:rPr lang="en-US" sz="2400" dirty="0">
+                <a:solidFill>
+                  <a:srgbClr val="A31515"/>
+                </a:solidFill>
+                <a:latin typeface="Cascadia Mono" panose="020B0609020000020004" pitchFamily="49" charset="0"/>
+              </a:rPr>
+              <a:t>D</a:t>
+            </a:r>
+            <a:r>
+              <a:rPr lang="ru-RU" sz="2400" dirty="0">
+                <a:solidFill>
+                  <a:srgbClr val="A31515"/>
+                </a:solidFill>
+                <a:latin typeface="Cascadia Mono" panose="020B0609020000020004" pitchFamily="49" charset="0"/>
+              </a:rPr>
+              <a:t>.</a:t>
+            </a:r>
+            <a:r>
+              <a:rPr lang="ru-RU" sz="2400" dirty="0" err="1">
+                <a:solidFill>
+                  <a:srgbClr val="A31515"/>
+                </a:solidFill>
+                <a:latin typeface="Cascadia Mono" panose="020B0609020000020004" pitchFamily="49" charset="0"/>
+              </a:rPr>
+              <a:t>txt</a:t>
+            </a:r>
+            <a:r>
+              <a:rPr lang="ru-RU" sz="2400" dirty="0" smtClean="0">
+                <a:solidFill>
+                  <a:srgbClr val="A31515"/>
+                </a:solidFill>
+                <a:latin typeface="Cascadia Mono" panose="020B0609020000020004" pitchFamily="49" charset="0"/>
+              </a:rPr>
+              <a:t>"</a:t>
+            </a:r>
+            <a:r>
+              <a:rPr lang="ru-RU" sz="2400" dirty="0" smtClean="0">
+                <a:solidFill>
+                  <a:srgbClr val="000000"/>
+                </a:solidFill>
+                <a:latin typeface="Cascadia Mono" panose="020B0609020000020004" pitchFamily="49" charset="0"/>
+              </a:rPr>
+              <a:t>);</a:t>
+            </a:r>
+            <a:endParaRPr lang="ru-RU" sz="2400" dirty="0">
+              <a:solidFill>
+                <a:srgbClr val="000000"/>
+              </a:solidFill>
+              <a:latin typeface="Cascadia Mono" panose="020B0609020000020004" pitchFamily="49" charset="0"/>
+            </a:endParaRPr>
+          </a:p>
+        </p:txBody>
+      </p:sp>
+    </p:spTree>
+    <p:extLst>
+      <p:ext uri="{BB962C8B-B14F-4D97-AF65-F5344CB8AC3E}">
+        <p14:creationId xmlns:p14="http://schemas.microsoft.com/office/powerpoint/2010/main" val="2584134341"/>
+      </p:ext>
+    </p:extLst>
+  </p:cSld>
+  <p:clrMapOvr>
+    <a:masterClrMapping/>
+  </p:clrMapOvr>
+  <p:timing>
+    <p:tnLst>
+      <p:par>
+        <p:cTn id="1" dur="indefinite" restart="never" nodeType="tmRoot"/>
+      </p:par>
+    </p:tnLst>
+  </p:timing>
+</p:sld>
+</file>
+
+<file path=ppt/slides/slide34.xml><?xml version="1.0" encoding="utf-8"?>
+<p:sld xmlns:a="http://schemas.openxmlformats.org/drawingml/2006/main" xmlns:r="http://schemas.openxmlformats.org/officeDocument/2006/relationships" xmlns:p="http://schemas.openxmlformats.org/presentationml/2006/main">
+  <p:cSld>
+    <p:spTree>
+      <p:nvGrpSpPr>
+        <p:cNvPr id="1" name=""/>
+        <p:cNvGrpSpPr/>
+        <p:nvPr/>
+      </p:nvGrpSpPr>
+      <p:grpSpPr>
+        <a:xfrm>
+          <a:off x="0" y="0"/>
+          <a:ext cx="0" cy="0"/>
+          <a:chOff x="0" y="0"/>
+          <a:chExt cx="0" cy="0"/>
+        </a:xfrm>
+      </p:grpSpPr>
+      <p:sp>
+        <p:nvSpPr>
+          <p:cNvPr id="47" name="Rectangle 26"/>
+          <p:cNvSpPr>
+            <a:spLocks noChangeArrowheads="1"/>
+          </p:cNvSpPr>
+          <p:nvPr/>
+        </p:nvSpPr>
+        <p:spPr bwMode="auto">
+          <a:xfrm>
+            <a:off x="6147240" y="1887472"/>
+            <a:ext cx="138564" cy="276999"/>
+          </a:xfrm>
+          <a:prstGeom prst="rect">
+            <a:avLst/>
+          </a:prstGeom>
+          <a:noFill/>
+          <a:ln>
+            <a:noFill/>
+          </a:ln>
+          <a:effectLst/>
+          <a:extLst>
+            <a:ext uri="{909E8E84-426E-40DD-AFC4-6F175D3DCCD1}">
+              <a14:hiddenFill xmlns:a14="http://schemas.microsoft.com/office/drawing/2010/main">
+                <a:solidFill>
+                  <a:schemeClr val="accent1"/>
+                </a:solidFill>
+              </a14:hiddenFill>
+            </a:ext>
+            <a:ext uri="{91240B29-F687-4F45-9708-019B960494DF}">
+              <a14:hiddenLine xmlns:a14="http://schemas.microsoft.com/office/drawing/2010/main" w="9525">
+                <a:solidFill>
+                  <a:schemeClr val="tx1"/>
+                </a:solidFill>
+                <a:miter lim="800000"/>
+                <a:headEnd/>
+                <a:tailEnd/>
+              </a14:hiddenLine>
+            </a:ext>
+            <a:ext uri="{AF507438-7753-43E0-B8FC-AC1667EBCBE1}">
+              <a14:hiddenEffects xmlns:a14="http://schemas.microsoft.com/office/drawing/2010/main">
+                <a:effectLst>
+                  <a:outerShdw dist="35921" dir="2700000" algn="ctr" rotWithShape="0">
+                    <a:schemeClr val="bg2"/>
+                  </a:outerShdw>
+                </a:effectLst>
+              </a14:hiddenEffects>
+            </a:ext>
+          </a:extLst>
+        </p:spPr>
+        <p:txBody>
+          <a:bodyPr vert="horz" wrap="none" lIns="68580" tIns="34290" rIns="68580" bIns="34290" numCol="1" anchor="ctr" anchorCtr="0" compatLnSpc="1">
+            <a:prstTxWarp prst="textNoShape">
+              <a:avLst/>
+            </a:prstTxWarp>
+            <a:spAutoFit/>
+          </a:bodyPr>
+          <a:lstStyle/>
+          <a:p>
+            <a:endParaRPr lang="en-US" sz="1350"/>
+          </a:p>
+        </p:txBody>
+      </p:sp>
+      <p:sp>
+        <p:nvSpPr>
+          <p:cNvPr id="23" name="TextBox 22">
+            <a:extLst>
+              <a:ext uri="{FF2B5EF4-FFF2-40B4-BE49-F238E27FC236}">
+                <a16:creationId xmlns:a16="http://schemas.microsoft.com/office/drawing/2014/main" id="{99DF0FE0-DB9D-4180-8370-CD26FB46DF57}"/>
+              </a:ext>
+            </a:extLst>
+          </p:cNvPr>
+          <p:cNvSpPr txBox="1"/>
+          <p:nvPr/>
+        </p:nvSpPr>
+        <p:spPr>
+          <a:xfrm>
+            <a:off x="0" y="0"/>
+            <a:ext cx="12192000" cy="6127575"/>
+          </a:xfrm>
+          <a:prstGeom prst="rect">
+            <a:avLst/>
+          </a:prstGeom>
+          <a:noFill/>
+        </p:spPr>
+        <p:txBody>
+          <a:bodyPr wrap="square">
+            <a:spAutoFit/>
+          </a:bodyPr>
+          <a:lstStyle/>
+          <a:p>
             <a:pPr>
               <a:lnSpc>
                 <a:spcPct val="150000"/>
               </a:lnSpc>
             </a:pPr>
             <a:r>
-              <a:rPr lang="ru-RU" sz="2400" b="1" dirty="0" smtClean="0">
-                <a:latin typeface="Bookman Old Style" panose="02050604050505020204" pitchFamily="18" charset="0"/>
-              </a:rPr>
-              <a:t>Потоковая </a:t>
-            </a:r>
-            <a:r>
-              <a:rPr lang="ru-RU" sz="2400" b="1" dirty="0">
-                <a:latin typeface="Bookman Old Style" panose="02050604050505020204" pitchFamily="18" charset="0"/>
-              </a:rPr>
-              <a:t>запись в файл</a:t>
+              <a:rPr lang="ru-RU" sz="2400" b="1" i="0" dirty="0">
+                <a:effectLst/>
+                <a:latin typeface="Bookman Old Style" panose="02050604050505020204" pitchFamily="18" charset="0"/>
+              </a:rPr>
+              <a:t>Создание </a:t>
+            </a:r>
+            <a:r>
+              <a:rPr lang="ru-RU" sz="2400" i="0" dirty="0">
+                <a:effectLst/>
+                <a:latin typeface="Bookman Old Style" panose="02050604050505020204" pitchFamily="18" charset="0"/>
+              </a:rPr>
+              <a:t>текстового</a:t>
+            </a:r>
+            <a:r>
+              <a:rPr lang="ru-RU" sz="2400" b="1" i="0" dirty="0">
+                <a:effectLst/>
+                <a:latin typeface="Bookman Old Style" panose="02050604050505020204" pitchFamily="18" charset="0"/>
+              </a:rPr>
+              <a:t> </a:t>
+            </a:r>
+            <a:r>
+              <a:rPr lang="ru-RU" sz="2400" i="0" dirty="0">
+                <a:effectLst/>
+                <a:latin typeface="Bookman Old Style" panose="02050604050505020204" pitchFamily="18" charset="0"/>
+              </a:rPr>
+              <a:t>файла и </a:t>
+            </a:r>
+            <a:r>
+              <a:rPr lang="ru-RU" sz="2400" b="1" i="0" dirty="0">
+                <a:effectLst/>
+                <a:latin typeface="Bookman Old Style" panose="02050604050505020204" pitchFamily="18" charset="0"/>
+              </a:rPr>
+              <a:t>запись </a:t>
+            </a:r>
+            <a:r>
+              <a:rPr lang="ru-RU" sz="2400" i="0" dirty="0">
+                <a:effectLst/>
+                <a:latin typeface="Bookman Old Style" panose="02050604050505020204" pitchFamily="18" charset="0"/>
+              </a:rPr>
+              <a:t>данных</a:t>
+            </a:r>
+            <a:r>
+              <a:rPr lang="ru-RU" sz="2400" i="0" dirty="0" smtClean="0">
+                <a:effectLst/>
+                <a:latin typeface="Bookman Old Style" panose="02050604050505020204" pitchFamily="18" charset="0"/>
+              </a:rPr>
+              <a:t>:</a:t>
+            </a:r>
+            <a:endParaRPr lang="en-US" sz="2400" i="0" dirty="0" smtClean="0">
+              <a:effectLst/>
+              <a:latin typeface="Bookman Old Style" panose="02050604050505020204" pitchFamily="18" charset="0"/>
+            </a:endParaRPr>
+          </a:p>
+          <a:p>
+            <a:pPr algn="just">
+              <a:lnSpc>
+                <a:spcPct val="150000"/>
+              </a:lnSpc>
+            </a:pPr>
+            <a:r>
+              <a:rPr lang="ru-RU" sz="2400" dirty="0" err="1">
+                <a:solidFill>
+                  <a:srgbClr val="00B0F0"/>
+                </a:solidFill>
+                <a:latin typeface="Cascadia Mono" panose="020B0609020000020004" pitchFamily="49" charset="0"/>
+              </a:rPr>
+              <a:t>File</a:t>
+            </a:r>
+            <a:r>
+              <a:rPr lang="ru-RU" sz="2400" dirty="0" err="1">
+                <a:solidFill>
+                  <a:srgbClr val="000000"/>
+                </a:solidFill>
+                <a:latin typeface="Cascadia Mono" panose="020B0609020000020004" pitchFamily="49" charset="0"/>
+              </a:rPr>
+              <a:t>.WriteAllText</a:t>
             </a:r>
             <a:r>
               <a:rPr lang="ru-RU" sz="2400" dirty="0">
-                <a:latin typeface="Bookman Old Style" panose="02050604050505020204" pitchFamily="18" charset="0"/>
-              </a:rPr>
-              <a:t>:</a:t>
-            </a:r>
+                <a:solidFill>
+                  <a:srgbClr val="000000"/>
+                </a:solidFill>
+                <a:latin typeface="Cascadia Mono" panose="020B0609020000020004" pitchFamily="49" charset="0"/>
+              </a:rPr>
+              <a:t>(</a:t>
+            </a:r>
+            <a:r>
+              <a:rPr lang="ru-RU" sz="2400" dirty="0">
+                <a:solidFill>
+                  <a:srgbClr val="A31515"/>
+                </a:solidFill>
+                <a:latin typeface="Cascadia Mono" panose="020B0609020000020004" pitchFamily="49" charset="0"/>
+              </a:rPr>
+              <a:t>"мой файл2.txt"</a:t>
+            </a:r>
+            <a:r>
+              <a:rPr lang="ru-RU" sz="2400" dirty="0">
+                <a:solidFill>
+                  <a:srgbClr val="000000"/>
+                </a:solidFill>
+                <a:latin typeface="Cascadia Mono" panose="020B0609020000020004" pitchFamily="49" charset="0"/>
+              </a:rPr>
+              <a:t>, </a:t>
+            </a:r>
+            <a:r>
+              <a:rPr lang="ru-RU" sz="2400" dirty="0">
+                <a:solidFill>
+                  <a:srgbClr val="A31515"/>
+                </a:solidFill>
+                <a:latin typeface="Cascadia Mono" panose="020B0609020000020004" pitchFamily="49" charset="0"/>
+              </a:rPr>
+              <a:t>"что то написали"</a:t>
+            </a:r>
+            <a:r>
+              <a:rPr lang="ru-RU" sz="2400" dirty="0">
+                <a:solidFill>
+                  <a:srgbClr val="000000"/>
+                </a:solidFill>
+                <a:latin typeface="Cascadia Mono" panose="020B0609020000020004" pitchFamily="49" charset="0"/>
+              </a:rPr>
+              <a:t>);</a:t>
+            </a:r>
+          </a:p>
+          <a:p>
+            <a:pPr algn="just">
+              <a:lnSpc>
+                <a:spcPct val="150000"/>
+              </a:lnSpc>
+            </a:pPr>
+            <a:r>
+              <a:rPr lang="en-US" sz="2400" dirty="0" err="1">
+                <a:solidFill>
+                  <a:srgbClr val="00B0F0"/>
+                </a:solidFill>
+                <a:latin typeface="Cascadia Mono" panose="020B0609020000020004" pitchFamily="49" charset="0"/>
+              </a:rPr>
+              <a:t>File</a:t>
+            </a:r>
+            <a:r>
+              <a:rPr lang="en-US" sz="2400" dirty="0" err="1">
+                <a:solidFill>
+                  <a:srgbClr val="000000"/>
+                </a:solidFill>
+                <a:latin typeface="Cascadia Mono" panose="020B0609020000020004" pitchFamily="49" charset="0"/>
+              </a:rPr>
+              <a:t>.WriteAllLines</a:t>
+            </a:r>
+            <a:r>
+              <a:rPr lang="en-US" sz="2400" dirty="0">
+                <a:solidFill>
+                  <a:srgbClr val="000000"/>
+                </a:solidFill>
+                <a:latin typeface="Cascadia Mono" panose="020B0609020000020004" pitchFamily="49" charset="0"/>
+              </a:rPr>
+              <a:t>(</a:t>
+            </a:r>
+            <a:r>
+              <a:rPr lang="en-US" sz="2400" dirty="0">
+                <a:solidFill>
+                  <a:srgbClr val="A31515"/>
+                </a:solidFill>
+                <a:latin typeface="Cascadia Mono" panose="020B0609020000020004" pitchFamily="49" charset="0"/>
+              </a:rPr>
+              <a:t>"</a:t>
+            </a:r>
+            <a:r>
+              <a:rPr lang="ru-RU" sz="2400" dirty="0">
+                <a:solidFill>
+                  <a:srgbClr val="A31515"/>
+                </a:solidFill>
+                <a:latin typeface="Cascadia Mono" panose="020B0609020000020004" pitchFamily="49" charset="0"/>
+              </a:rPr>
+              <a:t>мой файл2.</a:t>
+            </a:r>
+            <a:r>
+              <a:rPr lang="en-US" sz="2400" dirty="0">
+                <a:solidFill>
+                  <a:srgbClr val="A31515"/>
+                </a:solidFill>
+                <a:latin typeface="Cascadia Mono" panose="020B0609020000020004" pitchFamily="49" charset="0"/>
+              </a:rPr>
+              <a:t>txt"</a:t>
+            </a:r>
+            <a:r>
+              <a:rPr lang="en-US" sz="2400" dirty="0">
+                <a:solidFill>
+                  <a:srgbClr val="000000"/>
+                </a:solidFill>
+                <a:latin typeface="Cascadia Mono" panose="020B0609020000020004" pitchFamily="49" charset="0"/>
+              </a:rPr>
+              <a:t>, </a:t>
+            </a:r>
+            <a:r>
+              <a:rPr lang="en-US" sz="2400" dirty="0">
+                <a:solidFill>
+                  <a:srgbClr val="0000FF"/>
+                </a:solidFill>
+                <a:latin typeface="Cascadia Mono" panose="020B0609020000020004" pitchFamily="49" charset="0"/>
+              </a:rPr>
+              <a:t>new</a:t>
+            </a:r>
+            <a:r>
+              <a:rPr lang="en-US" sz="2400" dirty="0" smtClean="0">
+                <a:solidFill>
+                  <a:srgbClr val="000000"/>
+                </a:solidFill>
+                <a:latin typeface="Cascadia Mono" panose="020B0609020000020004" pitchFamily="49" charset="0"/>
+              </a:rPr>
+              <a:t>[]{</a:t>
+            </a:r>
+            <a:r>
+              <a:rPr lang="en-US" sz="2400" dirty="0" smtClean="0">
+                <a:solidFill>
+                  <a:srgbClr val="A31515"/>
+                </a:solidFill>
+                <a:latin typeface="Cascadia Mono" panose="020B0609020000020004" pitchFamily="49" charset="0"/>
+              </a:rPr>
+              <a:t>"</a:t>
+            </a:r>
+            <a:r>
+              <a:rPr lang="ru-RU" sz="2400" dirty="0">
+                <a:solidFill>
+                  <a:srgbClr val="A31515"/>
+                </a:solidFill>
+                <a:latin typeface="Cascadia Mono" panose="020B0609020000020004" pitchFamily="49" charset="0"/>
+              </a:rPr>
+              <a:t>строка 1</a:t>
+            </a:r>
+            <a:r>
+              <a:rPr lang="ru-RU" sz="2400" dirty="0" smtClean="0">
+                <a:solidFill>
+                  <a:srgbClr val="A31515"/>
+                </a:solidFill>
+                <a:latin typeface="Cascadia Mono" panose="020B0609020000020004" pitchFamily="49" charset="0"/>
+              </a:rPr>
+              <a:t>"</a:t>
+            </a:r>
+            <a:r>
+              <a:rPr lang="ru-RU" sz="2400" dirty="0" smtClean="0">
+                <a:solidFill>
+                  <a:srgbClr val="000000"/>
+                </a:solidFill>
+                <a:latin typeface="Cascadia Mono" panose="020B0609020000020004" pitchFamily="49" charset="0"/>
+              </a:rPr>
+              <a:t>,</a:t>
+            </a:r>
+            <a:r>
+              <a:rPr lang="ru-RU" sz="2400" dirty="0" smtClean="0">
+                <a:solidFill>
+                  <a:srgbClr val="A31515"/>
+                </a:solidFill>
+                <a:latin typeface="Cascadia Mono" panose="020B0609020000020004" pitchFamily="49" charset="0"/>
+              </a:rPr>
+              <a:t>"</a:t>
+            </a:r>
+            <a:r>
+              <a:rPr lang="ru-RU" sz="2400" dirty="0">
+                <a:solidFill>
+                  <a:srgbClr val="A31515"/>
+                </a:solidFill>
+                <a:latin typeface="Cascadia Mono" panose="020B0609020000020004" pitchFamily="49" charset="0"/>
+              </a:rPr>
+              <a:t>строка 2</a:t>
+            </a:r>
+            <a:r>
+              <a:rPr lang="ru-RU" sz="2400" dirty="0" smtClean="0">
+                <a:solidFill>
+                  <a:srgbClr val="A31515"/>
+                </a:solidFill>
+                <a:latin typeface="Cascadia Mono" panose="020B0609020000020004" pitchFamily="49" charset="0"/>
+              </a:rPr>
+              <a:t>"</a:t>
+            </a:r>
+            <a:r>
+              <a:rPr lang="ru-RU" sz="2400" dirty="0" smtClean="0">
+                <a:solidFill>
+                  <a:srgbClr val="000000"/>
+                </a:solidFill>
+                <a:latin typeface="Cascadia Mono" panose="020B0609020000020004" pitchFamily="49" charset="0"/>
+              </a:rPr>
+              <a:t>});</a:t>
+            </a:r>
+            <a:endParaRPr lang="ru-RU" sz="2400" dirty="0"/>
           </a:p>
           <a:p>
             <a:pPr>
@@ -16410,70 +18696,186 @@
               </a:lnSpc>
             </a:pPr>
             <a:r>
-              <a:rPr lang="en-US" sz="2400" dirty="0">
+              <a:rPr lang="ru-RU" sz="2400" b="1" dirty="0">
+                <a:latin typeface="Bookman Old Style" panose="02050604050505020204" pitchFamily="18" charset="0"/>
+              </a:rPr>
+              <a:t>Запись </a:t>
+            </a:r>
+            <a:r>
+              <a:rPr lang="ru-RU" sz="2400" dirty="0">
+                <a:latin typeface="Bookman Old Style" panose="02050604050505020204" pitchFamily="18" charset="0"/>
+              </a:rPr>
+              <a:t>данных в существующий файл:</a:t>
+            </a:r>
+          </a:p>
+          <a:p>
+            <a:pPr algn="just">
+              <a:lnSpc>
+                <a:spcPct val="150000"/>
+              </a:lnSpc>
+            </a:pPr>
+            <a:r>
+              <a:rPr lang="ru-RU" sz="2400" dirty="0" err="1">
+                <a:solidFill>
+                  <a:srgbClr val="00B0F0"/>
+                </a:solidFill>
+                <a:latin typeface="Cascadia Mono" panose="020B0609020000020004" pitchFamily="49" charset="0"/>
+              </a:rPr>
+              <a:t>File</a:t>
+            </a:r>
+            <a:r>
+              <a:rPr lang="ru-RU" sz="2400" dirty="0" err="1">
+                <a:solidFill>
+                  <a:srgbClr val="000000"/>
+                </a:solidFill>
+                <a:latin typeface="Cascadia Mono" panose="020B0609020000020004" pitchFamily="49" charset="0"/>
+              </a:rPr>
+              <a:t>.AppendAllText</a:t>
+            </a:r>
+            <a:r>
+              <a:rPr lang="ru-RU" sz="2400" dirty="0">
+                <a:solidFill>
+                  <a:srgbClr val="000000"/>
+                </a:solidFill>
+                <a:latin typeface="Cascadia Mono" panose="020B0609020000020004" pitchFamily="49" charset="0"/>
+              </a:rPr>
+              <a:t>(</a:t>
+            </a:r>
+            <a:r>
+              <a:rPr lang="ru-RU" sz="2400" dirty="0">
+                <a:solidFill>
+                  <a:srgbClr val="A31515"/>
+                </a:solidFill>
+                <a:latin typeface="Cascadia Mono" panose="020B0609020000020004" pitchFamily="49" charset="0"/>
+              </a:rPr>
+              <a:t>"мой файл2.txt"</a:t>
+            </a:r>
+            <a:r>
+              <a:rPr lang="ru-RU" sz="2400" dirty="0">
+                <a:solidFill>
+                  <a:srgbClr val="000000"/>
+                </a:solidFill>
+                <a:latin typeface="Cascadia Mono" panose="020B0609020000020004" pitchFamily="49" charset="0"/>
+              </a:rPr>
+              <a:t>, </a:t>
+            </a:r>
+            <a:r>
+              <a:rPr lang="ru-RU" sz="2400" dirty="0">
+                <a:solidFill>
+                  <a:srgbClr val="A31515"/>
+                </a:solidFill>
+                <a:latin typeface="Cascadia Mono" panose="020B0609020000020004" pitchFamily="49" charset="0"/>
+              </a:rPr>
+              <a:t>“что то добавили"</a:t>
+            </a:r>
+            <a:r>
+              <a:rPr lang="ru-RU" sz="2400" dirty="0">
+                <a:solidFill>
+                  <a:srgbClr val="000000"/>
+                </a:solidFill>
+                <a:latin typeface="Cascadia Mono" panose="020B0609020000020004" pitchFamily="49" charset="0"/>
+              </a:rPr>
+              <a:t>);</a:t>
+            </a:r>
+          </a:p>
+          <a:p>
+            <a:pPr algn="just">
+              <a:lnSpc>
+                <a:spcPct val="150000"/>
+              </a:lnSpc>
+            </a:pPr>
+            <a:r>
+              <a:rPr lang="en-US" sz="2400" dirty="0" err="1">
+                <a:solidFill>
+                  <a:srgbClr val="00B0F0"/>
+                </a:solidFill>
+                <a:latin typeface="Cascadia Mono" panose="020B0609020000020004" pitchFamily="49" charset="0"/>
+              </a:rPr>
+              <a:t>File</a:t>
+            </a:r>
+            <a:r>
+              <a:rPr lang="en-US" sz="2400" dirty="0" err="1">
+                <a:solidFill>
+                  <a:srgbClr val="000000"/>
+                </a:solidFill>
+                <a:latin typeface="Cascadia Mono" panose="020B0609020000020004" pitchFamily="49" charset="0"/>
+              </a:rPr>
+              <a:t>.AppendAllLines</a:t>
+            </a:r>
+            <a:r>
+              <a:rPr lang="en-US" sz="2400" dirty="0">
+                <a:solidFill>
+                  <a:srgbClr val="000000"/>
+                </a:solidFill>
+                <a:latin typeface="Cascadia Mono" panose="020B0609020000020004" pitchFamily="49" charset="0"/>
+              </a:rPr>
+              <a:t>(</a:t>
+            </a:r>
+            <a:r>
+              <a:rPr lang="en-US" sz="2400" dirty="0">
+                <a:solidFill>
+                  <a:srgbClr val="A31515"/>
+                </a:solidFill>
+                <a:latin typeface="Cascadia Mono" panose="020B0609020000020004" pitchFamily="49" charset="0"/>
+              </a:rPr>
+              <a:t>"</a:t>
+            </a:r>
+            <a:r>
+              <a:rPr lang="ru-RU" sz="2400" dirty="0">
+                <a:solidFill>
+                  <a:srgbClr val="A31515"/>
+                </a:solidFill>
+                <a:latin typeface="Cascadia Mono" panose="020B0609020000020004" pitchFamily="49" charset="0"/>
+              </a:rPr>
+              <a:t>мой файл2.</a:t>
+            </a:r>
+            <a:r>
+              <a:rPr lang="en-US" sz="2400" dirty="0" err="1">
+                <a:solidFill>
+                  <a:srgbClr val="A31515"/>
+                </a:solidFill>
+                <a:latin typeface="Cascadia Mono" panose="020B0609020000020004" pitchFamily="49" charset="0"/>
+              </a:rPr>
+              <a:t>txt</a:t>
+            </a:r>
+            <a:r>
+              <a:rPr lang="en-US" sz="2400" dirty="0" err="1" smtClean="0">
+                <a:solidFill>
+                  <a:srgbClr val="A31515"/>
+                </a:solidFill>
+                <a:latin typeface="Cascadia Mono" panose="020B0609020000020004" pitchFamily="49" charset="0"/>
+              </a:rPr>
+              <a:t>"</a:t>
+            </a:r>
+            <a:r>
+              <a:rPr lang="en-US" sz="2400" dirty="0" err="1" smtClean="0">
+                <a:solidFill>
+                  <a:srgbClr val="000000"/>
+                </a:solidFill>
+                <a:latin typeface="Cascadia Mono" panose="020B0609020000020004" pitchFamily="49" charset="0"/>
+              </a:rPr>
+              <a:t>,</a:t>
+            </a:r>
+            <a:r>
+              <a:rPr lang="en-US" sz="2400" dirty="0" err="1" smtClean="0">
                 <a:solidFill>
                   <a:srgbClr val="0000FF"/>
                 </a:solidFill>
                 <a:latin typeface="Cascadia Mono" panose="020B0609020000020004" pitchFamily="49" charset="0"/>
               </a:rPr>
-              <a:t>using</a:t>
-            </a:r>
-            <a:r>
-              <a:rPr lang="en-US" sz="2400" dirty="0">
-                <a:solidFill>
-                  <a:srgbClr val="000000"/>
-                </a:solidFill>
-                <a:latin typeface="Cascadia Mono" panose="020B0609020000020004" pitchFamily="49" charset="0"/>
-              </a:rPr>
-              <a:t> </a:t>
-            </a:r>
-            <a:r>
-              <a:rPr lang="en-US" sz="2400" dirty="0" err="1">
-                <a:solidFill>
-                  <a:srgbClr val="0000FF"/>
-                </a:solidFill>
-                <a:latin typeface="Cascadia Mono" panose="020B0609020000020004" pitchFamily="49" charset="0"/>
-              </a:rPr>
-              <a:t>var</a:t>
-            </a:r>
-            <a:r>
-              <a:rPr lang="en-US" sz="2400" dirty="0">
-                <a:solidFill>
-                  <a:srgbClr val="000000"/>
-                </a:solidFill>
-                <a:latin typeface="Cascadia Mono" panose="020B0609020000020004" pitchFamily="49" charset="0"/>
-              </a:rPr>
-              <a:t> fs = </a:t>
-            </a:r>
-            <a:r>
-              <a:rPr lang="en-US" sz="2400" dirty="0" err="1">
-                <a:solidFill>
-                  <a:srgbClr val="00B0F0"/>
-                </a:solidFill>
-                <a:latin typeface="Cascadia Mono" panose="020B0609020000020004" pitchFamily="49" charset="0"/>
-              </a:rPr>
-              <a:t>File</a:t>
-            </a:r>
-            <a:r>
-              <a:rPr lang="en-US" sz="2400" dirty="0" err="1">
-                <a:solidFill>
-                  <a:srgbClr val="000000"/>
-                </a:solidFill>
-                <a:latin typeface="Cascadia Mono" panose="020B0609020000020004" pitchFamily="49" charset="0"/>
-              </a:rPr>
-              <a:t>.OpenWrite</a:t>
-            </a:r>
-            <a:r>
-              <a:rPr lang="en-US" sz="2400" dirty="0">
-                <a:solidFill>
-                  <a:srgbClr val="000000"/>
-                </a:solidFill>
-                <a:latin typeface="Cascadia Mono" panose="020B0609020000020004" pitchFamily="49" charset="0"/>
-              </a:rPr>
-              <a:t>(</a:t>
-            </a:r>
-            <a:r>
-              <a:rPr lang="en-US" sz="2400" dirty="0">
+              <a:t>new</a:t>
+            </a:r>
+            <a:r>
+              <a:rPr lang="en-US" sz="2400" dirty="0" smtClean="0">
+                <a:solidFill>
+                  <a:srgbClr val="000000"/>
+                </a:solidFill>
+                <a:latin typeface="Cascadia Mono" panose="020B0609020000020004" pitchFamily="49" charset="0"/>
+              </a:rPr>
+              <a:t>[]{</a:t>
+            </a:r>
+            <a:r>
+              <a:rPr lang="en-US" sz="2400" dirty="0" smtClean="0">
                 <a:solidFill>
                   <a:srgbClr val="A31515"/>
                 </a:solidFill>
@@ -16488,26 +18890,63 @@
                 </a:solidFill>
                 <a:latin typeface="Cascadia Mono" panose="020B0609020000020004" pitchFamily="49" charset="0"/>
               </a:rPr>
-              <a:t>мой файл2.</a:t>
-            </a:r>
-            <a:r>
-              <a:rPr lang="en-US" sz="2400" dirty="0">
+              <a:t>строка 3</a:t>
+            </a:r>
+            <a:r>
+              <a:rPr lang="ru-RU" sz="2400" dirty="0" smtClean="0">
                 <a:solidFill>
                   <a:srgbClr val="A31515"/>
                 </a:solidFill>
                 <a:latin typeface="Cascadia Mono" panose="020B0609020000020004" pitchFamily="49" charset="0"/>
               </a:rPr>
-              <a:t>txt"</a:t>
-            </a:r>
-            <a:r>
-              <a:rPr lang="en-US" sz="2400" dirty="0">
-                <a:solidFill>
-                  <a:srgbClr val="000000"/>
-                </a:solidFill>
-                <a:latin typeface="Cascadia Mono" panose="020B0609020000020004" pitchFamily="49" charset="0"/>
-              </a:rPr>
-              <a:t>);</a:t>
-            </a:r>
+              <a:t>"</a:t>
+            </a:r>
+            <a:r>
+              <a:rPr lang="ru-RU" sz="2400" dirty="0" smtClean="0">
+                <a:solidFill>
+                  <a:srgbClr val="000000"/>
+                </a:solidFill>
+                <a:latin typeface="Cascadia Mono" panose="020B0609020000020004" pitchFamily="49" charset="0"/>
+              </a:rPr>
+              <a:t>,</a:t>
+            </a:r>
+            <a:r>
+              <a:rPr lang="ru-RU" sz="2400" dirty="0" smtClean="0">
+                <a:solidFill>
+                  <a:srgbClr val="A31515"/>
+                </a:solidFill>
+                <a:latin typeface="Cascadia Mono" panose="020B0609020000020004" pitchFamily="49" charset="0"/>
+              </a:rPr>
+              <a:t>"</a:t>
+            </a:r>
+            <a:r>
+              <a:rPr lang="ru-RU" sz="2400" dirty="0">
+                <a:solidFill>
+                  <a:srgbClr val="A31515"/>
+                </a:solidFill>
+                <a:latin typeface="Cascadia Mono" panose="020B0609020000020004" pitchFamily="49" charset="0"/>
+              </a:rPr>
+              <a:t>строка 4</a:t>
+            </a:r>
+            <a:r>
+              <a:rPr lang="ru-RU" sz="2400" dirty="0" smtClean="0">
+                <a:solidFill>
+                  <a:srgbClr val="A31515"/>
+                </a:solidFill>
+                <a:latin typeface="Cascadia Mono" panose="020B0609020000020004" pitchFamily="49" charset="0"/>
+              </a:rPr>
+              <a:t>"</a:t>
+            </a:r>
+            <a:r>
+              <a:rPr lang="ru-RU" sz="2400" dirty="0" smtClean="0">
+                <a:solidFill>
+                  <a:srgbClr val="000000"/>
+                </a:solidFill>
+                <a:latin typeface="Cascadia Mono" panose="020B0609020000020004" pitchFamily="49" charset="0"/>
+              </a:rPr>
+              <a:t>});</a:t>
+            </a:r>
+            <a:endParaRPr lang="ru-RU" sz="2400" dirty="0"/>
           </a:p>
           <a:p>
             <a:pPr>
@@ -16516,22 +18955,41 @@
               </a:lnSpc>
             </a:pPr>
             <a:r>
+              <a:rPr lang="ru-RU" sz="2400" b="1" dirty="0">
+                <a:latin typeface="Bookman Old Style" panose="02050604050505020204" pitchFamily="18" charset="0"/>
+              </a:rPr>
+              <a:t>Чтение </a:t>
+            </a:r>
+            <a:r>
+              <a:rPr lang="ru-RU" sz="2400" dirty="0">
+                <a:latin typeface="Bookman Old Style" panose="02050604050505020204" pitchFamily="18" charset="0"/>
+              </a:rPr>
+              <a:t>данных из файла:</a:t>
+            </a:r>
+          </a:p>
+          <a:p>
+            <a:pPr algn="just">
+              <a:lnSpc>
+                <a:spcPct val="150000"/>
+              </a:lnSpc>
+            </a:pPr>
+            <a:r>
               <a:rPr lang="en-US" sz="2400" dirty="0">
                 <a:solidFill>
                   <a:srgbClr val="0000FF"/>
                 </a:solidFill>
                 <a:latin typeface="Cascadia Mono" panose="020B0609020000020004" pitchFamily="49" charset="0"/>
               </a:rPr>
-              <a:t>using</a:t>
-            </a:r>
-            <a:r>
-              <a:rPr lang="en-US" sz="2400" dirty="0">
-                <a:solidFill>
-                  <a:srgbClr val="000000"/>
-                </a:solidFill>
-                <a:latin typeface="Cascadia Mono" panose="020B0609020000020004" pitchFamily="49" charset="0"/>
-              </a:rPr>
-              <a:t> </a:t>
+              <a:t>string</a:t>
+            </a:r>
+            <a:r>
+              <a:rPr lang="en-US" sz="2400" dirty="0">
+                <a:solidFill>
+                  <a:srgbClr val="000000"/>
+                </a:solidFill>
+                <a:latin typeface="Cascadia Mono" panose="020B0609020000020004" pitchFamily="49" charset="0"/>
+              </a:rPr>
+              <a:t> text = </a:t>
             </a:r>
             <a:r>
               <a:rPr lang="en-US" sz="2400" dirty="0" err="1">
@@ -16540,16 +18998,7 @@
                 </a:solidFill>
                 <a:latin typeface="Cascadia Mono" panose="020B0609020000020004" pitchFamily="49" charset="0"/>
               </a:rPr>
-              <a:t>StreamWriter</a:t>
-            </a:r>
-            <a:r>
-              <a:rPr lang="en-US" sz="2400" dirty="0">
-                <a:solidFill>
-                  <a:srgbClr val="000000"/>
-                </a:solidFill>
-                <a:latin typeface="Cascadia Mono" panose="020B0609020000020004" pitchFamily="49" charset="0"/>
-              </a:rPr>
-              <a:t> </a:t>
+              <a:t>File</a:t>
             </a:r>
             <a:r>
               <a:rPr lang="en-US" sz="2400" dirty="0" err="1">
@@ -16558,7 +19007,86 @@
                 </a:solidFill>
                 <a:latin typeface="Cascadia Mono" panose="020B0609020000020004" pitchFamily="49" charset="0"/>
               </a:rPr>
-              <a:t>sw</a:t>
+              <a:t>.ReadAllText</a:t>
+            </a:r>
+            <a:r>
+              <a:rPr lang="en-US" sz="2400" dirty="0">
+                <a:solidFill>
+                  <a:srgbClr val="000000"/>
+                </a:solidFill>
+                <a:latin typeface="Cascadia Mono" panose="020B0609020000020004" pitchFamily="49" charset="0"/>
+              </a:rPr>
+              <a:t>(</a:t>
+            </a:r>
+            <a:r>
+              <a:rPr lang="en-US" sz="2400" dirty="0">
+                <a:solidFill>
+                  <a:srgbClr val="A31515"/>
+                </a:solidFill>
+                <a:latin typeface="Cascadia Mono" panose="020B0609020000020004" pitchFamily="49" charset="0"/>
+              </a:rPr>
+              <a:t>"</a:t>
+            </a:r>
+            <a:r>
+              <a:rPr lang="ru-RU" sz="2400" dirty="0">
+                <a:solidFill>
+                  <a:srgbClr val="A31515"/>
+                </a:solidFill>
+                <a:latin typeface="Cascadia Mono" panose="020B0609020000020004" pitchFamily="49" charset="0"/>
+              </a:rPr>
+              <a:t>мой файл2.</a:t>
+            </a:r>
+            <a:r>
+              <a:rPr lang="en-US" sz="2400" dirty="0">
+                <a:solidFill>
+                  <a:srgbClr val="A31515"/>
+                </a:solidFill>
+                <a:latin typeface="Cascadia Mono" panose="020B0609020000020004" pitchFamily="49" charset="0"/>
+              </a:rPr>
+              <a:t>txt"</a:t>
+            </a:r>
+            <a:r>
+              <a:rPr lang="en-US" sz="2400" dirty="0">
+                <a:solidFill>
+                  <a:srgbClr val="000000"/>
+                </a:solidFill>
+                <a:latin typeface="Cascadia Mono" panose="020B0609020000020004" pitchFamily="49" charset="0"/>
+              </a:rPr>
+              <a:t>);</a:t>
+            </a:r>
+          </a:p>
+          <a:p>
+            <a:pPr algn="just">
+              <a:lnSpc>
+                <a:spcPct val="150000"/>
+              </a:lnSpc>
+            </a:pPr>
+            <a:r>
+              <a:rPr lang="en-US" sz="2400" dirty="0">
+                <a:solidFill>
+                  <a:srgbClr val="0000FF"/>
+                </a:solidFill>
+                <a:latin typeface="Cascadia Mono" panose="020B0609020000020004" pitchFamily="49" charset="0"/>
+              </a:rPr>
+              <a:t>string</a:t>
+            </a:r>
+            <a:r>
+              <a:rPr lang="en-US" sz="2400" dirty="0">
+                <a:solidFill>
+                  <a:srgbClr val="000000"/>
+                </a:solidFill>
+                <a:latin typeface="Cascadia Mono" panose="020B0609020000020004" pitchFamily="49" charset="0"/>
+              </a:rPr>
+              <a:t>[] </a:t>
+            </a:r>
+            <a:r>
+              <a:rPr lang="en-US" sz="2400" dirty="0" err="1">
+                <a:solidFill>
+                  <a:srgbClr val="000000"/>
+                </a:solidFill>
+                <a:latin typeface="Cascadia Mono" panose="020B0609020000020004" pitchFamily="49" charset="0"/>
+              </a:rPr>
+              <a:t>textLines</a:t>
             </a:r>
             <a:r>
               <a:rPr lang="en-US" sz="2400" dirty="0">
@@ -16570,41 +19098,69 @@
               <a:t> = </a:t>
             </a:r>
             <a:r>
-              <a:rPr lang="en-US" sz="2400" dirty="0">
-                <a:solidFill>
-                  <a:srgbClr val="0000FF"/>
-                </a:solidFill>
-                <a:latin typeface="Cascadia Mono" panose="020B0609020000020004" pitchFamily="49" charset="0"/>
-              </a:rPr>
-              <a:t>new</a:t>
-            </a:r>
-            <a:r>
-              <a:rPr lang="en-US" sz="2400" dirty="0">
-                <a:solidFill>
-                  <a:srgbClr val="000000"/>
-                </a:solidFill>
-                <a:latin typeface="Cascadia Mono" panose="020B0609020000020004" pitchFamily="49" charset="0"/>
-              </a:rPr>
-              <a:t> </a:t>
-            </a:r>
-            <a:r>
               <a:rPr lang="en-US" sz="2400" dirty="0" err="1">
                 <a:solidFill>
                   <a:srgbClr val="00B0F0"/>
                 </a:solidFill>
                 <a:latin typeface="Cascadia Mono" panose="020B0609020000020004" pitchFamily="49" charset="0"/>
               </a:rPr>
-              <a:t>StreamWriter</a:t>
-            </a:r>
-            <a:r>
-              <a:rPr lang="en-US" sz="2400" dirty="0">
-                <a:solidFill>
-                  <a:srgbClr val="000000"/>
-                </a:solidFill>
-                <a:latin typeface="Cascadia Mono" panose="020B0609020000020004" pitchFamily="49" charset="0"/>
-              </a:rPr>
-              <a:t>(fs);</a:t>
-            </a:r>
+              <a:t>File</a:t>
+            </a:r>
+            <a:r>
+              <a:rPr lang="en-US" sz="2400" dirty="0" err="1">
+                <a:solidFill>
+                  <a:srgbClr val="000000"/>
+                </a:solidFill>
+                <a:latin typeface="Cascadia Mono" panose="020B0609020000020004" pitchFamily="49" charset="0"/>
+              </a:rPr>
+              <a:t>.ReadAllLines</a:t>
+            </a:r>
+            <a:r>
+              <a:rPr lang="en-US" sz="2400" dirty="0">
+                <a:solidFill>
+                  <a:srgbClr val="000000"/>
+                </a:solidFill>
+                <a:latin typeface="Cascadia Mono" panose="020B0609020000020004" pitchFamily="49" charset="0"/>
+              </a:rPr>
+              <a:t>(</a:t>
+            </a:r>
+            <a:r>
+              <a:rPr lang="en-US" sz="2400" dirty="0">
+                <a:solidFill>
+                  <a:srgbClr val="A31515"/>
+                </a:solidFill>
+                <a:latin typeface="Cascadia Mono" panose="020B0609020000020004" pitchFamily="49" charset="0"/>
+              </a:rPr>
+              <a:t>"</a:t>
+            </a:r>
+            <a:r>
+              <a:rPr lang="ru-RU" sz="2400" dirty="0">
+                <a:solidFill>
+                  <a:srgbClr val="A31515"/>
+                </a:solidFill>
+                <a:latin typeface="Cascadia Mono" panose="020B0609020000020004" pitchFamily="49" charset="0"/>
+              </a:rPr>
+              <a:t>мой файл2.</a:t>
+            </a:r>
+            <a:r>
+              <a:rPr lang="en-US" sz="2400" dirty="0">
+                <a:solidFill>
+                  <a:srgbClr val="A31515"/>
+                </a:solidFill>
+                <a:latin typeface="Cascadia Mono" panose="020B0609020000020004" pitchFamily="49" charset="0"/>
+              </a:rPr>
+              <a:t>txt"</a:t>
+            </a:r>
+            <a:r>
+              <a:rPr lang="en-US" sz="2400" dirty="0">
+                <a:solidFill>
+                  <a:srgbClr val="000000"/>
+                </a:solidFill>
+                <a:latin typeface="Cascadia Mono" panose="020B0609020000020004" pitchFamily="49" charset="0"/>
+              </a:rPr>
+              <a:t>);</a:t>
+            </a:r>
+            <a:endParaRPr lang="ru-RU" sz="2400" dirty="0"/>
           </a:p>
           <a:p>
             <a:pPr>
@@ -16613,16 +19169,44 @@
               </a:lnSpc>
             </a:pPr>
             <a:r>
-              <a:rPr lang="ru-RU" sz="2400" dirty="0" err="1">
-                <a:solidFill>
-                  <a:srgbClr val="000000"/>
-                </a:solidFill>
-                <a:latin typeface="Cascadia Mono" panose="020B0609020000020004" pitchFamily="49" charset="0"/>
-              </a:rPr>
-              <a:t>sw.Write</a:t>
+              <a:rPr lang="ru-RU" sz="2400" b="1" dirty="0">
+                <a:latin typeface="Bookman Old Style" panose="02050604050505020204" pitchFamily="18" charset="0"/>
+              </a:rPr>
+              <a:t>Удаление </a:t>
             </a:r>
             <a:r>
               <a:rPr lang="ru-RU" sz="2400" dirty="0">
+                <a:latin typeface="Bookman Old Style" panose="02050604050505020204" pitchFamily="18" charset="0"/>
+              </a:rPr>
+              <a:t>файла:</a:t>
+            </a:r>
+          </a:p>
+          <a:p>
+            <a:pPr algn="just">
+              <a:lnSpc>
+                <a:spcPct val="150000"/>
+              </a:lnSpc>
+            </a:pPr>
+            <a:r>
+              <a:rPr lang="en-US" sz="2400" dirty="0" err="1">
+                <a:solidFill>
+                  <a:srgbClr val="00B0F0"/>
+                </a:solidFill>
+                <a:latin typeface="Cascadia Mono" panose="020B0609020000020004" pitchFamily="49" charset="0"/>
+              </a:rPr>
+              <a:t>File</a:t>
+            </a:r>
+            <a:r>
+              <a:rPr lang="en-US" sz="2400" dirty="0" err="1">
+                <a:solidFill>
+                  <a:srgbClr val="000000"/>
+                </a:solidFill>
+                <a:latin typeface="Cascadia Mono" panose="020B0609020000020004" pitchFamily="49" charset="0"/>
+              </a:rPr>
+              <a:t>.Delete</a:t>
+            </a:r>
+            <a:r>
+              <a:rPr lang="en-US" sz="2400" dirty="0">
                 <a:solidFill>
                   <a:srgbClr val="000000"/>
                 </a:solidFill>
@@ -16631,16 +19215,43 @@
               <a:t>(</a:t>
             </a:r>
             <a:r>
+              <a:rPr lang="en-US" sz="2400" dirty="0">
+                <a:solidFill>
+                  <a:srgbClr val="A31515"/>
+                </a:solidFill>
+                <a:latin typeface="Cascadia Mono" panose="020B0609020000020004" pitchFamily="49" charset="0"/>
+              </a:rPr>
+              <a:t>"</a:t>
+            </a:r>
+            <a:r>
               <a:rPr lang="ru-RU" sz="2400" dirty="0">
                 <a:solidFill>
                   <a:srgbClr val="A31515"/>
                 </a:solidFill>
                 <a:latin typeface="Cascadia Mono" panose="020B0609020000020004" pitchFamily="49" charset="0"/>
               </a:rPr>
-              <a:t>"когда хотим писать на ходу"</a:t>
-            </a:r>
-            <a:r>
-              <a:rPr lang="ru-RU" sz="2400" dirty="0">
+              <a:t>мой файл2.</a:t>
+            </a:r>
+            <a:r>
+              <a:rPr lang="en-US" sz="2400" dirty="0">
+                <a:solidFill>
+                  <a:srgbClr val="A31515"/>
+                </a:solidFill>
+                <a:latin typeface="Cascadia Mono" panose="020B0609020000020004" pitchFamily="49" charset="0"/>
+              </a:rPr>
+              <a:t>txt</a:t>
+            </a:r>
+            <a:r>
+              <a:rPr lang="en-US" sz="2400" dirty="0" smtClean="0">
+                <a:solidFill>
+                  <a:srgbClr val="A31515"/>
+                </a:solidFill>
+                <a:latin typeface="Cascadia Mono" panose="020B0609020000020004" pitchFamily="49" charset="0"/>
+              </a:rPr>
+              <a:t>"</a:t>
+            </a:r>
+            <a:r>
+              <a:rPr lang="en-US" sz="2400" dirty="0" smtClean="0">
                 <a:solidFill>
                   <a:srgbClr val="000000"/>
                 </a:solidFill>
@@ -16648,7 +19259,137 @@
               </a:rPr>
               <a:t>);</a:t>
             </a:r>
-          </a:p>
+            <a:endParaRPr lang="ru-RU" sz="2400" dirty="0"/>
+          </a:p>
+        </p:txBody>
+      </p:sp>
+    </p:spTree>
+    <p:extLst>
+      <p:ext uri="{BB962C8B-B14F-4D97-AF65-F5344CB8AC3E}">
+        <p14:creationId xmlns:p14="http://schemas.microsoft.com/office/powerpoint/2010/main" val="2124139069"/>
+      </p:ext>
+    </p:extLst>
+  </p:cSld>
+  <p:clrMapOvr>
+    <a:masterClrMapping/>
+  </p:clrMapOvr>
+  <p:timing>
+    <p:tnLst>
+      <p:par>
+        <p:cTn id="1" dur="indefinite" restart="never" nodeType="tmRoot"/>
+      </p:par>
+    </p:tnLst>
+  </p:timing>
+</p:sld>
+</file>
+
+<file path=ppt/slides/slide35.xml><?xml version="1.0" encoding="utf-8"?>
+<p:sld xmlns:a="http://schemas.openxmlformats.org/drawingml/2006/main" xmlns:r="http://schemas.openxmlformats.org/officeDocument/2006/relationships" xmlns:p="http://schemas.openxmlformats.org/presentationml/2006/main">
+  <p:cSld>
+    <p:spTree>
+      <p:nvGrpSpPr>
+        <p:cNvPr id="1" name=""/>
+        <p:cNvGrpSpPr/>
+        <p:nvPr/>
+      </p:nvGrpSpPr>
+      <p:grpSpPr>
+        <a:xfrm>
+          <a:off x="0" y="0"/>
+          <a:ext cx="0" cy="0"/>
+          <a:chOff x="0" y="0"/>
+          <a:chExt cx="0" cy="0"/>
+        </a:xfrm>
+      </p:grpSpPr>
+      <p:sp>
+        <p:nvSpPr>
+          <p:cNvPr id="47" name="Rectangle 26"/>
+          <p:cNvSpPr>
+            <a:spLocks noChangeArrowheads="1"/>
+          </p:cNvSpPr>
+          <p:nvPr/>
+        </p:nvSpPr>
+        <p:spPr bwMode="auto">
+          <a:xfrm>
+            <a:off x="6147240" y="1887472"/>
+            <a:ext cx="138564" cy="276999"/>
+          </a:xfrm>
+          <a:prstGeom prst="rect">
+            <a:avLst/>
+          </a:prstGeom>
+          <a:noFill/>
+          <a:ln>
+            <a:noFill/>
+          </a:ln>
+          <a:effectLst/>
+          <a:extLst>
+            <a:ext uri="{909E8E84-426E-40DD-AFC4-6F175D3DCCD1}">
+              <a14:hiddenFill xmlns:a14="http://schemas.microsoft.com/office/drawing/2010/main">
+                <a:solidFill>
+                  <a:schemeClr val="accent1"/>
+                </a:solidFill>
+              </a14:hiddenFill>
+            </a:ext>
+            <a:ext uri="{91240B29-F687-4F45-9708-019B960494DF}">
+              <a14:hiddenLine xmlns:a14="http://schemas.microsoft.com/office/drawing/2010/main" w="9525">
+                <a:solidFill>
+                  <a:schemeClr val="tx1"/>
+                </a:solidFill>
+                <a:miter lim="800000"/>
+                <a:headEnd/>
+                <a:tailEnd/>
+              </a14:hiddenLine>
+            </a:ext>
+            <a:ext uri="{AF507438-7753-43E0-B8FC-AC1667EBCBE1}">
+              <a14:hiddenEffects xmlns:a14="http://schemas.microsoft.com/office/drawing/2010/main">
+                <a:effectLst>
+                  <a:outerShdw dist="35921" dir="2700000" algn="ctr" rotWithShape="0">
+                    <a:schemeClr val="bg2"/>
+                  </a:outerShdw>
+                </a:effectLst>
+              </a14:hiddenEffects>
+            </a:ext>
+          </a:extLst>
+        </p:spPr>
+        <p:txBody>
+          <a:bodyPr vert="horz" wrap="none" lIns="68580" tIns="34290" rIns="68580" bIns="34290" numCol="1" anchor="ctr" anchorCtr="0" compatLnSpc="1">
+            <a:prstTxWarp prst="textNoShape">
+              <a:avLst/>
+            </a:prstTxWarp>
+            <a:spAutoFit/>
+          </a:bodyPr>
+          <a:lstStyle/>
+          <a:p>
+            <a:endParaRPr lang="en-US" sz="1350"/>
+          </a:p>
+        </p:txBody>
+      </p:sp>
+      <p:sp>
+        <p:nvSpPr>
+          <p:cNvPr id="23" name="TextBox 22">
+            <a:extLst>
+              <a:ext uri="{FF2B5EF4-FFF2-40B4-BE49-F238E27FC236}">
+                <a16:creationId xmlns:a16="http://schemas.microsoft.com/office/drawing/2014/main" id="{99DF0FE0-DB9D-4180-8370-CD26FB46DF57}"/>
+              </a:ext>
+            </a:extLst>
+          </p:cNvPr>
+          <p:cNvSpPr txBox="1"/>
+          <p:nvPr/>
+        </p:nvSpPr>
+        <p:spPr>
+          <a:xfrm>
+            <a:off x="0" y="0"/>
+            <a:ext cx="12192000" cy="2862322"/>
+          </a:xfrm>
+          <a:prstGeom prst="rect">
+            <a:avLst/>
+          </a:prstGeom>
+          <a:noFill/>
+        </p:spPr>
+        <p:txBody>
+          <a:bodyPr wrap="square">
+            <a:spAutoFit/>
+          </a:bodyPr>
+          <a:lstStyle/>
           <a:p>
             <a:pPr>
               <a:lnSpc>
@@ -16656,33 +19397,23 @@
               </a:lnSpc>
             </a:pPr>
             <a:r>
-              <a:rPr lang="ru-RU" sz="2400" dirty="0" err="1">
-                <a:solidFill>
-                  <a:srgbClr val="000000"/>
-                </a:solidFill>
-                <a:latin typeface="Cascadia Mono" panose="020B0609020000020004" pitchFamily="49" charset="0"/>
-              </a:rPr>
-              <a:t>sw.Close</a:t>
+              <a:rPr lang="ru-RU" sz="2400" b="1" dirty="0" smtClean="0">
+                <a:latin typeface="Bookman Old Style" panose="02050604050505020204" pitchFamily="18" charset="0"/>
+              </a:rPr>
+              <a:t>Потоковая </a:t>
+            </a:r>
+            <a:r>
+              <a:rPr lang="ru-RU" sz="2400" b="1" dirty="0">
+                <a:latin typeface="Bookman Old Style" panose="02050604050505020204" pitchFamily="18" charset="0"/>
+              </a:rPr>
+              <a:t>запись в файл</a:t>
             </a:r>
             <a:r>
               <a:rPr lang="ru-RU" sz="2400" dirty="0">
-                <a:solidFill>
-                  <a:srgbClr val="000000"/>
-                </a:solidFill>
-                <a:latin typeface="Cascadia Mono" panose="020B0609020000020004" pitchFamily="49" charset="0"/>
-              </a:rPr>
-              <a:t>(); </a:t>
-            </a:r>
-            <a:r>
-              <a:rPr lang="ru-RU" sz="2400" dirty="0">
-                <a:solidFill>
-                  <a:srgbClr val="008000"/>
-                </a:solidFill>
-                <a:latin typeface="Cascadia Mono" panose="020B0609020000020004" pitchFamily="49" charset="0"/>
-              </a:rPr>
-              <a:t>// закрыли поток записи</a:t>
-            </a:r>
-            <a:endParaRPr lang="ru-RU" sz="2400" dirty="0"/>
+                <a:latin typeface="Bookman Old Style" panose="02050604050505020204" pitchFamily="18" charset="0"/>
+              </a:rPr>
+              <a:t>:</a:t>
+            </a:r>
           </a:p>
           <a:p>
             <a:pPr>
@@ -16691,32 +19422,288 @@
               </a:lnSpc>
             </a:pPr>
             <a:r>
-              <a:rPr lang="en-US" sz="2400" b="1" dirty="0">
-                <a:latin typeface="Bookman Old Style" panose="02050604050505020204" pitchFamily="18" charset="0"/>
-              </a:rPr>
-              <a:t>using </a:t>
-            </a:r>
-            <a:r>
-              <a:rPr lang="en-US" sz="2400" dirty="0">
-                <a:latin typeface="Bookman Old Style" panose="02050604050505020204" pitchFamily="18" charset="0"/>
-              </a:rPr>
-              <a:t>– </a:t>
+              <a:rPr lang="en-US" sz="2400" dirty="0">
+                <a:solidFill>
+                  <a:srgbClr val="0000FF"/>
+                </a:solidFill>
+                <a:latin typeface="Cascadia Mono" panose="020B0609020000020004" pitchFamily="49" charset="0"/>
+              </a:rPr>
+              <a:t>using</a:t>
+            </a:r>
+            <a:r>
+              <a:rPr lang="en-US" sz="2400" dirty="0">
+                <a:solidFill>
+                  <a:srgbClr val="000000"/>
+                </a:solidFill>
+                <a:latin typeface="Cascadia Mono" panose="020B0609020000020004" pitchFamily="49" charset="0"/>
+              </a:rPr>
+              <a:t> </a:t>
+            </a:r>
+            <a:r>
+              <a:rPr lang="en-US" sz="2400" dirty="0" err="1">
+                <a:solidFill>
+                  <a:srgbClr val="0000FF"/>
+                </a:solidFill>
+                <a:latin typeface="Cascadia Mono" panose="020B0609020000020004" pitchFamily="49" charset="0"/>
+              </a:rPr>
+              <a:t>var</a:t>
+            </a:r>
+            <a:r>
+              <a:rPr lang="en-US" sz="2400" dirty="0">
+                <a:solidFill>
+                  <a:srgbClr val="000000"/>
+                </a:solidFill>
+                <a:latin typeface="Cascadia Mono" panose="020B0609020000020004" pitchFamily="49" charset="0"/>
+              </a:rPr>
+              <a:t> fs = </a:t>
+            </a:r>
+            <a:r>
+              <a:rPr lang="en-US" sz="2400" dirty="0" err="1">
+                <a:solidFill>
+                  <a:srgbClr val="00B0F0"/>
+                </a:solidFill>
+                <a:latin typeface="Cascadia Mono" panose="020B0609020000020004" pitchFamily="49" charset="0"/>
+              </a:rPr>
+              <a:t>File</a:t>
+            </a:r>
+            <a:r>
+              <a:rPr lang="en-US" sz="2400" dirty="0" err="1">
+                <a:solidFill>
+                  <a:srgbClr val="000000"/>
+                </a:solidFill>
+                <a:latin typeface="Cascadia Mono" panose="020B0609020000020004" pitchFamily="49" charset="0"/>
+              </a:rPr>
+              <a:t>.OpenWrite</a:t>
+            </a:r>
+            <a:r>
+              <a:rPr lang="en-US" sz="2400" dirty="0">
+                <a:solidFill>
+                  <a:srgbClr val="000000"/>
+                </a:solidFill>
+                <a:latin typeface="Cascadia Mono" panose="020B0609020000020004" pitchFamily="49" charset="0"/>
+              </a:rPr>
+              <a:t>(</a:t>
+            </a:r>
+            <a:r>
+              <a:rPr lang="en-US" sz="2400" dirty="0">
+                <a:solidFill>
+                  <a:srgbClr val="A31515"/>
+                </a:solidFill>
+                <a:latin typeface="Cascadia Mono" panose="020B0609020000020004" pitchFamily="49" charset="0"/>
+              </a:rPr>
+              <a:t>"</a:t>
             </a:r>
             <a:r>
               <a:rPr lang="ru-RU" sz="2400" dirty="0">
-                <a:latin typeface="Bookman Old Style" panose="02050604050505020204" pitchFamily="18" charset="0"/>
-              </a:rPr>
-              <a:t>спец. слово для автоматического закрытия записи (или чтения) после выполнения блока инструкций</a:t>
+                <a:solidFill>
+                  <a:srgbClr val="A31515"/>
+                </a:solidFill>
+                <a:latin typeface="Cascadia Mono" panose="020B0609020000020004" pitchFamily="49" charset="0"/>
+              </a:rPr>
+              <a:t>мой файл2.</a:t>
+            </a:r>
+            <a:r>
+              <a:rPr lang="en-US" sz="2400" dirty="0">
+                <a:solidFill>
+                  <a:srgbClr val="A31515"/>
+                </a:solidFill>
+                <a:latin typeface="Cascadia Mono" panose="020B0609020000020004" pitchFamily="49" charset="0"/>
+              </a:rPr>
+              <a:t>txt"</a:t>
+            </a:r>
+            <a:r>
+              <a:rPr lang="en-US" sz="2400" dirty="0">
+                <a:solidFill>
+                  <a:srgbClr val="000000"/>
+                </a:solidFill>
+                <a:latin typeface="Cascadia Mono" panose="020B0609020000020004" pitchFamily="49" charset="0"/>
+              </a:rPr>
+              <a:t>);</a:t>
+            </a:r>
+          </a:p>
+          <a:p>
+            <a:pPr>
+              <a:lnSpc>
+                <a:spcPct val="150000"/>
+              </a:lnSpc>
+            </a:pPr>
+            <a:r>
+              <a:rPr lang="en-US" sz="2400" dirty="0">
+                <a:solidFill>
+                  <a:srgbClr val="0000FF"/>
+                </a:solidFill>
+                <a:latin typeface="Cascadia Mono" panose="020B0609020000020004" pitchFamily="49" charset="0"/>
+              </a:rPr>
+              <a:t>using</a:t>
+            </a:r>
+            <a:r>
+              <a:rPr lang="en-US" sz="2400" dirty="0">
+                <a:solidFill>
+                  <a:srgbClr val="000000"/>
+                </a:solidFill>
+                <a:latin typeface="Cascadia Mono" panose="020B0609020000020004" pitchFamily="49" charset="0"/>
+              </a:rPr>
+              <a:t> </a:t>
+            </a:r>
+            <a:r>
+              <a:rPr lang="en-US" sz="2400" dirty="0" err="1">
+                <a:solidFill>
+                  <a:srgbClr val="00B0F0"/>
+                </a:solidFill>
+                <a:latin typeface="Cascadia Mono" panose="020B0609020000020004" pitchFamily="49" charset="0"/>
+              </a:rPr>
+              <a:t>StreamWriter</a:t>
+            </a:r>
+            <a:r>
+              <a:rPr lang="en-US" sz="2400" dirty="0">
+                <a:solidFill>
+                  <a:srgbClr val="000000"/>
+                </a:solidFill>
+                <a:latin typeface="Cascadia Mono" panose="020B0609020000020004" pitchFamily="49" charset="0"/>
+              </a:rPr>
+              <a:t> </a:t>
+            </a:r>
+            <a:r>
+              <a:rPr lang="en-US" sz="2400" dirty="0" err="1">
+                <a:solidFill>
+                  <a:srgbClr val="000000"/>
+                </a:solidFill>
+                <a:latin typeface="Cascadia Mono" panose="020B0609020000020004" pitchFamily="49" charset="0"/>
+              </a:rPr>
+              <a:t>sw</a:t>
+            </a:r>
+            <a:r>
+              <a:rPr lang="en-US" sz="2400" dirty="0">
+                <a:solidFill>
+                  <a:srgbClr val="000000"/>
+                </a:solidFill>
+                <a:latin typeface="Cascadia Mono" panose="020B0609020000020004" pitchFamily="49" charset="0"/>
+              </a:rPr>
+              <a:t> = </a:t>
+            </a:r>
+            <a:r>
+              <a:rPr lang="en-US" sz="2400" dirty="0">
+                <a:solidFill>
+                  <a:srgbClr val="0000FF"/>
+                </a:solidFill>
+                <a:latin typeface="Cascadia Mono" panose="020B0609020000020004" pitchFamily="49" charset="0"/>
+              </a:rPr>
+              <a:t>new</a:t>
+            </a:r>
+            <a:r>
+              <a:rPr lang="en-US" sz="2400" dirty="0">
+                <a:solidFill>
+                  <a:srgbClr val="000000"/>
+                </a:solidFill>
+                <a:latin typeface="Cascadia Mono" panose="020B0609020000020004" pitchFamily="49" charset="0"/>
+              </a:rPr>
+              <a:t> </a:t>
+            </a:r>
+            <a:r>
+              <a:rPr lang="en-US" sz="2400" dirty="0" err="1">
+                <a:solidFill>
+                  <a:srgbClr val="00B0F0"/>
+                </a:solidFill>
+                <a:latin typeface="Cascadia Mono" panose="020B0609020000020004" pitchFamily="49" charset="0"/>
+              </a:rPr>
+              <a:t>StreamWriter</a:t>
+            </a:r>
+            <a:r>
+              <a:rPr lang="en-US" sz="2400" dirty="0">
+                <a:solidFill>
+                  <a:srgbClr val="000000"/>
+                </a:solidFill>
+                <a:latin typeface="Cascadia Mono" panose="020B0609020000020004" pitchFamily="49" charset="0"/>
+              </a:rPr>
+              <a:t>(fs);</a:t>
+            </a:r>
+          </a:p>
+          <a:p>
+            <a:pPr>
+              <a:lnSpc>
+                <a:spcPct val="150000"/>
+              </a:lnSpc>
+            </a:pPr>
+            <a:r>
+              <a:rPr lang="ru-RU" sz="2400" dirty="0" err="1">
+                <a:solidFill>
+                  <a:srgbClr val="000000"/>
+                </a:solidFill>
+                <a:latin typeface="Cascadia Mono" panose="020B0609020000020004" pitchFamily="49" charset="0"/>
+              </a:rPr>
+              <a:t>sw.Write</a:t>
+            </a:r>
+            <a:r>
+              <a:rPr lang="ru-RU" sz="2400" dirty="0">
+                <a:solidFill>
+                  <a:srgbClr val="000000"/>
+                </a:solidFill>
+                <a:latin typeface="Cascadia Mono" panose="020B0609020000020004" pitchFamily="49" charset="0"/>
+              </a:rPr>
+              <a:t>(</a:t>
+            </a:r>
+            <a:r>
+              <a:rPr lang="ru-RU" sz="2400" dirty="0">
+                <a:solidFill>
+                  <a:srgbClr val="A31515"/>
+                </a:solidFill>
+                <a:latin typeface="Cascadia Mono" panose="020B0609020000020004" pitchFamily="49" charset="0"/>
+              </a:rPr>
+              <a:t>"когда хотим писать на ходу"</a:t>
+            </a:r>
+            <a:r>
+              <a:rPr lang="ru-RU" sz="2400" dirty="0">
+                <a:solidFill>
+                  <a:srgbClr val="000000"/>
+                </a:solidFill>
+                <a:latin typeface="Cascadia Mono" panose="020B0609020000020004" pitchFamily="49" charset="0"/>
+              </a:rPr>
+              <a:t>);</a:t>
+            </a:r>
+          </a:p>
+          <a:p>
+            <a:pPr>
+              <a:lnSpc>
+                <a:spcPct val="150000"/>
+              </a:lnSpc>
+            </a:pPr>
+            <a:r>
+              <a:rPr lang="ru-RU" sz="2400" dirty="0" err="1">
+                <a:solidFill>
+                  <a:srgbClr val="000000"/>
+                </a:solidFill>
+                <a:latin typeface="Cascadia Mono" panose="020B0609020000020004" pitchFamily="49" charset="0"/>
+              </a:rPr>
+              <a:t>sw.Close</a:t>
+            </a:r>
+            <a:r>
+              <a:rPr lang="ru-RU" sz="2400" dirty="0">
+                <a:solidFill>
+                  <a:srgbClr val="000000"/>
+                </a:solidFill>
+                <a:latin typeface="Cascadia Mono" panose="020B0609020000020004" pitchFamily="49" charset="0"/>
+              </a:rPr>
+              <a:t>(); </a:t>
+            </a:r>
+            <a:r>
+              <a:rPr lang="ru-RU" sz="2400" dirty="0">
+                <a:solidFill>
+                  <a:srgbClr val="008000"/>
+                </a:solidFill>
+                <a:latin typeface="Cascadia Mono" panose="020B0609020000020004" pitchFamily="49" charset="0"/>
+              </a:rPr>
+              <a:t>// закрыли поток </a:t>
             </a:r>
             <a:r>
               <a:rPr lang="ru-RU" sz="2400" dirty="0" smtClean="0">
-                <a:latin typeface="Bookman Old Style" panose="02050604050505020204" pitchFamily="18" charset="0"/>
-              </a:rPr>
-              <a:t>.</a:t>
-            </a:r>
-            <a:endParaRPr lang="ru-RU" sz="2400" dirty="0">
-              <a:latin typeface="Bookman Old Style" panose="02050604050505020204" pitchFamily="18" charset="0"/>
-            </a:endParaRPr>
+                <a:solidFill>
+                  <a:srgbClr val="008000"/>
+                </a:solidFill>
+                <a:latin typeface="Cascadia Mono" panose="020B0609020000020004" pitchFamily="49" charset="0"/>
+              </a:rPr>
+              <a:t>записи</a:t>
+            </a:r>
+            <a:endParaRPr lang="ru-RU" sz="2400" dirty="0"/>
           </a:p>
         </p:txBody>
       </p:sp>
@@ -16740,7 +19727,7 @@
 </p:sld>
 </file>
 
-<file path=ppt/slides/slide32.xml><?xml version="1.0" encoding="utf-8"?>
+<file path=ppt/slides/slide36.xml><?xml version="1.0" encoding="utf-8"?>
 <p:sld xmlns:a="http://schemas.openxmlformats.org/drawingml/2006/main" xmlns:r="http://schemas.openxmlformats.org/officeDocument/2006/relationships" xmlns:p="http://schemas.openxmlformats.org/presentationml/2006/main">
   <p:cSld>
     <p:spTree>
@@ -17419,7 +20406,7 @@
 </p:sld>
 </file>
 
-<file path=ppt/slides/slide33.xml><?xml version="1.0" encoding="utf-8"?>
+<file path=ppt/slides/slide37.xml><?xml version="1.0" encoding="utf-8"?>
 <p:sld xmlns:a="http://schemas.openxmlformats.org/drawingml/2006/main" xmlns:r="http://schemas.openxmlformats.org/officeDocument/2006/relationships" xmlns:p="http://schemas.openxmlformats.org/presentationml/2006/main">
   <p:cSld>
     <p:spTree>
@@ -18410,6 +21397,3096 @@
     <p:extLst>
       <p:ext uri="{BB962C8B-B14F-4D97-AF65-F5344CB8AC3E}">
         <p14:creationId xmlns:p14="http://schemas.microsoft.com/office/powerpoint/2010/main" val="2166618842"/>
+      </p:ext>
+    </p:extLst>
+  </p:cSld>
+  <p:clrMapOvr>
+    <a:masterClrMapping/>
+  </p:clrMapOvr>
+  <p:timing>
+    <p:tnLst>
+      <p:par>
+        <p:cTn id="1" dur="indefinite" restart="never" nodeType="tmRoot"/>
+      </p:par>
+    </p:tnLst>
+  </p:timing>
+</p:sld>
+</file>
+
+<file path=ppt/slides/slide38.xml><?xml version="1.0" encoding="utf-8"?>
+<p:sld xmlns:a="http://schemas.openxmlformats.org/drawingml/2006/main" xmlns:r="http://schemas.openxmlformats.org/officeDocument/2006/relationships" xmlns:p="http://schemas.openxmlformats.org/presentationml/2006/main">
+  <p:cSld>
+    <p:spTree>
+      <p:nvGrpSpPr>
+        <p:cNvPr id="1" name=""/>
+        <p:cNvGrpSpPr/>
+        <p:nvPr/>
+      </p:nvGrpSpPr>
+      <p:grpSpPr>
+        <a:xfrm>
+          <a:off x="0" y="0"/>
+          <a:ext cx="0" cy="0"/>
+          <a:chOff x="0" y="0"/>
+          <a:chExt cx="0" cy="0"/>
+        </a:xfrm>
+      </p:grpSpPr>
+      <p:sp>
+        <p:nvSpPr>
+          <p:cNvPr id="23" name="TextBox 22">
+            <a:extLst>
+              <a:ext uri="{FF2B5EF4-FFF2-40B4-BE49-F238E27FC236}">
+                <a16:creationId xmlns:a16="http://schemas.microsoft.com/office/drawing/2014/main" id="{99DF0FE0-DB9D-4180-8370-CD26FB46DF57}"/>
+              </a:ext>
+            </a:extLst>
+          </p:cNvPr>
+          <p:cNvSpPr txBox="1"/>
+          <p:nvPr/>
+        </p:nvSpPr>
+        <p:spPr>
+          <a:xfrm>
+            <a:off x="0" y="0"/>
+            <a:ext cx="12192000" cy="6740307"/>
+          </a:xfrm>
+          <a:prstGeom prst="rect">
+            <a:avLst/>
+          </a:prstGeom>
+          <a:noFill/>
+        </p:spPr>
+        <p:txBody>
+          <a:bodyPr wrap="square">
+            <a:spAutoFit/>
+          </a:bodyPr>
+          <a:lstStyle/>
+          <a:p>
+            <a:r>
+              <a:rPr lang="ru-RU" sz="2400" b="1" dirty="0" smtClean="0">
+                <a:latin typeface="Bookman Old Style" panose="02050604050505020204" pitchFamily="18" charset="0"/>
+              </a:rPr>
+              <a:t>Пример: </a:t>
+            </a:r>
+            <a:r>
+              <a:rPr lang="ru-RU" sz="2400" b="1" dirty="0">
+                <a:latin typeface="Bookman Old Style" panose="02050604050505020204" pitchFamily="18" charset="0"/>
+              </a:rPr>
+              <a:t>Подсчет символов в </a:t>
+            </a:r>
+            <a:r>
+              <a:rPr lang="ru-RU" sz="2400" b="1" dirty="0" smtClean="0">
+                <a:latin typeface="Bookman Old Style" panose="02050604050505020204" pitchFamily="18" charset="0"/>
+              </a:rPr>
+              <a:t>строке</a:t>
+            </a:r>
+            <a:endParaRPr lang="en-US" sz="2400" b="1" dirty="0">
+              <a:latin typeface="Bookman Old Style" panose="02050604050505020204" pitchFamily="18" charset="0"/>
+            </a:endParaRPr>
+          </a:p>
+          <a:p>
+            <a:r>
+              <a:rPr lang="en-US" sz="2400" dirty="0" smtClean="0">
+                <a:solidFill>
+                  <a:srgbClr val="0000FF"/>
+                </a:solidFill>
+                <a:latin typeface="Consolas" panose="020B0609020204030204" pitchFamily="49" charset="0"/>
+              </a:rPr>
+              <a:t>using</a:t>
+            </a:r>
+            <a:r>
+              <a:rPr lang="en-US" sz="2400" dirty="0" smtClean="0">
+                <a:solidFill>
+                  <a:srgbClr val="000000"/>
+                </a:solidFill>
+                <a:latin typeface="Consolas" panose="020B0609020204030204" pitchFamily="49" charset="0"/>
+              </a:rPr>
+              <a:t> </a:t>
+            </a:r>
+            <a:r>
+              <a:rPr lang="en-US" sz="2400" dirty="0" err="1">
+                <a:solidFill>
+                  <a:srgbClr val="001080"/>
+                </a:solidFill>
+                <a:latin typeface="Consolas" panose="020B0609020204030204" pitchFamily="49" charset="0"/>
+              </a:rPr>
+              <a:t>System</a:t>
+            </a:r>
+            <a:r>
+              <a:rPr lang="en-US" sz="2400" dirty="0" err="1">
+                <a:solidFill>
+                  <a:srgbClr val="000000"/>
+                </a:solidFill>
+                <a:latin typeface="Consolas" panose="020B0609020204030204" pitchFamily="49" charset="0"/>
+              </a:rPr>
+              <a:t>.</a:t>
+            </a:r>
+            <a:r>
+              <a:rPr lang="en-US" sz="2400" dirty="0" err="1">
+                <a:solidFill>
+                  <a:srgbClr val="001080"/>
+                </a:solidFill>
+                <a:latin typeface="Consolas" panose="020B0609020204030204" pitchFamily="49" charset="0"/>
+              </a:rPr>
+              <a:t>Collections</a:t>
+            </a:r>
+            <a:r>
+              <a:rPr lang="en-US" sz="2400" dirty="0" err="1">
+                <a:solidFill>
+                  <a:srgbClr val="000000"/>
+                </a:solidFill>
+                <a:latin typeface="Consolas" panose="020B0609020204030204" pitchFamily="49" charset="0"/>
+              </a:rPr>
+              <a:t>.</a:t>
+            </a:r>
+            <a:r>
+              <a:rPr lang="en-US" sz="2400" dirty="0" err="1">
+                <a:solidFill>
+                  <a:srgbClr val="001080"/>
+                </a:solidFill>
+                <a:latin typeface="Consolas" panose="020B0609020204030204" pitchFamily="49" charset="0"/>
+              </a:rPr>
+              <a:t>Generic</a:t>
+            </a:r>
+            <a:r>
+              <a:rPr lang="en-US" sz="2400" dirty="0">
+                <a:solidFill>
+                  <a:srgbClr val="222222"/>
+                </a:solidFill>
+                <a:latin typeface="Consolas" panose="020B0609020204030204" pitchFamily="49" charset="0"/>
+              </a:rPr>
+              <a:t>;</a:t>
+            </a:r>
+            <a:endParaRPr lang="en-US" sz="2400" dirty="0">
+              <a:solidFill>
+                <a:srgbClr val="000000"/>
+              </a:solidFill>
+              <a:latin typeface="Consolas" panose="020B0609020204030204" pitchFamily="49" charset="0"/>
+            </a:endParaRPr>
+          </a:p>
+          <a:p>
+            <a:r>
+              <a:rPr lang="en-US" sz="2400" dirty="0">
+                <a:solidFill>
+                  <a:srgbClr val="000000"/>
+                </a:solidFill>
+                <a:latin typeface="Consolas" panose="020B0609020204030204" pitchFamily="49" charset="0"/>
+              </a:rPr>
+              <a:t/>
+            </a:r>
+            <a:br>
+              <a:rPr lang="en-US" sz="2400" dirty="0">
+                <a:solidFill>
+                  <a:srgbClr val="000000"/>
+                </a:solidFill>
+                <a:latin typeface="Consolas" panose="020B0609020204030204" pitchFamily="49" charset="0"/>
+              </a:rPr>
+            </a:br>
+            <a:r>
+              <a:rPr lang="en-US" sz="2400" dirty="0" err="1">
+                <a:solidFill>
+                  <a:srgbClr val="001080"/>
+                </a:solidFill>
+                <a:latin typeface="Consolas" panose="020B0609020204030204" pitchFamily="49" charset="0"/>
+              </a:rPr>
+              <a:t>Console</a:t>
+            </a:r>
+            <a:r>
+              <a:rPr lang="en-US" sz="2400" dirty="0" err="1">
+                <a:solidFill>
+                  <a:srgbClr val="000000"/>
+                </a:solidFill>
+                <a:latin typeface="Consolas" panose="020B0609020204030204" pitchFamily="49" charset="0"/>
+              </a:rPr>
+              <a:t>.</a:t>
+            </a:r>
+            <a:r>
+              <a:rPr lang="en-US" sz="2400" dirty="0" err="1">
+                <a:solidFill>
+                  <a:srgbClr val="001080"/>
+                </a:solidFill>
+                <a:latin typeface="Consolas" panose="020B0609020204030204" pitchFamily="49" charset="0"/>
+              </a:rPr>
+              <a:t>Write</a:t>
+            </a:r>
+            <a:r>
+              <a:rPr lang="en-US" sz="2400" dirty="0">
+                <a:solidFill>
+                  <a:srgbClr val="222222"/>
+                </a:solidFill>
+                <a:latin typeface="Consolas" panose="020B0609020204030204" pitchFamily="49" charset="0"/>
+              </a:rPr>
+              <a:t>(</a:t>
+            </a:r>
+            <a:r>
+              <a:rPr lang="en-US" sz="2400" dirty="0">
+                <a:solidFill>
+                  <a:srgbClr val="A31515"/>
+                </a:solidFill>
+                <a:latin typeface="Consolas" panose="020B0609020204030204" pitchFamily="49" charset="0"/>
+              </a:rPr>
+              <a:t>"</a:t>
+            </a:r>
+            <a:r>
+              <a:rPr lang="ru-RU" sz="2400" dirty="0">
+                <a:solidFill>
+                  <a:srgbClr val="A31515"/>
+                </a:solidFill>
+                <a:latin typeface="Consolas" panose="020B0609020204030204" pitchFamily="49" charset="0"/>
+              </a:rPr>
+              <a:t>Введите строку: "</a:t>
+            </a:r>
+            <a:r>
+              <a:rPr lang="ru-RU" sz="2400" dirty="0">
+                <a:solidFill>
+                  <a:srgbClr val="222222"/>
+                </a:solidFill>
+                <a:latin typeface="Consolas" panose="020B0609020204030204" pitchFamily="49" charset="0"/>
+              </a:rPr>
+              <a:t>);</a:t>
+            </a:r>
+            <a:endParaRPr lang="ru-RU" sz="2400" dirty="0">
+              <a:solidFill>
+                <a:srgbClr val="000000"/>
+              </a:solidFill>
+              <a:latin typeface="Consolas" panose="020B0609020204030204" pitchFamily="49" charset="0"/>
+            </a:endParaRPr>
+          </a:p>
+          <a:p>
+            <a:r>
+              <a:rPr lang="en-US" sz="2400" dirty="0">
+                <a:solidFill>
+                  <a:srgbClr val="0000FF"/>
+                </a:solidFill>
+                <a:latin typeface="Consolas" panose="020B0609020204030204" pitchFamily="49" charset="0"/>
+              </a:rPr>
+              <a:t>string</a:t>
+            </a:r>
+            <a:r>
+              <a:rPr lang="en-US" sz="2400" dirty="0">
+                <a:solidFill>
+                  <a:srgbClr val="000000"/>
+                </a:solidFill>
+                <a:latin typeface="Consolas" panose="020B0609020204030204" pitchFamily="49" charset="0"/>
+              </a:rPr>
+              <a:t> </a:t>
+            </a:r>
+            <a:r>
+              <a:rPr lang="en-US" sz="2400" dirty="0">
+                <a:solidFill>
+                  <a:srgbClr val="001080"/>
+                </a:solidFill>
+                <a:latin typeface="Consolas" panose="020B0609020204030204" pitchFamily="49" charset="0"/>
+              </a:rPr>
+              <a:t>input</a:t>
+            </a:r>
+            <a:r>
+              <a:rPr lang="en-US" sz="2400" dirty="0">
+                <a:solidFill>
+                  <a:srgbClr val="000000"/>
+                </a:solidFill>
+                <a:latin typeface="Consolas" panose="020B0609020204030204" pitchFamily="49" charset="0"/>
+              </a:rPr>
+              <a:t> = </a:t>
+            </a:r>
+            <a:r>
+              <a:rPr lang="en-US" sz="2400" dirty="0" err="1">
+                <a:solidFill>
+                  <a:srgbClr val="001080"/>
+                </a:solidFill>
+                <a:latin typeface="Consolas" panose="020B0609020204030204" pitchFamily="49" charset="0"/>
+              </a:rPr>
+              <a:t>Console</a:t>
+            </a:r>
+            <a:r>
+              <a:rPr lang="en-US" sz="2400" dirty="0" err="1">
+                <a:solidFill>
+                  <a:srgbClr val="000000"/>
+                </a:solidFill>
+                <a:latin typeface="Consolas" panose="020B0609020204030204" pitchFamily="49" charset="0"/>
+              </a:rPr>
+              <a:t>.</a:t>
+            </a:r>
+            <a:r>
+              <a:rPr lang="en-US" sz="2400" dirty="0" err="1">
+                <a:solidFill>
+                  <a:srgbClr val="001080"/>
+                </a:solidFill>
+                <a:latin typeface="Consolas" panose="020B0609020204030204" pitchFamily="49" charset="0"/>
+              </a:rPr>
+              <a:t>ReadLine</a:t>
+            </a:r>
+            <a:r>
+              <a:rPr lang="en-US" sz="2400" dirty="0" smtClean="0">
+                <a:solidFill>
+                  <a:srgbClr val="222222"/>
+                </a:solidFill>
+                <a:latin typeface="Consolas" panose="020B0609020204030204" pitchFamily="49" charset="0"/>
+              </a:rPr>
+              <a:t>();</a:t>
+            </a:r>
+          </a:p>
+          <a:p>
+            <a:endParaRPr lang="en-US" sz="2400" dirty="0">
+              <a:solidFill>
+                <a:srgbClr val="000000"/>
+              </a:solidFill>
+              <a:latin typeface="Consolas" panose="020B0609020204030204" pitchFamily="49" charset="0"/>
+            </a:endParaRPr>
+          </a:p>
+          <a:p>
+            <a:r>
+              <a:rPr lang="en-US" sz="2400" dirty="0">
+                <a:solidFill>
+                  <a:srgbClr val="001080"/>
+                </a:solidFill>
+                <a:latin typeface="Consolas" panose="020B0609020204030204" pitchFamily="49" charset="0"/>
+              </a:rPr>
+              <a:t>Dictionary</a:t>
+            </a:r>
+            <a:r>
+              <a:rPr lang="en-US" sz="2400" dirty="0">
+                <a:solidFill>
+                  <a:srgbClr val="222222"/>
+                </a:solidFill>
+                <a:latin typeface="Consolas" panose="020B0609020204030204" pitchFamily="49" charset="0"/>
+              </a:rPr>
+              <a:t>&lt;</a:t>
+            </a:r>
+            <a:r>
+              <a:rPr lang="en-US" sz="2400" dirty="0">
+                <a:solidFill>
+                  <a:srgbClr val="0000FF"/>
+                </a:solidFill>
+                <a:latin typeface="Consolas" panose="020B0609020204030204" pitchFamily="49" charset="0"/>
+              </a:rPr>
+              <a:t>char</a:t>
+            </a:r>
+            <a:r>
+              <a:rPr lang="en-US" sz="2400" dirty="0">
+                <a:solidFill>
+                  <a:srgbClr val="222222"/>
+                </a:solidFill>
+                <a:latin typeface="Consolas" panose="020B0609020204030204" pitchFamily="49" charset="0"/>
+              </a:rPr>
+              <a:t>,</a:t>
+            </a:r>
+            <a:r>
+              <a:rPr lang="en-US" sz="2400" dirty="0">
+                <a:solidFill>
+                  <a:srgbClr val="000000"/>
+                </a:solidFill>
+                <a:latin typeface="Consolas" panose="020B0609020204030204" pitchFamily="49" charset="0"/>
+              </a:rPr>
+              <a:t> </a:t>
+            </a:r>
+            <a:r>
+              <a:rPr lang="en-US" sz="2400" dirty="0" err="1">
+                <a:solidFill>
+                  <a:srgbClr val="0000FF"/>
+                </a:solidFill>
+                <a:latin typeface="Consolas" panose="020B0609020204030204" pitchFamily="49" charset="0"/>
+              </a:rPr>
+              <a:t>int</a:t>
+            </a:r>
+            <a:r>
+              <a:rPr lang="en-US" sz="2400" dirty="0">
+                <a:solidFill>
+                  <a:srgbClr val="222222"/>
+                </a:solidFill>
+                <a:latin typeface="Consolas" panose="020B0609020204030204" pitchFamily="49" charset="0"/>
+              </a:rPr>
+              <a:t>&gt;</a:t>
+            </a:r>
+            <a:r>
+              <a:rPr lang="en-US" sz="2400" dirty="0">
+                <a:solidFill>
+                  <a:srgbClr val="000000"/>
+                </a:solidFill>
+                <a:latin typeface="Consolas" panose="020B0609020204030204" pitchFamily="49" charset="0"/>
+              </a:rPr>
+              <a:t> </a:t>
+            </a:r>
+            <a:r>
+              <a:rPr lang="en-US" sz="2400" dirty="0" err="1">
+                <a:solidFill>
+                  <a:srgbClr val="001080"/>
+                </a:solidFill>
+                <a:latin typeface="Consolas" panose="020B0609020204030204" pitchFamily="49" charset="0"/>
+              </a:rPr>
+              <a:t>charCount</a:t>
+            </a:r>
+            <a:r>
+              <a:rPr lang="en-US" sz="2400" dirty="0">
+                <a:solidFill>
+                  <a:srgbClr val="000000"/>
+                </a:solidFill>
+                <a:latin typeface="Consolas" panose="020B0609020204030204" pitchFamily="49" charset="0"/>
+              </a:rPr>
+              <a:t> = </a:t>
+            </a:r>
+            <a:r>
+              <a:rPr lang="en-US" sz="2400" dirty="0">
+                <a:solidFill>
+                  <a:srgbClr val="0000FF"/>
+                </a:solidFill>
+                <a:latin typeface="Consolas" panose="020B0609020204030204" pitchFamily="49" charset="0"/>
+              </a:rPr>
+              <a:t>new</a:t>
+            </a:r>
+            <a:r>
+              <a:rPr lang="en-US" sz="2400" dirty="0">
+                <a:solidFill>
+                  <a:srgbClr val="000000"/>
+                </a:solidFill>
+                <a:latin typeface="Consolas" panose="020B0609020204030204" pitchFamily="49" charset="0"/>
+              </a:rPr>
+              <a:t> </a:t>
+            </a:r>
+            <a:r>
+              <a:rPr lang="en-US" sz="2400" dirty="0">
+                <a:solidFill>
+                  <a:srgbClr val="001080"/>
+                </a:solidFill>
+                <a:latin typeface="Consolas" panose="020B0609020204030204" pitchFamily="49" charset="0"/>
+              </a:rPr>
+              <a:t>Dictionary</a:t>
+            </a:r>
+            <a:r>
+              <a:rPr lang="en-US" sz="2400" dirty="0">
+                <a:solidFill>
+                  <a:srgbClr val="222222"/>
+                </a:solidFill>
+                <a:latin typeface="Consolas" panose="020B0609020204030204" pitchFamily="49" charset="0"/>
+              </a:rPr>
+              <a:t>&lt;</a:t>
+            </a:r>
+            <a:r>
+              <a:rPr lang="en-US" sz="2400" dirty="0">
+                <a:solidFill>
+                  <a:srgbClr val="0000FF"/>
+                </a:solidFill>
+                <a:latin typeface="Consolas" panose="020B0609020204030204" pitchFamily="49" charset="0"/>
+              </a:rPr>
+              <a:t>char</a:t>
+            </a:r>
+            <a:r>
+              <a:rPr lang="en-US" sz="2400" dirty="0">
+                <a:solidFill>
+                  <a:srgbClr val="222222"/>
+                </a:solidFill>
+                <a:latin typeface="Consolas" panose="020B0609020204030204" pitchFamily="49" charset="0"/>
+              </a:rPr>
+              <a:t>,</a:t>
+            </a:r>
+            <a:r>
+              <a:rPr lang="en-US" sz="2400" dirty="0">
+                <a:solidFill>
+                  <a:srgbClr val="000000"/>
+                </a:solidFill>
+                <a:latin typeface="Consolas" panose="020B0609020204030204" pitchFamily="49" charset="0"/>
+              </a:rPr>
+              <a:t> </a:t>
+            </a:r>
+            <a:r>
+              <a:rPr lang="en-US" sz="2400" dirty="0" err="1">
+                <a:solidFill>
+                  <a:srgbClr val="0000FF"/>
+                </a:solidFill>
+                <a:latin typeface="Consolas" panose="020B0609020204030204" pitchFamily="49" charset="0"/>
+              </a:rPr>
+              <a:t>int</a:t>
+            </a:r>
+            <a:r>
+              <a:rPr lang="en-US" sz="2400" dirty="0" smtClean="0">
+                <a:solidFill>
+                  <a:srgbClr val="222222"/>
+                </a:solidFill>
+                <a:latin typeface="Consolas" panose="020B0609020204030204" pitchFamily="49" charset="0"/>
+              </a:rPr>
+              <a:t>&gt;();</a:t>
+            </a:r>
+          </a:p>
+          <a:p>
+            <a:r>
+              <a:rPr lang="en-US" sz="2400" dirty="0" err="1" smtClean="0">
+                <a:solidFill>
+                  <a:srgbClr val="AF00DB"/>
+                </a:solidFill>
+                <a:latin typeface="Consolas" panose="020B0609020204030204" pitchFamily="49" charset="0"/>
+              </a:rPr>
+              <a:t>foreach</a:t>
+            </a:r>
+            <a:r>
+              <a:rPr lang="en-US" sz="2400" dirty="0" smtClean="0">
+                <a:solidFill>
+                  <a:srgbClr val="000000"/>
+                </a:solidFill>
+                <a:latin typeface="Consolas" panose="020B0609020204030204" pitchFamily="49" charset="0"/>
+              </a:rPr>
+              <a:t> </a:t>
+            </a:r>
+            <a:r>
+              <a:rPr lang="en-US" sz="2400" dirty="0">
+                <a:solidFill>
+                  <a:srgbClr val="222222"/>
+                </a:solidFill>
+                <a:latin typeface="Consolas" panose="020B0609020204030204" pitchFamily="49" charset="0"/>
+              </a:rPr>
+              <a:t>(</a:t>
+            </a:r>
+            <a:r>
+              <a:rPr lang="en-US" sz="2400" dirty="0">
+                <a:solidFill>
+                  <a:srgbClr val="0000FF"/>
+                </a:solidFill>
+                <a:latin typeface="Consolas" panose="020B0609020204030204" pitchFamily="49" charset="0"/>
+              </a:rPr>
+              <a:t>char</a:t>
+            </a:r>
+            <a:r>
+              <a:rPr lang="en-US" sz="2400" dirty="0">
+                <a:solidFill>
+                  <a:srgbClr val="000000"/>
+                </a:solidFill>
+                <a:latin typeface="Consolas" panose="020B0609020204030204" pitchFamily="49" charset="0"/>
+              </a:rPr>
+              <a:t> </a:t>
+            </a:r>
+            <a:r>
+              <a:rPr lang="en-US" sz="2400" dirty="0">
+                <a:solidFill>
+                  <a:srgbClr val="001080"/>
+                </a:solidFill>
+                <a:latin typeface="Consolas" panose="020B0609020204030204" pitchFamily="49" charset="0"/>
+              </a:rPr>
+              <a:t>c</a:t>
+            </a:r>
+            <a:r>
+              <a:rPr lang="en-US" sz="2400" dirty="0">
+                <a:solidFill>
+                  <a:srgbClr val="000000"/>
+                </a:solidFill>
+                <a:latin typeface="Consolas" panose="020B0609020204030204" pitchFamily="49" charset="0"/>
+              </a:rPr>
+              <a:t> </a:t>
+            </a:r>
+            <a:r>
+              <a:rPr lang="en-US" sz="2400" dirty="0">
+                <a:solidFill>
+                  <a:srgbClr val="AF00DB"/>
+                </a:solidFill>
+                <a:latin typeface="Consolas" panose="020B0609020204030204" pitchFamily="49" charset="0"/>
+              </a:rPr>
+              <a:t>in</a:t>
+            </a:r>
+            <a:r>
+              <a:rPr lang="en-US" sz="2400" dirty="0">
+                <a:solidFill>
+                  <a:srgbClr val="000000"/>
+                </a:solidFill>
+                <a:latin typeface="Consolas" panose="020B0609020204030204" pitchFamily="49" charset="0"/>
+              </a:rPr>
+              <a:t> </a:t>
+            </a:r>
+            <a:r>
+              <a:rPr lang="en-US" sz="2400" dirty="0">
+                <a:solidFill>
+                  <a:srgbClr val="001080"/>
+                </a:solidFill>
+                <a:latin typeface="Consolas" panose="020B0609020204030204" pitchFamily="49" charset="0"/>
+              </a:rPr>
+              <a:t>input</a:t>
+            </a:r>
+            <a:r>
+              <a:rPr lang="en-US" sz="2400" dirty="0">
+                <a:solidFill>
+                  <a:srgbClr val="222222"/>
+                </a:solidFill>
+                <a:latin typeface="Consolas" panose="020B0609020204030204" pitchFamily="49" charset="0"/>
+              </a:rPr>
+              <a:t>)</a:t>
+            </a:r>
+            <a:endParaRPr lang="en-US" sz="2400" dirty="0">
+              <a:solidFill>
+                <a:srgbClr val="000000"/>
+              </a:solidFill>
+              <a:latin typeface="Consolas" panose="020B0609020204030204" pitchFamily="49" charset="0"/>
+            </a:endParaRPr>
+          </a:p>
+          <a:p>
+            <a:r>
+              <a:rPr lang="en-US" sz="2400" dirty="0">
+                <a:solidFill>
+                  <a:srgbClr val="222222"/>
+                </a:solidFill>
+                <a:latin typeface="Consolas" panose="020B0609020204030204" pitchFamily="49" charset="0"/>
+              </a:rPr>
+              <a:t>{</a:t>
+            </a:r>
+            <a:endParaRPr lang="en-US" sz="2400" dirty="0">
+              <a:solidFill>
+                <a:srgbClr val="000000"/>
+              </a:solidFill>
+              <a:latin typeface="Consolas" panose="020B0609020204030204" pitchFamily="49" charset="0"/>
+            </a:endParaRPr>
+          </a:p>
+          <a:p>
+            <a:r>
+              <a:rPr lang="en-US" sz="2400" dirty="0">
+                <a:solidFill>
+                  <a:srgbClr val="000000"/>
+                </a:solidFill>
+                <a:latin typeface="Consolas" panose="020B0609020204030204" pitchFamily="49" charset="0"/>
+              </a:rPr>
+              <a:t>    </a:t>
+            </a:r>
+            <a:r>
+              <a:rPr lang="en-US" sz="2400" dirty="0">
+                <a:solidFill>
+                  <a:srgbClr val="AF00DB"/>
+                </a:solidFill>
+                <a:latin typeface="Consolas" panose="020B0609020204030204" pitchFamily="49" charset="0"/>
+              </a:rPr>
+              <a:t>if</a:t>
+            </a:r>
+            <a:r>
+              <a:rPr lang="en-US" sz="2400" dirty="0">
+                <a:solidFill>
+                  <a:srgbClr val="000000"/>
+                </a:solidFill>
+                <a:latin typeface="Consolas" panose="020B0609020204030204" pitchFamily="49" charset="0"/>
+              </a:rPr>
+              <a:t> </a:t>
+            </a:r>
+            <a:r>
+              <a:rPr lang="en-US" sz="2400" dirty="0">
+                <a:solidFill>
+                  <a:srgbClr val="222222"/>
+                </a:solidFill>
+                <a:latin typeface="Consolas" panose="020B0609020204030204" pitchFamily="49" charset="0"/>
+              </a:rPr>
+              <a:t>(</a:t>
+            </a:r>
+            <a:r>
+              <a:rPr lang="en-US" sz="2400" dirty="0" err="1">
+                <a:solidFill>
+                  <a:srgbClr val="001080"/>
+                </a:solidFill>
+                <a:latin typeface="Consolas" panose="020B0609020204030204" pitchFamily="49" charset="0"/>
+              </a:rPr>
+              <a:t>charCount</a:t>
+            </a:r>
+            <a:r>
+              <a:rPr lang="en-US" sz="2400" dirty="0" err="1">
+                <a:solidFill>
+                  <a:srgbClr val="000000"/>
+                </a:solidFill>
+                <a:latin typeface="Consolas" panose="020B0609020204030204" pitchFamily="49" charset="0"/>
+              </a:rPr>
+              <a:t>.</a:t>
+            </a:r>
+            <a:r>
+              <a:rPr lang="en-US" sz="2400" dirty="0" err="1">
+                <a:solidFill>
+                  <a:srgbClr val="001080"/>
+                </a:solidFill>
+                <a:latin typeface="Consolas" panose="020B0609020204030204" pitchFamily="49" charset="0"/>
+              </a:rPr>
+              <a:t>ContainsKey</a:t>
+            </a:r>
+            <a:r>
+              <a:rPr lang="en-US" sz="2400" dirty="0">
+                <a:solidFill>
+                  <a:srgbClr val="222222"/>
+                </a:solidFill>
+                <a:latin typeface="Consolas" panose="020B0609020204030204" pitchFamily="49" charset="0"/>
+              </a:rPr>
+              <a:t>(</a:t>
+            </a:r>
+            <a:r>
+              <a:rPr lang="en-US" sz="2400" dirty="0">
+                <a:solidFill>
+                  <a:srgbClr val="001080"/>
+                </a:solidFill>
+                <a:latin typeface="Consolas" panose="020B0609020204030204" pitchFamily="49" charset="0"/>
+              </a:rPr>
+              <a:t>c</a:t>
+            </a:r>
+            <a:r>
+              <a:rPr lang="en-US" sz="2400" dirty="0">
+                <a:solidFill>
+                  <a:srgbClr val="222222"/>
+                </a:solidFill>
+                <a:latin typeface="Consolas" panose="020B0609020204030204" pitchFamily="49" charset="0"/>
+              </a:rPr>
+              <a:t>))</a:t>
+            </a:r>
+            <a:endParaRPr lang="en-US" sz="2400" dirty="0">
+              <a:solidFill>
+                <a:srgbClr val="000000"/>
+              </a:solidFill>
+              <a:latin typeface="Consolas" panose="020B0609020204030204" pitchFamily="49" charset="0"/>
+            </a:endParaRPr>
+          </a:p>
+          <a:p>
+            <a:r>
+              <a:rPr lang="en-US" sz="2400" dirty="0">
+                <a:solidFill>
+                  <a:srgbClr val="000000"/>
+                </a:solidFill>
+                <a:latin typeface="Consolas" panose="020B0609020204030204" pitchFamily="49" charset="0"/>
+              </a:rPr>
+              <a:t>        </a:t>
+            </a:r>
+            <a:r>
+              <a:rPr lang="en-US" sz="2400" dirty="0" err="1">
+                <a:solidFill>
+                  <a:srgbClr val="001080"/>
+                </a:solidFill>
+                <a:latin typeface="Consolas" panose="020B0609020204030204" pitchFamily="49" charset="0"/>
+              </a:rPr>
+              <a:t>charCount</a:t>
+            </a:r>
+            <a:r>
+              <a:rPr lang="en-US" sz="2400" dirty="0">
+                <a:solidFill>
+                  <a:srgbClr val="222222"/>
+                </a:solidFill>
+                <a:latin typeface="Consolas" panose="020B0609020204030204" pitchFamily="49" charset="0"/>
+              </a:rPr>
+              <a:t>[</a:t>
+            </a:r>
+            <a:r>
+              <a:rPr lang="en-US" sz="2400" dirty="0">
+                <a:solidFill>
+                  <a:srgbClr val="001080"/>
+                </a:solidFill>
+                <a:latin typeface="Consolas" panose="020B0609020204030204" pitchFamily="49" charset="0"/>
+              </a:rPr>
+              <a:t>c</a:t>
+            </a:r>
+            <a:r>
+              <a:rPr lang="en-US" sz="2400" dirty="0">
+                <a:solidFill>
+                  <a:srgbClr val="222222"/>
+                </a:solidFill>
+                <a:latin typeface="Consolas" panose="020B0609020204030204" pitchFamily="49" charset="0"/>
+              </a:rPr>
+              <a:t>]</a:t>
+            </a:r>
+            <a:r>
+              <a:rPr lang="en-US" sz="2400" dirty="0">
+                <a:solidFill>
+                  <a:srgbClr val="000000"/>
+                </a:solidFill>
+                <a:latin typeface="Consolas" panose="020B0609020204030204" pitchFamily="49" charset="0"/>
+              </a:rPr>
+              <a:t>++</a:t>
+            </a:r>
+            <a:r>
+              <a:rPr lang="en-US" sz="2400" dirty="0">
+                <a:solidFill>
+                  <a:srgbClr val="222222"/>
+                </a:solidFill>
+                <a:latin typeface="Consolas" panose="020B0609020204030204" pitchFamily="49" charset="0"/>
+              </a:rPr>
+              <a:t>;</a:t>
+            </a:r>
+            <a:endParaRPr lang="en-US" sz="2400" dirty="0">
+              <a:solidFill>
+                <a:srgbClr val="000000"/>
+              </a:solidFill>
+              <a:latin typeface="Consolas" panose="020B0609020204030204" pitchFamily="49" charset="0"/>
+            </a:endParaRPr>
+          </a:p>
+          <a:p>
+            <a:r>
+              <a:rPr lang="en-US" sz="2400" dirty="0">
+                <a:solidFill>
+                  <a:srgbClr val="000000"/>
+                </a:solidFill>
+                <a:latin typeface="Consolas" panose="020B0609020204030204" pitchFamily="49" charset="0"/>
+              </a:rPr>
+              <a:t>    </a:t>
+            </a:r>
+            <a:r>
+              <a:rPr lang="en-US" sz="2400" dirty="0">
+                <a:solidFill>
+                  <a:srgbClr val="AF00DB"/>
+                </a:solidFill>
+                <a:latin typeface="Consolas" panose="020B0609020204030204" pitchFamily="49" charset="0"/>
+              </a:rPr>
+              <a:t>else</a:t>
+            </a:r>
+            <a:endParaRPr lang="en-US" sz="2400" dirty="0">
+              <a:solidFill>
+                <a:srgbClr val="000000"/>
+              </a:solidFill>
+              <a:latin typeface="Consolas" panose="020B0609020204030204" pitchFamily="49" charset="0"/>
+            </a:endParaRPr>
+          </a:p>
+          <a:p>
+            <a:r>
+              <a:rPr lang="en-US" sz="2400" dirty="0">
+                <a:solidFill>
+                  <a:srgbClr val="000000"/>
+                </a:solidFill>
+                <a:latin typeface="Consolas" panose="020B0609020204030204" pitchFamily="49" charset="0"/>
+              </a:rPr>
+              <a:t>        </a:t>
+            </a:r>
+            <a:r>
+              <a:rPr lang="en-US" sz="2400" dirty="0" err="1">
+                <a:solidFill>
+                  <a:srgbClr val="001080"/>
+                </a:solidFill>
+                <a:latin typeface="Consolas" panose="020B0609020204030204" pitchFamily="49" charset="0"/>
+              </a:rPr>
+              <a:t>charCount</a:t>
+            </a:r>
+            <a:r>
+              <a:rPr lang="en-US" sz="2400" dirty="0">
+                <a:solidFill>
+                  <a:srgbClr val="222222"/>
+                </a:solidFill>
+                <a:latin typeface="Consolas" panose="020B0609020204030204" pitchFamily="49" charset="0"/>
+              </a:rPr>
+              <a:t>[</a:t>
+            </a:r>
+            <a:r>
+              <a:rPr lang="en-US" sz="2400" dirty="0">
+                <a:solidFill>
+                  <a:srgbClr val="001080"/>
+                </a:solidFill>
+                <a:latin typeface="Consolas" panose="020B0609020204030204" pitchFamily="49" charset="0"/>
+              </a:rPr>
+              <a:t>c</a:t>
+            </a:r>
+            <a:r>
+              <a:rPr lang="en-US" sz="2400" dirty="0">
+                <a:solidFill>
+                  <a:srgbClr val="222222"/>
+                </a:solidFill>
+                <a:latin typeface="Consolas" panose="020B0609020204030204" pitchFamily="49" charset="0"/>
+              </a:rPr>
+              <a:t>]</a:t>
+            </a:r>
+            <a:r>
+              <a:rPr lang="en-US" sz="2400" dirty="0">
+                <a:solidFill>
+                  <a:srgbClr val="000000"/>
+                </a:solidFill>
+                <a:latin typeface="Consolas" panose="020B0609020204030204" pitchFamily="49" charset="0"/>
+              </a:rPr>
+              <a:t> = </a:t>
+            </a:r>
+            <a:r>
+              <a:rPr lang="en-US" sz="2400" dirty="0">
+                <a:solidFill>
+                  <a:srgbClr val="098658"/>
+                </a:solidFill>
+                <a:latin typeface="Consolas" panose="020B0609020204030204" pitchFamily="49" charset="0"/>
+              </a:rPr>
+              <a:t>1</a:t>
+            </a:r>
+            <a:r>
+              <a:rPr lang="en-US" sz="2400" dirty="0">
+                <a:solidFill>
+                  <a:srgbClr val="222222"/>
+                </a:solidFill>
+                <a:latin typeface="Consolas" panose="020B0609020204030204" pitchFamily="49" charset="0"/>
+              </a:rPr>
+              <a:t>;</a:t>
+            </a:r>
+            <a:endParaRPr lang="en-US" sz="2400" dirty="0">
+              <a:solidFill>
+                <a:srgbClr val="000000"/>
+              </a:solidFill>
+              <a:latin typeface="Consolas" panose="020B0609020204030204" pitchFamily="49" charset="0"/>
+            </a:endParaRPr>
+          </a:p>
+          <a:p>
+            <a:r>
+              <a:rPr lang="en-US" sz="2400" dirty="0" smtClean="0">
+                <a:solidFill>
+                  <a:srgbClr val="222222"/>
+                </a:solidFill>
+                <a:latin typeface="Consolas" panose="020B0609020204030204" pitchFamily="49" charset="0"/>
+              </a:rPr>
+              <a:t>}</a:t>
+            </a:r>
+          </a:p>
+          <a:p>
+            <a:endParaRPr lang="en-US" sz="2400" dirty="0">
+              <a:solidFill>
+                <a:srgbClr val="000000"/>
+              </a:solidFill>
+              <a:latin typeface="Consolas" panose="020B0609020204030204" pitchFamily="49" charset="0"/>
+            </a:endParaRPr>
+          </a:p>
+          <a:p>
+            <a:r>
+              <a:rPr lang="en-US" sz="2400" dirty="0" err="1">
+                <a:solidFill>
+                  <a:srgbClr val="001080"/>
+                </a:solidFill>
+                <a:latin typeface="Consolas" panose="020B0609020204030204" pitchFamily="49" charset="0"/>
+              </a:rPr>
+              <a:t>Console</a:t>
+            </a:r>
+            <a:r>
+              <a:rPr lang="en-US" sz="2400" dirty="0" err="1">
+                <a:solidFill>
+                  <a:srgbClr val="000000"/>
+                </a:solidFill>
+                <a:latin typeface="Consolas" panose="020B0609020204030204" pitchFamily="49" charset="0"/>
+              </a:rPr>
+              <a:t>.</a:t>
+            </a:r>
+            <a:r>
+              <a:rPr lang="en-US" sz="2400" dirty="0" err="1">
+                <a:solidFill>
+                  <a:srgbClr val="001080"/>
+                </a:solidFill>
+                <a:latin typeface="Consolas" panose="020B0609020204030204" pitchFamily="49" charset="0"/>
+              </a:rPr>
+              <a:t>WriteLine</a:t>
+            </a:r>
+            <a:r>
+              <a:rPr lang="en-US" sz="2400" dirty="0">
+                <a:solidFill>
+                  <a:srgbClr val="222222"/>
+                </a:solidFill>
+                <a:latin typeface="Consolas" panose="020B0609020204030204" pitchFamily="49" charset="0"/>
+              </a:rPr>
+              <a:t>(</a:t>
+            </a:r>
+            <a:r>
+              <a:rPr lang="en-US" sz="2400" dirty="0">
+                <a:solidFill>
+                  <a:srgbClr val="A31515"/>
+                </a:solidFill>
+                <a:latin typeface="Consolas" panose="020B0609020204030204" pitchFamily="49" charset="0"/>
+              </a:rPr>
+              <a:t>"</a:t>
+            </a:r>
+            <a:r>
+              <a:rPr lang="ru-RU" sz="2400" dirty="0">
+                <a:solidFill>
+                  <a:srgbClr val="A31515"/>
+                </a:solidFill>
+                <a:latin typeface="Consolas" panose="020B0609020204030204" pitchFamily="49" charset="0"/>
+              </a:rPr>
+              <a:t>Частота символов:"</a:t>
+            </a:r>
+            <a:r>
+              <a:rPr lang="ru-RU" sz="2400" dirty="0">
+                <a:solidFill>
+                  <a:srgbClr val="222222"/>
+                </a:solidFill>
+                <a:latin typeface="Consolas" panose="020B0609020204030204" pitchFamily="49" charset="0"/>
+              </a:rPr>
+              <a:t>);</a:t>
+            </a:r>
+            <a:endParaRPr lang="ru-RU" sz="2400" dirty="0">
+              <a:solidFill>
+                <a:srgbClr val="000000"/>
+              </a:solidFill>
+              <a:latin typeface="Consolas" panose="020B0609020204030204" pitchFamily="49" charset="0"/>
+            </a:endParaRPr>
+          </a:p>
+          <a:p>
+            <a:r>
+              <a:rPr lang="en-US" sz="2400" dirty="0" err="1">
+                <a:solidFill>
+                  <a:srgbClr val="AF00DB"/>
+                </a:solidFill>
+                <a:latin typeface="Consolas" panose="020B0609020204030204" pitchFamily="49" charset="0"/>
+              </a:rPr>
+              <a:t>foreach</a:t>
+            </a:r>
+            <a:r>
+              <a:rPr lang="en-US" sz="2400" dirty="0">
+                <a:solidFill>
+                  <a:srgbClr val="000000"/>
+                </a:solidFill>
+                <a:latin typeface="Consolas" panose="020B0609020204030204" pitchFamily="49" charset="0"/>
+              </a:rPr>
+              <a:t> </a:t>
+            </a:r>
+            <a:r>
+              <a:rPr lang="en-US" sz="2400" dirty="0">
+                <a:solidFill>
+                  <a:srgbClr val="222222"/>
+                </a:solidFill>
+                <a:latin typeface="Consolas" panose="020B0609020204030204" pitchFamily="49" charset="0"/>
+              </a:rPr>
+              <a:t>(</a:t>
+            </a:r>
+            <a:r>
+              <a:rPr lang="en-US" sz="2400" dirty="0" err="1">
+                <a:solidFill>
+                  <a:srgbClr val="0000FF"/>
+                </a:solidFill>
+                <a:latin typeface="Consolas" panose="020B0609020204030204" pitchFamily="49" charset="0"/>
+              </a:rPr>
+              <a:t>var</a:t>
+            </a:r>
+            <a:r>
+              <a:rPr lang="en-US" sz="2400" dirty="0">
+                <a:solidFill>
+                  <a:srgbClr val="000000"/>
+                </a:solidFill>
+                <a:latin typeface="Consolas" panose="020B0609020204030204" pitchFamily="49" charset="0"/>
+              </a:rPr>
+              <a:t> </a:t>
+            </a:r>
+            <a:r>
+              <a:rPr lang="en-US" sz="2400" dirty="0">
+                <a:solidFill>
+                  <a:srgbClr val="001080"/>
+                </a:solidFill>
+                <a:latin typeface="Consolas" panose="020B0609020204030204" pitchFamily="49" charset="0"/>
+              </a:rPr>
+              <a:t>item</a:t>
+            </a:r>
+            <a:r>
+              <a:rPr lang="en-US" sz="2400" dirty="0">
+                <a:solidFill>
+                  <a:srgbClr val="000000"/>
+                </a:solidFill>
+                <a:latin typeface="Consolas" panose="020B0609020204030204" pitchFamily="49" charset="0"/>
+              </a:rPr>
+              <a:t> </a:t>
+            </a:r>
+            <a:r>
+              <a:rPr lang="en-US" sz="2400" dirty="0">
+                <a:solidFill>
+                  <a:srgbClr val="AF00DB"/>
+                </a:solidFill>
+                <a:latin typeface="Consolas" panose="020B0609020204030204" pitchFamily="49" charset="0"/>
+              </a:rPr>
+              <a:t>in</a:t>
+            </a:r>
+            <a:r>
+              <a:rPr lang="en-US" sz="2400" dirty="0">
+                <a:solidFill>
+                  <a:srgbClr val="000000"/>
+                </a:solidFill>
+                <a:latin typeface="Consolas" panose="020B0609020204030204" pitchFamily="49" charset="0"/>
+              </a:rPr>
+              <a:t> </a:t>
+            </a:r>
+            <a:r>
+              <a:rPr lang="en-US" sz="2400" dirty="0" err="1">
+                <a:solidFill>
+                  <a:srgbClr val="001080"/>
+                </a:solidFill>
+                <a:latin typeface="Consolas" panose="020B0609020204030204" pitchFamily="49" charset="0"/>
+              </a:rPr>
+              <a:t>charCount</a:t>
+            </a:r>
+            <a:r>
+              <a:rPr lang="en-US" sz="2400" dirty="0">
+                <a:solidFill>
+                  <a:srgbClr val="222222"/>
+                </a:solidFill>
+                <a:latin typeface="Consolas" panose="020B0609020204030204" pitchFamily="49" charset="0"/>
+              </a:rPr>
+              <a:t>)</a:t>
+            </a:r>
+            <a:endParaRPr lang="en-US" sz="2400" dirty="0">
+              <a:solidFill>
+                <a:srgbClr val="000000"/>
+              </a:solidFill>
+              <a:latin typeface="Consolas" panose="020B0609020204030204" pitchFamily="49" charset="0"/>
+            </a:endParaRPr>
+          </a:p>
+          <a:p>
+            <a:r>
+              <a:rPr lang="en-US" sz="2400" dirty="0">
+                <a:solidFill>
+                  <a:srgbClr val="000000"/>
+                </a:solidFill>
+                <a:latin typeface="Consolas" panose="020B0609020204030204" pitchFamily="49" charset="0"/>
+              </a:rPr>
+              <a:t>    </a:t>
+            </a:r>
+            <a:r>
+              <a:rPr lang="en-US" sz="2400" dirty="0" err="1">
+                <a:solidFill>
+                  <a:srgbClr val="001080"/>
+                </a:solidFill>
+                <a:latin typeface="Consolas" panose="020B0609020204030204" pitchFamily="49" charset="0"/>
+              </a:rPr>
+              <a:t>Console</a:t>
+            </a:r>
+            <a:r>
+              <a:rPr lang="en-US" sz="2400" dirty="0" err="1">
+                <a:solidFill>
+                  <a:srgbClr val="000000"/>
+                </a:solidFill>
+                <a:latin typeface="Consolas" panose="020B0609020204030204" pitchFamily="49" charset="0"/>
+              </a:rPr>
+              <a:t>.</a:t>
+            </a:r>
+            <a:r>
+              <a:rPr lang="en-US" sz="2400" dirty="0" err="1">
+                <a:solidFill>
+                  <a:srgbClr val="001080"/>
+                </a:solidFill>
+                <a:latin typeface="Consolas" panose="020B0609020204030204" pitchFamily="49" charset="0"/>
+              </a:rPr>
+              <a:t>WriteLine</a:t>
+            </a:r>
+            <a:r>
+              <a:rPr lang="en-US" sz="2400" dirty="0">
+                <a:solidFill>
+                  <a:srgbClr val="222222"/>
+                </a:solidFill>
+                <a:latin typeface="Consolas" panose="020B0609020204030204" pitchFamily="49" charset="0"/>
+              </a:rPr>
+              <a:t>(</a:t>
+            </a:r>
+            <a:r>
+              <a:rPr lang="en-US" sz="2400" dirty="0">
+                <a:solidFill>
+                  <a:srgbClr val="A31515"/>
+                </a:solidFill>
+                <a:latin typeface="Consolas" panose="020B0609020204030204" pitchFamily="49" charset="0"/>
+              </a:rPr>
+              <a:t>$"'</a:t>
+            </a:r>
+            <a:r>
+              <a:rPr lang="en-US" sz="2400" dirty="0">
+                <a:solidFill>
+                  <a:srgbClr val="222222"/>
+                </a:solidFill>
+                <a:latin typeface="Consolas" panose="020B0609020204030204" pitchFamily="49" charset="0"/>
+              </a:rPr>
+              <a:t>{</a:t>
+            </a:r>
+            <a:r>
+              <a:rPr lang="en-US" sz="2400" dirty="0" err="1">
+                <a:solidFill>
+                  <a:srgbClr val="001080"/>
+                </a:solidFill>
+                <a:latin typeface="Consolas" panose="020B0609020204030204" pitchFamily="49" charset="0"/>
+              </a:rPr>
+              <a:t>item</a:t>
+            </a:r>
+            <a:r>
+              <a:rPr lang="en-US" sz="2400" dirty="0" err="1">
+                <a:solidFill>
+                  <a:srgbClr val="000000"/>
+                </a:solidFill>
+                <a:latin typeface="Consolas" panose="020B0609020204030204" pitchFamily="49" charset="0"/>
+              </a:rPr>
+              <a:t>.</a:t>
+            </a:r>
+            <a:r>
+              <a:rPr lang="en-US" sz="2400" dirty="0" err="1">
+                <a:solidFill>
+                  <a:srgbClr val="001080"/>
+                </a:solidFill>
+                <a:latin typeface="Consolas" panose="020B0609020204030204" pitchFamily="49" charset="0"/>
+              </a:rPr>
+              <a:t>Key</a:t>
+            </a:r>
+            <a:r>
+              <a:rPr lang="en-US" sz="2400" dirty="0">
+                <a:solidFill>
+                  <a:srgbClr val="222222"/>
+                </a:solidFill>
+                <a:latin typeface="Consolas" panose="020B0609020204030204" pitchFamily="49" charset="0"/>
+              </a:rPr>
+              <a:t>}</a:t>
+            </a:r>
+            <a:r>
+              <a:rPr lang="en-US" sz="2400" dirty="0">
+                <a:solidFill>
+                  <a:srgbClr val="A31515"/>
+                </a:solidFill>
+                <a:latin typeface="Consolas" panose="020B0609020204030204" pitchFamily="49" charset="0"/>
+              </a:rPr>
+              <a:t>': </a:t>
+            </a:r>
+            <a:r>
+              <a:rPr lang="en-US" sz="2400" dirty="0">
+                <a:solidFill>
+                  <a:srgbClr val="222222"/>
+                </a:solidFill>
+                <a:latin typeface="Consolas" panose="020B0609020204030204" pitchFamily="49" charset="0"/>
+              </a:rPr>
+              <a:t>{</a:t>
+            </a:r>
+            <a:r>
+              <a:rPr lang="en-US" sz="2400" dirty="0" err="1">
+                <a:solidFill>
+                  <a:srgbClr val="001080"/>
+                </a:solidFill>
+                <a:latin typeface="Consolas" panose="020B0609020204030204" pitchFamily="49" charset="0"/>
+              </a:rPr>
+              <a:t>item</a:t>
+            </a:r>
+            <a:r>
+              <a:rPr lang="en-US" sz="2400" dirty="0" err="1">
+                <a:solidFill>
+                  <a:srgbClr val="000000"/>
+                </a:solidFill>
+                <a:latin typeface="Consolas" panose="020B0609020204030204" pitchFamily="49" charset="0"/>
+              </a:rPr>
+              <a:t>.</a:t>
+            </a:r>
+            <a:r>
+              <a:rPr lang="en-US" sz="2400" dirty="0" err="1">
+                <a:solidFill>
+                  <a:srgbClr val="001080"/>
+                </a:solidFill>
+                <a:latin typeface="Consolas" panose="020B0609020204030204" pitchFamily="49" charset="0"/>
+              </a:rPr>
+              <a:t>Value</a:t>
+            </a:r>
+            <a:r>
+              <a:rPr lang="en-US" sz="2400" dirty="0">
+                <a:solidFill>
+                  <a:srgbClr val="222222"/>
+                </a:solidFill>
+                <a:latin typeface="Consolas" panose="020B0609020204030204" pitchFamily="49" charset="0"/>
+              </a:rPr>
+              <a:t>}</a:t>
+            </a:r>
+            <a:r>
+              <a:rPr lang="en-US" sz="2400" dirty="0">
+                <a:solidFill>
+                  <a:srgbClr val="A31515"/>
+                </a:solidFill>
+                <a:latin typeface="Consolas" panose="020B0609020204030204" pitchFamily="49" charset="0"/>
+              </a:rPr>
+              <a:t>"</a:t>
+            </a:r>
+            <a:r>
+              <a:rPr lang="en-US" sz="2400" dirty="0">
+                <a:solidFill>
+                  <a:srgbClr val="222222"/>
+                </a:solidFill>
+                <a:latin typeface="Consolas" panose="020B0609020204030204" pitchFamily="49" charset="0"/>
+              </a:rPr>
+              <a:t>);</a:t>
+            </a:r>
+            <a:endParaRPr lang="en-US" sz="2400" b="0" dirty="0">
+              <a:solidFill>
+                <a:srgbClr val="000000"/>
+              </a:solidFill>
+              <a:effectLst/>
+              <a:latin typeface="Consolas" panose="020B0609020204030204" pitchFamily="49" charset="0"/>
+            </a:endParaRPr>
+          </a:p>
+        </p:txBody>
+      </p:sp>
+      <p:sp>
+        <p:nvSpPr>
+          <p:cNvPr id="47" name="Rectangle 26"/>
+          <p:cNvSpPr>
+            <a:spLocks noChangeArrowheads="1"/>
+          </p:cNvSpPr>
+          <p:nvPr/>
+        </p:nvSpPr>
+        <p:spPr bwMode="auto">
+          <a:xfrm>
+            <a:off x="6147240" y="1887472"/>
+            <a:ext cx="138564" cy="276999"/>
+          </a:xfrm>
+          <a:prstGeom prst="rect">
+            <a:avLst/>
+          </a:prstGeom>
+          <a:noFill/>
+          <a:ln>
+            <a:noFill/>
+          </a:ln>
+          <a:effectLst/>
+          <a:extLst>
+            <a:ext uri="{909E8E84-426E-40DD-AFC4-6F175D3DCCD1}">
+              <a14:hiddenFill xmlns:a14="http://schemas.microsoft.com/office/drawing/2010/main">
+                <a:solidFill>
+                  <a:schemeClr val="accent1"/>
+                </a:solidFill>
+              </a14:hiddenFill>
+            </a:ext>
+            <a:ext uri="{91240B29-F687-4F45-9708-019B960494DF}">
+              <a14:hiddenLine xmlns:a14="http://schemas.microsoft.com/office/drawing/2010/main" w="9525">
+                <a:solidFill>
+                  <a:schemeClr val="tx1"/>
+                </a:solidFill>
+                <a:miter lim="800000"/>
+                <a:headEnd/>
+                <a:tailEnd/>
+              </a14:hiddenLine>
+            </a:ext>
+            <a:ext uri="{AF507438-7753-43E0-B8FC-AC1667EBCBE1}">
+              <a14:hiddenEffects xmlns:a14="http://schemas.microsoft.com/office/drawing/2010/main">
+                <a:effectLst>
+                  <a:outerShdw dist="35921" dir="2700000" algn="ctr" rotWithShape="0">
+                    <a:schemeClr val="bg2"/>
+                  </a:outerShdw>
+                </a:effectLst>
+              </a14:hiddenEffects>
+            </a:ext>
+          </a:extLst>
+        </p:spPr>
+        <p:txBody>
+          <a:bodyPr vert="horz" wrap="none" lIns="68580" tIns="34290" rIns="68580" bIns="34290" numCol="1" anchor="ctr" anchorCtr="0" compatLnSpc="1">
+            <a:prstTxWarp prst="textNoShape">
+              <a:avLst/>
+            </a:prstTxWarp>
+            <a:spAutoFit/>
+          </a:bodyPr>
+          <a:lstStyle/>
+          <a:p>
+            <a:endParaRPr lang="en-US" sz="1350"/>
+          </a:p>
+        </p:txBody>
+      </p:sp>
+      <p:sp>
+        <p:nvSpPr>
+          <p:cNvPr id="4" name="Прямоугольник 3"/>
+          <p:cNvSpPr/>
+          <p:nvPr/>
+        </p:nvSpPr>
+        <p:spPr>
+          <a:xfrm>
+            <a:off x="156526" y="694200"/>
+            <a:ext cx="12035473" cy="400110"/>
+          </a:xfrm>
+          <a:prstGeom prst="rect">
+            <a:avLst/>
+          </a:prstGeom>
+        </p:spPr>
+        <p:txBody>
+          <a:bodyPr wrap="square">
+            <a:spAutoFit/>
+          </a:bodyPr>
+          <a:lstStyle/>
+          <a:p>
+            <a:endParaRPr lang="ru-RU" sz="2000" dirty="0">
+              <a:solidFill>
+                <a:srgbClr val="000000"/>
+              </a:solidFill>
+              <a:latin typeface="Cascadia Mono" panose="020B0609020000020004" pitchFamily="49" charset="0"/>
+            </a:endParaRPr>
+          </a:p>
+        </p:txBody>
+      </p:sp>
+    </p:spTree>
+    <p:extLst>
+      <p:ext uri="{BB962C8B-B14F-4D97-AF65-F5344CB8AC3E}">
+        <p14:creationId xmlns:p14="http://schemas.microsoft.com/office/powerpoint/2010/main" val="289366389"/>
+      </p:ext>
+    </p:extLst>
+  </p:cSld>
+  <p:clrMapOvr>
+    <a:masterClrMapping/>
+  </p:clrMapOvr>
+  <p:timing>
+    <p:tnLst>
+      <p:par>
+        <p:cTn id="1" dur="indefinite" restart="never" nodeType="tmRoot"/>
+      </p:par>
+    </p:tnLst>
+  </p:timing>
+</p:sld>
+</file>
+
+<file path=ppt/slides/slide39.xml><?xml version="1.0" encoding="utf-8"?>
+<p:sld xmlns:a="http://schemas.openxmlformats.org/drawingml/2006/main" xmlns:r="http://schemas.openxmlformats.org/officeDocument/2006/relationships" xmlns:p="http://schemas.openxmlformats.org/presentationml/2006/main">
+  <p:cSld>
+    <p:spTree>
+      <p:nvGrpSpPr>
+        <p:cNvPr id="1" name=""/>
+        <p:cNvGrpSpPr/>
+        <p:nvPr/>
+      </p:nvGrpSpPr>
+      <p:grpSpPr>
+        <a:xfrm>
+          <a:off x="0" y="0"/>
+          <a:ext cx="0" cy="0"/>
+          <a:chOff x="0" y="0"/>
+          <a:chExt cx="0" cy="0"/>
+        </a:xfrm>
+      </p:grpSpPr>
+      <p:sp>
+        <p:nvSpPr>
+          <p:cNvPr id="23" name="TextBox 22">
+            <a:extLst>
+              <a:ext uri="{FF2B5EF4-FFF2-40B4-BE49-F238E27FC236}">
+                <a16:creationId xmlns:a16="http://schemas.microsoft.com/office/drawing/2014/main" id="{99DF0FE0-DB9D-4180-8370-CD26FB46DF57}"/>
+              </a:ext>
+            </a:extLst>
+          </p:cNvPr>
+          <p:cNvSpPr txBox="1"/>
+          <p:nvPr/>
+        </p:nvSpPr>
+        <p:spPr>
+          <a:xfrm>
+            <a:off x="0" y="0"/>
+            <a:ext cx="12192000" cy="6740307"/>
+          </a:xfrm>
+          <a:prstGeom prst="rect">
+            <a:avLst/>
+          </a:prstGeom>
+          <a:noFill/>
+        </p:spPr>
+        <p:txBody>
+          <a:bodyPr wrap="square">
+            <a:spAutoFit/>
+          </a:bodyPr>
+          <a:lstStyle/>
+          <a:p>
+            <a:r>
+              <a:rPr lang="ru-RU" sz="2400" b="1" dirty="0">
+                <a:latin typeface="Bookman Old Style" panose="02050604050505020204" pitchFamily="18" charset="0"/>
+              </a:rPr>
+              <a:t>Пример: Анализ текстового </a:t>
+            </a:r>
+            <a:r>
+              <a:rPr lang="ru-RU" sz="2400" b="1" dirty="0" smtClean="0">
+                <a:latin typeface="Bookman Old Style" panose="02050604050505020204" pitchFamily="18" charset="0"/>
+              </a:rPr>
+              <a:t>файла</a:t>
+            </a:r>
+            <a:endParaRPr lang="en-US" sz="2400" b="1" dirty="0" smtClean="0">
+              <a:latin typeface="Bookman Old Style" panose="02050604050505020204" pitchFamily="18" charset="0"/>
+            </a:endParaRPr>
+          </a:p>
+          <a:p>
+            <a:r>
+              <a:rPr lang="en-US" sz="2400" dirty="0" err="1" smtClean="0">
+                <a:solidFill>
+                  <a:srgbClr val="001080"/>
+                </a:solidFill>
+                <a:latin typeface="Consolas" panose="020B0609020204030204" pitchFamily="49" charset="0"/>
+              </a:rPr>
+              <a:t>Console</a:t>
+            </a:r>
+            <a:r>
+              <a:rPr lang="en-US" sz="2400" dirty="0" err="1" smtClean="0">
+                <a:solidFill>
+                  <a:srgbClr val="000000"/>
+                </a:solidFill>
+                <a:latin typeface="Consolas" panose="020B0609020204030204" pitchFamily="49" charset="0"/>
+              </a:rPr>
+              <a:t>.</a:t>
+            </a:r>
+            <a:r>
+              <a:rPr lang="en-US" sz="2400" dirty="0" err="1" smtClean="0">
+                <a:solidFill>
+                  <a:srgbClr val="001080"/>
+                </a:solidFill>
+                <a:latin typeface="Consolas" panose="020B0609020204030204" pitchFamily="49" charset="0"/>
+              </a:rPr>
+              <a:t>Write</a:t>
+            </a:r>
+            <a:r>
+              <a:rPr lang="en-US" sz="2400" dirty="0">
+                <a:solidFill>
+                  <a:srgbClr val="222222"/>
+                </a:solidFill>
+                <a:latin typeface="Consolas" panose="020B0609020204030204" pitchFamily="49" charset="0"/>
+              </a:rPr>
+              <a:t>(</a:t>
+            </a:r>
+            <a:r>
+              <a:rPr lang="en-US" sz="2400" dirty="0">
+                <a:solidFill>
+                  <a:srgbClr val="A31515"/>
+                </a:solidFill>
+                <a:latin typeface="Consolas" panose="020B0609020204030204" pitchFamily="49" charset="0"/>
+              </a:rPr>
+              <a:t>"</a:t>
+            </a:r>
+            <a:r>
+              <a:rPr lang="ru-RU" sz="2400" dirty="0">
+                <a:solidFill>
+                  <a:srgbClr val="A31515"/>
+                </a:solidFill>
+                <a:latin typeface="Consolas" panose="020B0609020204030204" pitchFamily="49" charset="0"/>
+              </a:rPr>
+              <a:t>Введите путь к текстовому файлу: "</a:t>
+            </a:r>
+            <a:r>
+              <a:rPr lang="ru-RU" sz="2400" dirty="0">
+                <a:solidFill>
+                  <a:srgbClr val="222222"/>
+                </a:solidFill>
+                <a:latin typeface="Consolas" panose="020B0609020204030204" pitchFamily="49" charset="0"/>
+              </a:rPr>
+              <a:t>);</a:t>
+            </a:r>
+            <a:endParaRPr lang="ru-RU" sz="2400" dirty="0">
+              <a:solidFill>
+                <a:srgbClr val="000000"/>
+              </a:solidFill>
+              <a:latin typeface="Consolas" panose="020B0609020204030204" pitchFamily="49" charset="0"/>
+            </a:endParaRPr>
+          </a:p>
+          <a:p>
+            <a:r>
+              <a:rPr lang="en-US" sz="2400" dirty="0">
+                <a:solidFill>
+                  <a:srgbClr val="0000FF"/>
+                </a:solidFill>
+                <a:latin typeface="Consolas" panose="020B0609020204030204" pitchFamily="49" charset="0"/>
+              </a:rPr>
+              <a:t>string</a:t>
+            </a:r>
+            <a:r>
+              <a:rPr lang="en-US" sz="2400" dirty="0">
+                <a:solidFill>
+                  <a:srgbClr val="000000"/>
+                </a:solidFill>
+                <a:latin typeface="Consolas" panose="020B0609020204030204" pitchFamily="49" charset="0"/>
+              </a:rPr>
+              <a:t> </a:t>
+            </a:r>
+            <a:r>
+              <a:rPr lang="en-US" sz="2400" dirty="0" err="1">
+                <a:solidFill>
+                  <a:srgbClr val="001080"/>
+                </a:solidFill>
+                <a:latin typeface="Consolas" panose="020B0609020204030204" pitchFamily="49" charset="0"/>
+              </a:rPr>
+              <a:t>filePath</a:t>
+            </a:r>
+            <a:r>
+              <a:rPr lang="en-US" sz="2400" dirty="0">
+                <a:solidFill>
+                  <a:srgbClr val="000000"/>
+                </a:solidFill>
+                <a:latin typeface="Consolas" panose="020B0609020204030204" pitchFamily="49" charset="0"/>
+              </a:rPr>
+              <a:t> = </a:t>
+            </a:r>
+            <a:r>
+              <a:rPr lang="en-US" sz="2400" dirty="0" err="1">
+                <a:solidFill>
+                  <a:srgbClr val="001080"/>
+                </a:solidFill>
+                <a:latin typeface="Consolas" panose="020B0609020204030204" pitchFamily="49" charset="0"/>
+              </a:rPr>
+              <a:t>Console</a:t>
+            </a:r>
+            <a:r>
+              <a:rPr lang="en-US" sz="2400" dirty="0" err="1">
+                <a:solidFill>
+                  <a:srgbClr val="000000"/>
+                </a:solidFill>
+                <a:latin typeface="Consolas" panose="020B0609020204030204" pitchFamily="49" charset="0"/>
+              </a:rPr>
+              <a:t>.</a:t>
+            </a:r>
+            <a:r>
+              <a:rPr lang="en-US" sz="2400" dirty="0" err="1">
+                <a:solidFill>
+                  <a:srgbClr val="001080"/>
+                </a:solidFill>
+                <a:latin typeface="Consolas" panose="020B0609020204030204" pitchFamily="49" charset="0"/>
+              </a:rPr>
+              <a:t>ReadLine</a:t>
+            </a:r>
+            <a:r>
+              <a:rPr lang="en-US" sz="2400" dirty="0">
+                <a:solidFill>
+                  <a:srgbClr val="222222"/>
+                </a:solidFill>
+                <a:latin typeface="Consolas" panose="020B0609020204030204" pitchFamily="49" charset="0"/>
+              </a:rPr>
+              <a:t>();</a:t>
+            </a:r>
+            <a:endParaRPr lang="en-US" sz="2400" dirty="0">
+              <a:solidFill>
+                <a:srgbClr val="000000"/>
+              </a:solidFill>
+              <a:latin typeface="Consolas" panose="020B0609020204030204" pitchFamily="49" charset="0"/>
+            </a:endParaRPr>
+          </a:p>
+          <a:p>
+            <a:r>
+              <a:rPr lang="en-US" sz="2400" dirty="0">
+                <a:solidFill>
+                  <a:srgbClr val="000000"/>
+                </a:solidFill>
+                <a:latin typeface="Consolas" panose="020B0609020204030204" pitchFamily="49" charset="0"/>
+              </a:rPr>
+              <a:t/>
+            </a:r>
+            <a:br>
+              <a:rPr lang="en-US" sz="2400" dirty="0">
+                <a:solidFill>
+                  <a:srgbClr val="000000"/>
+                </a:solidFill>
+                <a:latin typeface="Consolas" panose="020B0609020204030204" pitchFamily="49" charset="0"/>
+              </a:rPr>
+            </a:br>
+            <a:r>
+              <a:rPr lang="en-US" sz="2400" dirty="0">
+                <a:solidFill>
+                  <a:srgbClr val="AF00DB"/>
+                </a:solidFill>
+                <a:latin typeface="Consolas" panose="020B0609020204030204" pitchFamily="49" charset="0"/>
+              </a:rPr>
+              <a:t>if</a:t>
+            </a:r>
+            <a:r>
+              <a:rPr lang="en-US" sz="2400" dirty="0">
+                <a:solidFill>
+                  <a:srgbClr val="000000"/>
+                </a:solidFill>
+                <a:latin typeface="Consolas" panose="020B0609020204030204" pitchFamily="49" charset="0"/>
+              </a:rPr>
+              <a:t> </a:t>
+            </a:r>
+            <a:r>
+              <a:rPr lang="en-US" sz="2400" dirty="0">
+                <a:solidFill>
+                  <a:srgbClr val="222222"/>
+                </a:solidFill>
+                <a:latin typeface="Consolas" panose="020B0609020204030204" pitchFamily="49" charset="0"/>
+              </a:rPr>
+              <a:t>(</a:t>
+            </a:r>
+            <a:r>
+              <a:rPr lang="en-US" sz="2400" dirty="0">
+                <a:solidFill>
+                  <a:srgbClr val="000000"/>
+                </a:solidFill>
+                <a:latin typeface="Consolas" panose="020B0609020204030204" pitchFamily="49" charset="0"/>
+              </a:rPr>
+              <a:t>!</a:t>
+            </a:r>
+            <a:r>
+              <a:rPr lang="en-US" sz="2400" dirty="0" err="1">
+                <a:solidFill>
+                  <a:srgbClr val="001080"/>
+                </a:solidFill>
+                <a:latin typeface="Consolas" panose="020B0609020204030204" pitchFamily="49" charset="0"/>
+              </a:rPr>
+              <a:t>File</a:t>
+            </a:r>
+            <a:r>
+              <a:rPr lang="en-US" sz="2400" dirty="0" err="1">
+                <a:solidFill>
+                  <a:srgbClr val="000000"/>
+                </a:solidFill>
+                <a:latin typeface="Consolas" panose="020B0609020204030204" pitchFamily="49" charset="0"/>
+              </a:rPr>
+              <a:t>.</a:t>
+            </a:r>
+            <a:r>
+              <a:rPr lang="en-US" sz="2400" dirty="0" err="1">
+                <a:solidFill>
+                  <a:srgbClr val="001080"/>
+                </a:solidFill>
+                <a:latin typeface="Consolas" panose="020B0609020204030204" pitchFamily="49" charset="0"/>
+              </a:rPr>
+              <a:t>Exists</a:t>
+            </a:r>
+            <a:r>
+              <a:rPr lang="en-US" sz="2400" dirty="0">
+                <a:solidFill>
+                  <a:srgbClr val="222222"/>
+                </a:solidFill>
+                <a:latin typeface="Consolas" panose="020B0609020204030204" pitchFamily="49" charset="0"/>
+              </a:rPr>
+              <a:t>(</a:t>
+            </a:r>
+            <a:r>
+              <a:rPr lang="en-US" sz="2400" dirty="0" err="1">
+                <a:solidFill>
+                  <a:srgbClr val="001080"/>
+                </a:solidFill>
+                <a:latin typeface="Consolas" panose="020B0609020204030204" pitchFamily="49" charset="0"/>
+              </a:rPr>
+              <a:t>filePath</a:t>
+            </a:r>
+            <a:r>
+              <a:rPr lang="en-US" sz="2400" dirty="0">
+                <a:solidFill>
+                  <a:srgbClr val="222222"/>
+                </a:solidFill>
+                <a:latin typeface="Consolas" panose="020B0609020204030204" pitchFamily="49" charset="0"/>
+              </a:rPr>
+              <a:t>))</a:t>
+            </a:r>
+            <a:endParaRPr lang="en-US" sz="2400" dirty="0">
+              <a:solidFill>
+                <a:srgbClr val="000000"/>
+              </a:solidFill>
+              <a:latin typeface="Consolas" panose="020B0609020204030204" pitchFamily="49" charset="0"/>
+            </a:endParaRPr>
+          </a:p>
+          <a:p>
+            <a:r>
+              <a:rPr lang="en-US" sz="2400" dirty="0">
+                <a:solidFill>
+                  <a:srgbClr val="222222"/>
+                </a:solidFill>
+                <a:latin typeface="Consolas" panose="020B0609020204030204" pitchFamily="49" charset="0"/>
+              </a:rPr>
+              <a:t>{</a:t>
+            </a:r>
+            <a:endParaRPr lang="en-US" sz="2400" dirty="0">
+              <a:solidFill>
+                <a:srgbClr val="000000"/>
+              </a:solidFill>
+              <a:latin typeface="Consolas" panose="020B0609020204030204" pitchFamily="49" charset="0"/>
+            </a:endParaRPr>
+          </a:p>
+          <a:p>
+            <a:r>
+              <a:rPr lang="en-US" sz="2400" dirty="0">
+                <a:solidFill>
+                  <a:srgbClr val="000000"/>
+                </a:solidFill>
+                <a:latin typeface="Consolas" panose="020B0609020204030204" pitchFamily="49" charset="0"/>
+              </a:rPr>
+              <a:t>    </a:t>
+            </a:r>
+            <a:r>
+              <a:rPr lang="en-US" sz="2400" dirty="0" err="1">
+                <a:solidFill>
+                  <a:srgbClr val="001080"/>
+                </a:solidFill>
+                <a:latin typeface="Consolas" panose="020B0609020204030204" pitchFamily="49" charset="0"/>
+              </a:rPr>
+              <a:t>Console</a:t>
+            </a:r>
+            <a:r>
+              <a:rPr lang="en-US" sz="2400" dirty="0" err="1">
+                <a:solidFill>
+                  <a:srgbClr val="000000"/>
+                </a:solidFill>
+                <a:latin typeface="Consolas" panose="020B0609020204030204" pitchFamily="49" charset="0"/>
+              </a:rPr>
+              <a:t>.</a:t>
+            </a:r>
+            <a:r>
+              <a:rPr lang="en-US" sz="2400" dirty="0" err="1">
+                <a:solidFill>
+                  <a:srgbClr val="001080"/>
+                </a:solidFill>
+                <a:latin typeface="Consolas" panose="020B0609020204030204" pitchFamily="49" charset="0"/>
+              </a:rPr>
+              <a:t>WriteLine</a:t>
+            </a:r>
+            <a:r>
+              <a:rPr lang="en-US" sz="2400" dirty="0">
+                <a:solidFill>
+                  <a:srgbClr val="222222"/>
+                </a:solidFill>
+                <a:latin typeface="Consolas" panose="020B0609020204030204" pitchFamily="49" charset="0"/>
+              </a:rPr>
+              <a:t>(</a:t>
+            </a:r>
+            <a:r>
+              <a:rPr lang="en-US" sz="2400" dirty="0">
+                <a:solidFill>
+                  <a:srgbClr val="A31515"/>
+                </a:solidFill>
+                <a:latin typeface="Consolas" panose="020B0609020204030204" pitchFamily="49" charset="0"/>
+              </a:rPr>
+              <a:t>"</a:t>
+            </a:r>
+            <a:r>
+              <a:rPr lang="ru-RU" sz="2400" dirty="0">
+                <a:solidFill>
+                  <a:srgbClr val="A31515"/>
+                </a:solidFill>
+                <a:latin typeface="Consolas" panose="020B0609020204030204" pitchFamily="49" charset="0"/>
+              </a:rPr>
+              <a:t>Файл не найден."</a:t>
+            </a:r>
+            <a:r>
+              <a:rPr lang="ru-RU" sz="2400" dirty="0">
+                <a:solidFill>
+                  <a:srgbClr val="222222"/>
+                </a:solidFill>
+                <a:latin typeface="Consolas" panose="020B0609020204030204" pitchFamily="49" charset="0"/>
+              </a:rPr>
+              <a:t>);</a:t>
+            </a:r>
+            <a:endParaRPr lang="ru-RU" sz="2400" dirty="0">
+              <a:solidFill>
+                <a:srgbClr val="000000"/>
+              </a:solidFill>
+              <a:latin typeface="Consolas" panose="020B0609020204030204" pitchFamily="49" charset="0"/>
+            </a:endParaRPr>
+          </a:p>
+          <a:p>
+            <a:r>
+              <a:rPr lang="ru-RU" sz="2400" dirty="0">
+                <a:solidFill>
+                  <a:srgbClr val="000000"/>
+                </a:solidFill>
+                <a:latin typeface="Consolas" panose="020B0609020204030204" pitchFamily="49" charset="0"/>
+              </a:rPr>
+              <a:t>    </a:t>
+            </a:r>
+            <a:r>
+              <a:rPr lang="en-US" sz="2400" dirty="0">
+                <a:solidFill>
+                  <a:srgbClr val="AF00DB"/>
+                </a:solidFill>
+                <a:latin typeface="Consolas" panose="020B0609020204030204" pitchFamily="49" charset="0"/>
+              </a:rPr>
+              <a:t>return</a:t>
+            </a:r>
+            <a:r>
+              <a:rPr lang="en-US" sz="2400" dirty="0">
+                <a:solidFill>
+                  <a:srgbClr val="222222"/>
+                </a:solidFill>
+                <a:latin typeface="Consolas" panose="020B0609020204030204" pitchFamily="49" charset="0"/>
+              </a:rPr>
+              <a:t>;</a:t>
+            </a:r>
+            <a:endParaRPr lang="en-US" sz="2400" dirty="0">
+              <a:solidFill>
+                <a:srgbClr val="000000"/>
+              </a:solidFill>
+              <a:latin typeface="Consolas" panose="020B0609020204030204" pitchFamily="49" charset="0"/>
+            </a:endParaRPr>
+          </a:p>
+          <a:p>
+            <a:r>
+              <a:rPr lang="en-US" sz="2400" dirty="0" smtClean="0">
+                <a:solidFill>
+                  <a:srgbClr val="222222"/>
+                </a:solidFill>
+                <a:latin typeface="Consolas" panose="020B0609020204030204" pitchFamily="49" charset="0"/>
+              </a:rPr>
+              <a:t>}</a:t>
+            </a:r>
+            <a:r>
+              <a:rPr lang="en-US" sz="2400" dirty="0">
+                <a:solidFill>
+                  <a:srgbClr val="000000"/>
+                </a:solidFill>
+                <a:latin typeface="Consolas" panose="020B0609020204030204" pitchFamily="49" charset="0"/>
+              </a:rPr>
+              <a:t/>
+            </a:r>
+            <a:br>
+              <a:rPr lang="en-US" sz="2400" dirty="0">
+                <a:solidFill>
+                  <a:srgbClr val="000000"/>
+                </a:solidFill>
+                <a:latin typeface="Consolas" panose="020B0609020204030204" pitchFamily="49" charset="0"/>
+              </a:rPr>
+            </a:br>
+            <a:r>
+              <a:rPr lang="en-US" sz="2400" dirty="0">
+                <a:solidFill>
+                  <a:srgbClr val="0000FF"/>
+                </a:solidFill>
+                <a:latin typeface="Consolas" panose="020B0609020204030204" pitchFamily="49" charset="0"/>
+              </a:rPr>
+              <a:t>string</a:t>
+            </a:r>
+            <a:r>
+              <a:rPr lang="en-US" sz="2400" dirty="0">
+                <a:solidFill>
+                  <a:srgbClr val="000000"/>
+                </a:solidFill>
+                <a:latin typeface="Consolas" panose="020B0609020204030204" pitchFamily="49" charset="0"/>
+              </a:rPr>
+              <a:t> </a:t>
+            </a:r>
+            <a:r>
+              <a:rPr lang="en-US" sz="2400" dirty="0">
+                <a:solidFill>
+                  <a:srgbClr val="001080"/>
+                </a:solidFill>
+                <a:latin typeface="Consolas" panose="020B0609020204030204" pitchFamily="49" charset="0"/>
+              </a:rPr>
+              <a:t>text</a:t>
+            </a:r>
+            <a:r>
+              <a:rPr lang="en-US" sz="2400" dirty="0">
+                <a:solidFill>
+                  <a:srgbClr val="000000"/>
+                </a:solidFill>
+                <a:latin typeface="Consolas" panose="020B0609020204030204" pitchFamily="49" charset="0"/>
+              </a:rPr>
+              <a:t> = </a:t>
+            </a:r>
+            <a:r>
+              <a:rPr lang="en-US" sz="2400" dirty="0" err="1">
+                <a:solidFill>
+                  <a:srgbClr val="001080"/>
+                </a:solidFill>
+                <a:latin typeface="Consolas" panose="020B0609020204030204" pitchFamily="49" charset="0"/>
+              </a:rPr>
+              <a:t>File</a:t>
+            </a:r>
+            <a:r>
+              <a:rPr lang="en-US" sz="2400" dirty="0" err="1">
+                <a:solidFill>
+                  <a:srgbClr val="000000"/>
+                </a:solidFill>
+                <a:latin typeface="Consolas" panose="020B0609020204030204" pitchFamily="49" charset="0"/>
+              </a:rPr>
+              <a:t>.</a:t>
+            </a:r>
+            <a:r>
+              <a:rPr lang="en-US" sz="2400" dirty="0" err="1">
+                <a:solidFill>
+                  <a:srgbClr val="001080"/>
+                </a:solidFill>
+                <a:latin typeface="Consolas" panose="020B0609020204030204" pitchFamily="49" charset="0"/>
+              </a:rPr>
+              <a:t>ReadAllText</a:t>
+            </a:r>
+            <a:r>
+              <a:rPr lang="en-US" sz="2400" dirty="0">
+                <a:solidFill>
+                  <a:srgbClr val="222222"/>
+                </a:solidFill>
+                <a:latin typeface="Consolas" panose="020B0609020204030204" pitchFamily="49" charset="0"/>
+              </a:rPr>
+              <a:t>(</a:t>
+            </a:r>
+            <a:r>
+              <a:rPr lang="en-US" sz="2400" dirty="0" err="1">
+                <a:solidFill>
+                  <a:srgbClr val="001080"/>
+                </a:solidFill>
+                <a:latin typeface="Consolas" panose="020B0609020204030204" pitchFamily="49" charset="0"/>
+              </a:rPr>
+              <a:t>filePath</a:t>
+            </a:r>
+            <a:r>
+              <a:rPr lang="en-US" sz="2400" dirty="0">
+                <a:solidFill>
+                  <a:srgbClr val="222222"/>
+                </a:solidFill>
+                <a:latin typeface="Consolas" panose="020B0609020204030204" pitchFamily="49" charset="0"/>
+              </a:rPr>
+              <a:t>);</a:t>
+            </a:r>
+            <a:endParaRPr lang="en-US" sz="2400" dirty="0">
+              <a:solidFill>
+                <a:srgbClr val="000000"/>
+              </a:solidFill>
+              <a:latin typeface="Consolas" panose="020B0609020204030204" pitchFamily="49" charset="0"/>
+            </a:endParaRPr>
+          </a:p>
+          <a:p>
+            <a:r>
+              <a:rPr lang="en-US" sz="2400" dirty="0">
+                <a:solidFill>
+                  <a:srgbClr val="0000FF"/>
+                </a:solidFill>
+                <a:latin typeface="Consolas" panose="020B0609020204030204" pitchFamily="49" charset="0"/>
+              </a:rPr>
+              <a:t>string</a:t>
+            </a:r>
+            <a:r>
+              <a:rPr lang="en-US" sz="2400" dirty="0">
+                <a:solidFill>
+                  <a:srgbClr val="222222"/>
+                </a:solidFill>
+                <a:latin typeface="Consolas" panose="020B0609020204030204" pitchFamily="49" charset="0"/>
+              </a:rPr>
+              <a:t>[]</a:t>
+            </a:r>
+            <a:r>
+              <a:rPr lang="en-US" sz="2400" dirty="0">
+                <a:solidFill>
+                  <a:srgbClr val="000000"/>
+                </a:solidFill>
+                <a:latin typeface="Consolas" panose="020B0609020204030204" pitchFamily="49" charset="0"/>
+              </a:rPr>
+              <a:t> </a:t>
+            </a:r>
+            <a:r>
+              <a:rPr lang="en-US" sz="2400" dirty="0">
+                <a:solidFill>
+                  <a:srgbClr val="001080"/>
+                </a:solidFill>
+                <a:latin typeface="Consolas" panose="020B0609020204030204" pitchFamily="49" charset="0"/>
+              </a:rPr>
+              <a:t>words</a:t>
+            </a:r>
+            <a:r>
+              <a:rPr lang="en-US" sz="2400" dirty="0">
+                <a:solidFill>
+                  <a:srgbClr val="000000"/>
+                </a:solidFill>
+                <a:latin typeface="Consolas" panose="020B0609020204030204" pitchFamily="49" charset="0"/>
+              </a:rPr>
+              <a:t> = </a:t>
+            </a:r>
+            <a:r>
+              <a:rPr lang="en-US" sz="2400" dirty="0" err="1">
+                <a:solidFill>
+                  <a:srgbClr val="001080"/>
+                </a:solidFill>
+                <a:latin typeface="Consolas" panose="020B0609020204030204" pitchFamily="49" charset="0"/>
+              </a:rPr>
+              <a:t>text</a:t>
+            </a:r>
+            <a:r>
+              <a:rPr lang="en-US" sz="2400" dirty="0" err="1">
+                <a:solidFill>
+                  <a:srgbClr val="000000"/>
+                </a:solidFill>
+                <a:latin typeface="Consolas" panose="020B0609020204030204" pitchFamily="49" charset="0"/>
+              </a:rPr>
+              <a:t>.</a:t>
+            </a:r>
+            <a:r>
+              <a:rPr lang="en-US" sz="2400" dirty="0" err="1">
+                <a:solidFill>
+                  <a:srgbClr val="001080"/>
+                </a:solidFill>
+                <a:latin typeface="Consolas" panose="020B0609020204030204" pitchFamily="49" charset="0"/>
+              </a:rPr>
+              <a:t>Split</a:t>
+            </a:r>
+            <a:r>
+              <a:rPr lang="en-US" sz="2400" dirty="0">
+                <a:solidFill>
+                  <a:srgbClr val="222222"/>
+                </a:solidFill>
+                <a:latin typeface="Consolas" panose="020B0609020204030204" pitchFamily="49" charset="0"/>
+              </a:rPr>
+              <a:t>(</a:t>
+            </a:r>
+            <a:r>
+              <a:rPr lang="en-US" sz="2400" dirty="0">
+                <a:solidFill>
+                  <a:srgbClr val="0000FF"/>
+                </a:solidFill>
+                <a:latin typeface="Consolas" panose="020B0609020204030204" pitchFamily="49" charset="0"/>
+              </a:rPr>
+              <a:t>new</a:t>
+            </a:r>
+            <a:r>
+              <a:rPr lang="en-US" sz="2400" dirty="0">
+                <a:solidFill>
+                  <a:srgbClr val="000000"/>
+                </a:solidFill>
+                <a:latin typeface="Consolas" panose="020B0609020204030204" pitchFamily="49" charset="0"/>
+              </a:rPr>
+              <a:t> </a:t>
+            </a:r>
+            <a:r>
+              <a:rPr lang="en-US" sz="2400" dirty="0">
+                <a:solidFill>
+                  <a:srgbClr val="0000FF"/>
+                </a:solidFill>
+                <a:latin typeface="Consolas" panose="020B0609020204030204" pitchFamily="49" charset="0"/>
+              </a:rPr>
+              <a:t>char</a:t>
+            </a:r>
+            <a:r>
+              <a:rPr lang="en-US" sz="2400" dirty="0">
+                <a:solidFill>
+                  <a:srgbClr val="222222"/>
+                </a:solidFill>
+                <a:latin typeface="Consolas" panose="020B0609020204030204" pitchFamily="49" charset="0"/>
+              </a:rPr>
+              <a:t>[]</a:t>
+            </a:r>
+            <a:r>
+              <a:rPr lang="en-US" sz="2400" dirty="0">
+                <a:solidFill>
+                  <a:srgbClr val="000000"/>
+                </a:solidFill>
+                <a:latin typeface="Consolas" panose="020B0609020204030204" pitchFamily="49" charset="0"/>
+              </a:rPr>
+              <a:t> </a:t>
+            </a:r>
+            <a:r>
+              <a:rPr lang="en-US" sz="2400" dirty="0">
+                <a:solidFill>
+                  <a:srgbClr val="222222"/>
+                </a:solidFill>
+                <a:latin typeface="Consolas" panose="020B0609020204030204" pitchFamily="49" charset="0"/>
+              </a:rPr>
+              <a:t>{</a:t>
+            </a:r>
+            <a:r>
+              <a:rPr lang="en-US" sz="2400" dirty="0">
+                <a:solidFill>
+                  <a:srgbClr val="000000"/>
+                </a:solidFill>
+                <a:latin typeface="Consolas" panose="020B0609020204030204" pitchFamily="49" charset="0"/>
+              </a:rPr>
+              <a:t> </a:t>
+            </a:r>
+            <a:r>
+              <a:rPr lang="en-US" sz="2400" dirty="0">
+                <a:solidFill>
+                  <a:srgbClr val="A31515"/>
+                </a:solidFill>
+                <a:latin typeface="Consolas" panose="020B0609020204030204" pitchFamily="49" charset="0"/>
+              </a:rPr>
+              <a:t>' '</a:t>
+            </a:r>
+            <a:r>
+              <a:rPr lang="en-US" sz="2400" dirty="0">
+                <a:solidFill>
+                  <a:srgbClr val="222222"/>
+                </a:solidFill>
+                <a:latin typeface="Consolas" panose="020B0609020204030204" pitchFamily="49" charset="0"/>
+              </a:rPr>
+              <a:t>,</a:t>
+            </a:r>
+            <a:r>
+              <a:rPr lang="en-US" sz="2400" dirty="0">
+                <a:solidFill>
+                  <a:srgbClr val="000000"/>
+                </a:solidFill>
+                <a:latin typeface="Consolas" panose="020B0609020204030204" pitchFamily="49" charset="0"/>
+              </a:rPr>
+              <a:t> </a:t>
+            </a:r>
+            <a:r>
+              <a:rPr lang="en-US" sz="2400" dirty="0">
+                <a:solidFill>
+                  <a:srgbClr val="A31515"/>
+                </a:solidFill>
+                <a:latin typeface="Consolas" panose="020B0609020204030204" pitchFamily="49" charset="0"/>
+              </a:rPr>
+              <a:t>'</a:t>
+            </a:r>
+            <a:r>
+              <a:rPr lang="en-US" sz="2400" dirty="0">
+                <a:solidFill>
+                  <a:srgbClr val="FF0000"/>
+                </a:solidFill>
+                <a:latin typeface="Consolas" panose="020B0609020204030204" pitchFamily="49" charset="0"/>
+              </a:rPr>
+              <a:t>\n</a:t>
+            </a:r>
+            <a:r>
+              <a:rPr lang="en-US" sz="2400" dirty="0">
+                <a:solidFill>
+                  <a:srgbClr val="A31515"/>
+                </a:solidFill>
+                <a:latin typeface="Consolas" panose="020B0609020204030204" pitchFamily="49" charset="0"/>
+              </a:rPr>
+              <a:t>'</a:t>
+            </a:r>
+            <a:r>
+              <a:rPr lang="en-US" sz="2400" dirty="0">
+                <a:solidFill>
+                  <a:srgbClr val="222222"/>
+                </a:solidFill>
+                <a:latin typeface="Consolas" panose="020B0609020204030204" pitchFamily="49" charset="0"/>
+              </a:rPr>
+              <a:t>,</a:t>
+            </a:r>
+            <a:r>
+              <a:rPr lang="en-US" sz="2400" dirty="0">
+                <a:solidFill>
+                  <a:srgbClr val="000000"/>
+                </a:solidFill>
+                <a:latin typeface="Consolas" panose="020B0609020204030204" pitchFamily="49" charset="0"/>
+              </a:rPr>
+              <a:t> </a:t>
+            </a:r>
+            <a:r>
+              <a:rPr lang="en-US" sz="2400" dirty="0">
+                <a:solidFill>
+                  <a:srgbClr val="A31515"/>
+                </a:solidFill>
+                <a:latin typeface="Consolas" panose="020B0609020204030204" pitchFamily="49" charset="0"/>
+              </a:rPr>
+              <a:t>'</a:t>
+            </a:r>
+            <a:r>
+              <a:rPr lang="en-US" sz="2400" dirty="0">
+                <a:solidFill>
+                  <a:srgbClr val="FF0000"/>
+                </a:solidFill>
+                <a:latin typeface="Consolas" panose="020B0609020204030204" pitchFamily="49" charset="0"/>
+              </a:rPr>
+              <a:t>\r</a:t>
+            </a:r>
+            <a:r>
+              <a:rPr lang="en-US" sz="2400" dirty="0">
+                <a:solidFill>
+                  <a:srgbClr val="A31515"/>
+                </a:solidFill>
+                <a:latin typeface="Consolas" panose="020B0609020204030204" pitchFamily="49" charset="0"/>
+              </a:rPr>
+              <a:t>'</a:t>
+            </a:r>
+            <a:r>
+              <a:rPr lang="en-US" sz="2400" dirty="0">
+                <a:solidFill>
+                  <a:srgbClr val="222222"/>
+                </a:solidFill>
+                <a:latin typeface="Consolas" panose="020B0609020204030204" pitchFamily="49" charset="0"/>
+              </a:rPr>
+              <a:t>,</a:t>
+            </a:r>
+            <a:r>
+              <a:rPr lang="en-US" sz="2400" dirty="0">
+                <a:solidFill>
+                  <a:srgbClr val="000000"/>
+                </a:solidFill>
+                <a:latin typeface="Consolas" panose="020B0609020204030204" pitchFamily="49" charset="0"/>
+              </a:rPr>
+              <a:t> </a:t>
+            </a:r>
+            <a:r>
+              <a:rPr lang="en-US" sz="2400" dirty="0">
+                <a:solidFill>
+                  <a:srgbClr val="A31515"/>
+                </a:solidFill>
+                <a:latin typeface="Consolas" panose="020B0609020204030204" pitchFamily="49" charset="0"/>
+              </a:rPr>
+              <a:t>'</a:t>
+            </a:r>
+            <a:r>
+              <a:rPr lang="en-US" sz="2400" dirty="0">
+                <a:solidFill>
+                  <a:srgbClr val="FF0000"/>
+                </a:solidFill>
+                <a:latin typeface="Consolas" panose="020B0609020204030204" pitchFamily="49" charset="0"/>
+              </a:rPr>
+              <a:t>\t</a:t>
+            </a:r>
+            <a:r>
+              <a:rPr lang="en-US" sz="2400" dirty="0">
+                <a:solidFill>
+                  <a:srgbClr val="A31515"/>
+                </a:solidFill>
+                <a:latin typeface="Consolas" panose="020B0609020204030204" pitchFamily="49" charset="0"/>
+              </a:rPr>
+              <a:t>'</a:t>
+            </a:r>
+            <a:r>
+              <a:rPr lang="en-US" sz="2400" dirty="0">
+                <a:solidFill>
+                  <a:srgbClr val="000000"/>
+                </a:solidFill>
+                <a:latin typeface="Consolas" panose="020B0609020204030204" pitchFamily="49" charset="0"/>
+              </a:rPr>
+              <a:t> </a:t>
+            </a:r>
+            <a:r>
+              <a:rPr lang="en-US" sz="2400" dirty="0">
+                <a:solidFill>
+                  <a:srgbClr val="222222"/>
+                </a:solidFill>
+                <a:latin typeface="Consolas" panose="020B0609020204030204" pitchFamily="49" charset="0"/>
+              </a:rPr>
+              <a:t>},</a:t>
+            </a:r>
+            <a:r>
+              <a:rPr lang="en-US" sz="2400" dirty="0">
+                <a:solidFill>
+                  <a:srgbClr val="000000"/>
+                </a:solidFill>
+                <a:latin typeface="Consolas" panose="020B0609020204030204" pitchFamily="49" charset="0"/>
+              </a:rPr>
+              <a:t> </a:t>
+            </a:r>
+            <a:r>
+              <a:rPr lang="en-US" sz="2400" dirty="0" smtClean="0">
+                <a:solidFill>
+                  <a:srgbClr val="000000"/>
+                </a:solidFill>
+                <a:latin typeface="Consolas" panose="020B0609020204030204" pitchFamily="49" charset="0"/>
+              </a:rPr>
+              <a:t>												 </a:t>
+            </a:r>
+            <a:r>
+              <a:rPr lang="en-US" sz="2400" dirty="0" err="1" smtClean="0">
+                <a:solidFill>
+                  <a:srgbClr val="001080"/>
+                </a:solidFill>
+                <a:latin typeface="Consolas" panose="020B0609020204030204" pitchFamily="49" charset="0"/>
+              </a:rPr>
+              <a:t>StringSplitOptions</a:t>
+            </a:r>
+            <a:r>
+              <a:rPr lang="en-US" sz="2400" dirty="0" err="1" smtClean="0">
+                <a:solidFill>
+                  <a:srgbClr val="000000"/>
+                </a:solidFill>
+                <a:latin typeface="Consolas" panose="020B0609020204030204" pitchFamily="49" charset="0"/>
+              </a:rPr>
+              <a:t>.</a:t>
+            </a:r>
+            <a:r>
+              <a:rPr lang="en-US" sz="2400" dirty="0" err="1" smtClean="0">
+                <a:solidFill>
+                  <a:srgbClr val="001080"/>
+                </a:solidFill>
+                <a:latin typeface="Consolas" panose="020B0609020204030204" pitchFamily="49" charset="0"/>
+              </a:rPr>
+              <a:t>RemoveEmptyEntries</a:t>
+            </a:r>
+            <a:r>
+              <a:rPr lang="en-US" sz="2400" dirty="0">
+                <a:solidFill>
+                  <a:srgbClr val="222222"/>
+                </a:solidFill>
+                <a:latin typeface="Consolas" panose="020B0609020204030204" pitchFamily="49" charset="0"/>
+              </a:rPr>
+              <a:t>);</a:t>
+            </a:r>
+            <a:endParaRPr lang="en-US" sz="2400" dirty="0">
+              <a:solidFill>
+                <a:srgbClr val="000000"/>
+              </a:solidFill>
+              <a:latin typeface="Consolas" panose="020B0609020204030204" pitchFamily="49" charset="0"/>
+            </a:endParaRPr>
+          </a:p>
+          <a:p>
+            <a:r>
+              <a:rPr lang="en-US" sz="2400" dirty="0" err="1">
+                <a:solidFill>
+                  <a:srgbClr val="0000FF"/>
+                </a:solidFill>
+                <a:latin typeface="Consolas" panose="020B0609020204030204" pitchFamily="49" charset="0"/>
+              </a:rPr>
+              <a:t>int</a:t>
+            </a:r>
+            <a:r>
+              <a:rPr lang="en-US" sz="2400" dirty="0">
+                <a:solidFill>
+                  <a:srgbClr val="000000"/>
+                </a:solidFill>
+                <a:latin typeface="Consolas" panose="020B0609020204030204" pitchFamily="49" charset="0"/>
+              </a:rPr>
+              <a:t> </a:t>
+            </a:r>
+            <a:r>
+              <a:rPr lang="en-US" sz="2400" dirty="0" err="1">
+                <a:solidFill>
+                  <a:srgbClr val="001080"/>
+                </a:solidFill>
+                <a:latin typeface="Consolas" panose="020B0609020204030204" pitchFamily="49" charset="0"/>
+              </a:rPr>
+              <a:t>lineCount</a:t>
+            </a:r>
+            <a:r>
+              <a:rPr lang="en-US" sz="2400" dirty="0">
+                <a:solidFill>
+                  <a:srgbClr val="000000"/>
+                </a:solidFill>
+                <a:latin typeface="Consolas" panose="020B0609020204030204" pitchFamily="49" charset="0"/>
+              </a:rPr>
+              <a:t> = </a:t>
+            </a:r>
+            <a:r>
+              <a:rPr lang="en-US" sz="2400" dirty="0" err="1">
+                <a:solidFill>
+                  <a:srgbClr val="001080"/>
+                </a:solidFill>
+                <a:latin typeface="Consolas" panose="020B0609020204030204" pitchFamily="49" charset="0"/>
+              </a:rPr>
+              <a:t>File</a:t>
+            </a:r>
+            <a:r>
+              <a:rPr lang="en-US" sz="2400" dirty="0" err="1">
+                <a:solidFill>
+                  <a:srgbClr val="000000"/>
+                </a:solidFill>
+                <a:latin typeface="Consolas" panose="020B0609020204030204" pitchFamily="49" charset="0"/>
+              </a:rPr>
+              <a:t>.</a:t>
+            </a:r>
+            <a:r>
+              <a:rPr lang="en-US" sz="2400" dirty="0" err="1">
+                <a:solidFill>
+                  <a:srgbClr val="001080"/>
+                </a:solidFill>
+                <a:latin typeface="Consolas" panose="020B0609020204030204" pitchFamily="49" charset="0"/>
+              </a:rPr>
+              <a:t>ReadAllLines</a:t>
+            </a:r>
+            <a:r>
+              <a:rPr lang="en-US" sz="2400" dirty="0">
+                <a:solidFill>
+                  <a:srgbClr val="222222"/>
+                </a:solidFill>
+                <a:latin typeface="Consolas" panose="020B0609020204030204" pitchFamily="49" charset="0"/>
+              </a:rPr>
+              <a:t>(</a:t>
+            </a:r>
+            <a:r>
+              <a:rPr lang="en-US" sz="2400" dirty="0" err="1">
+                <a:solidFill>
+                  <a:srgbClr val="001080"/>
+                </a:solidFill>
+                <a:latin typeface="Consolas" panose="020B0609020204030204" pitchFamily="49" charset="0"/>
+              </a:rPr>
+              <a:t>filePath</a:t>
+            </a:r>
+            <a:r>
+              <a:rPr lang="en-US" sz="2400" dirty="0">
+                <a:solidFill>
+                  <a:srgbClr val="222222"/>
+                </a:solidFill>
+                <a:latin typeface="Consolas" panose="020B0609020204030204" pitchFamily="49" charset="0"/>
+              </a:rPr>
+              <a:t>)</a:t>
+            </a:r>
+            <a:r>
+              <a:rPr lang="en-US" sz="2400" dirty="0">
+                <a:solidFill>
+                  <a:srgbClr val="000000"/>
+                </a:solidFill>
+                <a:latin typeface="Consolas" panose="020B0609020204030204" pitchFamily="49" charset="0"/>
+              </a:rPr>
+              <a:t>.</a:t>
+            </a:r>
+            <a:r>
+              <a:rPr lang="en-US" sz="2400" dirty="0">
+                <a:solidFill>
+                  <a:srgbClr val="001080"/>
+                </a:solidFill>
+                <a:latin typeface="Consolas" panose="020B0609020204030204" pitchFamily="49" charset="0"/>
+              </a:rPr>
+              <a:t>Length</a:t>
+            </a:r>
+            <a:r>
+              <a:rPr lang="en-US" sz="2400" dirty="0">
+                <a:solidFill>
+                  <a:srgbClr val="222222"/>
+                </a:solidFill>
+                <a:latin typeface="Consolas" panose="020B0609020204030204" pitchFamily="49" charset="0"/>
+              </a:rPr>
+              <a:t>;</a:t>
+            </a:r>
+            <a:endParaRPr lang="en-US" sz="2400" dirty="0">
+              <a:solidFill>
+                <a:srgbClr val="000000"/>
+              </a:solidFill>
+              <a:latin typeface="Consolas" panose="020B0609020204030204" pitchFamily="49" charset="0"/>
+            </a:endParaRPr>
+          </a:p>
+          <a:p>
+            <a:r>
+              <a:rPr lang="en-US" sz="2400" dirty="0" err="1">
+                <a:solidFill>
+                  <a:srgbClr val="001080"/>
+                </a:solidFill>
+                <a:latin typeface="Consolas" panose="020B0609020204030204" pitchFamily="49" charset="0"/>
+              </a:rPr>
+              <a:t>HashSet</a:t>
+            </a:r>
+            <a:r>
+              <a:rPr lang="en-US" sz="2400" dirty="0">
+                <a:solidFill>
+                  <a:srgbClr val="222222"/>
+                </a:solidFill>
+                <a:latin typeface="Consolas" panose="020B0609020204030204" pitchFamily="49" charset="0"/>
+              </a:rPr>
+              <a:t>&lt;</a:t>
+            </a:r>
+            <a:r>
+              <a:rPr lang="en-US" sz="2400" dirty="0">
+                <a:solidFill>
+                  <a:srgbClr val="0000FF"/>
+                </a:solidFill>
+                <a:latin typeface="Consolas" panose="020B0609020204030204" pitchFamily="49" charset="0"/>
+              </a:rPr>
+              <a:t>string</a:t>
+            </a:r>
+            <a:r>
+              <a:rPr lang="en-US" sz="2400" dirty="0">
+                <a:solidFill>
+                  <a:srgbClr val="222222"/>
+                </a:solidFill>
+                <a:latin typeface="Consolas" panose="020B0609020204030204" pitchFamily="49" charset="0"/>
+              </a:rPr>
+              <a:t>&gt;</a:t>
+            </a:r>
+            <a:r>
+              <a:rPr lang="en-US" sz="2400" dirty="0">
+                <a:solidFill>
+                  <a:srgbClr val="000000"/>
+                </a:solidFill>
+                <a:latin typeface="Consolas" panose="020B0609020204030204" pitchFamily="49" charset="0"/>
+              </a:rPr>
+              <a:t> </a:t>
+            </a:r>
+            <a:r>
+              <a:rPr lang="en-US" sz="2400" dirty="0" err="1">
+                <a:solidFill>
+                  <a:srgbClr val="001080"/>
+                </a:solidFill>
+                <a:latin typeface="Consolas" panose="020B0609020204030204" pitchFamily="49" charset="0"/>
+              </a:rPr>
+              <a:t>uniqueWords</a:t>
+            </a:r>
+            <a:r>
+              <a:rPr lang="en-US" sz="2400" dirty="0">
+                <a:solidFill>
+                  <a:srgbClr val="000000"/>
+                </a:solidFill>
+                <a:latin typeface="Consolas" panose="020B0609020204030204" pitchFamily="49" charset="0"/>
+              </a:rPr>
+              <a:t> = </a:t>
+            </a:r>
+            <a:r>
+              <a:rPr lang="en-US" sz="2400" dirty="0">
+                <a:solidFill>
+                  <a:srgbClr val="0000FF"/>
+                </a:solidFill>
+                <a:latin typeface="Consolas" panose="020B0609020204030204" pitchFamily="49" charset="0"/>
+              </a:rPr>
+              <a:t>new</a:t>
+            </a:r>
+            <a:r>
+              <a:rPr lang="en-US" sz="2400" dirty="0">
+                <a:solidFill>
+                  <a:srgbClr val="000000"/>
+                </a:solidFill>
+                <a:latin typeface="Consolas" panose="020B0609020204030204" pitchFamily="49" charset="0"/>
+              </a:rPr>
+              <a:t> </a:t>
+            </a:r>
+            <a:r>
+              <a:rPr lang="en-US" sz="2400" dirty="0" err="1">
+                <a:solidFill>
+                  <a:srgbClr val="001080"/>
+                </a:solidFill>
+                <a:latin typeface="Consolas" panose="020B0609020204030204" pitchFamily="49" charset="0"/>
+              </a:rPr>
+              <a:t>HashSet</a:t>
+            </a:r>
+            <a:r>
+              <a:rPr lang="en-US" sz="2400" dirty="0">
+                <a:solidFill>
+                  <a:srgbClr val="222222"/>
+                </a:solidFill>
+                <a:latin typeface="Consolas" panose="020B0609020204030204" pitchFamily="49" charset="0"/>
+              </a:rPr>
+              <a:t>&lt;</a:t>
+            </a:r>
+            <a:r>
+              <a:rPr lang="en-US" sz="2400" dirty="0">
+                <a:solidFill>
+                  <a:srgbClr val="0000FF"/>
+                </a:solidFill>
+                <a:latin typeface="Consolas" panose="020B0609020204030204" pitchFamily="49" charset="0"/>
+              </a:rPr>
+              <a:t>string</a:t>
+            </a:r>
+            <a:r>
+              <a:rPr lang="en-US" sz="2400" dirty="0">
+                <a:solidFill>
+                  <a:srgbClr val="222222"/>
+                </a:solidFill>
+                <a:latin typeface="Consolas" panose="020B0609020204030204" pitchFamily="49" charset="0"/>
+              </a:rPr>
+              <a:t>&gt;(</a:t>
+            </a:r>
+            <a:r>
+              <a:rPr lang="en-US" sz="2400" dirty="0">
+                <a:solidFill>
+                  <a:srgbClr val="001080"/>
+                </a:solidFill>
+                <a:latin typeface="Consolas" panose="020B0609020204030204" pitchFamily="49" charset="0"/>
+              </a:rPr>
+              <a:t>words</a:t>
+            </a:r>
+            <a:r>
+              <a:rPr lang="en-US" sz="2400" dirty="0">
+                <a:solidFill>
+                  <a:srgbClr val="222222"/>
+                </a:solidFill>
+                <a:latin typeface="Consolas" panose="020B0609020204030204" pitchFamily="49" charset="0"/>
+              </a:rPr>
+              <a:t>);</a:t>
+            </a:r>
+            <a:endParaRPr lang="en-US" sz="2400" dirty="0">
+              <a:solidFill>
+                <a:srgbClr val="000000"/>
+              </a:solidFill>
+              <a:latin typeface="Consolas" panose="020B0609020204030204" pitchFamily="49" charset="0"/>
+            </a:endParaRPr>
+          </a:p>
+          <a:p>
+            <a:r>
+              <a:rPr lang="en-US" sz="2400" dirty="0">
+                <a:solidFill>
+                  <a:srgbClr val="000000"/>
+                </a:solidFill>
+                <a:latin typeface="Consolas" panose="020B0609020204030204" pitchFamily="49" charset="0"/>
+              </a:rPr>
+              <a:t/>
+            </a:r>
+            <a:br>
+              <a:rPr lang="en-US" sz="2400" dirty="0">
+                <a:solidFill>
+                  <a:srgbClr val="000000"/>
+                </a:solidFill>
+                <a:latin typeface="Consolas" panose="020B0609020204030204" pitchFamily="49" charset="0"/>
+              </a:rPr>
+            </a:br>
+            <a:r>
+              <a:rPr lang="en-US" sz="2400" dirty="0" err="1">
+                <a:solidFill>
+                  <a:srgbClr val="001080"/>
+                </a:solidFill>
+                <a:latin typeface="Consolas" panose="020B0609020204030204" pitchFamily="49" charset="0"/>
+              </a:rPr>
+              <a:t>Console</a:t>
+            </a:r>
+            <a:r>
+              <a:rPr lang="en-US" sz="2400" dirty="0" err="1">
+                <a:solidFill>
+                  <a:srgbClr val="000000"/>
+                </a:solidFill>
+                <a:latin typeface="Consolas" panose="020B0609020204030204" pitchFamily="49" charset="0"/>
+              </a:rPr>
+              <a:t>.</a:t>
+            </a:r>
+            <a:r>
+              <a:rPr lang="en-US" sz="2400" dirty="0" err="1">
+                <a:solidFill>
+                  <a:srgbClr val="001080"/>
+                </a:solidFill>
+                <a:latin typeface="Consolas" panose="020B0609020204030204" pitchFamily="49" charset="0"/>
+              </a:rPr>
+              <a:t>WriteLine</a:t>
+            </a:r>
+            <a:r>
+              <a:rPr lang="en-US" sz="2400" dirty="0">
+                <a:solidFill>
+                  <a:srgbClr val="222222"/>
+                </a:solidFill>
+                <a:latin typeface="Consolas" panose="020B0609020204030204" pitchFamily="49" charset="0"/>
+              </a:rPr>
+              <a:t>(</a:t>
+            </a:r>
+            <a:r>
+              <a:rPr lang="en-US" sz="2400" dirty="0">
+                <a:solidFill>
+                  <a:srgbClr val="A31515"/>
+                </a:solidFill>
+                <a:latin typeface="Consolas" panose="020B0609020204030204" pitchFamily="49" charset="0"/>
+              </a:rPr>
+              <a:t>$"</a:t>
+            </a:r>
+            <a:r>
+              <a:rPr lang="ru-RU" sz="2400" dirty="0">
+                <a:solidFill>
+                  <a:srgbClr val="A31515"/>
+                </a:solidFill>
+                <a:latin typeface="Consolas" panose="020B0609020204030204" pitchFamily="49" charset="0"/>
+              </a:rPr>
+              <a:t>Количество строк: </a:t>
+            </a:r>
+            <a:r>
+              <a:rPr lang="ru-RU" sz="2400" dirty="0">
+                <a:solidFill>
+                  <a:srgbClr val="222222"/>
+                </a:solidFill>
+                <a:latin typeface="Consolas" panose="020B0609020204030204" pitchFamily="49" charset="0"/>
+              </a:rPr>
+              <a:t>{</a:t>
+            </a:r>
+            <a:r>
+              <a:rPr lang="en-US" sz="2400" dirty="0" err="1">
+                <a:solidFill>
+                  <a:srgbClr val="001080"/>
+                </a:solidFill>
+                <a:latin typeface="Consolas" panose="020B0609020204030204" pitchFamily="49" charset="0"/>
+              </a:rPr>
+              <a:t>lineCount</a:t>
+            </a:r>
+            <a:r>
+              <a:rPr lang="en-US" sz="2400" dirty="0">
+                <a:solidFill>
+                  <a:srgbClr val="222222"/>
+                </a:solidFill>
+                <a:latin typeface="Consolas" panose="020B0609020204030204" pitchFamily="49" charset="0"/>
+              </a:rPr>
+              <a:t>}</a:t>
+            </a:r>
+            <a:r>
+              <a:rPr lang="en-US" sz="2400" dirty="0">
+                <a:solidFill>
+                  <a:srgbClr val="A31515"/>
+                </a:solidFill>
+                <a:latin typeface="Consolas" panose="020B0609020204030204" pitchFamily="49" charset="0"/>
+              </a:rPr>
+              <a:t>"</a:t>
+            </a:r>
+            <a:r>
+              <a:rPr lang="en-US" sz="2400" dirty="0">
+                <a:solidFill>
+                  <a:srgbClr val="222222"/>
+                </a:solidFill>
+                <a:latin typeface="Consolas" panose="020B0609020204030204" pitchFamily="49" charset="0"/>
+              </a:rPr>
+              <a:t>);</a:t>
+            </a:r>
+            <a:endParaRPr lang="en-US" sz="2400" dirty="0">
+              <a:solidFill>
+                <a:srgbClr val="000000"/>
+              </a:solidFill>
+              <a:latin typeface="Consolas" panose="020B0609020204030204" pitchFamily="49" charset="0"/>
+            </a:endParaRPr>
+          </a:p>
+          <a:p>
+            <a:r>
+              <a:rPr lang="en-US" sz="2400" dirty="0" err="1">
+                <a:solidFill>
+                  <a:srgbClr val="001080"/>
+                </a:solidFill>
+                <a:latin typeface="Consolas" panose="020B0609020204030204" pitchFamily="49" charset="0"/>
+              </a:rPr>
+              <a:t>Console</a:t>
+            </a:r>
+            <a:r>
+              <a:rPr lang="en-US" sz="2400" dirty="0" err="1">
+                <a:solidFill>
+                  <a:srgbClr val="000000"/>
+                </a:solidFill>
+                <a:latin typeface="Consolas" panose="020B0609020204030204" pitchFamily="49" charset="0"/>
+              </a:rPr>
+              <a:t>.</a:t>
+            </a:r>
+            <a:r>
+              <a:rPr lang="en-US" sz="2400" dirty="0" err="1">
+                <a:solidFill>
+                  <a:srgbClr val="001080"/>
+                </a:solidFill>
+                <a:latin typeface="Consolas" panose="020B0609020204030204" pitchFamily="49" charset="0"/>
+              </a:rPr>
+              <a:t>WriteLine</a:t>
+            </a:r>
+            <a:r>
+              <a:rPr lang="en-US" sz="2400" dirty="0">
+                <a:solidFill>
+                  <a:srgbClr val="222222"/>
+                </a:solidFill>
+                <a:latin typeface="Consolas" panose="020B0609020204030204" pitchFamily="49" charset="0"/>
+              </a:rPr>
+              <a:t>(</a:t>
+            </a:r>
+            <a:r>
+              <a:rPr lang="en-US" sz="2400" dirty="0">
+                <a:solidFill>
+                  <a:srgbClr val="A31515"/>
+                </a:solidFill>
+                <a:latin typeface="Consolas" panose="020B0609020204030204" pitchFamily="49" charset="0"/>
+              </a:rPr>
+              <a:t>$"</a:t>
+            </a:r>
+            <a:r>
+              <a:rPr lang="ru-RU" sz="2400" dirty="0">
+                <a:solidFill>
+                  <a:srgbClr val="A31515"/>
+                </a:solidFill>
+                <a:latin typeface="Consolas" panose="020B0609020204030204" pitchFamily="49" charset="0"/>
+              </a:rPr>
+              <a:t>Количество слов: </a:t>
+            </a:r>
+            <a:r>
+              <a:rPr lang="ru-RU" sz="2400" dirty="0">
+                <a:solidFill>
+                  <a:srgbClr val="222222"/>
+                </a:solidFill>
+                <a:latin typeface="Consolas" panose="020B0609020204030204" pitchFamily="49" charset="0"/>
+              </a:rPr>
+              <a:t>{</a:t>
+            </a:r>
+            <a:r>
+              <a:rPr lang="en-US" sz="2400" dirty="0" err="1">
+                <a:solidFill>
+                  <a:srgbClr val="001080"/>
+                </a:solidFill>
+                <a:latin typeface="Consolas" panose="020B0609020204030204" pitchFamily="49" charset="0"/>
+              </a:rPr>
+              <a:t>words</a:t>
+            </a:r>
+            <a:r>
+              <a:rPr lang="en-US" sz="2400" dirty="0" err="1">
+                <a:solidFill>
+                  <a:srgbClr val="000000"/>
+                </a:solidFill>
+                <a:latin typeface="Consolas" panose="020B0609020204030204" pitchFamily="49" charset="0"/>
+              </a:rPr>
+              <a:t>.</a:t>
+            </a:r>
+            <a:r>
+              <a:rPr lang="en-US" sz="2400" dirty="0" err="1">
+                <a:solidFill>
+                  <a:srgbClr val="001080"/>
+                </a:solidFill>
+                <a:latin typeface="Consolas" panose="020B0609020204030204" pitchFamily="49" charset="0"/>
+              </a:rPr>
+              <a:t>Length</a:t>
+            </a:r>
+            <a:r>
+              <a:rPr lang="en-US" sz="2400" dirty="0">
+                <a:solidFill>
+                  <a:srgbClr val="222222"/>
+                </a:solidFill>
+                <a:latin typeface="Consolas" panose="020B0609020204030204" pitchFamily="49" charset="0"/>
+              </a:rPr>
+              <a:t>}</a:t>
+            </a:r>
+            <a:r>
+              <a:rPr lang="en-US" sz="2400" dirty="0">
+                <a:solidFill>
+                  <a:srgbClr val="A31515"/>
+                </a:solidFill>
+                <a:latin typeface="Consolas" panose="020B0609020204030204" pitchFamily="49" charset="0"/>
+              </a:rPr>
+              <a:t>"</a:t>
+            </a:r>
+            <a:r>
+              <a:rPr lang="en-US" sz="2400" dirty="0">
+                <a:solidFill>
+                  <a:srgbClr val="222222"/>
+                </a:solidFill>
+                <a:latin typeface="Consolas" panose="020B0609020204030204" pitchFamily="49" charset="0"/>
+              </a:rPr>
+              <a:t>);</a:t>
+            </a:r>
+            <a:endParaRPr lang="en-US" sz="2400" dirty="0">
+              <a:solidFill>
+                <a:srgbClr val="000000"/>
+              </a:solidFill>
+              <a:latin typeface="Consolas" panose="020B0609020204030204" pitchFamily="49" charset="0"/>
+            </a:endParaRPr>
+          </a:p>
+          <a:p>
+            <a:r>
+              <a:rPr lang="en-US" sz="2400" dirty="0" err="1">
+                <a:solidFill>
+                  <a:srgbClr val="001080"/>
+                </a:solidFill>
+                <a:latin typeface="Consolas" panose="020B0609020204030204" pitchFamily="49" charset="0"/>
+              </a:rPr>
+              <a:t>Console</a:t>
+            </a:r>
+            <a:r>
+              <a:rPr lang="en-US" sz="2400" dirty="0" err="1">
+                <a:solidFill>
+                  <a:srgbClr val="000000"/>
+                </a:solidFill>
+                <a:latin typeface="Consolas" panose="020B0609020204030204" pitchFamily="49" charset="0"/>
+              </a:rPr>
+              <a:t>.</a:t>
+            </a:r>
+            <a:r>
+              <a:rPr lang="en-US" sz="2400" dirty="0" err="1">
+                <a:solidFill>
+                  <a:srgbClr val="001080"/>
+                </a:solidFill>
+                <a:latin typeface="Consolas" panose="020B0609020204030204" pitchFamily="49" charset="0"/>
+              </a:rPr>
+              <a:t>WriteLine</a:t>
+            </a:r>
+            <a:r>
+              <a:rPr lang="en-US" sz="2400" dirty="0">
+                <a:solidFill>
+                  <a:srgbClr val="222222"/>
+                </a:solidFill>
+                <a:latin typeface="Consolas" panose="020B0609020204030204" pitchFamily="49" charset="0"/>
+              </a:rPr>
+              <a:t>(</a:t>
+            </a:r>
+            <a:r>
+              <a:rPr lang="en-US" sz="2400" dirty="0">
+                <a:solidFill>
+                  <a:srgbClr val="A31515"/>
+                </a:solidFill>
+                <a:latin typeface="Consolas" panose="020B0609020204030204" pitchFamily="49" charset="0"/>
+              </a:rPr>
+              <a:t>$"</a:t>
+            </a:r>
+            <a:r>
+              <a:rPr lang="ru-RU" sz="2400" dirty="0">
+                <a:solidFill>
+                  <a:srgbClr val="A31515"/>
+                </a:solidFill>
+                <a:latin typeface="Consolas" panose="020B0609020204030204" pitchFamily="49" charset="0"/>
+              </a:rPr>
+              <a:t>Количество уникальных слов: </a:t>
+            </a:r>
+            <a:r>
+              <a:rPr lang="ru-RU" sz="2400" dirty="0">
+                <a:solidFill>
+                  <a:srgbClr val="222222"/>
+                </a:solidFill>
+                <a:latin typeface="Consolas" panose="020B0609020204030204" pitchFamily="49" charset="0"/>
+              </a:rPr>
+              <a:t>{</a:t>
+            </a:r>
+            <a:r>
+              <a:rPr lang="en-US" sz="2400" dirty="0" err="1">
+                <a:solidFill>
+                  <a:srgbClr val="001080"/>
+                </a:solidFill>
+                <a:latin typeface="Consolas" panose="020B0609020204030204" pitchFamily="49" charset="0"/>
+              </a:rPr>
+              <a:t>uniqueWords</a:t>
+            </a:r>
+            <a:r>
+              <a:rPr lang="en-US" sz="2400" dirty="0" err="1">
+                <a:solidFill>
+                  <a:srgbClr val="000000"/>
+                </a:solidFill>
+                <a:latin typeface="Consolas" panose="020B0609020204030204" pitchFamily="49" charset="0"/>
+              </a:rPr>
+              <a:t>.</a:t>
+            </a:r>
+            <a:r>
+              <a:rPr lang="en-US" sz="2400" dirty="0" err="1">
+                <a:solidFill>
+                  <a:srgbClr val="001080"/>
+                </a:solidFill>
+                <a:latin typeface="Consolas" panose="020B0609020204030204" pitchFamily="49" charset="0"/>
+              </a:rPr>
+              <a:t>Count</a:t>
+            </a:r>
+            <a:r>
+              <a:rPr lang="en-US" sz="2400" dirty="0">
+                <a:solidFill>
+                  <a:srgbClr val="222222"/>
+                </a:solidFill>
+                <a:latin typeface="Consolas" panose="020B0609020204030204" pitchFamily="49" charset="0"/>
+              </a:rPr>
+              <a:t>}</a:t>
+            </a:r>
+            <a:r>
+              <a:rPr lang="en-US" sz="2400" dirty="0">
+                <a:solidFill>
+                  <a:srgbClr val="A31515"/>
+                </a:solidFill>
+                <a:latin typeface="Consolas" panose="020B0609020204030204" pitchFamily="49" charset="0"/>
+              </a:rPr>
+              <a:t>"</a:t>
+            </a:r>
+            <a:r>
+              <a:rPr lang="en-US" sz="2400" dirty="0">
+                <a:solidFill>
+                  <a:srgbClr val="222222"/>
+                </a:solidFill>
+                <a:latin typeface="Consolas" panose="020B0609020204030204" pitchFamily="49" charset="0"/>
+              </a:rPr>
+              <a:t>);</a:t>
+            </a:r>
+            <a:endParaRPr lang="en-US" sz="2400" b="0" dirty="0">
+              <a:solidFill>
+                <a:srgbClr val="000000"/>
+              </a:solidFill>
+              <a:effectLst/>
+              <a:latin typeface="Consolas" panose="020B0609020204030204" pitchFamily="49" charset="0"/>
+            </a:endParaRPr>
+          </a:p>
+        </p:txBody>
+      </p:sp>
+      <p:sp>
+        <p:nvSpPr>
+          <p:cNvPr id="47" name="Rectangle 26"/>
+          <p:cNvSpPr>
+            <a:spLocks noChangeArrowheads="1"/>
+          </p:cNvSpPr>
+          <p:nvPr/>
+        </p:nvSpPr>
+        <p:spPr bwMode="auto">
+          <a:xfrm>
+            <a:off x="6147240" y="1887472"/>
+            <a:ext cx="138564" cy="276999"/>
+          </a:xfrm>
+          <a:prstGeom prst="rect">
+            <a:avLst/>
+          </a:prstGeom>
+          <a:noFill/>
+          <a:ln>
+            <a:noFill/>
+          </a:ln>
+          <a:effectLst/>
+          <a:extLst>
+            <a:ext uri="{909E8E84-426E-40DD-AFC4-6F175D3DCCD1}">
+              <a14:hiddenFill xmlns:a14="http://schemas.microsoft.com/office/drawing/2010/main">
+                <a:solidFill>
+                  <a:schemeClr val="accent1"/>
+                </a:solidFill>
+              </a14:hiddenFill>
+            </a:ext>
+            <a:ext uri="{91240B29-F687-4F45-9708-019B960494DF}">
+              <a14:hiddenLine xmlns:a14="http://schemas.microsoft.com/office/drawing/2010/main" w="9525">
+                <a:solidFill>
+                  <a:schemeClr val="tx1"/>
+                </a:solidFill>
+                <a:miter lim="800000"/>
+                <a:headEnd/>
+                <a:tailEnd/>
+              </a14:hiddenLine>
+            </a:ext>
+            <a:ext uri="{AF507438-7753-43E0-B8FC-AC1667EBCBE1}">
+              <a14:hiddenEffects xmlns:a14="http://schemas.microsoft.com/office/drawing/2010/main">
+                <a:effectLst>
+                  <a:outerShdw dist="35921" dir="2700000" algn="ctr" rotWithShape="0">
+                    <a:schemeClr val="bg2"/>
+                  </a:outerShdw>
+                </a:effectLst>
+              </a14:hiddenEffects>
+            </a:ext>
+          </a:extLst>
+        </p:spPr>
+        <p:txBody>
+          <a:bodyPr vert="horz" wrap="none" lIns="68580" tIns="34290" rIns="68580" bIns="34290" numCol="1" anchor="ctr" anchorCtr="0" compatLnSpc="1">
+            <a:prstTxWarp prst="textNoShape">
+              <a:avLst/>
+            </a:prstTxWarp>
+            <a:spAutoFit/>
+          </a:bodyPr>
+          <a:lstStyle/>
+          <a:p>
+            <a:endParaRPr lang="en-US" sz="1350"/>
+          </a:p>
+        </p:txBody>
+      </p:sp>
+      <p:sp>
+        <p:nvSpPr>
+          <p:cNvPr id="4" name="Прямоугольник 3"/>
+          <p:cNvSpPr/>
+          <p:nvPr/>
+        </p:nvSpPr>
+        <p:spPr>
+          <a:xfrm>
+            <a:off x="156526" y="694200"/>
+            <a:ext cx="12035473" cy="400110"/>
+          </a:xfrm>
+          <a:prstGeom prst="rect">
+            <a:avLst/>
+          </a:prstGeom>
+        </p:spPr>
+        <p:txBody>
+          <a:bodyPr wrap="square">
+            <a:spAutoFit/>
+          </a:bodyPr>
+          <a:lstStyle/>
+          <a:p>
+            <a:endParaRPr lang="ru-RU" sz="2000" dirty="0">
+              <a:solidFill>
+                <a:srgbClr val="000000"/>
+              </a:solidFill>
+              <a:latin typeface="Cascadia Mono" panose="020B0609020000020004" pitchFamily="49" charset="0"/>
+            </a:endParaRPr>
+          </a:p>
+        </p:txBody>
+      </p:sp>
+    </p:spTree>
+    <p:extLst>
+      <p:ext uri="{BB962C8B-B14F-4D97-AF65-F5344CB8AC3E}">
+        <p14:creationId xmlns:p14="http://schemas.microsoft.com/office/powerpoint/2010/main" val="1073371761"/>
       </p:ext>
     </p:extLst>
   </p:cSld>

--- a/Лекции/ИТиП лек 4 (лр 4).pptx
+++ b/Лекции/ИТиП лек 4 (лр 4).pptx
@@ -2095,7 +2095,19 @@
           <a:bodyPr/>
           <a:lstStyle/>
           <a:p>
-            <a:endParaRPr lang="ru-RU"/>
+            <a:r>
+              <a:rPr lang="ru-RU" dirty="0" smtClean="0"/>
+              <a:t>Пояснения </a:t>
+            </a:r>
+            <a:r>
+              <a:rPr lang="ru-RU" smtClean="0"/>
+              <a:t>про словарь </a:t>
+            </a:r>
+            <a:r>
+              <a:rPr lang="en-US" smtClean="0"/>
+              <a:t>https://habr.com/ru/articles/198104/</a:t>
+            </a:r>
+            <a:endParaRPr lang="ru-RU" dirty="0"/>
           </a:p>
         </p:txBody>
       </p:sp>

--- a/Лекции/ИТиП лек 4 (лр 4).pptx
+++ b/Лекции/ИТиП лек 4 (лр 4).pptx
@@ -247,7 +247,7 @@
             <a:fld id="{AA2F9473-F066-431E-A6E8-1D478C995A6B}" type="datetimeFigureOut">
               <a:rPr lang="en-US" smtClean="0"/>
               <a:pPr/>
-              <a:t>11/14/2024</a:t>
+              <a:t>11/28/2024</a:t>
             </a:fld>
             <a:endParaRPr lang="en-US"/>
           </a:p>
@@ -20025,7 +20025,43 @@
                 </a:solidFill>
                 <a:latin typeface="Cascadia Mono" panose="020B0609020000020004" pitchFamily="49" charset="0"/>
               </a:rPr>
-              <a:t>@"G:\\папка 1\\папка 2\\папка 3</a:t>
+              <a:t>@"G</a:t>
+            </a:r>
+            <a:r>
+              <a:rPr lang="ru-RU" sz="2400" dirty="0" smtClean="0">
+                <a:solidFill>
+                  <a:srgbClr val="800000"/>
+                </a:solidFill>
+                <a:latin typeface="Cascadia Mono" panose="020B0609020000020004" pitchFamily="49" charset="0"/>
+              </a:rPr>
+              <a:t>:\</a:t>
+            </a:r>
+            <a:r>
+              <a:rPr lang="ru-RU" sz="2400" dirty="0">
+                <a:solidFill>
+                  <a:srgbClr val="800000"/>
+                </a:solidFill>
+                <a:latin typeface="Cascadia Mono" panose="020B0609020000020004" pitchFamily="49" charset="0"/>
+              </a:rPr>
+              <a:t>папка </a:t>
+            </a:r>
+            <a:r>
+              <a:rPr lang="ru-RU" sz="2400" dirty="0" smtClean="0">
+                <a:solidFill>
+                  <a:srgbClr val="800000"/>
+                </a:solidFill>
+                <a:latin typeface="Cascadia Mono" panose="020B0609020000020004" pitchFamily="49" charset="0"/>
+              </a:rPr>
+              <a:t>1\папка 2\папка </a:t>
+            </a:r>
+            <a:r>
+              <a:rPr lang="ru-RU" sz="2400" dirty="0">
+                <a:solidFill>
+                  <a:srgbClr val="800000"/>
+                </a:solidFill>
+                <a:latin typeface="Cascadia Mono" panose="020B0609020000020004" pitchFamily="49" charset="0"/>
+              </a:rPr>
+              <a:t>3</a:t>
             </a:r>
             <a:r>
               <a:rPr lang="ru-RU" sz="2400" dirty="0" smtClean="0">
@@ -20107,7 +20143,43 @@
                 </a:solidFill>
                 <a:latin typeface="Cascadia Mono" panose="020B0609020000020004" pitchFamily="49" charset="0"/>
               </a:rPr>
-              <a:t>@"G:\\папка 1\\папка 2\\папка 3\"</a:t>
+              <a:t>@"G</a:t>
+            </a:r>
+            <a:r>
+              <a:rPr lang="ru-RU" sz="2400" dirty="0" smtClean="0">
+                <a:solidFill>
+                  <a:srgbClr val="800000"/>
+                </a:solidFill>
+                <a:latin typeface="Cascadia Mono" panose="020B0609020000020004" pitchFamily="49" charset="0"/>
+              </a:rPr>
+              <a:t>:\</a:t>
+            </a:r>
+            <a:r>
+              <a:rPr lang="ru-RU" sz="2400">
+                <a:solidFill>
+                  <a:srgbClr val="800000"/>
+                </a:solidFill>
+                <a:latin typeface="Cascadia Mono" panose="020B0609020000020004" pitchFamily="49" charset="0"/>
+              </a:rPr>
+              <a:t>папка </a:t>
+            </a:r>
+            <a:r>
+              <a:rPr lang="ru-RU" sz="2400" smtClean="0">
+                <a:solidFill>
+                  <a:srgbClr val="800000"/>
+                </a:solidFill>
+                <a:latin typeface="Cascadia Mono" panose="020B0609020000020004" pitchFamily="49" charset="0"/>
+              </a:rPr>
+              <a:t>1\папка 2\папка </a:t>
+            </a:r>
+            <a:r>
+              <a:rPr lang="ru-RU" sz="2400" dirty="0">
+                <a:solidFill>
+                  <a:srgbClr val="800000"/>
+                </a:solidFill>
+                <a:latin typeface="Cascadia Mono" panose="020B0609020000020004" pitchFamily="49" charset="0"/>
+              </a:rPr>
+              <a:t>3\"</a:t>
             </a:r>
             <a:r>
               <a:rPr lang="ru-RU" sz="2400" dirty="0">

--- a/Лекции/ИТиП лек 4 (лр 4).pptx
+++ b/Лекции/ИТиП лек 4 (лр 4).pptx
@@ -247,7 +247,7 @@
             <a:fld id="{AA2F9473-F066-431E-A6E8-1D478C995A6B}" type="datetimeFigureOut">
               <a:rPr lang="en-US" smtClean="0"/>
               <a:pPr/>
-              <a:t>11/28/2024</a:t>
+              <a:t>3/11/2025</a:t>
             </a:fld>
             <a:endParaRPr lang="en-US"/>
           </a:p>

--- a/Лекции/ИТиП лек 4 (лр 4).pptx
+++ b/Лекции/ИТиП лек 4 (лр 4).pptx
@@ -247,7 +247,7 @@
             <a:fld id="{AA2F9473-F066-431E-A6E8-1D478C995A6B}" type="datetimeFigureOut">
               <a:rPr lang="en-US" smtClean="0"/>
               <a:pPr/>
-              <a:t>3/11/2025</a:t>
+              <a:t>4/23/2025</a:t>
             </a:fld>
             <a:endParaRPr lang="en-US"/>
           </a:p>
@@ -5634,7 +5634,7 @@
           <a:noFill/>
         </p:spPr>
         <p:txBody>
-          <a:bodyPr wrap="square">
+          <a:bodyPr wrap="square" lIns="360000" rIns="360000">
             <a:spAutoFit/>
           </a:bodyPr>
           <a:lstStyle/>
@@ -5876,7 +5876,7 @@
           </a:prstGeom>
         </p:spPr>
         <p:txBody>
-          <a:bodyPr wrap="square">
+          <a:bodyPr wrap="square" lIns="360000" rIns="360000">
             <a:spAutoFit/>
           </a:bodyPr>
           <a:lstStyle/>
@@ -6306,7 +6306,7 @@
           </a:prstGeom>
         </p:spPr>
         <p:txBody>
-          <a:bodyPr wrap="square">
+          <a:bodyPr wrap="square" lIns="360000" rIns="360000">
             <a:spAutoFit/>
           </a:bodyPr>
           <a:lstStyle/>
@@ -6967,7 +6967,7 @@
           </a:prstGeom>
         </p:spPr>
         <p:txBody>
-          <a:bodyPr wrap="square">
+          <a:bodyPr wrap="square" lIns="360000" rIns="360000">
             <a:spAutoFit/>
           </a:bodyPr>
           <a:lstStyle/>
@@ -7096,18 +7096,18 @@
               </a:rPr>
               <a:t>.)</a:t>
             </a:r>
+          </a:p>
+          <a:p>
+            <a:pPr algn="just">
+              <a:buFont typeface="+mj-lt"/>
+              <a:buAutoNum type="arabicPeriod"/>
+            </a:pPr>
             <a:endParaRPr lang="en-US" sz="2400" dirty="0" smtClean="0">
               <a:latin typeface="Bookman Old Style" panose="02050604050505020204" pitchFamily="18" charset="0"/>
             </a:endParaRPr>
           </a:p>
           <a:p>
             <a:pPr algn="just"/>
-            <a:endParaRPr lang="en-US" sz="2400" dirty="0" smtClean="0">
-              <a:latin typeface="Bookman Old Style" panose="02050604050505020204" pitchFamily="18" charset="0"/>
-            </a:endParaRPr>
-          </a:p>
-          <a:p>
-            <a:pPr algn="just"/>
             <a:r>
               <a:rPr lang="ru-RU" sz="2400" dirty="0" smtClean="0">
                 <a:latin typeface="Bookman Old Style" panose="02050604050505020204" pitchFamily="18" charset="0"/>
@@ -7118,7 +7118,19 @@
               <a:rPr lang="ru-RU" sz="2400" dirty="0">
                 <a:latin typeface="Bookman Old Style" panose="02050604050505020204" pitchFamily="18" charset="0"/>
               </a:rPr>
-              <a:t>вместо того, чтобы считать скучные сложные формулы, инженеры пользуются так называемой </a:t>
+              <a:t>вместо того, чтобы считать </a:t>
+            </a:r>
+            <a:r>
+              <a:rPr lang="ru-RU" sz="2400" dirty="0" smtClean="0">
+                <a:latin typeface="Bookman Old Style" panose="02050604050505020204" pitchFamily="18" charset="0"/>
+              </a:rPr>
+              <a:t>сложные </a:t>
+            </a:r>
+            <a:r>
+              <a:rPr lang="ru-RU" sz="2400" dirty="0">
+                <a:latin typeface="Bookman Old Style" panose="02050604050505020204" pitchFamily="18" charset="0"/>
+              </a:rPr>
+              <a:t>формулы, инженеры пользуются  </a:t>
             </a:r>
             <a:r>
               <a:rPr lang="ru-RU" sz="2400" i="1" dirty="0">
@@ -7192,7 +7204,7 @@
           </a:prstGeom>
         </p:spPr>
         <p:txBody>
-          <a:bodyPr wrap="square">
+          <a:bodyPr wrap="square" lIns="360000" rIns="360000">
             <a:spAutoFit/>
           </a:bodyPr>
           <a:lstStyle/>
@@ -7837,7 +7849,7 @@
           </a:prstGeom>
         </p:spPr>
         <p:txBody>
-          <a:bodyPr wrap="square">
+          <a:bodyPr wrap="square" lIns="360000" rIns="360000">
             <a:spAutoFit/>
           </a:bodyPr>
           <a:lstStyle/>
@@ -8107,7 +8119,7 @@
           </a:p>
           <a:p>
             <a:pPr algn="just"/>
-            <a:endParaRPr lang="en-US" sz="2400" dirty="0">
+            <a:endParaRPr lang="ru-RU" sz="2400" dirty="0">
               <a:solidFill>
                 <a:srgbClr val="000000"/>
               </a:solidFill>
@@ -8202,14 +8214,14 @@
         <p:spPr>
           <a:xfrm>
             <a:off x="5080000" y="0"/>
-            <a:ext cx="7112000" cy="3907673"/>
+            <a:ext cx="7112000" cy="3970318"/>
           </a:xfrm>
           <a:prstGeom prst="rect">
             <a:avLst/>
           </a:prstGeom>
         </p:spPr>
         <p:txBody>
-          <a:bodyPr wrap="square">
+          <a:bodyPr wrap="square" rIns="360000">
             <a:spAutoFit/>
           </a:bodyPr>
           <a:lstStyle/>
@@ -8369,8 +8381,8 @@
         </p:nvSpPr>
         <p:spPr>
           <a:xfrm>
-            <a:off x="1" y="660143"/>
-            <a:ext cx="11734800" cy="4524315"/>
+            <a:off x="0" y="660143"/>
+            <a:ext cx="12191999" cy="4524315"/>
           </a:xfrm>
           <a:prstGeom prst="rect">
             <a:avLst/>
@@ -8378,7 +8390,7 @@
           <a:noFill/>
         </p:spPr>
         <p:txBody>
-          <a:bodyPr wrap="square">
+          <a:bodyPr wrap="square" lIns="360000" rIns="360000">
             <a:spAutoFit/>
           </a:bodyPr>
           <a:lstStyle/>
@@ -9981,7 +9993,7 @@
         <p:spPr>
           <a:xfrm>
             <a:off x="0" y="687143"/>
-            <a:ext cx="12192000" cy="580672"/>
+            <a:ext cx="12192000" cy="646331"/>
           </a:xfrm>
           <a:prstGeom prst="rect">
             <a:avLst/>
@@ -9989,7 +10001,7 @@
           <a:noFill/>
         </p:spPr>
         <p:txBody>
-          <a:bodyPr wrap="square">
+          <a:bodyPr wrap="square" lIns="360000" rIns="360000">
             <a:spAutoFit/>
           </a:bodyPr>
           <a:lstStyle/>
@@ -10058,15 +10070,15 @@
         </p:nvSpPr>
         <p:spPr>
           <a:xfrm>
-            <a:off x="51240" y="1365557"/>
-            <a:ext cx="8724460" cy="4524315"/>
+            <a:off x="0" y="1365557"/>
+            <a:ext cx="8842654" cy="5078313"/>
           </a:xfrm>
           <a:prstGeom prst="rect">
             <a:avLst/>
           </a:prstGeom>
         </p:spPr>
         <p:txBody>
-          <a:bodyPr wrap="square">
+          <a:bodyPr wrap="square" lIns="360000" rIns="360000">
             <a:spAutoFit/>
           </a:bodyPr>
           <a:lstStyle/>
@@ -15105,8 +15117,8 @@
         </p:blipFill>
         <p:spPr>
           <a:xfrm>
-            <a:off x="0" y="749108"/>
-            <a:ext cx="12190511" cy="6108892"/>
+            <a:off x="200025" y="749108"/>
+            <a:ext cx="11887200" cy="5956897"/>
           </a:xfrm>
           <a:prstGeom prst="rect">
             <a:avLst/>
@@ -15193,8 +15205,8 @@
         </p:nvCxnSpPr>
         <p:spPr>
           <a:xfrm flipH="1">
-            <a:off x="506264" y="691445"/>
-            <a:ext cx="1624361" cy="3257100"/>
+            <a:off x="638175" y="691445"/>
+            <a:ext cx="1492450" cy="3223330"/>
           </a:xfrm>
           <a:prstGeom prst="straightConnector1">
             <a:avLst/>
@@ -24681,8 +24693,8 @@
         </p:nvSpPr>
         <p:spPr>
           <a:xfrm>
-            <a:off x="53124" y="62268"/>
-            <a:ext cx="11799569" cy="6740307"/>
+            <a:off x="0" y="62268"/>
+            <a:ext cx="12192000" cy="6740307"/>
           </a:xfrm>
           <a:prstGeom prst="rect">
             <a:avLst/>
@@ -24690,7 +24702,7 @@
           <a:noFill/>
         </p:spPr>
         <p:txBody>
-          <a:bodyPr wrap="square">
+          <a:bodyPr wrap="square" lIns="360000" rIns="360000">
             <a:spAutoFit/>
           </a:bodyPr>
           <a:lstStyle/>
@@ -25075,8 +25087,8 @@
         </p:nvSpPr>
         <p:spPr>
           <a:xfrm>
-            <a:off x="53124" y="62268"/>
-            <a:ext cx="11799569" cy="461665"/>
+            <a:off x="0" y="62268"/>
+            <a:ext cx="12192000" cy="461665"/>
           </a:xfrm>
           <a:prstGeom prst="rect">
             <a:avLst/>
@@ -25084,7 +25096,7 @@
           <a:noFill/>
         </p:spPr>
         <p:txBody>
-          <a:bodyPr wrap="square">
+          <a:bodyPr wrap="square" lIns="360000" rIns="360000">
             <a:spAutoFit/>
           </a:bodyPr>
           <a:lstStyle/>
@@ -25250,7 +25262,7 @@
           </a:prstGeom>
         </p:spPr>
         <p:txBody>
-          <a:bodyPr wrap="square">
+          <a:bodyPr wrap="square" lIns="360000" rIns="360000">
             <a:spAutoFit/>
           </a:bodyPr>
           <a:lstStyle/>
@@ -25341,8 +25353,8 @@
         </p:blipFill>
         <p:spPr>
           <a:xfrm>
-            <a:off x="-10221" y="1526556"/>
-            <a:ext cx="8334375" cy="5331444"/>
+            <a:off x="333375" y="1526556"/>
+            <a:ext cx="7990779" cy="5111648"/>
           </a:xfrm>
           <a:prstGeom prst="rect">
             <a:avLst/>
@@ -25365,7 +25377,7 @@
           </a:prstGeom>
         </p:spPr>
         <p:txBody>
-          <a:bodyPr wrap="square">
+          <a:bodyPr wrap="square" rIns="360000">
             <a:spAutoFit/>
           </a:bodyPr>
           <a:lstStyle/>
